--- a/slides/Kubernetes-Workshop.pptx
+++ b/slides/Kubernetes-Workshop.pptx
@@ -18,27 +18,28 @@
     <p:sldId id="333" r:id="rId12"/>
     <p:sldId id="327" r:id="rId13"/>
     <p:sldId id="328" r:id="rId14"/>
-    <p:sldId id="331" r:id="rId15"/>
-    <p:sldId id="332" r:id="rId16"/>
-    <p:sldId id="399" r:id="rId17"/>
-    <p:sldId id="334" r:id="rId18"/>
-    <p:sldId id="335" r:id="rId19"/>
-    <p:sldId id="396" r:id="rId20"/>
-    <p:sldId id="398" r:id="rId21"/>
-    <p:sldId id="400" r:id="rId22"/>
-    <p:sldId id="401" r:id="rId23"/>
-    <p:sldId id="402" r:id="rId24"/>
-    <p:sldId id="403" r:id="rId25"/>
-    <p:sldId id="404" r:id="rId26"/>
-    <p:sldId id="378" r:id="rId27"/>
-    <p:sldId id="394" r:id="rId28"/>
-    <p:sldId id="388" r:id="rId29"/>
-    <p:sldId id="395" r:id="rId30"/>
-    <p:sldId id="393" r:id="rId31"/>
-    <p:sldId id="405" r:id="rId32"/>
-    <p:sldId id="389" r:id="rId33"/>
-    <p:sldId id="390" r:id="rId34"/>
-    <p:sldId id="322" r:id="rId35"/>
+    <p:sldId id="406" r:id="rId15"/>
+    <p:sldId id="331" r:id="rId16"/>
+    <p:sldId id="332" r:id="rId17"/>
+    <p:sldId id="399" r:id="rId18"/>
+    <p:sldId id="334" r:id="rId19"/>
+    <p:sldId id="335" r:id="rId20"/>
+    <p:sldId id="396" r:id="rId21"/>
+    <p:sldId id="398" r:id="rId22"/>
+    <p:sldId id="400" r:id="rId23"/>
+    <p:sldId id="401" r:id="rId24"/>
+    <p:sldId id="402" r:id="rId25"/>
+    <p:sldId id="403" r:id="rId26"/>
+    <p:sldId id="404" r:id="rId27"/>
+    <p:sldId id="378" r:id="rId28"/>
+    <p:sldId id="394" r:id="rId29"/>
+    <p:sldId id="388" r:id="rId30"/>
+    <p:sldId id="395" r:id="rId31"/>
+    <p:sldId id="393" r:id="rId32"/>
+    <p:sldId id="405" r:id="rId33"/>
+    <p:sldId id="389" r:id="rId34"/>
+    <p:sldId id="390" r:id="rId35"/>
+    <p:sldId id="322" r:id="rId36"/>
   </p:sldIdLst>
   <p:sldSz cx="9144000" cy="5143500" type="screen16x9"/>
   <p:notesSz cx="6858000" cy="9144000"/>
@@ -209,6 +210,7 @@
             <p14:sldId id="333"/>
             <p14:sldId id="327"/>
             <p14:sldId id="328"/>
+            <p14:sldId id="406"/>
             <p14:sldId id="331"/>
             <p14:sldId id="332"/>
             <p14:sldId id="399"/>
@@ -30815,6 +30817,320 @@
       </p:grpSpPr>
       <p:sp>
         <p:nvSpPr>
+          <p:cNvPr id="4" name="Title 3">
+            <a:extLst>
+              <a:ext uri="{FF2B5EF4-FFF2-40B4-BE49-F238E27FC236}">
+                <a16:creationId xmlns:a16="http://schemas.microsoft.com/office/drawing/2014/main" id="{18DBE462-DD2D-45BF-B181-2483564AE529}"/>
+              </a:ext>
+            </a:extLst>
+          </p:cNvPr>
+          <p:cNvSpPr>
+            <a:spLocks noGrp="1"/>
+          </p:cNvSpPr>
+          <p:nvPr>
+            <p:ph type="title"/>
+          </p:nvPr>
+        </p:nvSpPr>
+        <p:spPr/>
+        <p:txBody>
+          <a:bodyPr/>
+          <a:lstStyle/>
+          <a:p>
+            <a:r>
+              <a:rPr lang="de-AT" dirty="0" err="1"/>
+              <a:t>kubectl</a:t>
+            </a:r>
+            <a:endParaRPr lang="de-AT" dirty="0"/>
+          </a:p>
+        </p:txBody>
+      </p:sp>
+      <p:sp>
+        <p:nvSpPr>
+          <p:cNvPr id="5" name="Content Placeholder 4">
+            <a:extLst>
+              <a:ext uri="{FF2B5EF4-FFF2-40B4-BE49-F238E27FC236}">
+                <a16:creationId xmlns:a16="http://schemas.microsoft.com/office/drawing/2014/main" id="{632C0FA2-ECC8-4ADC-A1D7-B942B7091B30}"/>
+              </a:ext>
+            </a:extLst>
+          </p:cNvPr>
+          <p:cNvSpPr>
+            <a:spLocks noGrp="1"/>
+          </p:cNvSpPr>
+          <p:nvPr>
+            <p:ph sz="quarter" idx="22"/>
+          </p:nvPr>
+        </p:nvSpPr>
+        <p:spPr>
+          <a:xfrm>
+            <a:off x="467544" y="178629"/>
+            <a:ext cx="5328592" cy="4721065"/>
+          </a:xfrm>
+        </p:spPr>
+        <p:txBody>
+          <a:bodyPr/>
+          <a:lstStyle/>
+          <a:p>
+            <a:r>
+              <a:rPr lang="en-US" noProof="1"/>
+              <a:t>kubectl get namespace</a:t>
+            </a:r>
+          </a:p>
+          <a:p>
+            <a:endParaRPr lang="en-US" noProof="1"/>
+          </a:p>
+          <a:p>
+            <a:r>
+              <a:rPr lang="en-US" noProof="1"/>
+              <a:t>kubectl create namespace …</a:t>
+            </a:r>
+          </a:p>
+          <a:p>
+            <a:endParaRPr lang="en-US" noProof="1"/>
+          </a:p>
+          <a:p>
+            <a:r>
+              <a:rPr lang="en-US" noProof="1"/>
+              <a:t>kubectl config set-context --current --namespace=…</a:t>
+            </a:r>
+          </a:p>
+          <a:p>
+            <a:endParaRPr lang="en-US" noProof="1"/>
+          </a:p>
+        </p:txBody>
+      </p:sp>
+      <p:sp>
+        <p:nvSpPr>
+          <p:cNvPr id="6" name="Text Placeholder 5">
+            <a:extLst>
+              <a:ext uri="{FF2B5EF4-FFF2-40B4-BE49-F238E27FC236}">
+                <a16:creationId xmlns:a16="http://schemas.microsoft.com/office/drawing/2014/main" id="{A50D287F-0D87-44E0-A8B9-C3102389D2E4}"/>
+              </a:ext>
+            </a:extLst>
+          </p:cNvPr>
+          <p:cNvSpPr>
+            <a:spLocks noGrp="1"/>
+          </p:cNvSpPr>
+          <p:nvPr>
+            <p:ph type="body" sz="quarter" idx="23"/>
+          </p:nvPr>
+        </p:nvSpPr>
+        <p:spPr/>
+        <p:txBody>
+          <a:bodyPr/>
+          <a:lstStyle/>
+          <a:p>
+            <a:endParaRPr lang="de-AT"/>
+          </a:p>
+        </p:txBody>
+      </p:sp>
+      <p:sp>
+        <p:nvSpPr>
+          <p:cNvPr id="7" name="Text Placeholder 6">
+            <a:extLst>
+              <a:ext uri="{FF2B5EF4-FFF2-40B4-BE49-F238E27FC236}">
+                <a16:creationId xmlns:a16="http://schemas.microsoft.com/office/drawing/2014/main" id="{BFD5AA9C-822A-4F4E-B4D4-B5FA25988D5D}"/>
+              </a:ext>
+            </a:extLst>
+          </p:cNvPr>
+          <p:cNvSpPr>
+            <a:spLocks noGrp="1"/>
+          </p:cNvSpPr>
+          <p:nvPr>
+            <p:ph type="body" sz="quarter" idx="24"/>
+          </p:nvPr>
+        </p:nvSpPr>
+        <p:spPr/>
+        <p:txBody>
+          <a:bodyPr/>
+          <a:lstStyle/>
+          <a:p>
+            <a:r>
+              <a:rPr lang="de-AT" dirty="0"/>
+              <a:t>Different </a:t>
+            </a:r>
+            <a:r>
+              <a:rPr lang="de-AT" dirty="0" err="1"/>
+              <a:t>output</a:t>
+            </a:r>
+            <a:r>
+              <a:rPr lang="de-AT" dirty="0"/>
+              <a:t> </a:t>
+            </a:r>
+            <a:r>
+              <a:rPr lang="de-AT" dirty="0" err="1"/>
+              <a:t>formats</a:t>
+            </a:r>
+            <a:endParaRPr lang="de-AT" dirty="0"/>
+          </a:p>
+          <a:p>
+            <a:pPr lvl="1"/>
+            <a:r>
+              <a:rPr lang="de-AT" dirty="0"/>
+              <a:t>E.g. JSON, YAML, </a:t>
+            </a:r>
+            <a:r>
+              <a:rPr lang="de-AT" dirty="0" err="1"/>
+              <a:t>tables</a:t>
+            </a:r>
+            <a:endParaRPr lang="de-AT" dirty="0"/>
+          </a:p>
+          <a:p>
+            <a:pPr lvl="1"/>
+            <a:r>
+              <a:rPr lang="de-AT" dirty="0">
+                <a:hlinkClick r:id="rId2"/>
+              </a:rPr>
+              <a:t>Details…</a:t>
+            </a:r>
+            <a:endParaRPr lang="de-AT" dirty="0"/>
+          </a:p>
+          <a:p>
+            <a:r>
+              <a:rPr lang="de-AT" dirty="0">
+                <a:hlinkClick r:id="rId3"/>
+              </a:rPr>
+              <a:t>Cheat </a:t>
+            </a:r>
+            <a:r>
+              <a:rPr lang="de-AT" dirty="0" err="1">
+                <a:hlinkClick r:id="rId3"/>
+              </a:rPr>
+              <a:t>sheet</a:t>
+            </a:r>
+            <a:r>
+              <a:rPr lang="de-AT" dirty="0">
+                <a:hlinkClick r:id="rId3"/>
+              </a:rPr>
+              <a:t>…</a:t>
+            </a:r>
+            <a:endParaRPr lang="de-AT" dirty="0"/>
+          </a:p>
+          <a:p>
+            <a:r>
+              <a:rPr lang="de-AT" dirty="0" err="1"/>
+              <a:t>You</a:t>
+            </a:r>
+            <a:r>
+              <a:rPr lang="de-AT" dirty="0"/>
+              <a:t> </a:t>
+            </a:r>
+            <a:r>
+              <a:rPr lang="de-AT" dirty="0" err="1"/>
+              <a:t>know</a:t>
+            </a:r>
+            <a:r>
+              <a:rPr lang="de-AT" dirty="0"/>
+              <a:t> Docker?</a:t>
+            </a:r>
+          </a:p>
+          <a:p>
+            <a:pPr lvl="1"/>
+            <a:r>
+              <a:rPr lang="de-AT" i="1" dirty="0" err="1">
+                <a:hlinkClick r:id="rId4"/>
+              </a:rPr>
+              <a:t>kubectl</a:t>
+            </a:r>
+            <a:r>
+              <a:rPr lang="de-AT" i="1" dirty="0">
+                <a:hlinkClick r:id="rId4"/>
+              </a:rPr>
+              <a:t> </a:t>
+            </a:r>
+            <a:r>
+              <a:rPr lang="de-AT" dirty="0" err="1">
+                <a:hlinkClick r:id="rId4"/>
+              </a:rPr>
+              <a:t>for</a:t>
+            </a:r>
+            <a:r>
+              <a:rPr lang="de-AT" dirty="0">
+                <a:hlinkClick r:id="rId4"/>
+              </a:rPr>
+              <a:t> Docker </a:t>
+            </a:r>
+            <a:r>
+              <a:rPr lang="de-AT" dirty="0" err="1">
+                <a:hlinkClick r:id="rId4"/>
+              </a:rPr>
+              <a:t>users</a:t>
+            </a:r>
+            <a:r>
+              <a:rPr lang="de-AT" dirty="0">
+                <a:hlinkClick r:id="rId4"/>
+              </a:rPr>
+              <a:t>…</a:t>
+            </a:r>
+            <a:endParaRPr lang="de-AT" dirty="0"/>
+          </a:p>
+        </p:txBody>
+      </p:sp>
+      <p:sp>
+        <p:nvSpPr>
+          <p:cNvPr id="8" name="Text Placeholder 7">
+            <a:extLst>
+              <a:ext uri="{FF2B5EF4-FFF2-40B4-BE49-F238E27FC236}">
+                <a16:creationId xmlns:a16="http://schemas.microsoft.com/office/drawing/2014/main" id="{4D633786-3567-498D-8DCE-FFFE1940572C}"/>
+              </a:ext>
+            </a:extLst>
+          </p:cNvPr>
+          <p:cNvSpPr>
+            <a:spLocks noGrp="1"/>
+          </p:cNvSpPr>
+          <p:nvPr>
+            <p:ph type="body" sz="quarter" idx="25"/>
+          </p:nvPr>
+        </p:nvSpPr>
+        <p:spPr/>
+        <p:txBody>
+          <a:bodyPr/>
+          <a:lstStyle/>
+          <a:p>
+            <a:r>
+              <a:rPr lang="de-AT" dirty="0">
+                <a:hlinkClick r:id="rId5"/>
+              </a:rPr>
+              <a:t>https://kubernetes.io/docs/reference/kubectl/overview/</a:t>
+            </a:r>
+            <a:endParaRPr lang="de-AT" dirty="0"/>
+          </a:p>
+        </p:txBody>
+      </p:sp>
+    </p:spTree>
+    <p:extLst>
+      <p:ext uri="{BB962C8B-B14F-4D97-AF65-F5344CB8AC3E}">
+        <p14:creationId xmlns:p14="http://schemas.microsoft.com/office/powerpoint/2010/main" val="2463802434"/>
+      </p:ext>
+    </p:extLst>
+  </p:cSld>
+  <p:clrMapOvr>
+    <a:masterClrMapping/>
+  </p:clrMapOvr>
+  <p:transition spd="slow">
+    <p:push/>
+  </p:transition>
+</p:sld>
+</file>
+
+<file path=ppt/slides/slide14.xml><?xml version="1.0" encoding="utf-8"?>
+<p:sld xmlns:a="http://schemas.openxmlformats.org/drawingml/2006/main" xmlns:r="http://schemas.openxmlformats.org/officeDocument/2006/relationships" xmlns:p="http://schemas.openxmlformats.org/presentationml/2006/main">
+  <p:cSld>
+    <p:spTree>
+      <p:nvGrpSpPr>
+        <p:cNvPr id="1" name=""/>
+        <p:cNvGrpSpPr/>
+        <p:nvPr/>
+      </p:nvGrpSpPr>
+      <p:grpSpPr>
+        <a:xfrm>
+          <a:off x="0" y="0"/>
+          <a:ext cx="0" cy="0"/>
+          <a:chOff x="0" y="0"/>
+          <a:chExt cx="0" cy="0"/>
+        </a:xfrm>
+      </p:grpSpPr>
+      <p:sp>
+        <p:nvSpPr>
           <p:cNvPr id="9" name="Title 8">
             <a:extLst>
               <a:ext uri="{FF2B5EF4-FFF2-40B4-BE49-F238E27FC236}">
@@ -30967,7 +31283,7 @@
 </p:sld>
 </file>
 
-<file path=ppt/slides/slide14.xml><?xml version="1.0" encoding="utf-8"?>
+<file path=ppt/slides/slide15.xml><?xml version="1.0" encoding="utf-8"?>
 <p:sld xmlns:a="http://schemas.openxmlformats.org/drawingml/2006/main" xmlns:r="http://schemas.openxmlformats.org/officeDocument/2006/relationships" xmlns:p="http://schemas.openxmlformats.org/presentationml/2006/main">
   <p:cSld>
     <p:spTree>
@@ -31034,198 +31350,213 @@
           <a:lstStyle/>
           <a:p>
             <a:r>
-              <a:rPr lang="en-US" noProof="1"/>
+              <a:rPr lang="en-US" sz="1050" noProof="1"/>
               <a:t># Create deployment</a:t>
             </a:r>
           </a:p>
           <a:p>
             <a:r>
-              <a:rPr lang="en-US" noProof="1">
+              <a:rPr lang="en-US" sz="1050" noProof="1">
                 <a:hlinkClick r:id="rId2"/>
               </a:rPr>
               <a:t>kubectl run</a:t>
             </a:r>
             <a:r>
-              <a:rPr lang="en-US" noProof="1"/>
+              <a:rPr lang="en-US" sz="1050" noProof="1"/>
               <a:t> nginx --image=nginx:alpine --port=80</a:t>
             </a:r>
           </a:p>
           <a:p>
             <a:r>
-              <a:rPr lang="en-US" noProof="1">
+              <a:rPr lang="en-US" sz="1050" noProof="1">
                 <a:hlinkClick r:id="rId3"/>
               </a:rPr>
               <a:t>kubectl get</a:t>
             </a:r>
             <a:r>
-              <a:rPr lang="en-US" noProof="1"/>
+              <a:rPr lang="en-US" sz="1050" noProof="1"/>
               <a:t> deployments</a:t>
             </a:r>
           </a:p>
           <a:p>
             <a:r>
-              <a:rPr lang="en-US" noProof="1"/>
+              <a:rPr lang="en-US" sz="1050" noProof="1"/>
               <a:t>kubectl get pods</a:t>
             </a:r>
           </a:p>
           <a:p>
-            <a:endParaRPr lang="en-US" noProof="1"/>
-          </a:p>
-          <a:p>
-            <a:r>
-              <a:rPr lang="en-US" noProof="1"/>
+            <a:endParaRPr lang="en-US" sz="1050" noProof="1"/>
+          </a:p>
+          <a:p>
+            <a:r>
+              <a:rPr lang="en-US" sz="1050" noProof="1"/>
+              <a:t># Interactive Pod</a:t>
+            </a:r>
+          </a:p>
+          <a:p>
+            <a:r>
+              <a:rPr lang="en-US" sz="1050" noProof="1"/>
+              <a:t>kubectl run my-shell --rm –it --image debian -- bash</a:t>
+            </a:r>
+          </a:p>
+          <a:p>
+            <a:endParaRPr lang="en-US" sz="1050" noProof="1"/>
+          </a:p>
+          <a:p>
+            <a:r>
+              <a:rPr lang="en-US" sz="1050" noProof="1"/>
               <a:t># Scale</a:t>
             </a:r>
           </a:p>
           <a:p>
             <a:r>
-              <a:rPr lang="en-US" noProof="1">
+              <a:rPr lang="en-US" sz="1050" noProof="1">
                 <a:hlinkClick r:id="rId4"/>
               </a:rPr>
               <a:t>kubectl scale</a:t>
             </a:r>
             <a:r>
-              <a:rPr lang="en-US" noProof="1"/>
+              <a:rPr lang="en-US" sz="1050" noProof="1"/>
               <a:t> deployment nginx --replicas=3</a:t>
             </a:r>
           </a:p>
           <a:p>
-            <a:endParaRPr lang="en-US" noProof="1"/>
-          </a:p>
-          <a:p>
-            <a:r>
-              <a:rPr lang="en-US" noProof="1"/>
+            <a:endParaRPr lang="en-US" sz="1050" noProof="1"/>
+          </a:p>
+          <a:p>
+            <a:r>
+              <a:rPr lang="en-US" sz="1050" noProof="1"/>
               <a:t># Work with deployment’s labels</a:t>
             </a:r>
           </a:p>
           <a:p>
             <a:r>
-              <a:rPr lang="en-US" noProof="1">
+              <a:rPr lang="en-US" sz="1050" noProof="1">
                 <a:hlinkClick r:id="rId5"/>
               </a:rPr>
               <a:t>kubectl describe</a:t>
             </a:r>
             <a:r>
-              <a:rPr lang="en-US" noProof="1"/>
+              <a:rPr lang="en-US" sz="1050" noProof="1"/>
               <a:t> deployment nginx</a:t>
             </a:r>
           </a:p>
           <a:p>
             <a:r>
-              <a:rPr lang="en-US" noProof="1">
+              <a:rPr lang="en-US" sz="1050" noProof="1">
                 <a:hlinkClick r:id="rId6"/>
               </a:rPr>
               <a:t>kubectl label</a:t>
             </a:r>
             <a:r>
-              <a:rPr lang="en-US" noProof="1"/>
+              <a:rPr lang="en-US" sz="1050" noProof="1"/>
               <a:t> deployment nginx env=testing</a:t>
             </a:r>
           </a:p>
           <a:p>
             <a:r>
-              <a:rPr lang="en-US" noProof="1"/>
+              <a:rPr lang="en-US" sz="1050" noProof="1"/>
               <a:t>kubectl describe deployment nginx</a:t>
             </a:r>
           </a:p>
           <a:p>
             <a:r>
-              <a:rPr lang="en-US" noProof="1"/>
+              <a:rPr lang="en-US" sz="1050" noProof="1"/>
               <a:t>kubectl get deployment -l env=testing -o yaml</a:t>
             </a:r>
           </a:p>
           <a:p>
-            <a:endParaRPr lang="en-US" noProof="1"/>
-          </a:p>
-          <a:p>
-            <a:r>
-              <a:rPr lang="en-US" noProof="1"/>
+            <a:endParaRPr lang="en-US" sz="1050" noProof="1"/>
+          </a:p>
+          <a:p>
+            <a:r>
+              <a:rPr lang="en-US" sz="1050" noProof="1"/>
               <a:t># Create service</a:t>
             </a:r>
           </a:p>
           <a:p>
             <a:r>
-              <a:rPr lang="en-US" noProof="1">
+              <a:rPr lang="en-US" sz="1050" noProof="1">
                 <a:hlinkClick r:id="rId7"/>
               </a:rPr>
               <a:t>kubectl expose</a:t>
             </a:r>
             <a:r>
-              <a:rPr lang="en-US" noProof="1"/>
+              <a:rPr lang="en-US" sz="1050" noProof="1"/>
               <a:t> deployment nginx --type=NodePort</a:t>
             </a:r>
           </a:p>
           <a:p>
             <a:r>
-              <a:rPr lang="en-US" noProof="1"/>
+              <a:rPr lang="en-US" sz="1050" noProof="1"/>
               <a:t>kubectl get services</a:t>
             </a:r>
           </a:p>
           <a:p>
             <a:r>
-              <a:rPr lang="en-US" noProof="1"/>
+              <a:rPr lang="en-US" sz="1050" noProof="1"/>
               <a:t># Open </a:t>
             </a:r>
             <a:r>
-              <a:rPr lang="en-US" i="1" noProof="1"/>
+              <a:rPr lang="en-US" sz="1050" i="1" noProof="1"/>
               <a:t>http://127.0.0.1:&lt;port&gt;</a:t>
             </a:r>
           </a:p>
           <a:p>
-            <a:endParaRPr lang="en-US" noProof="1"/>
-          </a:p>
-          <a:p>
-            <a:r>
-              <a:rPr lang="en-US" noProof="1"/>
+            <a:endParaRPr lang="en-US" sz="1050" noProof="1"/>
+          </a:p>
+          <a:p>
+            <a:r>
+              <a:rPr lang="en-US" sz="1050" noProof="1"/>
               <a:t># Try Kubernetes Dashboard</a:t>
             </a:r>
           </a:p>
           <a:p>
             <a:r>
-              <a:rPr lang="en-US" noProof="1"/>
+              <a:rPr lang="en-US" sz="1050" noProof="1"/>
               <a:t>kubectl proxy</a:t>
             </a:r>
           </a:p>
           <a:p>
             <a:r>
-              <a:rPr lang="en-US" noProof="1"/>
+              <a:rPr lang="en-US" sz="1050" noProof="1"/>
               <a:t># Open </a:t>
             </a:r>
             <a:r>
-              <a:rPr lang="en-US" noProof="1">
+              <a:rPr lang="en-US" sz="1050" noProof="1">
                 <a:hlinkClick r:id="rId8"/>
               </a:rPr>
               <a:t>http://localhost:8001/ui</a:t>
             </a:r>
             <a:r>
-              <a:rPr lang="en-US" noProof="1"/>
+              <a:rPr lang="en-US" sz="1050" noProof="1"/>
               <a:t> for Dashboard</a:t>
             </a:r>
           </a:p>
           <a:p>
-            <a:endParaRPr lang="en-US" noProof="1"/>
-          </a:p>
-          <a:p>
-            <a:r>
-              <a:rPr lang="en-US" noProof="1"/>
+            <a:endParaRPr lang="en-US" sz="1050" noProof="1"/>
+          </a:p>
+          <a:p>
+            <a:r>
+              <a:rPr lang="en-US" sz="1050" noProof="1"/>
               <a:t># Delete deployment and service</a:t>
             </a:r>
           </a:p>
           <a:p>
             <a:r>
-              <a:rPr lang="en-US" noProof="1">
+              <a:rPr lang="en-US" sz="1050" noProof="1">
                 <a:hlinkClick r:id="rId9"/>
               </a:rPr>
               <a:t>kubectl delete</a:t>
             </a:r>
             <a:r>
-              <a:rPr lang="en-US" noProof="1"/>
+              <a:rPr lang="en-US" sz="1050" noProof="1"/>
               <a:t> deployment nginx</a:t>
             </a:r>
           </a:p>
           <a:p>
             <a:r>
-              <a:rPr lang="en-US" noProof="1"/>
+              <a:rPr lang="en-US" sz="1050" noProof="1"/>
               <a:t>kubectl delete service nginx</a:t>
             </a:r>
           </a:p>
@@ -31394,7 +31725,7 @@
 </p:sld>
 </file>
 
-<file path=ppt/slides/slide15.xml><?xml version="1.0" encoding="utf-8"?>
+<file path=ppt/slides/slide16.xml><?xml version="1.0" encoding="utf-8"?>
 <p:sld xmlns:a="http://schemas.openxmlformats.org/drawingml/2006/main" xmlns:r="http://schemas.openxmlformats.org/officeDocument/2006/relationships" xmlns:p="http://schemas.openxmlformats.org/presentationml/2006/main">
   <p:cSld>
     <p:spTree>
@@ -31545,340 +31876,6 @@
 </p:sld>
 </file>
 
-<file path=ppt/slides/slide16.xml><?xml version="1.0" encoding="utf-8"?>
-<p:sld xmlns:a="http://schemas.openxmlformats.org/drawingml/2006/main" xmlns:r="http://schemas.openxmlformats.org/officeDocument/2006/relationships" xmlns:p="http://schemas.openxmlformats.org/presentationml/2006/main">
-  <p:cSld>
-    <p:spTree>
-      <p:nvGrpSpPr>
-        <p:cNvPr id="1" name=""/>
-        <p:cNvGrpSpPr/>
-        <p:nvPr/>
-      </p:nvGrpSpPr>
-      <p:grpSpPr>
-        <a:xfrm>
-          <a:off x="0" y="0"/>
-          <a:ext cx="0" cy="0"/>
-          <a:chOff x="0" y="0"/>
-          <a:chExt cx="0" cy="0"/>
-        </a:xfrm>
-      </p:grpSpPr>
-      <p:sp>
-        <p:nvSpPr>
-          <p:cNvPr id="2" name="Title 1">
-            <a:extLst>
-              <a:ext uri="{FF2B5EF4-FFF2-40B4-BE49-F238E27FC236}">
-                <a16:creationId xmlns:a16="http://schemas.microsoft.com/office/drawing/2014/main" id="{DD9A3DD1-5FE4-4020-B4B2-BC6DD8AF2A42}"/>
-              </a:ext>
-            </a:extLst>
-          </p:cNvPr>
-          <p:cNvSpPr>
-            <a:spLocks noGrp="1"/>
-          </p:cNvSpPr>
-          <p:nvPr>
-            <p:ph type="title"/>
-          </p:nvPr>
-        </p:nvSpPr>
-        <p:spPr/>
-        <p:txBody>
-          <a:bodyPr/>
-          <a:lstStyle/>
-          <a:p>
-            <a:r>
-              <a:rPr lang="de-AT" sz="2000" dirty="0" err="1"/>
-              <a:t>Pods</a:t>
-            </a:r>
-            <a:endParaRPr lang="de-AT" sz="2000" dirty="0"/>
-          </a:p>
-        </p:txBody>
-      </p:sp>
-      <p:sp>
-        <p:nvSpPr>
-          <p:cNvPr id="5" name="Content Placeholder 4">
-            <a:extLst>
-              <a:ext uri="{FF2B5EF4-FFF2-40B4-BE49-F238E27FC236}">
-                <a16:creationId xmlns:a16="http://schemas.microsoft.com/office/drawing/2014/main" id="{6BCD0C5B-2055-4A62-BE45-C45AB07549F3}"/>
-              </a:ext>
-            </a:extLst>
-          </p:cNvPr>
-          <p:cNvSpPr>
-            <a:spLocks noGrp="1"/>
-          </p:cNvSpPr>
-          <p:nvPr>
-            <p:ph sz="quarter" idx="22"/>
-          </p:nvPr>
-        </p:nvSpPr>
-        <p:spPr/>
-        <p:txBody>
-          <a:bodyPr/>
-          <a:lstStyle/>
-          <a:p>
-            <a:r>
-              <a:rPr lang="en-US" noProof="1"/>
-              <a:t>kind: Pod</a:t>
-            </a:r>
-          </a:p>
-          <a:p>
-            <a:r>
-              <a:rPr lang="en-US" noProof="1"/>
-              <a:t>apiVersion: v1</a:t>
-            </a:r>
-          </a:p>
-          <a:p>
-            <a:r>
-              <a:rPr lang="en-US" noProof="1"/>
-              <a:t>metadata:</a:t>
-            </a:r>
-          </a:p>
-          <a:p>
-            <a:r>
-              <a:rPr lang="en-US" noProof="1"/>
-              <a:t>  name: nginx-pod</a:t>
-            </a:r>
-          </a:p>
-          <a:p>
-            <a:r>
-              <a:rPr lang="en-US" noProof="1"/>
-              <a:t>  labels:</a:t>
-            </a:r>
-          </a:p>
-          <a:p>
-            <a:r>
-              <a:rPr lang="en-US" noProof="1"/>
-              <a:t>    name: nginx-pod</a:t>
-            </a:r>
-          </a:p>
-          <a:p>
-            <a:r>
-              <a:rPr lang="en-US" noProof="1"/>
-              <a:t>    app: workshop</a:t>
-            </a:r>
-          </a:p>
-          <a:p>
-            <a:r>
-              <a:rPr lang="en-US" noProof="1"/>
-              <a:t>spec:</a:t>
-            </a:r>
-          </a:p>
-          <a:p>
-            <a:r>
-              <a:rPr lang="en-US" noProof="1"/>
-              <a:t>  containers:</a:t>
-            </a:r>
-          </a:p>
-          <a:p>
-            <a:r>
-              <a:rPr lang="en-US" noProof="1"/>
-              <a:t>  - name: nginx-pod</a:t>
-            </a:r>
-          </a:p>
-          <a:p>
-            <a:r>
-              <a:rPr lang="en-US" noProof="1"/>
-              <a:t>    image: nginx</a:t>
-            </a:r>
-          </a:p>
-          <a:p>
-            <a:r>
-              <a:rPr lang="en-US" noProof="1"/>
-              <a:t>    ports:</a:t>
-            </a:r>
-          </a:p>
-          <a:p>
-            <a:r>
-              <a:rPr lang="en-US" noProof="1"/>
-              <a:t>      - containerPort: 80</a:t>
-            </a:r>
-          </a:p>
-          <a:p>
-            <a:r>
-              <a:rPr lang="en-US" noProof="1"/>
-              <a:t>        name: http</a:t>
-            </a:r>
-          </a:p>
-          <a:p>
-            <a:r>
-              <a:rPr lang="en-US" noProof="1"/>
-              <a:t>        protocol: TCP</a:t>
-            </a:r>
-          </a:p>
-          <a:p>
-            <a:endParaRPr lang="en-US" noProof="1"/>
-          </a:p>
-          <a:p>
-            <a:r>
-              <a:rPr lang="en-US" noProof="1"/>
-              <a:t>###</a:t>
-            </a:r>
-          </a:p>
-          <a:p>
-            <a:endParaRPr lang="en-US" noProof="1"/>
-          </a:p>
-          <a:p>
-            <a:r>
-              <a:rPr lang="en-US" noProof="1">
-                <a:hlinkClick r:id="rId2"/>
-              </a:rPr>
-              <a:t>kubectl create</a:t>
-            </a:r>
-            <a:r>
-              <a:rPr lang="en-US" noProof="1"/>
-              <a:t> -f nginx-pod.yaml</a:t>
-            </a:r>
-          </a:p>
-          <a:p>
-            <a:r>
-              <a:rPr lang="en-US" noProof="1"/>
-              <a:t>kubectl get pods</a:t>
-            </a:r>
-          </a:p>
-          <a:p>
-            <a:r>
-              <a:rPr lang="en-US" noProof="1"/>
-              <a:t>kubectl expose pod nginx-pod --type NodePort</a:t>
-            </a:r>
-          </a:p>
-          <a:p>
-            <a:r>
-              <a:rPr lang="en-US" noProof="1"/>
-              <a:t>kubectl get services</a:t>
-            </a:r>
-          </a:p>
-          <a:p>
-            <a:r>
-              <a:rPr lang="en-US" noProof="1">
-                <a:hlinkClick r:id="rId3"/>
-              </a:rPr>
-              <a:t>kubectl exec</a:t>
-            </a:r>
-            <a:r>
-              <a:rPr lang="en-US" noProof="1"/>
-              <a:t> -it nginx-pod -- /bin/bash</a:t>
-            </a:r>
-          </a:p>
-          <a:p>
-            <a:endParaRPr lang="en-US" noProof="1"/>
-          </a:p>
-        </p:txBody>
-      </p:sp>
-      <p:sp>
-        <p:nvSpPr>
-          <p:cNvPr id="6" name="Text Placeholder 5">
-            <a:extLst>
-              <a:ext uri="{FF2B5EF4-FFF2-40B4-BE49-F238E27FC236}">
-                <a16:creationId xmlns:a16="http://schemas.microsoft.com/office/drawing/2014/main" id="{D7725E9C-7835-4A36-8F25-1DD28D32CCBC}"/>
-              </a:ext>
-            </a:extLst>
-          </p:cNvPr>
-          <p:cNvSpPr>
-            <a:spLocks noGrp="1"/>
-          </p:cNvSpPr>
-          <p:nvPr>
-            <p:ph type="body" sz="quarter" idx="23"/>
-          </p:nvPr>
-        </p:nvSpPr>
-        <p:spPr/>
-        <p:txBody>
-          <a:bodyPr/>
-          <a:lstStyle/>
-          <a:p>
-            <a:endParaRPr lang="de-AT"/>
-          </a:p>
-        </p:txBody>
-      </p:sp>
-      <p:sp>
-        <p:nvSpPr>
-          <p:cNvPr id="7" name="Text Placeholder 6">
-            <a:extLst>
-              <a:ext uri="{FF2B5EF4-FFF2-40B4-BE49-F238E27FC236}">
-                <a16:creationId xmlns:a16="http://schemas.microsoft.com/office/drawing/2014/main" id="{CE0DF127-51AF-42DA-BA5F-8110159D8B4D}"/>
-              </a:ext>
-            </a:extLst>
-          </p:cNvPr>
-          <p:cNvSpPr>
-            <a:spLocks noGrp="1"/>
-          </p:cNvSpPr>
-          <p:nvPr>
-            <p:ph type="body" sz="quarter" idx="24"/>
-          </p:nvPr>
-        </p:nvSpPr>
-        <p:spPr/>
-        <p:txBody>
-          <a:bodyPr/>
-          <a:lstStyle/>
-          <a:p>
-            <a:r>
-              <a:rPr lang="de-AT" dirty="0"/>
-              <a:t>Tipp: </a:t>
-            </a:r>
-            <a:r>
-              <a:rPr lang="de-AT" dirty="0" err="1">
-                <a:hlinkClick r:id="rId4"/>
-              </a:rPr>
-              <a:t>Kubernetes</a:t>
-            </a:r>
-            <a:r>
-              <a:rPr lang="de-AT" dirty="0">
-                <a:hlinkClick r:id="rId4"/>
-              </a:rPr>
-              <a:t> Snippets in </a:t>
-            </a:r>
-            <a:r>
-              <a:rPr lang="de-AT" dirty="0" err="1">
-                <a:hlinkClick r:id="rId4"/>
-              </a:rPr>
-              <a:t>VSCode</a:t>
-            </a:r>
-            <a:endParaRPr lang="de-AT" dirty="0"/>
-          </a:p>
-        </p:txBody>
-      </p:sp>
-      <p:sp>
-        <p:nvSpPr>
-          <p:cNvPr id="8" name="Text Placeholder 7">
-            <a:extLst>
-              <a:ext uri="{FF2B5EF4-FFF2-40B4-BE49-F238E27FC236}">
-                <a16:creationId xmlns:a16="http://schemas.microsoft.com/office/drawing/2014/main" id="{CC4C05B5-DCAD-4EE0-8F06-49F3251044D6}"/>
-              </a:ext>
-            </a:extLst>
-          </p:cNvPr>
-          <p:cNvSpPr>
-            <a:spLocks noGrp="1"/>
-          </p:cNvSpPr>
-          <p:nvPr>
-            <p:ph type="body" sz="quarter" idx="25"/>
-          </p:nvPr>
-        </p:nvSpPr>
-        <p:spPr/>
-        <p:txBody>
-          <a:bodyPr/>
-          <a:lstStyle/>
-          <a:p>
-            <a:r>
-              <a:rPr lang="de-AT" dirty="0">
-                <a:hlinkClick r:id="rId5"/>
-              </a:rPr>
-              <a:t>https://kubernetes.io/docs/concepts/overview/object-management-kubectl/imperative-config/</a:t>
-            </a:r>
-            <a:endParaRPr lang="de-AT" dirty="0"/>
-          </a:p>
-        </p:txBody>
-      </p:sp>
-    </p:spTree>
-    <p:extLst>
-      <p:ext uri="{BB962C8B-B14F-4D97-AF65-F5344CB8AC3E}">
-        <p14:creationId xmlns:p14="http://schemas.microsoft.com/office/powerpoint/2010/main" val="3647470415"/>
-      </p:ext>
-    </p:extLst>
-  </p:cSld>
-  <p:clrMapOvr>
-    <a:masterClrMapping/>
-  </p:clrMapOvr>
-  <p:transition spd="slow">
-    <p:push/>
-  </p:transition>
-</p:sld>
-</file>
-
 <file path=ppt/slides/slide17.xml><?xml version="1.0" encoding="utf-8"?>
 <p:sld xmlns:a="http://schemas.openxmlformats.org/drawingml/2006/main" xmlns:r="http://schemas.openxmlformats.org/officeDocument/2006/relationships" xmlns:p="http://schemas.openxmlformats.org/presentationml/2006/main">
   <p:cSld>
@@ -31918,9 +31915,10 @@
           <a:lstStyle/>
           <a:p>
             <a:r>
-              <a:rPr lang="de-AT" sz="2000" dirty="0"/>
-              <a:t>Services</a:t>
-            </a:r>
+              <a:rPr lang="de-AT" sz="2000" dirty="0" err="1"/>
+              <a:t>Pods</a:t>
+            </a:r>
+            <a:endParaRPr lang="de-AT" sz="2000" dirty="0"/>
           </a:p>
         </p:txBody>
       </p:sp>
@@ -31947,7 +31945,7 @@
           <a:p>
             <a:r>
               <a:rPr lang="en-US" noProof="1"/>
-              <a:t>kind: Service</a:t>
+              <a:t>kind: Pod</a:t>
             </a:r>
           </a:p>
           <a:p>
@@ -31965,7 +31963,25 @@
           <a:p>
             <a:r>
               <a:rPr lang="en-US" noProof="1"/>
-              <a:t>  name: web-svc</a:t>
+              <a:t>  name: nginx-pod</a:t>
+            </a:r>
+          </a:p>
+          <a:p>
+            <a:r>
+              <a:rPr lang="en-US" noProof="1"/>
+              <a:t>  labels:</a:t>
+            </a:r>
+          </a:p>
+          <a:p>
+            <a:r>
+              <a:rPr lang="en-US" noProof="1"/>
+              <a:t>    name: nginx-pod</a:t>
+            </a:r>
+          </a:p>
+          <a:p>
+            <a:r>
+              <a:rPr lang="en-US" noProof="1"/>
+              <a:t>    app: workshop</a:t>
             </a:r>
           </a:p>
           <a:p>
@@ -31977,37 +31993,43 @@
           <a:p>
             <a:r>
               <a:rPr lang="en-US" noProof="1"/>
-              <a:t>  selector:</a:t>
+              <a:t>  containers:</a:t>
             </a:r>
           </a:p>
           <a:p>
             <a:r>
               <a:rPr lang="en-US" noProof="1"/>
-              <a:t>    app: workshop</a:t>
+              <a:t>  - name: nginx-pod</a:t>
             </a:r>
           </a:p>
           <a:p>
             <a:r>
               <a:rPr lang="en-US" noProof="1"/>
-              <a:t>  ports:</a:t>
+              <a:t>    image: nginx</a:t>
             </a:r>
           </a:p>
           <a:p>
             <a:r>
               <a:rPr lang="en-US" noProof="1"/>
-              <a:t>  - port: 8080</a:t>
+              <a:t>    ports:</a:t>
             </a:r>
           </a:p>
           <a:p>
             <a:r>
               <a:rPr lang="en-US" noProof="1"/>
-              <a:t>    targetPort: 80</a:t>
+              <a:t>      - containerPort: 80</a:t>
             </a:r>
           </a:p>
           <a:p>
             <a:r>
               <a:rPr lang="en-US" noProof="1"/>
-              <a:t>  type: NodePort</a:t>
+              <a:t>        name: http</a:t>
+            </a:r>
+          </a:p>
+          <a:p>
+            <a:r>
+              <a:rPr lang="en-US" noProof="1"/>
+              <a:t>        protocol: TCP</a:t>
             </a:r>
           </a:p>
           <a:p>
@@ -32024,14 +32046,26 @@
           </a:p>
           <a:p>
             <a:r>
+              <a:rPr lang="en-US" noProof="1">
+                <a:hlinkClick r:id="rId2"/>
+              </a:rPr>
+              <a:t>kubectl create</a:t>
+            </a:r>
+            <a:r>
               <a:rPr lang="en-US" noProof="1"/>
-              <a:t>kubectl create -f .\nginx-pod.yaml</a:t>
+              <a:t> -f nginx-pod.yaml</a:t>
             </a:r>
           </a:p>
           <a:p>
             <a:r>
               <a:rPr lang="en-US" noProof="1"/>
-              <a:t>kubectl create -f .\nginx-service.yaml</a:t>
+              <a:t>kubectl get pods</a:t>
+            </a:r>
+          </a:p>
+          <a:p>
+            <a:r>
+              <a:rPr lang="en-US" noProof="1"/>
+              <a:t>kubectl expose pod nginx-pod --type NodePort</a:t>
             </a:r>
           </a:p>
           <a:p>
@@ -32042,14 +32076,14 @@
           </a:p>
           <a:p>
             <a:r>
+              <a:rPr lang="en-US" noProof="1">
+                <a:hlinkClick r:id="rId3"/>
+              </a:rPr>
+              <a:t>kubectl exec</a:t>
+            </a:r>
+            <a:r>
               <a:rPr lang="en-US" noProof="1"/>
-              <a:t>kubectl delete -f .\nginx-service.yaml</a:t>
-            </a:r>
-          </a:p>
-          <a:p>
-            <a:r>
-              <a:rPr lang="en-US" noProof="1"/>
-              <a:t>kubectl delete -f .\nginx-pod.yaml</a:t>
+              <a:t> -it nginx-pod -- /bin/bash</a:t>
             </a:r>
           </a:p>
           <a:p>
@@ -32105,40 +32139,27 @@
           <a:p>
             <a:r>
               <a:rPr lang="de-AT" dirty="0"/>
-              <a:t>Service </a:t>
-            </a:r>
-            <a:r>
-              <a:rPr lang="de-AT" dirty="0" err="1"/>
-              <a:t>Types</a:t>
+              <a:t>Tipp: </a:t>
+            </a:r>
+            <a:r>
+              <a:rPr lang="de-AT" dirty="0" err="1">
+                <a:hlinkClick r:id="rId4"/>
+              </a:rPr>
+              <a:t>Kubernetes</a:t>
+            </a:r>
+            <a:r>
+              <a:rPr lang="de-AT" dirty="0">
+                <a:hlinkClick r:id="rId4"/>
+              </a:rPr>
+              <a:t> Snippets in </a:t>
+            </a:r>
+            <a:r>
+              <a:rPr lang="de-AT" dirty="0" err="1">
+                <a:hlinkClick r:id="rId4"/>
+              </a:rPr>
+              <a:t>VSCode</a:t>
             </a:r>
             <a:endParaRPr lang="de-AT" dirty="0"/>
-          </a:p>
-          <a:p>
-            <a:pPr lvl="1"/>
-            <a:r>
-              <a:rPr lang="de-AT" dirty="0" err="1"/>
-              <a:t>ClusterIP</a:t>
-            </a:r>
-            <a:endParaRPr lang="de-AT" dirty="0"/>
-          </a:p>
-          <a:p>
-            <a:pPr lvl="1"/>
-            <a:r>
-              <a:rPr lang="de-AT" dirty="0" err="1"/>
-              <a:t>NodePort</a:t>
-            </a:r>
-            <a:endParaRPr lang="de-AT" dirty="0"/>
-          </a:p>
-          <a:p>
-            <a:pPr lvl="1"/>
-            <a:r>
-              <a:rPr lang="de-AT" dirty="0" err="1"/>
-              <a:t>LoadBalancer</a:t>
-            </a:r>
-            <a:r>
-              <a:rPr lang="de-AT" dirty="0"/>
-              <a:t> (in AKS)</a:t>
-            </a:r>
           </a:p>
         </p:txBody>
       </p:sp>
@@ -32163,14 +32184,20 @@
           <a:bodyPr/>
           <a:lstStyle/>
           <a:p>
-            <a:endParaRPr lang="de-AT"/>
+            <a:r>
+              <a:rPr lang="de-AT" dirty="0">
+                <a:hlinkClick r:id="rId5"/>
+              </a:rPr>
+              <a:t>https://kubernetes.io/docs/concepts/overview/object-management-kubectl/imperative-config/</a:t>
+            </a:r>
+            <a:endParaRPr lang="de-AT" dirty="0"/>
           </a:p>
         </p:txBody>
       </p:sp>
     </p:spTree>
     <p:extLst>
       <p:ext uri="{BB962C8B-B14F-4D97-AF65-F5344CB8AC3E}">
-        <p14:creationId xmlns:p14="http://schemas.microsoft.com/office/powerpoint/2010/main" val="328453257"/>
+        <p14:creationId xmlns:p14="http://schemas.microsoft.com/office/powerpoint/2010/main" val="3647470415"/>
       </p:ext>
     </p:extLst>
   </p:cSld>
@@ -32222,10 +32249,9 @@
           <a:lstStyle/>
           <a:p>
             <a:r>
-              <a:rPr lang="de-AT" sz="2000" dirty="0" err="1"/>
-              <a:t>Deployment</a:t>
-            </a:r>
-            <a:endParaRPr lang="de-AT" sz="2000" dirty="0"/>
+              <a:rPr lang="de-AT" sz="2000" dirty="0"/>
+              <a:t>Services</a:t>
+            </a:r>
           </a:p>
         </p:txBody>
       </p:sp>
@@ -32252,13 +32278,13 @@
           <a:p>
             <a:r>
               <a:rPr lang="en-US" noProof="1"/>
-              <a:t>apiVersion: apps/v1</a:t>
+              <a:t>kind: Service</a:t>
             </a:r>
           </a:p>
           <a:p>
             <a:r>
               <a:rPr lang="en-US" noProof="1"/>
-              <a:t>kind: Deployment</a:t>
+              <a:t>apiVersion: v1</a:t>
             </a:r>
           </a:p>
           <a:p>
@@ -32270,7 +32296,7 @@
           <a:p>
             <a:r>
               <a:rPr lang="en-US" noProof="1"/>
-              <a:t>  name: web</a:t>
+              <a:t>  name: web-svc</a:t>
             </a:r>
           </a:p>
           <a:p>
@@ -32282,85 +32308,37 @@
           <a:p>
             <a:r>
               <a:rPr lang="en-US" noProof="1"/>
-              <a:t>  replicas: 5</a:t>
+              <a:t>  selector:</a:t>
             </a:r>
           </a:p>
           <a:p>
             <a:r>
               <a:rPr lang="en-US" noProof="1"/>
-              <a:t>  selector:</a:t>
+              <a:t>    app: workshop</a:t>
             </a:r>
           </a:p>
           <a:p>
             <a:r>
               <a:rPr lang="en-US" noProof="1"/>
-              <a:t>    matchLabels:</a:t>
+              <a:t>  ports:</a:t>
             </a:r>
           </a:p>
           <a:p>
             <a:r>
               <a:rPr lang="en-US" noProof="1"/>
-              <a:t>      app: web</a:t>
+              <a:t>  - port: 8080</a:t>
             </a:r>
           </a:p>
           <a:p>
             <a:r>
               <a:rPr lang="en-US" noProof="1"/>
-              <a:t>  template:</a:t>
+              <a:t>    targetPort: 80</a:t>
             </a:r>
           </a:p>
           <a:p>
             <a:r>
               <a:rPr lang="en-US" noProof="1"/>
-              <a:t>    metadata:</a:t>
-            </a:r>
-          </a:p>
-          <a:p>
-            <a:r>
-              <a:rPr lang="en-US" noProof="1"/>
-              <a:t>      labels:</a:t>
-            </a:r>
-          </a:p>
-          <a:p>
-            <a:r>
-              <a:rPr lang="en-US" noProof="1"/>
-              <a:t>        app: web</a:t>
-            </a:r>
-          </a:p>
-          <a:p>
-            <a:r>
-              <a:rPr lang="en-US" noProof="1"/>
-              <a:t>    spec:</a:t>
-            </a:r>
-          </a:p>
-          <a:p>
-            <a:r>
-              <a:rPr lang="en-US" noProof="1"/>
-              <a:t>      containers:</a:t>
-            </a:r>
-          </a:p>
-          <a:p>
-            <a:r>
-              <a:rPr lang="en-US" noProof="1"/>
-              <a:t>      - name: web</a:t>
-            </a:r>
-          </a:p>
-          <a:p>
-            <a:r>
-              <a:rPr lang="en-US" noProof="1"/>
-              <a:t>        image: nginx:alpine</a:t>
-            </a:r>
-          </a:p>
-          <a:p>
-            <a:r>
-              <a:rPr lang="en-US" noProof="1"/>
-              <a:t>        ports:</a:t>
-            </a:r>
-          </a:p>
-          <a:p>
-            <a:r>
-              <a:rPr lang="en-US" noProof="1"/>
-              <a:t>        - containerPort: 80</a:t>
+              <a:t>  type: NodePort</a:t>
             </a:r>
           </a:p>
           <a:p>
@@ -32378,8 +32356,35 @@
           <a:p>
             <a:r>
               <a:rPr lang="en-US" noProof="1"/>
-              <a:t>kubectl apply -f .</a:t>
-            </a:r>
+              <a:t>kubectl create -f .\nginx-pod.yaml</a:t>
+            </a:r>
+          </a:p>
+          <a:p>
+            <a:r>
+              <a:rPr lang="en-US" noProof="1"/>
+              <a:t>kubectl create -f .\nginx-service.yaml</a:t>
+            </a:r>
+          </a:p>
+          <a:p>
+            <a:r>
+              <a:rPr lang="en-US" noProof="1"/>
+              <a:t>kubectl get services</a:t>
+            </a:r>
+          </a:p>
+          <a:p>
+            <a:r>
+              <a:rPr lang="en-US" noProof="1"/>
+              <a:t>kubectl delete -f .\nginx-service.yaml</a:t>
+            </a:r>
+          </a:p>
+          <a:p>
+            <a:r>
+              <a:rPr lang="en-US" noProof="1"/>
+              <a:t>kubectl delete -f .\nginx-pod.yaml</a:t>
+            </a:r>
+          </a:p>
+          <a:p>
+            <a:endParaRPr lang="en-US" noProof="1"/>
           </a:p>
         </p:txBody>
       </p:sp>
@@ -32430,24 +32435,41 @@
           <a:lstStyle/>
           <a:p>
             <a:r>
+              <a:rPr lang="de-AT" dirty="0"/>
+              <a:t>Service </a:t>
+            </a:r>
+            <a:r>
               <a:rPr lang="de-AT" dirty="0" err="1"/>
-              <a:t>Scaling</a:t>
+              <a:t>Types</a:t>
             </a:r>
             <a:endParaRPr lang="de-AT" dirty="0"/>
           </a:p>
           <a:p>
             <a:pPr lvl="1"/>
             <a:r>
-              <a:rPr lang="en-US" noProof="1"/>
-              <a:t>Change number of replicas and run “apply” again</a:t>
-            </a:r>
-          </a:p>
-          <a:p>
-            <a:r>
-              <a:rPr lang="en-US" noProof="1"/>
-              <a:t>Scale cluster in AKS</a:t>
+              <a:rPr lang="de-AT" dirty="0" err="1"/>
+              <a:t>ClusterIP</a:t>
             </a:r>
             <a:endParaRPr lang="de-AT" dirty="0"/>
+          </a:p>
+          <a:p>
+            <a:pPr lvl="1"/>
+            <a:r>
+              <a:rPr lang="de-AT" dirty="0" err="1"/>
+              <a:t>NodePort</a:t>
+            </a:r>
+            <a:endParaRPr lang="de-AT" dirty="0"/>
+          </a:p>
+          <a:p>
+            <a:pPr lvl="1"/>
+            <a:r>
+              <a:rPr lang="de-AT" dirty="0" err="1"/>
+              <a:t>LoadBalancer</a:t>
+            </a:r>
+            <a:r>
+              <a:rPr lang="de-AT" dirty="0"/>
+              <a:t> (in AKS)</a:t>
+            </a:r>
           </a:p>
         </p:txBody>
       </p:sp>
@@ -32479,7 +32501,7 @@
     </p:spTree>
     <p:extLst>
       <p:ext uri="{BB962C8B-B14F-4D97-AF65-F5344CB8AC3E}">
-        <p14:creationId xmlns:p14="http://schemas.microsoft.com/office/powerpoint/2010/main" val="4277895866"/>
+        <p14:creationId xmlns:p14="http://schemas.microsoft.com/office/powerpoint/2010/main" val="328453257"/>
       </p:ext>
     </p:extLst>
   </p:cSld>
@@ -32514,7 +32536,7 @@
           <p:cNvPr id="2" name="Title 1">
             <a:extLst>
               <a:ext uri="{FF2B5EF4-FFF2-40B4-BE49-F238E27FC236}">
-                <a16:creationId xmlns:a16="http://schemas.microsoft.com/office/drawing/2014/main" id="{0E35401F-2B5F-4399-9F78-EE46BB997B67}"/>
+                <a16:creationId xmlns:a16="http://schemas.microsoft.com/office/drawing/2014/main" id="{DD9A3DD1-5FE4-4020-B4B2-BC6DD8AF2A42}"/>
               </a:ext>
             </a:extLst>
           </p:cNvPr>
@@ -32531,18 +32553,19 @@
           <a:lstStyle/>
           <a:p>
             <a:r>
-              <a:rPr lang="de-AT" dirty="0"/>
-              <a:t>Rolling Updates</a:t>
-            </a:r>
+              <a:rPr lang="de-AT" sz="2000" dirty="0" err="1"/>
+              <a:t>Deployment</a:t>
+            </a:r>
+            <a:endParaRPr lang="de-AT" sz="2000" dirty="0"/>
           </a:p>
         </p:txBody>
       </p:sp>
       <p:sp>
         <p:nvSpPr>
-          <p:cNvPr id="3" name="Content Placeholder 2">
+          <p:cNvPr id="5" name="Content Placeholder 4">
             <a:extLst>
               <a:ext uri="{FF2B5EF4-FFF2-40B4-BE49-F238E27FC236}">
-                <a16:creationId xmlns:a16="http://schemas.microsoft.com/office/drawing/2014/main" id="{ECACC83E-C065-4329-8730-3EEA1182F7D7}"/>
+                <a16:creationId xmlns:a16="http://schemas.microsoft.com/office/drawing/2014/main" id="{6BCD0C5B-2055-4A62-BE45-C45AB07549F3}"/>
               </a:ext>
             </a:extLst>
           </p:cNvPr>
@@ -32553,264 +32576,155 @@
             <p:ph sz="quarter" idx="22"/>
           </p:nvPr>
         </p:nvSpPr>
-        <p:spPr/>
+        <p:spPr>
+          <a:xfrm>
+            <a:off x="467544" y="178629"/>
+            <a:ext cx="5328592" cy="4721065"/>
+          </a:xfrm>
+        </p:spPr>
         <p:txBody>
           <a:bodyPr/>
           <a:lstStyle/>
           <a:p>
             <a:r>
-              <a:rPr lang="en-US" sz="700" noProof="1"/>
+              <a:rPr lang="en-US" noProof="1"/>
               <a:t>apiVersion: apps/v1</a:t>
             </a:r>
           </a:p>
           <a:p>
             <a:r>
-              <a:rPr lang="en-US" sz="700" noProof="1"/>
+              <a:rPr lang="en-US" noProof="1"/>
               <a:t>kind: Deployment</a:t>
             </a:r>
           </a:p>
           <a:p>
             <a:r>
-              <a:rPr lang="en-US" sz="700" noProof="1"/>
+              <a:rPr lang="en-US" noProof="1"/>
               <a:t>metadata:</a:t>
             </a:r>
           </a:p>
           <a:p>
             <a:r>
-              <a:rPr lang="en-US" sz="700" noProof="1"/>
-              <a:t>  name: demo-web</a:t>
-            </a:r>
-          </a:p>
-          <a:p>
-            <a:r>
-              <a:rPr lang="en-US" sz="700" noProof="1"/>
+              <a:rPr lang="en-US" noProof="1"/>
+              <a:t>  name: web</a:t>
+            </a:r>
+          </a:p>
+          <a:p>
+            <a:r>
+              <a:rPr lang="en-US" noProof="1"/>
               <a:t>spec:</a:t>
             </a:r>
           </a:p>
           <a:p>
             <a:r>
-              <a:rPr lang="en-US" sz="700" noProof="1"/>
+              <a:rPr lang="en-US" noProof="1"/>
+              <a:t>  replicas: 5</a:t>
+            </a:r>
+          </a:p>
+          <a:p>
+            <a:r>
+              <a:rPr lang="en-US" noProof="1"/>
               <a:t>  selector:</a:t>
             </a:r>
           </a:p>
           <a:p>
             <a:r>
-              <a:rPr lang="en-US" sz="700" noProof="1"/>
+              <a:rPr lang="en-US" noProof="1"/>
               <a:t>    matchLabels:</a:t>
             </a:r>
           </a:p>
           <a:p>
             <a:r>
-              <a:rPr lang="en-US" sz="700" noProof="1"/>
-              <a:t>      app: demo-web</a:t>
-            </a:r>
-          </a:p>
-          <a:p>
-            <a:r>
-              <a:rPr lang="en-US" sz="700" noProof="1"/>
-              <a:t>  replicas: 5</a:t>
-            </a:r>
-          </a:p>
-          <a:p>
-            <a:r>
-              <a:rPr lang="en-US" sz="700" noProof="1"/>
-              <a:t>  strategy:</a:t>
-            </a:r>
-          </a:p>
-          <a:p>
-            <a:r>
-              <a:rPr lang="en-US" sz="700" noProof="1"/>
-              <a:t>    rollingUpdate:</a:t>
-            </a:r>
-          </a:p>
-          <a:p>
-            <a:r>
-              <a:rPr lang="en-US" sz="700" noProof="1"/>
-              <a:t>      maxSurge: 1</a:t>
-            </a:r>
-          </a:p>
-          <a:p>
-            <a:r>
-              <a:rPr lang="en-US" sz="700" noProof="1"/>
-              <a:t>      maxUnavailable: 1</a:t>
-            </a:r>
-          </a:p>
-          <a:p>
-            <a:r>
-              <a:rPr lang="en-US" sz="700" noProof="1"/>
-              <a:t>  minReadySeconds: 30</a:t>
-            </a:r>
-          </a:p>
-          <a:p>
-            <a:r>
-              <a:rPr lang="en-US" sz="700" noProof="1"/>
+              <a:rPr lang="en-US" noProof="1"/>
+              <a:t>      app: web</a:t>
+            </a:r>
+          </a:p>
+          <a:p>
+            <a:r>
+              <a:rPr lang="en-US" noProof="1"/>
               <a:t>  template:</a:t>
             </a:r>
           </a:p>
           <a:p>
             <a:r>
-              <a:rPr lang="en-US" sz="700" noProof="1"/>
+              <a:rPr lang="en-US" noProof="1"/>
               <a:t>    metadata:</a:t>
             </a:r>
           </a:p>
           <a:p>
             <a:r>
-              <a:rPr lang="en-US" sz="700" noProof="1"/>
+              <a:rPr lang="en-US" noProof="1"/>
               <a:t>      labels:</a:t>
             </a:r>
           </a:p>
           <a:p>
             <a:r>
-              <a:rPr lang="en-US" sz="700" noProof="1"/>
-              <a:t>        app: demo-web</a:t>
-            </a:r>
-          </a:p>
-          <a:p>
-            <a:r>
-              <a:rPr lang="en-US" sz="700" noProof="1"/>
+              <a:rPr lang="en-US" noProof="1"/>
+              <a:t>        app: web</a:t>
+            </a:r>
+          </a:p>
+          <a:p>
+            <a:r>
+              <a:rPr lang="en-US" noProof="1"/>
               <a:t>    spec:</a:t>
             </a:r>
           </a:p>
           <a:p>
             <a:r>
-              <a:rPr lang="en-US" sz="700" noProof="1"/>
+              <a:rPr lang="en-US" noProof="1"/>
               <a:t>      containers:</a:t>
             </a:r>
           </a:p>
           <a:p>
             <a:r>
-              <a:rPr lang="en-US" sz="700" noProof="1"/>
-              <a:t>      - name: demo-web</a:t>
-            </a:r>
-          </a:p>
-          <a:p>
-            <a:r>
-              <a:rPr lang="en-US" sz="700" noProof="1"/>
-              <a:t>        image: rstropek/docker-image-versioning:1.0</a:t>
-            </a:r>
-          </a:p>
-          <a:p>
-            <a:r>
-              <a:rPr lang="en-US" sz="700" noProof="1"/>
+              <a:rPr lang="en-US" noProof="1"/>
+              <a:t>      - name: web</a:t>
+            </a:r>
+          </a:p>
+          <a:p>
+            <a:r>
+              <a:rPr lang="en-US" noProof="1"/>
+              <a:t>        image: nginx:alpine</a:t>
+            </a:r>
+          </a:p>
+          <a:p>
+            <a:r>
+              <a:rPr lang="en-US" noProof="1"/>
               <a:t>        ports:</a:t>
             </a:r>
           </a:p>
           <a:p>
             <a:r>
-              <a:rPr lang="en-US" sz="700" noProof="1"/>
-              <a:t>          - containerPort: 80</a:t>
-            </a:r>
-          </a:p>
-          <a:p>
-            <a:r>
-              <a:rPr lang="en-US" sz="700" noProof="1"/>
-              <a:t>        env:</a:t>
-            </a:r>
-          </a:p>
-          <a:p>
-            <a:r>
-              <a:rPr lang="en-US" sz="700" noProof="1"/>
-              <a:t>          - name: PORT</a:t>
-            </a:r>
-          </a:p>
-          <a:p>
-            <a:r>
-              <a:rPr lang="en-US" sz="700" noProof="1"/>
-              <a:t>            value: "80"</a:t>
-            </a:r>
-          </a:p>
-          <a:p>
-            <a:endParaRPr lang="en-US" sz="700" noProof="1"/>
-          </a:p>
-          <a:p>
-            <a:r>
-              <a:rPr lang="en-US" sz="700" noProof="1"/>
+              <a:rPr lang="en-US" noProof="1"/>
+              <a:t>        - containerPort: 80</a:t>
+            </a:r>
+          </a:p>
+          <a:p>
+            <a:endParaRPr lang="en-US" noProof="1"/>
+          </a:p>
+          <a:p>
+            <a:r>
+              <a:rPr lang="en-US" noProof="1"/>
               <a:t>###</a:t>
             </a:r>
           </a:p>
           <a:p>
-            <a:endParaRPr lang="en-US" sz="700" noProof="1"/>
-          </a:p>
-          <a:p>
-            <a:r>
-              <a:rPr lang="en-US" sz="700" noProof="1"/>
-              <a:t>kubectl apply –f .</a:t>
-            </a:r>
-          </a:p>
-          <a:p>
-            <a:r>
-              <a:rPr lang="en-US" sz="700" noProof="1"/>
-              <a:t>kubectl get pods</a:t>
-            </a:r>
-          </a:p>
-          <a:p>
-            <a:r>
-              <a:rPr lang="en-US" sz="700" noProof="1"/>
-              <a:t>Kubectl describe demo-web</a:t>
-            </a:r>
-          </a:p>
-          <a:p>
-            <a:endParaRPr lang="en-US" sz="700" noProof="1"/>
-          </a:p>
-          <a:p>
-            <a:r>
-              <a:rPr lang="en-US" sz="700" noProof="1">
-                <a:hlinkClick r:id="rId2"/>
-              </a:rPr>
-              <a:t>kubectl set image</a:t>
-            </a:r>
-            <a:r>
-              <a:rPr lang="en-US" sz="700" noProof="1"/>
-              <a:t> deployment/demo-web demo-web=rstropek/docker-image-versioning:2.0</a:t>
-            </a:r>
-          </a:p>
-          <a:p>
-            <a:r>
-              <a:rPr lang="en-US" sz="700" noProof="1">
-                <a:hlinkClick r:id="rId3"/>
-              </a:rPr>
-              <a:t>kubectl rollout</a:t>
-            </a:r>
-            <a:r>
-              <a:rPr lang="en-US" sz="700" noProof="1"/>
-              <a:t> status deployment/demo-web</a:t>
-            </a:r>
-          </a:p>
-          <a:p>
-            <a:r>
-              <a:rPr lang="en-US" sz="700" noProof="1"/>
-              <a:t>kubectl get deployment demo-web</a:t>
-            </a:r>
-          </a:p>
-          <a:p>
-            <a:endParaRPr lang="en-US" sz="700" noProof="1"/>
-          </a:p>
-          <a:p>
-            <a:r>
-              <a:rPr lang="en-US" sz="700" noProof="1"/>
-              <a:t>kubectl rollout history deployment demo-web</a:t>
-            </a:r>
-          </a:p>
-          <a:p>
-            <a:r>
-              <a:rPr lang="en-US" sz="700" noProof="1"/>
-              <a:t>kubectl rollout history deployment demo-web --revision=2</a:t>
-            </a:r>
-          </a:p>
-          <a:p>
-            <a:r>
-              <a:rPr lang="en-US" sz="700" noProof="1"/>
-              <a:t>kubectl rollout undo deployment demo-web</a:t>
+            <a:endParaRPr lang="en-US" noProof="1"/>
+          </a:p>
+          <a:p>
+            <a:r>
+              <a:rPr lang="en-US" noProof="1"/>
+              <a:t>kubectl apply -f .</a:t>
             </a:r>
           </a:p>
         </p:txBody>
       </p:sp>
       <p:sp>
         <p:nvSpPr>
-          <p:cNvPr id="4" name="Text Placeholder 3">
+          <p:cNvPr id="6" name="Text Placeholder 5">
             <a:extLst>
               <a:ext uri="{FF2B5EF4-FFF2-40B4-BE49-F238E27FC236}">
-                <a16:creationId xmlns:a16="http://schemas.microsoft.com/office/drawing/2014/main" id="{4AF396CB-EFBB-4C8E-9FA0-634B783AA4CA}"/>
+                <a16:creationId xmlns:a16="http://schemas.microsoft.com/office/drawing/2014/main" id="{D7725E9C-7835-4A36-8F25-1DD28D32CCBC}"/>
               </a:ext>
             </a:extLst>
           </p:cNvPr>
@@ -32832,10 +32746,10 @@
       </p:sp>
       <p:sp>
         <p:nvSpPr>
-          <p:cNvPr id="5" name="Text Placeholder 4">
+          <p:cNvPr id="7" name="Text Placeholder 6">
             <a:extLst>
               <a:ext uri="{FF2B5EF4-FFF2-40B4-BE49-F238E27FC236}">
-                <a16:creationId xmlns:a16="http://schemas.microsoft.com/office/drawing/2014/main" id="{A05148E4-CAEA-490D-B6B3-9B6751274917}"/>
+                <a16:creationId xmlns:a16="http://schemas.microsoft.com/office/drawing/2014/main" id="{CE0DF127-51AF-42DA-BA5F-8110159D8B4D}"/>
               </a:ext>
             </a:extLst>
           </p:cNvPr>
@@ -32851,16 +32765,34 @@
           <a:bodyPr/>
           <a:lstStyle/>
           <a:p>
-            <a:endParaRPr lang="de-AT"/>
+            <a:r>
+              <a:rPr lang="de-AT" dirty="0" err="1"/>
+              <a:t>Scaling</a:t>
+            </a:r>
+            <a:endParaRPr lang="de-AT" dirty="0"/>
+          </a:p>
+          <a:p>
+            <a:pPr lvl="1"/>
+            <a:r>
+              <a:rPr lang="en-US" noProof="1"/>
+              <a:t>Change number of replicas and run “apply” again</a:t>
+            </a:r>
+          </a:p>
+          <a:p>
+            <a:r>
+              <a:rPr lang="en-US" noProof="1"/>
+              <a:t>Scale cluster in AKS</a:t>
+            </a:r>
+            <a:endParaRPr lang="de-AT" dirty="0"/>
           </a:p>
         </p:txBody>
       </p:sp>
       <p:sp>
         <p:nvSpPr>
-          <p:cNvPr id="6" name="Text Placeholder 5">
+          <p:cNvPr id="8" name="Text Placeholder 7">
             <a:extLst>
               <a:ext uri="{FF2B5EF4-FFF2-40B4-BE49-F238E27FC236}">
-                <a16:creationId xmlns:a16="http://schemas.microsoft.com/office/drawing/2014/main" id="{31855D0F-AD1B-4C21-A683-F922C22B9417}"/>
+                <a16:creationId xmlns:a16="http://schemas.microsoft.com/office/drawing/2014/main" id="{CC4C05B5-DCAD-4EE0-8F06-49F3251044D6}"/>
               </a:ext>
             </a:extLst>
           </p:cNvPr>
@@ -32883,7 +32815,7 @@
     </p:spTree>
     <p:extLst>
       <p:ext uri="{BB962C8B-B14F-4D97-AF65-F5344CB8AC3E}">
-        <p14:creationId xmlns:p14="http://schemas.microsoft.com/office/powerpoint/2010/main" val="3978517965"/>
+        <p14:creationId xmlns:p14="http://schemas.microsoft.com/office/powerpoint/2010/main" val="4277895866"/>
       </p:ext>
     </p:extLst>
   </p:cSld>
@@ -33127,6 +33059,410 @@
       </p:grpSpPr>
       <p:sp>
         <p:nvSpPr>
+          <p:cNvPr id="2" name="Title 1">
+            <a:extLst>
+              <a:ext uri="{FF2B5EF4-FFF2-40B4-BE49-F238E27FC236}">
+                <a16:creationId xmlns:a16="http://schemas.microsoft.com/office/drawing/2014/main" id="{0E35401F-2B5F-4399-9F78-EE46BB997B67}"/>
+              </a:ext>
+            </a:extLst>
+          </p:cNvPr>
+          <p:cNvSpPr>
+            <a:spLocks noGrp="1"/>
+          </p:cNvSpPr>
+          <p:nvPr>
+            <p:ph type="title"/>
+          </p:nvPr>
+        </p:nvSpPr>
+        <p:spPr/>
+        <p:txBody>
+          <a:bodyPr/>
+          <a:lstStyle/>
+          <a:p>
+            <a:r>
+              <a:rPr lang="de-AT" dirty="0"/>
+              <a:t>Rolling Updates</a:t>
+            </a:r>
+          </a:p>
+        </p:txBody>
+      </p:sp>
+      <p:sp>
+        <p:nvSpPr>
+          <p:cNvPr id="3" name="Content Placeholder 2">
+            <a:extLst>
+              <a:ext uri="{FF2B5EF4-FFF2-40B4-BE49-F238E27FC236}">
+                <a16:creationId xmlns:a16="http://schemas.microsoft.com/office/drawing/2014/main" id="{ECACC83E-C065-4329-8730-3EEA1182F7D7}"/>
+              </a:ext>
+            </a:extLst>
+          </p:cNvPr>
+          <p:cNvSpPr>
+            <a:spLocks noGrp="1"/>
+          </p:cNvSpPr>
+          <p:nvPr>
+            <p:ph sz="quarter" idx="22"/>
+          </p:nvPr>
+        </p:nvSpPr>
+        <p:spPr/>
+        <p:txBody>
+          <a:bodyPr/>
+          <a:lstStyle/>
+          <a:p>
+            <a:r>
+              <a:rPr lang="en-US" sz="700" noProof="1"/>
+              <a:t>apiVersion: apps/v1</a:t>
+            </a:r>
+          </a:p>
+          <a:p>
+            <a:r>
+              <a:rPr lang="en-US" sz="700" noProof="1"/>
+              <a:t>kind: Deployment</a:t>
+            </a:r>
+          </a:p>
+          <a:p>
+            <a:r>
+              <a:rPr lang="en-US" sz="700" noProof="1"/>
+              <a:t>metadata:</a:t>
+            </a:r>
+          </a:p>
+          <a:p>
+            <a:r>
+              <a:rPr lang="en-US" sz="700" noProof="1"/>
+              <a:t>  name: demo-web</a:t>
+            </a:r>
+          </a:p>
+          <a:p>
+            <a:r>
+              <a:rPr lang="en-US" sz="700" noProof="1"/>
+              <a:t>spec:</a:t>
+            </a:r>
+          </a:p>
+          <a:p>
+            <a:r>
+              <a:rPr lang="en-US" sz="700" noProof="1"/>
+              <a:t>  selector:</a:t>
+            </a:r>
+          </a:p>
+          <a:p>
+            <a:r>
+              <a:rPr lang="en-US" sz="700" noProof="1"/>
+              <a:t>    matchLabels:</a:t>
+            </a:r>
+          </a:p>
+          <a:p>
+            <a:r>
+              <a:rPr lang="en-US" sz="700" noProof="1"/>
+              <a:t>      app: demo-web</a:t>
+            </a:r>
+          </a:p>
+          <a:p>
+            <a:r>
+              <a:rPr lang="en-US" sz="700" noProof="1"/>
+              <a:t>  replicas: 5</a:t>
+            </a:r>
+          </a:p>
+          <a:p>
+            <a:r>
+              <a:rPr lang="en-US" sz="700" noProof="1"/>
+              <a:t>  strategy:</a:t>
+            </a:r>
+          </a:p>
+          <a:p>
+            <a:r>
+              <a:rPr lang="en-US" sz="700" noProof="1"/>
+              <a:t>    rollingUpdate:</a:t>
+            </a:r>
+          </a:p>
+          <a:p>
+            <a:r>
+              <a:rPr lang="en-US" sz="700" noProof="1"/>
+              <a:t>      maxSurge: 1</a:t>
+            </a:r>
+          </a:p>
+          <a:p>
+            <a:r>
+              <a:rPr lang="en-US" sz="700" noProof="1"/>
+              <a:t>      maxUnavailable: 1</a:t>
+            </a:r>
+          </a:p>
+          <a:p>
+            <a:r>
+              <a:rPr lang="en-US" sz="700" noProof="1"/>
+              <a:t>  minReadySeconds: 30</a:t>
+            </a:r>
+          </a:p>
+          <a:p>
+            <a:r>
+              <a:rPr lang="en-US" sz="700" noProof="1"/>
+              <a:t>  template:</a:t>
+            </a:r>
+          </a:p>
+          <a:p>
+            <a:r>
+              <a:rPr lang="en-US" sz="700" noProof="1"/>
+              <a:t>    metadata:</a:t>
+            </a:r>
+          </a:p>
+          <a:p>
+            <a:r>
+              <a:rPr lang="en-US" sz="700" noProof="1"/>
+              <a:t>      labels:</a:t>
+            </a:r>
+          </a:p>
+          <a:p>
+            <a:r>
+              <a:rPr lang="en-US" sz="700" noProof="1"/>
+              <a:t>        app: demo-web</a:t>
+            </a:r>
+          </a:p>
+          <a:p>
+            <a:r>
+              <a:rPr lang="en-US" sz="700" noProof="1"/>
+              <a:t>    spec:</a:t>
+            </a:r>
+          </a:p>
+          <a:p>
+            <a:r>
+              <a:rPr lang="en-US" sz="700" noProof="1"/>
+              <a:t>      containers:</a:t>
+            </a:r>
+          </a:p>
+          <a:p>
+            <a:r>
+              <a:rPr lang="en-US" sz="700" noProof="1"/>
+              <a:t>      - name: demo-web</a:t>
+            </a:r>
+          </a:p>
+          <a:p>
+            <a:r>
+              <a:rPr lang="en-US" sz="700" noProof="1"/>
+              <a:t>        image: rstropek/docker-image-versioning:1.0</a:t>
+            </a:r>
+          </a:p>
+          <a:p>
+            <a:r>
+              <a:rPr lang="en-US" sz="700" noProof="1"/>
+              <a:t>        ports:</a:t>
+            </a:r>
+          </a:p>
+          <a:p>
+            <a:r>
+              <a:rPr lang="en-US" sz="700" noProof="1"/>
+              <a:t>          - containerPort: 80</a:t>
+            </a:r>
+          </a:p>
+          <a:p>
+            <a:r>
+              <a:rPr lang="en-US" sz="700" noProof="1"/>
+              <a:t>        env:</a:t>
+            </a:r>
+          </a:p>
+          <a:p>
+            <a:r>
+              <a:rPr lang="en-US" sz="700" noProof="1"/>
+              <a:t>          - name: PORT</a:t>
+            </a:r>
+          </a:p>
+          <a:p>
+            <a:r>
+              <a:rPr lang="en-US" sz="700" noProof="1"/>
+              <a:t>            value: "80"</a:t>
+            </a:r>
+          </a:p>
+          <a:p>
+            <a:endParaRPr lang="en-US" sz="700" noProof="1"/>
+          </a:p>
+          <a:p>
+            <a:r>
+              <a:rPr lang="en-US" sz="700" noProof="1"/>
+              <a:t>###</a:t>
+            </a:r>
+          </a:p>
+          <a:p>
+            <a:endParaRPr lang="en-US" sz="700" noProof="1"/>
+          </a:p>
+          <a:p>
+            <a:r>
+              <a:rPr lang="en-US" sz="700" noProof="1"/>
+              <a:t>kubectl apply –f .</a:t>
+            </a:r>
+          </a:p>
+          <a:p>
+            <a:r>
+              <a:rPr lang="en-US" sz="700" noProof="1"/>
+              <a:t>kubectl get pods</a:t>
+            </a:r>
+          </a:p>
+          <a:p>
+            <a:r>
+              <a:rPr lang="en-US" sz="700" noProof="1"/>
+              <a:t>Kubectl describe demo-web</a:t>
+            </a:r>
+          </a:p>
+          <a:p>
+            <a:endParaRPr lang="en-US" sz="700" noProof="1"/>
+          </a:p>
+          <a:p>
+            <a:r>
+              <a:rPr lang="en-US" sz="700" noProof="1">
+                <a:hlinkClick r:id="rId2"/>
+              </a:rPr>
+              <a:t>kubectl set image</a:t>
+            </a:r>
+            <a:r>
+              <a:rPr lang="en-US" sz="700" noProof="1"/>
+              <a:t> deployment/demo-web demo-web=rstropek/docker-image-versioning:2.0</a:t>
+            </a:r>
+          </a:p>
+          <a:p>
+            <a:r>
+              <a:rPr lang="en-US" sz="700" noProof="1">
+                <a:hlinkClick r:id="rId3"/>
+              </a:rPr>
+              <a:t>kubectl rollout</a:t>
+            </a:r>
+            <a:r>
+              <a:rPr lang="en-US" sz="700" noProof="1"/>
+              <a:t> status deployment/demo-web</a:t>
+            </a:r>
+          </a:p>
+          <a:p>
+            <a:r>
+              <a:rPr lang="en-US" sz="700" noProof="1"/>
+              <a:t>kubectl get deployment demo-web</a:t>
+            </a:r>
+          </a:p>
+          <a:p>
+            <a:endParaRPr lang="en-US" sz="700" noProof="1"/>
+          </a:p>
+          <a:p>
+            <a:r>
+              <a:rPr lang="en-US" sz="700" noProof="1"/>
+              <a:t>kubectl rollout history deployment demo-web</a:t>
+            </a:r>
+          </a:p>
+          <a:p>
+            <a:r>
+              <a:rPr lang="en-US" sz="700" noProof="1"/>
+              <a:t>kubectl rollout history deployment demo-web --revision=2</a:t>
+            </a:r>
+          </a:p>
+          <a:p>
+            <a:r>
+              <a:rPr lang="en-US" sz="700" noProof="1"/>
+              <a:t>kubectl rollout undo deployment demo-web</a:t>
+            </a:r>
+          </a:p>
+        </p:txBody>
+      </p:sp>
+      <p:sp>
+        <p:nvSpPr>
+          <p:cNvPr id="4" name="Text Placeholder 3">
+            <a:extLst>
+              <a:ext uri="{FF2B5EF4-FFF2-40B4-BE49-F238E27FC236}">
+                <a16:creationId xmlns:a16="http://schemas.microsoft.com/office/drawing/2014/main" id="{4AF396CB-EFBB-4C8E-9FA0-634B783AA4CA}"/>
+              </a:ext>
+            </a:extLst>
+          </p:cNvPr>
+          <p:cNvSpPr>
+            <a:spLocks noGrp="1"/>
+          </p:cNvSpPr>
+          <p:nvPr>
+            <p:ph type="body" sz="quarter" idx="23"/>
+          </p:nvPr>
+        </p:nvSpPr>
+        <p:spPr/>
+        <p:txBody>
+          <a:bodyPr/>
+          <a:lstStyle/>
+          <a:p>
+            <a:endParaRPr lang="de-AT"/>
+          </a:p>
+        </p:txBody>
+      </p:sp>
+      <p:sp>
+        <p:nvSpPr>
+          <p:cNvPr id="5" name="Text Placeholder 4">
+            <a:extLst>
+              <a:ext uri="{FF2B5EF4-FFF2-40B4-BE49-F238E27FC236}">
+                <a16:creationId xmlns:a16="http://schemas.microsoft.com/office/drawing/2014/main" id="{A05148E4-CAEA-490D-B6B3-9B6751274917}"/>
+              </a:ext>
+            </a:extLst>
+          </p:cNvPr>
+          <p:cNvSpPr>
+            <a:spLocks noGrp="1"/>
+          </p:cNvSpPr>
+          <p:nvPr>
+            <p:ph type="body" sz="quarter" idx="24"/>
+          </p:nvPr>
+        </p:nvSpPr>
+        <p:spPr/>
+        <p:txBody>
+          <a:bodyPr/>
+          <a:lstStyle/>
+          <a:p>
+            <a:endParaRPr lang="de-AT"/>
+          </a:p>
+        </p:txBody>
+      </p:sp>
+      <p:sp>
+        <p:nvSpPr>
+          <p:cNvPr id="6" name="Text Placeholder 5">
+            <a:extLst>
+              <a:ext uri="{FF2B5EF4-FFF2-40B4-BE49-F238E27FC236}">
+                <a16:creationId xmlns:a16="http://schemas.microsoft.com/office/drawing/2014/main" id="{31855D0F-AD1B-4C21-A683-F922C22B9417}"/>
+              </a:ext>
+            </a:extLst>
+          </p:cNvPr>
+          <p:cNvSpPr>
+            <a:spLocks noGrp="1"/>
+          </p:cNvSpPr>
+          <p:nvPr>
+            <p:ph type="body" sz="quarter" idx="25"/>
+          </p:nvPr>
+        </p:nvSpPr>
+        <p:spPr/>
+        <p:txBody>
+          <a:bodyPr/>
+          <a:lstStyle/>
+          <a:p>
+            <a:endParaRPr lang="de-AT"/>
+          </a:p>
+        </p:txBody>
+      </p:sp>
+    </p:spTree>
+    <p:extLst>
+      <p:ext uri="{BB962C8B-B14F-4D97-AF65-F5344CB8AC3E}">
+        <p14:creationId xmlns:p14="http://schemas.microsoft.com/office/powerpoint/2010/main" val="3978517965"/>
+      </p:ext>
+    </p:extLst>
+  </p:cSld>
+  <p:clrMapOvr>
+    <a:masterClrMapping/>
+  </p:clrMapOvr>
+  <p:transition spd="slow">
+    <p:push/>
+  </p:transition>
+</p:sld>
+</file>
+
+<file path=ppt/slides/slide21.xml><?xml version="1.0" encoding="utf-8"?>
+<p:sld xmlns:a="http://schemas.openxmlformats.org/drawingml/2006/main" xmlns:r="http://schemas.openxmlformats.org/officeDocument/2006/relationships" xmlns:p="http://schemas.openxmlformats.org/presentationml/2006/main">
+  <p:cSld>
+    <p:spTree>
+      <p:nvGrpSpPr>
+        <p:cNvPr id="1" name=""/>
+        <p:cNvGrpSpPr/>
+        <p:nvPr/>
+      </p:nvGrpSpPr>
+      <p:grpSpPr>
+        <a:xfrm>
+          <a:off x="0" y="0"/>
+          <a:ext cx="0" cy="0"/>
+          <a:chOff x="0" y="0"/>
+          <a:chExt cx="0" cy="0"/>
+        </a:xfrm>
+      </p:grpSpPr>
+      <p:sp>
+        <p:nvSpPr>
           <p:cNvPr id="7" name="Title 6">
             <a:extLst>
               <a:ext uri="{FF2B5EF4-FFF2-40B4-BE49-F238E27FC236}">
@@ -33250,7 +33586,7 @@
 </p:sld>
 </file>
 
-<file path=ppt/slides/slide21.xml><?xml version="1.0" encoding="utf-8"?>
+<file path=ppt/slides/slide22.xml><?xml version="1.0" encoding="utf-8"?>
 <p:sld xmlns:a="http://schemas.openxmlformats.org/drawingml/2006/main" xmlns:r="http://schemas.openxmlformats.org/officeDocument/2006/relationships" xmlns:p="http://schemas.openxmlformats.org/presentationml/2006/main">
   <p:cSld>
     <p:spTree>
@@ -33467,7 +33803,7 @@
 </p:sld>
 </file>
 
-<file path=ppt/slides/slide22.xml><?xml version="1.0" encoding="utf-8"?>
+<file path=ppt/slides/slide23.xml><?xml version="1.0" encoding="utf-8"?>
 <p:sld xmlns:a="http://schemas.openxmlformats.org/drawingml/2006/main" xmlns:r="http://schemas.openxmlformats.org/officeDocument/2006/relationships" xmlns:p="http://schemas.openxmlformats.org/presentationml/2006/main">
   <p:cSld>
     <p:spTree>
@@ -33852,7 +34188,7 @@
 </p:sld>
 </file>
 
-<file path=ppt/slides/slide23.xml><?xml version="1.0" encoding="utf-8"?>
+<file path=ppt/slides/slide24.xml><?xml version="1.0" encoding="utf-8"?>
 <p:sld xmlns:a="http://schemas.openxmlformats.org/drawingml/2006/main" xmlns:r="http://schemas.openxmlformats.org/officeDocument/2006/relationships" xmlns:p="http://schemas.openxmlformats.org/presentationml/2006/main">
   <p:cSld>
     <p:spTree>
@@ -34161,7 +34497,7 @@
 </p:sld>
 </file>
 
-<file path=ppt/slides/slide24.xml><?xml version="1.0" encoding="utf-8"?>
+<file path=ppt/slides/slide25.xml><?xml version="1.0" encoding="utf-8"?>
 <p:sld xmlns:a="http://schemas.openxmlformats.org/drawingml/2006/main" xmlns:r="http://schemas.openxmlformats.org/officeDocument/2006/relationships" xmlns:p="http://schemas.openxmlformats.org/presentationml/2006/main">
   <p:cSld>
     <p:spTree>
@@ -34229,6 +34565,78 @@
           <a:p>
             <a:r>
               <a:rPr lang="en-US" sz="1000" noProof="1"/>
+              <a:t>apiVersion: v1</a:t>
+            </a:r>
+          </a:p>
+          <a:p>
+            <a:r>
+              <a:rPr lang="en-US" sz="1000" noProof="1"/>
+              <a:t>kind: PersistentVolumeClaim</a:t>
+            </a:r>
+          </a:p>
+          <a:p>
+            <a:r>
+              <a:rPr lang="en-US" sz="1000" noProof="1"/>
+              <a:t>metadata:</a:t>
+            </a:r>
+          </a:p>
+          <a:p>
+            <a:r>
+              <a:rPr lang="en-US" sz="1000" noProof="1"/>
+              <a:t>  name: azure-managed-disk</a:t>
+            </a:r>
+          </a:p>
+          <a:p>
+            <a:r>
+              <a:rPr lang="en-US" sz="1000" noProof="1"/>
+              <a:t>spec:</a:t>
+            </a:r>
+          </a:p>
+          <a:p>
+            <a:r>
+              <a:rPr lang="en-US" sz="1000" noProof="1"/>
+              <a:t>  accessModes:</a:t>
+            </a:r>
+          </a:p>
+          <a:p>
+            <a:r>
+              <a:rPr lang="en-US" sz="1000" noProof="1"/>
+              <a:t>  - ReadWriteOnce</a:t>
+            </a:r>
+          </a:p>
+          <a:p>
+            <a:r>
+              <a:rPr lang="en-US" sz="1000" noProof="1"/>
+              <a:t>  storageClassName: default</a:t>
+            </a:r>
+          </a:p>
+          <a:p>
+            <a:r>
+              <a:rPr lang="en-US" sz="1000" noProof="1"/>
+              <a:t>  resources:</a:t>
+            </a:r>
+          </a:p>
+          <a:p>
+            <a:r>
+              <a:rPr lang="en-US" sz="1000" noProof="1"/>
+              <a:t>    requests:</a:t>
+            </a:r>
+          </a:p>
+          <a:p>
+            <a:r>
+              <a:rPr lang="en-US" sz="1000" noProof="1"/>
+              <a:t>      storage: 5Gi</a:t>
+            </a:r>
+          </a:p>
+          <a:p>
+            <a:r>
+              <a:rPr lang="en-US" sz="1000" noProof="1"/>
+              <a:t>---</a:t>
+            </a:r>
+          </a:p>
+          <a:p>
+            <a:r>
+              <a:rPr lang="en-US" sz="1000" noProof="1"/>
               <a:t>kind: Pod</a:t>
             </a:r>
           </a:p>
@@ -34247,19 +34655,7 @@
           <a:p>
             <a:r>
               <a:rPr lang="en-US" sz="1000" noProof="1"/>
-              <a:t>  name: k8sworkshop-nginx</a:t>
-            </a:r>
-          </a:p>
-          <a:p>
-            <a:r>
-              <a:rPr lang="en-US" sz="1000" noProof="1"/>
-              <a:t>  labels:</a:t>
-            </a:r>
-          </a:p>
-          <a:p>
-            <a:r>
-              <a:rPr lang="en-US" sz="1000" noProof="1"/>
-              <a:t>    app: k8sworkshop-nginx</a:t>
+              <a:t>  name: nginx</a:t>
             </a:r>
           </a:p>
           <a:p>
@@ -34277,7 +34673,7 @@
           <a:p>
             <a:r>
               <a:rPr lang="en-US" sz="1000" noProof="1"/>
-              <a:t>    - name: k8sworkshop-nginx</a:t>
+              <a:t>    - name: mywebserver</a:t>
             </a:r>
           </a:p>
           <a:p>
@@ -34295,7 +34691,7 @@
           <a:p>
             <a:r>
               <a:rPr lang="en-US" sz="1000" noProof="1"/>
-              <a:t>      - mountPath: /usr/share/nginx/html</a:t>
+              <a:t>      - mountPath: "/usr/share/nginx/html"</a:t>
             </a:r>
           </a:p>
           <a:p>
@@ -34307,18 +34703,6 @@
           <a:p>
             <a:r>
               <a:rPr lang="en-US" sz="1000" noProof="1"/>
-              <a:t>      ports:</a:t>
-            </a:r>
-          </a:p>
-          <a:p>
-            <a:r>
-              <a:rPr lang="en-US" sz="1000" noProof="1"/>
-              <a:t>      - containerPort: 80</a:t>
-            </a:r>
-          </a:p>
-          <a:p>
-            <a:r>
-              <a:rPr lang="en-US" sz="1000" noProof="1"/>
               <a:t>  volumes:</a:t>
             </a:r>
           </a:p>
@@ -34331,98 +34715,17 @@
           <a:p>
             <a:r>
               <a:rPr lang="en-US" sz="1000" noProof="1"/>
-              <a:t>      </a:t>
-            </a:r>
-            <a:r>
-              <a:rPr lang="en-US" sz="1000" noProof="1">
-                <a:solidFill>
-                  <a:srgbClr val="FF0000"/>
-                </a:solidFill>
-              </a:rPr>
-              <a:t>persistentVolumeClaim</a:t>
-            </a:r>
+              <a:t>      persistentVolumeClaim:</a:t>
+            </a:r>
+          </a:p>
+          <a:p>
             <a:r>
               <a:rPr lang="en-US" sz="1000" noProof="1"/>
-              <a:t>:</a:t>
-            </a:r>
-          </a:p>
-          <a:p>
-            <a:r>
-              <a:rPr lang="en-US" sz="1000" noProof="1"/>
-              <a:t>        claimName: k8sworkshop-pvc</a:t>
-            </a:r>
-          </a:p>
-          <a:p>
-            <a:r>
-              <a:rPr lang="en-US" sz="1000" noProof="1"/>
-              <a:t>---</a:t>
-            </a:r>
-          </a:p>
-          <a:p>
-            <a:r>
-              <a:rPr lang="en-US" sz="1000" noProof="1"/>
-              <a:t>apiVersion: v1</a:t>
-            </a:r>
-          </a:p>
-          <a:p>
-            <a:r>
-              <a:rPr lang="en-US" sz="1000" noProof="1"/>
-              <a:t>kind: Service</a:t>
-            </a:r>
-          </a:p>
-          <a:p>
-            <a:r>
-              <a:rPr lang="en-US" sz="1000" noProof="1"/>
-              <a:t>metadata:</a:t>
-            </a:r>
-          </a:p>
-          <a:p>
-            <a:r>
-              <a:rPr lang="en-US" sz="1000" noProof="1"/>
-              <a:t>  name: k8sworkshop-nginx</a:t>
-            </a:r>
-          </a:p>
-          <a:p>
-            <a:r>
-              <a:rPr lang="en-US" sz="1000" noProof="1"/>
-              <a:t>spec:</a:t>
-            </a:r>
-          </a:p>
-          <a:p>
-            <a:r>
-              <a:rPr lang="en-US" sz="1000" noProof="1"/>
-              <a:t>  type: LoadBalancer</a:t>
-            </a:r>
-          </a:p>
-          <a:p>
-            <a:r>
-              <a:rPr lang="en-US" sz="1000" noProof="1"/>
-              <a:t>  ports:</a:t>
-            </a:r>
-          </a:p>
-          <a:p>
-            <a:r>
-              <a:rPr lang="en-US" sz="1000" noProof="1"/>
-              <a:t>  - port: 80</a:t>
-            </a:r>
-          </a:p>
-          <a:p>
-            <a:r>
-              <a:rPr lang="en-US" sz="1000" noProof="1"/>
-              <a:t>    protocol: TCP</a:t>
-            </a:r>
-          </a:p>
-          <a:p>
-            <a:r>
-              <a:rPr lang="en-US" sz="1000" noProof="1"/>
-              <a:t>  selector:</a:t>
-            </a:r>
-          </a:p>
-          <a:p>
-            <a:r>
-              <a:rPr lang="en-US" sz="1000" noProof="1"/>
-              <a:t>    app: k8sworkshop-nginx</a:t>
-            </a:r>
+              <a:t>        claimName: azure-managed-disk</a:t>
+            </a:r>
+          </a:p>
+          <a:p>
+            <a:endParaRPr lang="en-US" sz="1000" noProof="1"/>
           </a:p>
         </p:txBody>
       </p:sp>
@@ -34532,7 +34835,7 @@
 </p:sld>
 </file>
 
-<file path=ppt/slides/slide25.xml><?xml version="1.0" encoding="utf-8"?>
+<file path=ppt/slides/slide26.xml><?xml version="1.0" encoding="utf-8"?>
 <p:sld xmlns:a="http://schemas.openxmlformats.org/drawingml/2006/main" xmlns:r="http://schemas.openxmlformats.org/officeDocument/2006/relationships" xmlns:p="http://schemas.openxmlformats.org/presentationml/2006/main">
   <p:cSld>
     <p:spTree>
@@ -34677,7 +34980,7 @@
 </p:sld>
 </file>
 
-<file path=ppt/slides/slide26.xml><?xml version="1.0" encoding="utf-8"?>
+<file path=ppt/slides/slide27.xml><?xml version="1.0" encoding="utf-8"?>
 <p:sld xmlns:a="http://schemas.openxmlformats.org/drawingml/2006/main" xmlns:r="http://schemas.openxmlformats.org/officeDocument/2006/relationships" xmlns:p="http://schemas.openxmlformats.org/presentationml/2006/main">
   <p:cSld>
     <p:spTree>
@@ -34822,337 +35125,6 @@
     <p:extLst>
       <p:ext uri="{BB962C8B-B14F-4D97-AF65-F5344CB8AC3E}">
         <p14:creationId xmlns:p14="http://schemas.microsoft.com/office/powerpoint/2010/main" val="1088021400"/>
-      </p:ext>
-    </p:extLst>
-  </p:cSld>
-  <p:clrMapOvr>
-    <a:masterClrMapping/>
-  </p:clrMapOvr>
-  <mc:AlternateContent xmlns:mc="http://schemas.openxmlformats.org/markup-compatibility/2006" xmlns:p14="http://schemas.microsoft.com/office/powerpoint/2010/main">
-    <mc:Choice Requires="p14">
-      <p:transition spd="med" p14:dur="700">
-        <p:fade/>
-      </p:transition>
-    </mc:Choice>
-    <mc:Fallback xmlns="">
-      <p:transition spd="med">
-        <p:fade/>
-      </p:transition>
-    </mc:Fallback>
-  </mc:AlternateContent>
-</p:sld>
-</file>
-
-<file path=ppt/slides/slide27.xml><?xml version="1.0" encoding="utf-8"?>
-<p:sld xmlns:a="http://schemas.openxmlformats.org/drawingml/2006/main" xmlns:r="http://schemas.openxmlformats.org/officeDocument/2006/relationships" xmlns:p="http://schemas.openxmlformats.org/presentationml/2006/main">
-  <p:cSld>
-    <p:spTree>
-      <p:nvGrpSpPr>
-        <p:cNvPr id="1" name=""/>
-        <p:cNvGrpSpPr/>
-        <p:nvPr/>
-      </p:nvGrpSpPr>
-      <p:grpSpPr>
-        <a:xfrm>
-          <a:off x="0" y="0"/>
-          <a:ext cx="0" cy="0"/>
-          <a:chOff x="0" y="0"/>
-          <a:chExt cx="0" cy="0"/>
-        </a:xfrm>
-      </p:grpSpPr>
-      <p:sp>
-        <p:nvSpPr>
-          <p:cNvPr id="2" name="Title 1">
-            <a:extLst>
-              <a:ext uri="{FF2B5EF4-FFF2-40B4-BE49-F238E27FC236}">
-                <a16:creationId xmlns:a16="http://schemas.microsoft.com/office/drawing/2014/main" id="{25AD9DA0-0FEE-4602-BE90-C190707FCC7C}"/>
-              </a:ext>
-            </a:extLst>
-          </p:cNvPr>
-          <p:cNvSpPr>
-            <a:spLocks noGrp="1"/>
-          </p:cNvSpPr>
-          <p:nvPr>
-            <p:ph type="title"/>
-          </p:nvPr>
-        </p:nvSpPr>
-        <p:spPr/>
-        <p:txBody>
-          <a:bodyPr/>
-          <a:lstStyle/>
-          <a:p>
-            <a:r>
-              <a:rPr lang="en-US"/>
-              <a:t>Demo</a:t>
-            </a:r>
-          </a:p>
-        </p:txBody>
-      </p:sp>
-      <p:sp>
-        <p:nvSpPr>
-          <p:cNvPr id="9" name="Content Placeholder 8">
-            <a:extLst>
-              <a:ext uri="{FF2B5EF4-FFF2-40B4-BE49-F238E27FC236}">
-                <a16:creationId xmlns:a16="http://schemas.microsoft.com/office/drawing/2014/main" id="{5E43D4B1-0BE9-4CA9-9A44-66749743FCCD}"/>
-              </a:ext>
-            </a:extLst>
-          </p:cNvPr>
-          <p:cNvSpPr>
-            <a:spLocks noGrp="1"/>
-          </p:cNvSpPr>
-          <p:nvPr>
-            <p:ph sz="quarter" idx="22"/>
-          </p:nvPr>
-        </p:nvSpPr>
-        <p:spPr>
-          <a:xfrm>
-            <a:off x="467544" y="178629"/>
-            <a:ext cx="5328592" cy="4721065"/>
-          </a:xfrm>
-        </p:spPr>
-        <p:txBody>
-          <a:bodyPr/>
-          <a:lstStyle/>
-          <a:p>
-            <a:r>
-              <a:rPr lang="en-US" noProof="1">
-                <a:solidFill>
-                  <a:schemeClr val="tx1">
-                    <a:lumMod val="60000"/>
-                    <a:lumOff val="40000"/>
-                  </a:schemeClr>
-                </a:solidFill>
-              </a:rPr>
-              <a:t># Note: Uses demo app from </a:t>
-            </a:r>
-          </a:p>
-          <a:p>
-            <a:r>
-              <a:rPr lang="en-US" noProof="1">
-                <a:solidFill>
-                  <a:schemeClr val="tx1">
-                    <a:lumMod val="60000"/>
-                    <a:lumOff val="40000"/>
-                  </a:schemeClr>
-                </a:solidFill>
-              </a:rPr>
-              <a:t># </a:t>
-            </a:r>
-            <a:r>
-              <a:rPr lang="en-US" noProof="1">
-                <a:solidFill>
-                  <a:schemeClr val="tx1">
-                    <a:lumMod val="60000"/>
-                    <a:lumOff val="40000"/>
-                  </a:schemeClr>
-                </a:solidFill>
-                <a:hlinkClick r:id="rId2"/>
-              </a:rPr>
-              <a:t>https://github.com/Azure-Samples/azure-voting-app-redis.git</a:t>
-            </a:r>
-            <a:endParaRPr lang="en-US" noProof="1">
-              <a:solidFill>
-                <a:schemeClr val="tx1">
-                  <a:lumMod val="60000"/>
-                  <a:lumOff val="40000"/>
-                </a:schemeClr>
-              </a:solidFill>
-            </a:endParaRPr>
-          </a:p>
-          <a:p>
-            <a:endParaRPr lang="en-US" noProof="1"/>
-          </a:p>
-          <a:p>
-            <a:r>
-              <a:rPr lang="en-US" noProof="1"/>
-              <a:t>cd ~/GitHub/azure-voting-app-redis</a:t>
-            </a:r>
-          </a:p>
-          <a:p>
-            <a:r>
-              <a:rPr lang="en-US" noProof="1"/>
-              <a:t>cat cat docker-compose.yaml</a:t>
-            </a:r>
-          </a:p>
-          <a:p>
-            <a:endParaRPr lang="en-US" noProof="1"/>
-          </a:p>
-          <a:p>
-            <a:r>
-              <a:rPr lang="en-US" noProof="1"/>
-              <a:t>docker-compose up -d</a:t>
-            </a:r>
-          </a:p>
-          <a:p>
-            <a:endParaRPr lang="en-US" noProof="1"/>
-          </a:p>
-          <a:p>
-            <a:r>
-              <a:rPr lang="en-US" noProof="1">
-                <a:solidFill>
-                  <a:schemeClr val="tx1">
-                    <a:lumMod val="60000"/>
-                    <a:lumOff val="40000"/>
-                  </a:schemeClr>
-                </a:solidFill>
-              </a:rPr>
-              <a:t># Try app at http://</a:t>
-            </a:r>
-            <a:r>
-              <a:rPr lang="en-US" i="1" noProof="1">
-                <a:solidFill>
-                  <a:schemeClr val="tx1">
-                    <a:lumMod val="60000"/>
-                    <a:lumOff val="40000"/>
-                  </a:schemeClr>
-                </a:solidFill>
-              </a:rPr>
-              <a:t>your-ip</a:t>
-            </a:r>
-            <a:r>
-              <a:rPr lang="en-US" noProof="1">
-                <a:solidFill>
-                  <a:schemeClr val="tx1">
-                    <a:lumMod val="60000"/>
-                    <a:lumOff val="40000"/>
-                  </a:schemeClr>
-                </a:solidFill>
-              </a:rPr>
-              <a:t>:8080</a:t>
-            </a:r>
-          </a:p>
-          <a:p>
-            <a:endParaRPr lang="en-US" noProof="1"/>
-          </a:p>
-          <a:p>
-            <a:r>
-              <a:rPr lang="en-US" noProof="1"/>
-              <a:t>docker images</a:t>
-            </a:r>
-          </a:p>
-          <a:p>
-            <a:r>
-              <a:rPr lang="en-US" noProof="1"/>
-              <a:t>docker ps</a:t>
-            </a:r>
-          </a:p>
-          <a:p>
-            <a:endParaRPr lang="en-US" noProof="1"/>
-          </a:p>
-          <a:p>
-            <a:r>
-              <a:rPr lang="en-US" noProof="1"/>
-              <a:t>docker-compose stop</a:t>
-            </a:r>
-          </a:p>
-          <a:p>
-            <a:r>
-              <a:rPr lang="en-US" noProof="1"/>
-              <a:t>docker-compose down</a:t>
-            </a:r>
-          </a:p>
-          <a:p>
-            <a:endParaRPr lang="en-US" noProof="1"/>
-          </a:p>
-        </p:txBody>
-      </p:sp>
-      <p:sp>
-        <p:nvSpPr>
-          <p:cNvPr id="6" name="Text Placeholder 5">
-            <a:extLst>
-              <a:ext uri="{FF2B5EF4-FFF2-40B4-BE49-F238E27FC236}">
-                <a16:creationId xmlns:a16="http://schemas.microsoft.com/office/drawing/2014/main" id="{F8A11F8D-0CB6-495C-B124-0A2FB159DB76}"/>
-              </a:ext>
-            </a:extLst>
-          </p:cNvPr>
-          <p:cNvSpPr>
-            <a:spLocks noGrp="1"/>
-          </p:cNvSpPr>
-          <p:nvPr>
-            <p:ph type="body" sz="quarter" idx="23"/>
-          </p:nvPr>
-        </p:nvSpPr>
-        <p:spPr/>
-        <p:txBody>
-          <a:bodyPr/>
-          <a:lstStyle/>
-          <a:p>
-            <a:r>
-              <a:rPr lang="en-US" dirty="0"/>
-              <a:t>Prepare image</a:t>
-            </a:r>
-          </a:p>
-        </p:txBody>
-      </p:sp>
-      <p:sp>
-        <p:nvSpPr>
-          <p:cNvPr id="10" name="Text Placeholder 9">
-            <a:extLst>
-              <a:ext uri="{FF2B5EF4-FFF2-40B4-BE49-F238E27FC236}">
-                <a16:creationId xmlns:a16="http://schemas.microsoft.com/office/drawing/2014/main" id="{A44AEF77-FACC-4670-8D58-D0BB6F115CAA}"/>
-              </a:ext>
-            </a:extLst>
-          </p:cNvPr>
-          <p:cNvSpPr>
-            <a:spLocks noGrp="1"/>
-          </p:cNvSpPr>
-          <p:nvPr>
-            <p:ph type="body" sz="quarter" idx="24"/>
-          </p:nvPr>
-        </p:nvSpPr>
-        <p:spPr/>
-        <p:txBody>
-          <a:bodyPr/>
-          <a:lstStyle/>
-          <a:p>
-            <a:r>
-              <a:rPr lang="en-US" dirty="0"/>
-              <a:t>Create images locally</a:t>
-            </a:r>
-          </a:p>
-          <a:p>
-            <a:r>
-              <a:rPr lang="en-US" dirty="0"/>
-              <a:t>Test application locally</a:t>
-            </a:r>
-          </a:p>
-        </p:txBody>
-      </p:sp>
-      <p:sp>
-        <p:nvSpPr>
-          <p:cNvPr id="11" name="Text Placeholder 10">
-            <a:extLst>
-              <a:ext uri="{FF2B5EF4-FFF2-40B4-BE49-F238E27FC236}">
-                <a16:creationId xmlns:a16="http://schemas.microsoft.com/office/drawing/2014/main" id="{07D091DA-9215-420B-8F52-AF755EE465BC}"/>
-              </a:ext>
-            </a:extLst>
-          </p:cNvPr>
-          <p:cNvSpPr>
-            <a:spLocks noGrp="1"/>
-          </p:cNvSpPr>
-          <p:nvPr>
-            <p:ph type="body" sz="quarter" idx="25"/>
-          </p:nvPr>
-        </p:nvSpPr>
-        <p:spPr/>
-        <p:txBody>
-          <a:bodyPr/>
-          <a:lstStyle/>
-          <a:p>
-            <a:r>
-              <a:rPr lang="en-US" sz="700" dirty="0">
-                <a:hlinkClick r:id="rId3"/>
-              </a:rPr>
-              <a:t>https://docs.microsoft.com/en-us/azure/aks/kubernetes-walkthrough</a:t>
-            </a:r>
-            <a:endParaRPr lang="en-US" sz="700" dirty="0"/>
-          </a:p>
-        </p:txBody>
-      </p:sp>
-    </p:spTree>
-    <p:extLst>
-      <p:ext uri="{BB962C8B-B14F-4D97-AF65-F5344CB8AC3E}">
-        <p14:creationId xmlns:p14="http://schemas.microsoft.com/office/powerpoint/2010/main" val="3399747740"/>
       </p:ext>
     </p:extLst>
   </p:cSld>
@@ -35246,16 +35218,7 @@
           <a:lstStyle/>
           <a:p>
             <a:r>
-              <a:rPr lang="pt-BR" noProof="1"/>
-              <a:t>az provider register -n Microsoft.ContainerService</a:t>
-            </a:r>
-          </a:p>
-          <a:p>
-            <a:endParaRPr lang="pt-BR" noProof="1"/>
-          </a:p>
-          <a:p>
-            <a:r>
-              <a:rPr lang="pt-BR" noProof="1">
+              <a:rPr lang="en-US" noProof="1">
                 <a:solidFill>
                   <a:schemeClr val="tx1">
                     <a:lumMod val="60000"/>
@@ -35263,12 +35226,12 @@
                   </a:schemeClr>
                 </a:solidFill>
               </a:rPr>
-              <a:t># Create service principal for AKS (or change password)</a:t>
-            </a:r>
-          </a:p>
-          <a:p>
-            <a:r>
-              <a:rPr lang="pt-BR" noProof="1">
+              <a:t># Note: Uses demo app from </a:t>
+            </a:r>
+          </a:p>
+          <a:p>
+            <a:r>
+              <a:rPr lang="en-US" noProof="1">
                 <a:solidFill>
                   <a:schemeClr val="tx1">
                     <a:lumMod val="60000"/>
@@ -35276,79 +35239,59 @@
                   </a:schemeClr>
                 </a:solidFill>
               </a:rPr>
-              <a:t># This is necessary if you want to use ACR with AKS</a:t>
-            </a:r>
-          </a:p>
-          <a:p>
-            <a:r>
-              <a:rPr lang="en-US" noProof="1"/>
-              <a:t>az ad sp create-for-rbac --name azurecaas \</a:t>
-            </a:r>
-          </a:p>
-          <a:p>
-            <a:r>
-              <a:rPr lang="en-US" noProof="1"/>
-              <a:t>	--password P@ssw0rd123</a:t>
-            </a:r>
-          </a:p>
-          <a:p>
-            <a:r>
-              <a:rPr lang="en-US" noProof="1"/>
-              <a:t>az ad sp credential reset --name azurecaas \</a:t>
-            </a:r>
-          </a:p>
-          <a:p>
-            <a:r>
-              <a:rPr lang="en-US" noProof="1"/>
-              <a:t>	--password P@ssw0rd123</a:t>
-            </a:r>
-          </a:p>
-          <a:p>
-            <a:endParaRPr lang="pt-BR" noProof="1"/>
-          </a:p>
-          <a:p>
-            <a:r>
-              <a:rPr lang="pt-BR" noProof="1">
+              <a:t># </a:t>
+            </a:r>
+            <a:r>
+              <a:rPr lang="en-US" noProof="1">
                 <a:solidFill>
                   <a:schemeClr val="tx1">
                     <a:lumMod val="60000"/>
                     <a:lumOff val="40000"/>
                   </a:schemeClr>
                 </a:solidFill>
+                <a:hlinkClick r:id="rId2"/>
               </a:rPr>
-              <a:t># Assign “reader” role for ACR to AKS service principal</a:t>
-            </a:r>
-          </a:p>
-          <a:p>
-            <a:r>
-              <a:rPr lang="pt-BR" noProof="1"/>
-              <a:t>az acr show --name azurecaas --resource-group azure-caas-demo \</a:t>
-            </a:r>
-          </a:p>
-          <a:p>
-            <a:r>
-              <a:rPr lang="pt-BR" noProof="1"/>
-              <a:t>	--query "id"</a:t>
-            </a:r>
-          </a:p>
-          <a:p>
-            <a:r>
-              <a:rPr lang="pt-BR" noProof="1"/>
-              <a:t>az role assignment create \</a:t>
-            </a:r>
-          </a:p>
-          <a:p>
-            <a:r>
-              <a:rPr lang="pt-BR" noProof="1"/>
-              <a:t>	--assignee ...(app id) --role Reader --scope ...(ACR id)</a:t>
-            </a:r>
-          </a:p>
-          <a:p>
-            <a:endParaRPr lang="pt-BR" noProof="1"/>
-          </a:p>
-          <a:p>
-            <a:r>
-              <a:rPr lang="pt-BR" noProof="1">
+              <a:t>https://github.com/Azure-Samples/azure-voting-app-redis.git</a:t>
+            </a:r>
+            <a:endParaRPr lang="en-US" noProof="1">
+              <a:solidFill>
+                <a:schemeClr val="tx1">
+                  <a:lumMod val="60000"/>
+                  <a:lumOff val="40000"/>
+                </a:schemeClr>
+              </a:solidFill>
+            </a:endParaRPr>
+          </a:p>
+          <a:p>
+            <a:endParaRPr lang="en-US" noProof="1"/>
+          </a:p>
+          <a:p>
+            <a:r>
+              <a:rPr lang="en-US" noProof="1"/>
+              <a:t>cd ~/GitHub/azure-voting-app-redis</a:t>
+            </a:r>
+          </a:p>
+          <a:p>
+            <a:r>
+              <a:rPr lang="en-US" noProof="1"/>
+              <a:t>cat cat docker-compose.yaml</a:t>
+            </a:r>
+          </a:p>
+          <a:p>
+            <a:endParaRPr lang="en-US" noProof="1"/>
+          </a:p>
+          <a:p>
+            <a:r>
+              <a:rPr lang="en-US" noProof="1"/>
+              <a:t>docker-compose up -d</a:t>
+            </a:r>
+          </a:p>
+          <a:p>
+            <a:endParaRPr lang="en-US" noProof="1"/>
+          </a:p>
+          <a:p>
+            <a:r>
+              <a:rPr lang="en-US" noProof="1">
                 <a:solidFill>
                   <a:schemeClr val="tx1">
                     <a:lumMod val="60000"/>
@@ -35356,32 +35299,63 @@
                   </a:schemeClr>
                 </a:solidFill>
               </a:rPr>
-              <a:t># Create AKS cluster</a:t>
-            </a:r>
+              <a:t># Try app at http://</a:t>
+            </a:r>
+            <a:r>
+              <a:rPr lang="en-US" i="1" noProof="1">
+                <a:solidFill>
+                  <a:schemeClr val="tx1">
+                    <a:lumMod val="60000"/>
+                    <a:lumOff val="40000"/>
+                  </a:schemeClr>
+                </a:solidFill>
+              </a:rPr>
+              <a:t>your-ip</a:t>
+            </a:r>
+            <a:r>
+              <a:rPr lang="en-US" noProof="1">
+                <a:solidFill>
+                  <a:schemeClr val="tx1">
+                    <a:lumMod val="60000"/>
+                    <a:lumOff val="40000"/>
+                  </a:schemeClr>
+                </a:solidFill>
+              </a:rPr>
+              <a:t>:8080</a:t>
+            </a:r>
+          </a:p>
+          <a:p>
+            <a:endParaRPr lang="en-US" noProof="1"/>
           </a:p>
           <a:p>
             <a:r>
               <a:rPr lang="en-US" noProof="1"/>
-              <a:t>az aks create --resource-group azure-caas-demo \</a:t>
+              <a:t>docker images</a:t>
             </a:r>
           </a:p>
           <a:p>
             <a:r>
               <a:rPr lang="en-US" noProof="1"/>
-              <a:t>	--name azure-caas-kube --node-count 1 --generate-ssh-keys \</a:t>
-            </a:r>
+              <a:t>docker ps</a:t>
+            </a:r>
+          </a:p>
+          <a:p>
+            <a:endParaRPr lang="en-US" noProof="1"/>
           </a:p>
           <a:p>
             <a:r>
               <a:rPr lang="en-US" noProof="1"/>
-              <a:t>  --location westeurope --client-secret P@ssw0rd123 \</a:t>
+              <a:t>docker-compose stop</a:t>
             </a:r>
           </a:p>
           <a:p>
             <a:r>
               <a:rPr lang="en-US" noProof="1"/>
-              <a:t>	 --service-principal ...(app id)</a:t>
-            </a:r>
+              <a:t>docker-compose down</a:t>
+            </a:r>
+          </a:p>
+          <a:p>
+            <a:endParaRPr lang="en-US" noProof="1"/>
           </a:p>
         </p:txBody>
       </p:sp>
@@ -35408,7 +35382,7 @@
           <a:p>
             <a:r>
               <a:rPr lang="en-US" dirty="0"/>
-              <a:t>Create AKS Cluster</a:t>
+              <a:t>Prepare image</a:t>
             </a:r>
           </a:p>
         </p:txBody>
@@ -35436,19 +35410,13 @@
           <a:p>
             <a:r>
               <a:rPr lang="en-US" dirty="0"/>
-              <a:t>Push demo image to ACR</a:t>
+              <a:t>Create images locally</a:t>
             </a:r>
           </a:p>
           <a:p>
             <a:r>
               <a:rPr lang="en-US" dirty="0"/>
-              <a:t>Create service principal for AKS</a:t>
-            </a:r>
-          </a:p>
-          <a:p>
-            <a:r>
-              <a:rPr lang="en-US" dirty="0"/>
-              <a:t>Create AKS cluster</a:t>
+              <a:t>Test application locally</a:t>
             </a:r>
           </a:p>
         </p:txBody>
@@ -35476,45 +35444,18 @@
           <a:p>
             <a:r>
               <a:rPr lang="en-US" sz="700" dirty="0">
-                <a:hlinkClick r:id="rId2"/>
+                <a:hlinkClick r:id="rId3"/>
               </a:rPr>
               <a:t>https://docs.microsoft.com/en-us/azure/aks/kubernetes-walkthrough</a:t>
             </a:r>
-            <a:br>
-              <a:rPr lang="en-US" sz="700" dirty="0"/>
-            </a:br>
             <a:endParaRPr lang="en-US" sz="700" dirty="0"/>
-          </a:p>
-          <a:p>
-            <a:r>
-              <a:rPr lang="en-US" sz="700" dirty="0"/>
-              <a:t>Note: Due to preview limitations, location has to be </a:t>
-            </a:r>
-            <a:r>
-              <a:rPr lang="en-US" sz="700" i="1" dirty="0" err="1"/>
-              <a:t>eastus</a:t>
-            </a:r>
-            <a:r>
-              <a:rPr lang="en-US" sz="700" dirty="0"/>
-              <a:t>, for details see </a:t>
-            </a:r>
-            <a:r>
-              <a:rPr lang="en-US" sz="700" dirty="0">
-                <a:hlinkClick r:id="rId3"/>
-              </a:rPr>
-              <a:t>https://github.com/Azure/AKS/blob/master/preview_regions.md</a:t>
-            </a:r>
-            <a:r>
-              <a:rPr lang="en-US" sz="700" dirty="0"/>
-              <a:t> </a:t>
-            </a:r>
           </a:p>
         </p:txBody>
       </p:sp>
     </p:spTree>
     <p:extLst>
       <p:ext uri="{BB962C8B-B14F-4D97-AF65-F5344CB8AC3E}">
-        <p14:creationId xmlns:p14="http://schemas.microsoft.com/office/powerpoint/2010/main" val="657760228"/>
+        <p14:creationId xmlns:p14="http://schemas.microsoft.com/office/powerpoint/2010/main" val="3399747740"/>
       </p:ext>
     </p:extLst>
   </p:cSld>
@@ -35608,7 +35549,16 @@
           <a:lstStyle/>
           <a:p>
             <a:r>
-              <a:rPr lang="en-US" noProof="1">
+              <a:rPr lang="pt-BR" noProof="1"/>
+              <a:t>az provider register -n Microsoft.ContainerService</a:t>
+            </a:r>
+          </a:p>
+          <a:p>
+            <a:endParaRPr lang="pt-BR" noProof="1"/>
+          </a:p>
+          <a:p>
+            <a:r>
+              <a:rPr lang="pt-BR" noProof="1">
                 <a:solidFill>
                   <a:schemeClr val="tx1">
                     <a:lumMod val="60000"/>
@@ -35616,27 +35566,12 @@
                   </a:schemeClr>
                 </a:solidFill>
               </a:rPr>
-              <a:t># Connect kubectl with AKS</a:t>
-            </a:r>
-          </a:p>
-          <a:p>
-            <a:r>
-              <a:rPr lang="en-US" noProof="1"/>
-              <a:t>az aks get-credentials --resource-group azure-caas-demo \</a:t>
-            </a:r>
-          </a:p>
-          <a:p>
-            <a:r>
-              <a:rPr lang="en-US" noProof="1"/>
-              <a:t>	--name azure-caas-kube</a:t>
-            </a:r>
-          </a:p>
-          <a:p>
-            <a:endParaRPr lang="en-US" noProof="1"/>
-          </a:p>
-          <a:p>
-            <a:r>
-              <a:rPr lang="en-US" noProof="1">
+              <a:t># Create service principal for AKS (or change password)</a:t>
+            </a:r>
+          </a:p>
+          <a:p>
+            <a:r>
+              <a:rPr lang="pt-BR" noProof="1">
                 <a:solidFill>
                   <a:schemeClr val="tx1">
                     <a:lumMod val="60000"/>
@@ -35644,35 +35579,35 @@
                   </a:schemeClr>
                 </a:solidFill>
               </a:rPr>
-              <a:t># Check connection to AKS</a:t>
+              <a:t># This is necessary if you want to use ACR with AKS</a:t>
             </a:r>
           </a:p>
           <a:p>
             <a:r>
               <a:rPr lang="en-US" noProof="1"/>
-              <a:t>kubectl config get-contexts</a:t>
+              <a:t>az ad sp create-for-rbac --name azurecaas \</a:t>
             </a:r>
           </a:p>
           <a:p>
             <a:r>
               <a:rPr lang="en-US" noProof="1"/>
-              <a:t>kubectl config use-context …</a:t>
+              <a:t>	--password P@ssw0rd123</a:t>
             </a:r>
           </a:p>
           <a:p>
             <a:r>
               <a:rPr lang="en-US" noProof="1"/>
-              <a:t>kubectl config current-context</a:t>
+              <a:t>az ad sp credential reset --name azurecaas \</a:t>
             </a:r>
           </a:p>
           <a:p>
             <a:r>
               <a:rPr lang="en-US" noProof="1"/>
-              <a:t>kubectl get nodes</a:t>
-            </a:r>
-          </a:p>
-          <a:p>
-            <a:endParaRPr lang="en-US" noProof="1"/>
+              <a:t>	--password P@ssw0rd123</a:t>
+            </a:r>
+          </a:p>
+          <a:p>
+            <a:endParaRPr lang="pt-BR" noProof="1"/>
           </a:p>
           <a:p>
             <a:r>
@@ -35684,10 +35619,39 @@
                   </a:schemeClr>
                 </a:solidFill>
               </a:rPr>
-              <a:t># Start Kubernetes dashboard (CMD, not </a:t>
-            </a:r>
-            <a:r>
-              <a:rPr lang="pt-BR" i="1" noProof="1">
+              <a:t># Assign “reader” role for ACR to AKS service principal</a:t>
+            </a:r>
+          </a:p>
+          <a:p>
+            <a:r>
+              <a:rPr lang="pt-BR" noProof="1"/>
+              <a:t>az acr show --name azurecaas --resource-group azure-caas-demo \</a:t>
+            </a:r>
+          </a:p>
+          <a:p>
+            <a:r>
+              <a:rPr lang="pt-BR" noProof="1"/>
+              <a:t>	--query "id"</a:t>
+            </a:r>
+          </a:p>
+          <a:p>
+            <a:r>
+              <a:rPr lang="pt-BR" noProof="1"/>
+              <a:t>az role assignment create \</a:t>
+            </a:r>
+          </a:p>
+          <a:p>
+            <a:r>
+              <a:rPr lang="pt-BR" noProof="1"/>
+              <a:t>	--assignee ...(app id) --role Reader --scope ...(ACR id)</a:t>
+            </a:r>
+          </a:p>
+          <a:p>
+            <a:endParaRPr lang="pt-BR" noProof="1"/>
+          </a:p>
+          <a:p>
+            <a:r>
+              <a:rPr lang="pt-BR" noProof="1">
                 <a:solidFill>
                   <a:schemeClr val="tx1">
                     <a:lumMod val="60000"/>
@@ -35695,62 +35659,32 @@
                   </a:schemeClr>
                 </a:solidFill>
               </a:rPr>
-              <a:t>bash</a:t>
-            </a:r>
-            <a:r>
-              <a:rPr lang="pt-BR" noProof="1">
-                <a:solidFill>
-                  <a:schemeClr val="tx1">
-                    <a:lumMod val="60000"/>
-                    <a:lumOff val="40000"/>
-                  </a:schemeClr>
-                </a:solidFill>
-              </a:rPr>
-              <a:t>!)</a:t>
+              <a:t># Create AKS cluster</a:t>
             </a:r>
           </a:p>
           <a:p>
             <a:r>
               <a:rPr lang="en-US" noProof="1"/>
-              <a:t>az aks browse --resource-group azure-caas-demo \</a:t>
+              <a:t>az aks create --resource-group azure-caas-demo \</a:t>
             </a:r>
           </a:p>
           <a:p>
             <a:r>
               <a:rPr lang="en-US" noProof="1"/>
-              <a:t>	--name azure-caas-kube</a:t>
-            </a:r>
-          </a:p>
-          <a:p>
-            <a:endParaRPr lang="en-US" noProof="1"/>
-          </a:p>
-          <a:p>
-            <a:r>
-              <a:rPr lang="en-US" noProof="1">
-                <a:solidFill>
-                  <a:schemeClr val="tx1">
-                    <a:lumMod val="60000"/>
-                    <a:lumOff val="40000"/>
-                  </a:schemeClr>
-                </a:solidFill>
-              </a:rPr>
-              <a:t># Scale Kubernetes server</a:t>
+              <a:t>	--name azure-caas-kube --node-count 1 --generate-ssh-keys \</a:t>
             </a:r>
           </a:p>
           <a:p>
             <a:r>
               <a:rPr lang="en-US" noProof="1"/>
-              <a:t>az aks scale --resource-group azure-caas-demo \</a:t>
+              <a:t>  --location westeurope --client-secret P@ssw0rd123 \</a:t>
             </a:r>
           </a:p>
           <a:p>
             <a:r>
               <a:rPr lang="en-US" noProof="1"/>
-              <a:t>	--name azure-caas-kube --node-count 2</a:t>
-            </a:r>
-          </a:p>
-          <a:p>
-            <a:endParaRPr lang="en-US" noProof="1"/>
+              <a:t>	 --service-principal ...(app id)</a:t>
+            </a:r>
           </a:p>
         </p:txBody>
       </p:sp>
@@ -35805,7 +35739,19 @@
           <a:p>
             <a:r>
               <a:rPr lang="en-US" dirty="0"/>
-              <a:t>Deploy app to AKS</a:t>
+              <a:t>Push demo image to ACR</a:t>
+            </a:r>
+          </a:p>
+          <a:p>
+            <a:r>
+              <a:rPr lang="en-US" dirty="0"/>
+              <a:t>Create service principal for AKS</a:t>
+            </a:r>
+          </a:p>
+          <a:p>
+            <a:r>
+              <a:rPr lang="en-US" dirty="0"/>
+              <a:t>Create AKS cluster</a:t>
             </a:r>
           </a:p>
         </p:txBody>
@@ -35831,14 +35777,47 @@
           <a:bodyPr/>
           <a:lstStyle/>
           <a:p>
+            <a:r>
+              <a:rPr lang="en-US" sz="700" dirty="0">
+                <a:hlinkClick r:id="rId2"/>
+              </a:rPr>
+              <a:t>https://docs.microsoft.com/en-us/azure/aks/kubernetes-walkthrough</a:t>
+            </a:r>
+            <a:br>
+              <a:rPr lang="en-US" sz="700" dirty="0"/>
+            </a:br>
             <a:endParaRPr lang="en-US" sz="700" dirty="0"/>
+          </a:p>
+          <a:p>
+            <a:r>
+              <a:rPr lang="en-US" sz="700" dirty="0"/>
+              <a:t>Note: Due to preview limitations, location has to be </a:t>
+            </a:r>
+            <a:r>
+              <a:rPr lang="en-US" sz="700" i="1" dirty="0" err="1"/>
+              <a:t>eastus</a:t>
+            </a:r>
+            <a:r>
+              <a:rPr lang="en-US" sz="700" dirty="0"/>
+              <a:t>, for details see </a:t>
+            </a:r>
+            <a:r>
+              <a:rPr lang="en-US" sz="700" dirty="0">
+                <a:hlinkClick r:id="rId3"/>
+              </a:rPr>
+              <a:t>https://github.com/Azure/AKS/blob/master/preview_regions.md</a:t>
+            </a:r>
+            <a:r>
+              <a:rPr lang="en-US" sz="700" dirty="0"/>
+              <a:t> </a:t>
+            </a:r>
           </a:p>
         </p:txBody>
       </p:sp>
     </p:spTree>
     <p:extLst>
       <p:ext uri="{BB962C8B-B14F-4D97-AF65-F5344CB8AC3E}">
-        <p14:creationId xmlns:p14="http://schemas.microsoft.com/office/powerpoint/2010/main" val="505014173"/>
+        <p14:creationId xmlns:p14="http://schemas.microsoft.com/office/powerpoint/2010/main" val="657760228"/>
       </p:ext>
     </p:extLst>
   </p:cSld>
@@ -36033,6 +36012,330 @@
       </p:grpSpPr>
       <p:sp>
         <p:nvSpPr>
+          <p:cNvPr id="2" name="Title 1">
+            <a:extLst>
+              <a:ext uri="{FF2B5EF4-FFF2-40B4-BE49-F238E27FC236}">
+                <a16:creationId xmlns:a16="http://schemas.microsoft.com/office/drawing/2014/main" id="{25AD9DA0-0FEE-4602-BE90-C190707FCC7C}"/>
+              </a:ext>
+            </a:extLst>
+          </p:cNvPr>
+          <p:cNvSpPr>
+            <a:spLocks noGrp="1"/>
+          </p:cNvSpPr>
+          <p:nvPr>
+            <p:ph type="title"/>
+          </p:nvPr>
+        </p:nvSpPr>
+        <p:spPr/>
+        <p:txBody>
+          <a:bodyPr/>
+          <a:lstStyle/>
+          <a:p>
+            <a:r>
+              <a:rPr lang="en-US"/>
+              <a:t>Demo</a:t>
+            </a:r>
+          </a:p>
+        </p:txBody>
+      </p:sp>
+      <p:sp>
+        <p:nvSpPr>
+          <p:cNvPr id="9" name="Content Placeholder 8">
+            <a:extLst>
+              <a:ext uri="{FF2B5EF4-FFF2-40B4-BE49-F238E27FC236}">
+                <a16:creationId xmlns:a16="http://schemas.microsoft.com/office/drawing/2014/main" id="{5E43D4B1-0BE9-4CA9-9A44-66749743FCCD}"/>
+              </a:ext>
+            </a:extLst>
+          </p:cNvPr>
+          <p:cNvSpPr>
+            <a:spLocks noGrp="1"/>
+          </p:cNvSpPr>
+          <p:nvPr>
+            <p:ph sz="quarter" idx="22"/>
+          </p:nvPr>
+        </p:nvSpPr>
+        <p:spPr>
+          <a:xfrm>
+            <a:off x="467544" y="178629"/>
+            <a:ext cx="5328592" cy="4721065"/>
+          </a:xfrm>
+        </p:spPr>
+        <p:txBody>
+          <a:bodyPr/>
+          <a:lstStyle/>
+          <a:p>
+            <a:r>
+              <a:rPr lang="en-US" noProof="1">
+                <a:solidFill>
+                  <a:schemeClr val="tx1">
+                    <a:lumMod val="60000"/>
+                    <a:lumOff val="40000"/>
+                  </a:schemeClr>
+                </a:solidFill>
+              </a:rPr>
+              <a:t># Connect kubectl with AKS</a:t>
+            </a:r>
+          </a:p>
+          <a:p>
+            <a:r>
+              <a:rPr lang="en-US" noProof="1"/>
+              <a:t>az aks get-credentials --resource-group azure-caas-demo \</a:t>
+            </a:r>
+          </a:p>
+          <a:p>
+            <a:r>
+              <a:rPr lang="en-US" noProof="1"/>
+              <a:t>	--name azure-caas-kube</a:t>
+            </a:r>
+          </a:p>
+          <a:p>
+            <a:endParaRPr lang="en-US" noProof="1"/>
+          </a:p>
+          <a:p>
+            <a:r>
+              <a:rPr lang="en-US" noProof="1">
+                <a:solidFill>
+                  <a:schemeClr val="tx1">
+                    <a:lumMod val="60000"/>
+                    <a:lumOff val="40000"/>
+                  </a:schemeClr>
+                </a:solidFill>
+              </a:rPr>
+              <a:t># Check connection to AKS</a:t>
+            </a:r>
+          </a:p>
+          <a:p>
+            <a:r>
+              <a:rPr lang="en-US" noProof="1"/>
+              <a:t>kubectl config get-contexts</a:t>
+            </a:r>
+          </a:p>
+          <a:p>
+            <a:r>
+              <a:rPr lang="en-US" noProof="1"/>
+              <a:t>kubectl config use-context …</a:t>
+            </a:r>
+          </a:p>
+          <a:p>
+            <a:r>
+              <a:rPr lang="en-US" noProof="1"/>
+              <a:t>kubectl config current-context</a:t>
+            </a:r>
+          </a:p>
+          <a:p>
+            <a:r>
+              <a:rPr lang="en-US" noProof="1"/>
+              <a:t>kubectl get nodes</a:t>
+            </a:r>
+          </a:p>
+          <a:p>
+            <a:endParaRPr lang="en-US" noProof="1"/>
+          </a:p>
+          <a:p>
+            <a:r>
+              <a:rPr lang="pt-BR" noProof="1">
+                <a:solidFill>
+                  <a:schemeClr val="tx1">
+                    <a:lumMod val="60000"/>
+                    <a:lumOff val="40000"/>
+                  </a:schemeClr>
+                </a:solidFill>
+              </a:rPr>
+              <a:t># Start Kubernetes dashboard (CMD, not </a:t>
+            </a:r>
+            <a:r>
+              <a:rPr lang="pt-BR" i="1" noProof="1">
+                <a:solidFill>
+                  <a:schemeClr val="tx1">
+                    <a:lumMod val="60000"/>
+                    <a:lumOff val="40000"/>
+                  </a:schemeClr>
+                </a:solidFill>
+              </a:rPr>
+              <a:t>bash</a:t>
+            </a:r>
+            <a:r>
+              <a:rPr lang="pt-BR" noProof="1">
+                <a:solidFill>
+                  <a:schemeClr val="tx1">
+                    <a:lumMod val="60000"/>
+                    <a:lumOff val="40000"/>
+                  </a:schemeClr>
+                </a:solidFill>
+              </a:rPr>
+              <a:t>!)</a:t>
+            </a:r>
+          </a:p>
+          <a:p>
+            <a:r>
+              <a:rPr lang="en-US" noProof="1"/>
+              <a:t>az aks browse --resource-group azure-caas-demo \</a:t>
+            </a:r>
+          </a:p>
+          <a:p>
+            <a:r>
+              <a:rPr lang="en-US" noProof="1"/>
+              <a:t>	--name azure-caas-kube</a:t>
+            </a:r>
+          </a:p>
+          <a:p>
+            <a:endParaRPr lang="en-US" noProof="1"/>
+          </a:p>
+          <a:p>
+            <a:r>
+              <a:rPr lang="en-US" noProof="1">
+                <a:solidFill>
+                  <a:schemeClr val="tx1">
+                    <a:lumMod val="60000"/>
+                    <a:lumOff val="40000"/>
+                  </a:schemeClr>
+                </a:solidFill>
+              </a:rPr>
+              <a:t># Scale Kubernetes server</a:t>
+            </a:r>
+          </a:p>
+          <a:p>
+            <a:r>
+              <a:rPr lang="en-US" noProof="1"/>
+              <a:t>az aks scale --resource-group azure-caas-demo \</a:t>
+            </a:r>
+          </a:p>
+          <a:p>
+            <a:r>
+              <a:rPr lang="en-US" noProof="1"/>
+              <a:t>	--name azure-caas-kube --node-count 2</a:t>
+            </a:r>
+          </a:p>
+          <a:p>
+            <a:endParaRPr lang="en-US" noProof="1"/>
+          </a:p>
+        </p:txBody>
+      </p:sp>
+      <p:sp>
+        <p:nvSpPr>
+          <p:cNvPr id="6" name="Text Placeholder 5">
+            <a:extLst>
+              <a:ext uri="{FF2B5EF4-FFF2-40B4-BE49-F238E27FC236}">
+                <a16:creationId xmlns:a16="http://schemas.microsoft.com/office/drawing/2014/main" id="{F8A11F8D-0CB6-495C-B124-0A2FB159DB76}"/>
+              </a:ext>
+            </a:extLst>
+          </p:cNvPr>
+          <p:cNvSpPr>
+            <a:spLocks noGrp="1"/>
+          </p:cNvSpPr>
+          <p:nvPr>
+            <p:ph type="body" sz="quarter" idx="23"/>
+          </p:nvPr>
+        </p:nvSpPr>
+        <p:spPr/>
+        <p:txBody>
+          <a:bodyPr/>
+          <a:lstStyle/>
+          <a:p>
+            <a:r>
+              <a:rPr lang="en-US" dirty="0"/>
+              <a:t>Create AKS Cluster</a:t>
+            </a:r>
+          </a:p>
+        </p:txBody>
+      </p:sp>
+      <p:sp>
+        <p:nvSpPr>
+          <p:cNvPr id="10" name="Text Placeholder 9">
+            <a:extLst>
+              <a:ext uri="{FF2B5EF4-FFF2-40B4-BE49-F238E27FC236}">
+                <a16:creationId xmlns:a16="http://schemas.microsoft.com/office/drawing/2014/main" id="{A44AEF77-FACC-4670-8D58-D0BB6F115CAA}"/>
+              </a:ext>
+            </a:extLst>
+          </p:cNvPr>
+          <p:cNvSpPr>
+            <a:spLocks noGrp="1"/>
+          </p:cNvSpPr>
+          <p:nvPr>
+            <p:ph type="body" sz="quarter" idx="24"/>
+          </p:nvPr>
+        </p:nvSpPr>
+        <p:spPr/>
+        <p:txBody>
+          <a:bodyPr/>
+          <a:lstStyle/>
+          <a:p>
+            <a:r>
+              <a:rPr lang="en-US" dirty="0"/>
+              <a:t>Deploy app to AKS</a:t>
+            </a:r>
+          </a:p>
+        </p:txBody>
+      </p:sp>
+      <p:sp>
+        <p:nvSpPr>
+          <p:cNvPr id="11" name="Text Placeholder 10">
+            <a:extLst>
+              <a:ext uri="{FF2B5EF4-FFF2-40B4-BE49-F238E27FC236}">
+                <a16:creationId xmlns:a16="http://schemas.microsoft.com/office/drawing/2014/main" id="{07D091DA-9215-420B-8F52-AF755EE465BC}"/>
+              </a:ext>
+            </a:extLst>
+          </p:cNvPr>
+          <p:cNvSpPr>
+            <a:spLocks noGrp="1"/>
+          </p:cNvSpPr>
+          <p:nvPr>
+            <p:ph type="body" sz="quarter" idx="25"/>
+          </p:nvPr>
+        </p:nvSpPr>
+        <p:spPr/>
+        <p:txBody>
+          <a:bodyPr/>
+          <a:lstStyle/>
+          <a:p>
+            <a:endParaRPr lang="en-US" sz="700" dirty="0"/>
+          </a:p>
+        </p:txBody>
+      </p:sp>
+    </p:spTree>
+    <p:extLst>
+      <p:ext uri="{BB962C8B-B14F-4D97-AF65-F5344CB8AC3E}">
+        <p14:creationId xmlns:p14="http://schemas.microsoft.com/office/powerpoint/2010/main" val="505014173"/>
+      </p:ext>
+    </p:extLst>
+  </p:cSld>
+  <p:clrMapOvr>
+    <a:masterClrMapping/>
+  </p:clrMapOvr>
+  <mc:AlternateContent xmlns:mc="http://schemas.openxmlformats.org/markup-compatibility/2006" xmlns:p14="http://schemas.microsoft.com/office/powerpoint/2010/main">
+    <mc:Choice Requires="p14">
+      <p:transition spd="med" p14:dur="700">
+        <p:fade/>
+      </p:transition>
+    </mc:Choice>
+    <mc:Fallback xmlns="">
+      <p:transition spd="med">
+        <p:fade/>
+      </p:transition>
+    </mc:Fallback>
+  </mc:AlternateContent>
+</p:sld>
+</file>
+
+<file path=ppt/slides/slide31.xml><?xml version="1.0" encoding="utf-8"?>
+<p:sld xmlns:a="http://schemas.openxmlformats.org/drawingml/2006/main" xmlns:r="http://schemas.openxmlformats.org/officeDocument/2006/relationships" xmlns:p="http://schemas.openxmlformats.org/presentationml/2006/main">
+  <p:cSld>
+    <p:spTree>
+      <p:nvGrpSpPr>
+        <p:cNvPr id="1" name=""/>
+        <p:cNvGrpSpPr/>
+        <p:nvPr/>
+      </p:nvGrpSpPr>
+      <p:grpSpPr>
+        <a:xfrm>
+          <a:off x="0" y="0"/>
+          <a:ext cx="0" cy="0"/>
+          <a:chOff x="0" y="0"/>
+          <a:chExt cx="0" cy="0"/>
+        </a:xfrm>
+      </p:grpSpPr>
+      <p:sp>
+        <p:nvSpPr>
           <p:cNvPr id="7" name="Title 6">
             <a:extLst>
               <a:ext uri="{FF2B5EF4-FFF2-40B4-BE49-F238E27FC236}">
@@ -36247,372 +36550,6 @@
   <p:transition spd="slow">
     <p:push/>
   </p:transition>
-</p:sld>
-</file>
-
-<file path=ppt/slides/slide31.xml><?xml version="1.0" encoding="utf-8"?>
-<p:sld xmlns:a="http://schemas.openxmlformats.org/drawingml/2006/main" xmlns:r="http://schemas.openxmlformats.org/officeDocument/2006/relationships" xmlns:p="http://schemas.openxmlformats.org/presentationml/2006/main">
-  <p:cSld>
-    <p:spTree>
-      <p:nvGrpSpPr>
-        <p:cNvPr id="1" name=""/>
-        <p:cNvGrpSpPr/>
-        <p:nvPr/>
-      </p:nvGrpSpPr>
-      <p:grpSpPr>
-        <a:xfrm>
-          <a:off x="0" y="0"/>
-          <a:ext cx="0" cy="0"/>
-          <a:chOff x="0" y="0"/>
-          <a:chExt cx="0" cy="0"/>
-        </a:xfrm>
-      </p:grpSpPr>
-      <p:sp>
-        <p:nvSpPr>
-          <p:cNvPr id="2" name="Title 1">
-            <a:extLst>
-              <a:ext uri="{FF2B5EF4-FFF2-40B4-BE49-F238E27FC236}">
-                <a16:creationId xmlns:a16="http://schemas.microsoft.com/office/drawing/2014/main" id="{2A0334D8-9A3E-4AD0-B816-4869B0D2EF25}"/>
-              </a:ext>
-            </a:extLst>
-          </p:cNvPr>
-          <p:cNvSpPr>
-            <a:spLocks noGrp="1"/>
-          </p:cNvSpPr>
-          <p:nvPr>
-            <p:ph type="title"/>
-          </p:nvPr>
-        </p:nvSpPr>
-        <p:spPr/>
-        <p:txBody>
-          <a:bodyPr/>
-          <a:lstStyle/>
-          <a:p>
-            <a:r>
-              <a:rPr lang="en-US"/>
-              <a:t>Manifest</a:t>
-            </a:r>
-            <a:endParaRPr lang="en-US" dirty="0"/>
-          </a:p>
-        </p:txBody>
-      </p:sp>
-      <p:sp>
-        <p:nvSpPr>
-          <p:cNvPr id="3" name="Content Placeholder 2">
-            <a:extLst>
-              <a:ext uri="{FF2B5EF4-FFF2-40B4-BE49-F238E27FC236}">
-                <a16:creationId xmlns:a16="http://schemas.microsoft.com/office/drawing/2014/main" id="{88356D5B-5E65-4CD8-B009-D24FBBB78711}"/>
-              </a:ext>
-            </a:extLst>
-          </p:cNvPr>
-          <p:cNvSpPr>
-            <a:spLocks noGrp="1"/>
-          </p:cNvSpPr>
-          <p:nvPr>
-            <p:ph sz="quarter" idx="22"/>
-          </p:nvPr>
-        </p:nvSpPr>
-        <p:spPr/>
-        <p:txBody>
-          <a:bodyPr/>
-          <a:lstStyle/>
-          <a:p>
-            <a:r>
-              <a:rPr lang="en-US" sz="1000" noProof="1"/>
-              <a:t>apiVersion: apps/v1</a:t>
-            </a:r>
-          </a:p>
-          <a:p>
-            <a:r>
-              <a:rPr lang="en-US" sz="1000" noProof="1"/>
-              <a:t>kind: Deployment</a:t>
-            </a:r>
-          </a:p>
-          <a:p>
-            <a:r>
-              <a:rPr lang="en-US" sz="1000" noProof="1"/>
-              <a:t>metadata:</a:t>
-            </a:r>
-          </a:p>
-          <a:p>
-            <a:r>
-              <a:rPr lang="en-US" sz="1000" noProof="1"/>
-              <a:t>  name: event-db</a:t>
-            </a:r>
-          </a:p>
-          <a:p>
-            <a:r>
-              <a:rPr lang="en-US" sz="1000" noProof="1"/>
-              <a:t>spec:</a:t>
-            </a:r>
-          </a:p>
-          <a:p>
-            <a:r>
-              <a:rPr lang="en-US" sz="1000" noProof="1"/>
-              <a:t>  selector:</a:t>
-            </a:r>
-          </a:p>
-          <a:p>
-            <a:r>
-              <a:rPr lang="en-US" sz="1000" noProof="1"/>
-              <a:t>    matchLabels:</a:t>
-            </a:r>
-          </a:p>
-          <a:p>
-            <a:r>
-              <a:rPr lang="en-US" sz="1000" noProof="1"/>
-              <a:t>      app: event-db</a:t>
-            </a:r>
-          </a:p>
-          <a:p>
-            <a:r>
-              <a:rPr lang="en-US" sz="1000" noProof="1"/>
-              <a:t>  template:</a:t>
-            </a:r>
-          </a:p>
-          <a:p>
-            <a:r>
-              <a:rPr lang="en-US" sz="1000" noProof="1"/>
-              <a:t>    metadata:</a:t>
-            </a:r>
-          </a:p>
-          <a:p>
-            <a:r>
-              <a:rPr lang="en-US" sz="1000" noProof="1"/>
-              <a:t>      labels:</a:t>
-            </a:r>
-          </a:p>
-          <a:p>
-            <a:r>
-              <a:rPr lang="en-US" sz="1000" noProof="1"/>
-              <a:t>        app: event-db</a:t>
-            </a:r>
-          </a:p>
-          <a:p>
-            <a:r>
-              <a:rPr lang="en-US" sz="1000" noProof="1"/>
-              <a:t>    spec:</a:t>
-            </a:r>
-          </a:p>
-          <a:p>
-            <a:r>
-              <a:rPr lang="en-US" sz="1000" noProof="1"/>
-              <a:t>      containers:</a:t>
-            </a:r>
-          </a:p>
-          <a:p>
-            <a:r>
-              <a:rPr lang="en-US" sz="1000" noProof="1"/>
-              <a:t>      - name: event-db</a:t>
-            </a:r>
-          </a:p>
-          <a:p>
-            <a:r>
-              <a:rPr lang="en-US" sz="1000" noProof="1"/>
-              <a:t>        image: mongo</a:t>
-            </a:r>
-          </a:p>
-          <a:p>
-            <a:r>
-              <a:rPr lang="en-US" sz="1000" noProof="1"/>
-              <a:t>        ports:</a:t>
-            </a:r>
-          </a:p>
-          <a:p>
-            <a:r>
-              <a:rPr lang="en-US" sz="1000" noProof="1"/>
-              <a:t>        - containerPort: 27017</a:t>
-            </a:r>
-          </a:p>
-          <a:p>
-            <a:r>
-              <a:rPr lang="en-US" sz="1000" noProof="1"/>
-              <a:t>---</a:t>
-            </a:r>
-          </a:p>
-          <a:p>
-            <a:r>
-              <a:rPr lang="en-US" sz="1000" noProof="1"/>
-              <a:t>apiVersion: v1</a:t>
-            </a:r>
-          </a:p>
-          <a:p>
-            <a:r>
-              <a:rPr lang="en-US" sz="1000" noProof="1"/>
-              <a:t>kind: Service</a:t>
-            </a:r>
-          </a:p>
-          <a:p>
-            <a:r>
-              <a:rPr lang="en-US" sz="1000" noProof="1"/>
-              <a:t>metadata:</a:t>
-            </a:r>
-          </a:p>
-          <a:p>
-            <a:r>
-              <a:rPr lang="en-US" sz="1000" noProof="1"/>
-              <a:t>  name: event-db-svc</a:t>
-            </a:r>
-          </a:p>
-          <a:p>
-            <a:r>
-              <a:rPr lang="en-US" sz="1000" noProof="1"/>
-              <a:t>spec:</a:t>
-            </a:r>
-          </a:p>
-          <a:p>
-            <a:r>
-              <a:rPr lang="en-US" sz="1000" noProof="1"/>
-              <a:t>  selector:</a:t>
-            </a:r>
-          </a:p>
-          <a:p>
-            <a:r>
-              <a:rPr lang="en-US" sz="1000" noProof="1"/>
-              <a:t>    app: event-db</a:t>
-            </a:r>
-          </a:p>
-          <a:p>
-            <a:r>
-              <a:rPr lang="en-US" sz="1000" noProof="1"/>
-              <a:t>  ports:</a:t>
-            </a:r>
-          </a:p>
-          <a:p>
-            <a:r>
-              <a:rPr lang="en-US" sz="1000" noProof="1"/>
-              <a:t>  - port: 27017</a:t>
-            </a:r>
-          </a:p>
-          <a:p>
-            <a:r>
-              <a:rPr lang="en-US" sz="1000" noProof="1"/>
-              <a:t>    targetPort: 27017</a:t>
-            </a:r>
-          </a:p>
-          <a:p>
-            <a:r>
-              <a:rPr lang="en-US" sz="1000" noProof="1"/>
-              <a:t>  type: NodePort</a:t>
-            </a:r>
-          </a:p>
-        </p:txBody>
-      </p:sp>
-      <p:sp>
-        <p:nvSpPr>
-          <p:cNvPr id="4" name="Text Placeholder 3">
-            <a:extLst>
-              <a:ext uri="{FF2B5EF4-FFF2-40B4-BE49-F238E27FC236}">
-                <a16:creationId xmlns:a16="http://schemas.microsoft.com/office/drawing/2014/main" id="{1D18CB14-23F0-4C7A-AD53-4E984F2AA98F}"/>
-              </a:ext>
-            </a:extLst>
-          </p:cNvPr>
-          <p:cNvSpPr>
-            <a:spLocks noGrp="1"/>
-          </p:cNvSpPr>
-          <p:nvPr>
-            <p:ph type="body" sz="quarter" idx="23"/>
-          </p:nvPr>
-        </p:nvSpPr>
-        <p:spPr/>
-        <p:txBody>
-          <a:bodyPr/>
-          <a:lstStyle/>
-          <a:p>
-            <a:r>
-              <a:rPr lang="en-US" dirty="0"/>
-              <a:t>Mongo</a:t>
-            </a:r>
-          </a:p>
-        </p:txBody>
-      </p:sp>
-      <p:sp>
-        <p:nvSpPr>
-          <p:cNvPr id="5" name="Text Placeholder 4">
-            <a:extLst>
-              <a:ext uri="{FF2B5EF4-FFF2-40B4-BE49-F238E27FC236}">
-                <a16:creationId xmlns:a16="http://schemas.microsoft.com/office/drawing/2014/main" id="{DC07CEAD-1093-4ADD-919E-B0C338773CDC}"/>
-              </a:ext>
-            </a:extLst>
-          </p:cNvPr>
-          <p:cNvSpPr>
-            <a:spLocks noGrp="1"/>
-          </p:cNvSpPr>
-          <p:nvPr>
-            <p:ph type="body" sz="quarter" idx="24"/>
-          </p:nvPr>
-        </p:nvSpPr>
-        <p:spPr/>
-        <p:txBody>
-          <a:bodyPr/>
-          <a:lstStyle/>
-          <a:p>
-            <a:r>
-              <a:rPr lang="en-US" dirty="0"/>
-              <a:t>Tip: In real world, use stateful set</a:t>
-            </a:r>
-          </a:p>
-          <a:p>
-            <a:endParaRPr lang="en-US" dirty="0"/>
-          </a:p>
-        </p:txBody>
-      </p:sp>
-      <p:sp>
-        <p:nvSpPr>
-          <p:cNvPr id="6" name="Text Placeholder 5">
-            <a:extLst>
-              <a:ext uri="{FF2B5EF4-FFF2-40B4-BE49-F238E27FC236}">
-                <a16:creationId xmlns:a16="http://schemas.microsoft.com/office/drawing/2014/main" id="{D1DE23CE-C3E7-4D8C-BA43-FA87BA825AF2}"/>
-              </a:ext>
-            </a:extLst>
-          </p:cNvPr>
-          <p:cNvSpPr>
-            <a:spLocks noGrp="1"/>
-          </p:cNvSpPr>
-          <p:nvPr>
-            <p:ph type="body" sz="quarter" idx="25"/>
-          </p:nvPr>
-        </p:nvSpPr>
-        <p:spPr/>
-        <p:txBody>
-          <a:bodyPr/>
-          <a:lstStyle/>
-          <a:p>
-            <a:r>
-              <a:rPr lang="en-US" dirty="0">
-                <a:hlinkClick r:id="rId2"/>
-              </a:rPr>
-              <a:t>https://kubernetes.io/blog/2017/01/running-mongodb-on-kubernetes-with-statefulsets/</a:t>
-            </a:r>
-            <a:r>
-              <a:rPr lang="en-US" dirty="0"/>
-              <a:t> </a:t>
-            </a:r>
-          </a:p>
-        </p:txBody>
-      </p:sp>
-    </p:spTree>
-    <p:extLst>
-      <p:ext uri="{BB962C8B-B14F-4D97-AF65-F5344CB8AC3E}">
-        <p14:creationId xmlns:p14="http://schemas.microsoft.com/office/powerpoint/2010/main" val="1764902305"/>
-      </p:ext>
-    </p:extLst>
-  </p:cSld>
-  <p:clrMapOvr>
-    <a:masterClrMapping/>
-  </p:clrMapOvr>
-  <mc:AlternateContent xmlns:mc="http://schemas.openxmlformats.org/markup-compatibility/2006" xmlns:p14="http://schemas.microsoft.com/office/powerpoint/2010/main">
-    <mc:Choice Requires="p14">
-      <p:transition spd="med" p14:dur="700">
-        <p:fade/>
-      </p:transition>
-    </mc:Choice>
-    <mc:Fallback xmlns="">
-      <p:transition spd="med">
-        <p:fade/>
-      </p:transition>
-    </mc:Fallback>
-  </mc:AlternateContent>
 </p:sld>
 </file>
 
@@ -36684,6 +36621,372 @@
           <a:lstStyle/>
           <a:p>
             <a:r>
+              <a:rPr lang="en-US" sz="1000" noProof="1"/>
+              <a:t>apiVersion: apps/v1</a:t>
+            </a:r>
+          </a:p>
+          <a:p>
+            <a:r>
+              <a:rPr lang="en-US" sz="1000" noProof="1"/>
+              <a:t>kind: Deployment</a:t>
+            </a:r>
+          </a:p>
+          <a:p>
+            <a:r>
+              <a:rPr lang="en-US" sz="1000" noProof="1"/>
+              <a:t>metadata:</a:t>
+            </a:r>
+          </a:p>
+          <a:p>
+            <a:r>
+              <a:rPr lang="en-US" sz="1000" noProof="1"/>
+              <a:t>  name: event-db</a:t>
+            </a:r>
+          </a:p>
+          <a:p>
+            <a:r>
+              <a:rPr lang="en-US" sz="1000" noProof="1"/>
+              <a:t>spec:</a:t>
+            </a:r>
+          </a:p>
+          <a:p>
+            <a:r>
+              <a:rPr lang="en-US" sz="1000" noProof="1"/>
+              <a:t>  selector:</a:t>
+            </a:r>
+          </a:p>
+          <a:p>
+            <a:r>
+              <a:rPr lang="en-US" sz="1000" noProof="1"/>
+              <a:t>    matchLabels:</a:t>
+            </a:r>
+          </a:p>
+          <a:p>
+            <a:r>
+              <a:rPr lang="en-US" sz="1000" noProof="1"/>
+              <a:t>      app: event-db</a:t>
+            </a:r>
+          </a:p>
+          <a:p>
+            <a:r>
+              <a:rPr lang="en-US" sz="1000" noProof="1"/>
+              <a:t>  template:</a:t>
+            </a:r>
+          </a:p>
+          <a:p>
+            <a:r>
+              <a:rPr lang="en-US" sz="1000" noProof="1"/>
+              <a:t>    metadata:</a:t>
+            </a:r>
+          </a:p>
+          <a:p>
+            <a:r>
+              <a:rPr lang="en-US" sz="1000" noProof="1"/>
+              <a:t>      labels:</a:t>
+            </a:r>
+          </a:p>
+          <a:p>
+            <a:r>
+              <a:rPr lang="en-US" sz="1000" noProof="1"/>
+              <a:t>        app: event-db</a:t>
+            </a:r>
+          </a:p>
+          <a:p>
+            <a:r>
+              <a:rPr lang="en-US" sz="1000" noProof="1"/>
+              <a:t>    spec:</a:t>
+            </a:r>
+          </a:p>
+          <a:p>
+            <a:r>
+              <a:rPr lang="en-US" sz="1000" noProof="1"/>
+              <a:t>      containers:</a:t>
+            </a:r>
+          </a:p>
+          <a:p>
+            <a:r>
+              <a:rPr lang="en-US" sz="1000" noProof="1"/>
+              <a:t>      - name: event-db</a:t>
+            </a:r>
+          </a:p>
+          <a:p>
+            <a:r>
+              <a:rPr lang="en-US" sz="1000" noProof="1"/>
+              <a:t>        image: mongo</a:t>
+            </a:r>
+          </a:p>
+          <a:p>
+            <a:r>
+              <a:rPr lang="en-US" sz="1000" noProof="1"/>
+              <a:t>        ports:</a:t>
+            </a:r>
+          </a:p>
+          <a:p>
+            <a:r>
+              <a:rPr lang="en-US" sz="1000" noProof="1"/>
+              <a:t>        - containerPort: 27017</a:t>
+            </a:r>
+          </a:p>
+          <a:p>
+            <a:r>
+              <a:rPr lang="en-US" sz="1000" noProof="1"/>
+              <a:t>---</a:t>
+            </a:r>
+          </a:p>
+          <a:p>
+            <a:r>
+              <a:rPr lang="en-US" sz="1000" noProof="1"/>
+              <a:t>apiVersion: v1</a:t>
+            </a:r>
+          </a:p>
+          <a:p>
+            <a:r>
+              <a:rPr lang="en-US" sz="1000" noProof="1"/>
+              <a:t>kind: Service</a:t>
+            </a:r>
+          </a:p>
+          <a:p>
+            <a:r>
+              <a:rPr lang="en-US" sz="1000" noProof="1"/>
+              <a:t>metadata:</a:t>
+            </a:r>
+          </a:p>
+          <a:p>
+            <a:r>
+              <a:rPr lang="en-US" sz="1000" noProof="1"/>
+              <a:t>  name: event-db-svc</a:t>
+            </a:r>
+          </a:p>
+          <a:p>
+            <a:r>
+              <a:rPr lang="en-US" sz="1000" noProof="1"/>
+              <a:t>spec:</a:t>
+            </a:r>
+          </a:p>
+          <a:p>
+            <a:r>
+              <a:rPr lang="en-US" sz="1000" noProof="1"/>
+              <a:t>  selector:</a:t>
+            </a:r>
+          </a:p>
+          <a:p>
+            <a:r>
+              <a:rPr lang="en-US" sz="1000" noProof="1"/>
+              <a:t>    app: event-db</a:t>
+            </a:r>
+          </a:p>
+          <a:p>
+            <a:r>
+              <a:rPr lang="en-US" sz="1000" noProof="1"/>
+              <a:t>  ports:</a:t>
+            </a:r>
+          </a:p>
+          <a:p>
+            <a:r>
+              <a:rPr lang="en-US" sz="1000" noProof="1"/>
+              <a:t>  - port: 27017</a:t>
+            </a:r>
+          </a:p>
+          <a:p>
+            <a:r>
+              <a:rPr lang="en-US" sz="1000" noProof="1"/>
+              <a:t>    targetPort: 27017</a:t>
+            </a:r>
+          </a:p>
+          <a:p>
+            <a:r>
+              <a:rPr lang="en-US" sz="1000" noProof="1"/>
+              <a:t>  type: NodePort</a:t>
+            </a:r>
+          </a:p>
+        </p:txBody>
+      </p:sp>
+      <p:sp>
+        <p:nvSpPr>
+          <p:cNvPr id="4" name="Text Placeholder 3">
+            <a:extLst>
+              <a:ext uri="{FF2B5EF4-FFF2-40B4-BE49-F238E27FC236}">
+                <a16:creationId xmlns:a16="http://schemas.microsoft.com/office/drawing/2014/main" id="{1D18CB14-23F0-4C7A-AD53-4E984F2AA98F}"/>
+              </a:ext>
+            </a:extLst>
+          </p:cNvPr>
+          <p:cNvSpPr>
+            <a:spLocks noGrp="1"/>
+          </p:cNvSpPr>
+          <p:nvPr>
+            <p:ph type="body" sz="quarter" idx="23"/>
+          </p:nvPr>
+        </p:nvSpPr>
+        <p:spPr/>
+        <p:txBody>
+          <a:bodyPr/>
+          <a:lstStyle/>
+          <a:p>
+            <a:r>
+              <a:rPr lang="en-US" dirty="0"/>
+              <a:t>Mongo</a:t>
+            </a:r>
+          </a:p>
+        </p:txBody>
+      </p:sp>
+      <p:sp>
+        <p:nvSpPr>
+          <p:cNvPr id="5" name="Text Placeholder 4">
+            <a:extLst>
+              <a:ext uri="{FF2B5EF4-FFF2-40B4-BE49-F238E27FC236}">
+                <a16:creationId xmlns:a16="http://schemas.microsoft.com/office/drawing/2014/main" id="{DC07CEAD-1093-4ADD-919E-B0C338773CDC}"/>
+              </a:ext>
+            </a:extLst>
+          </p:cNvPr>
+          <p:cNvSpPr>
+            <a:spLocks noGrp="1"/>
+          </p:cNvSpPr>
+          <p:nvPr>
+            <p:ph type="body" sz="quarter" idx="24"/>
+          </p:nvPr>
+        </p:nvSpPr>
+        <p:spPr/>
+        <p:txBody>
+          <a:bodyPr/>
+          <a:lstStyle/>
+          <a:p>
+            <a:r>
+              <a:rPr lang="en-US" dirty="0"/>
+              <a:t>Tip: In real world, use stateful set</a:t>
+            </a:r>
+          </a:p>
+          <a:p>
+            <a:endParaRPr lang="en-US" dirty="0"/>
+          </a:p>
+        </p:txBody>
+      </p:sp>
+      <p:sp>
+        <p:nvSpPr>
+          <p:cNvPr id="6" name="Text Placeholder 5">
+            <a:extLst>
+              <a:ext uri="{FF2B5EF4-FFF2-40B4-BE49-F238E27FC236}">
+                <a16:creationId xmlns:a16="http://schemas.microsoft.com/office/drawing/2014/main" id="{D1DE23CE-C3E7-4D8C-BA43-FA87BA825AF2}"/>
+              </a:ext>
+            </a:extLst>
+          </p:cNvPr>
+          <p:cNvSpPr>
+            <a:spLocks noGrp="1"/>
+          </p:cNvSpPr>
+          <p:nvPr>
+            <p:ph type="body" sz="quarter" idx="25"/>
+          </p:nvPr>
+        </p:nvSpPr>
+        <p:spPr/>
+        <p:txBody>
+          <a:bodyPr/>
+          <a:lstStyle/>
+          <a:p>
+            <a:r>
+              <a:rPr lang="en-US" dirty="0">
+                <a:hlinkClick r:id="rId2"/>
+              </a:rPr>
+              <a:t>https://kubernetes.io/blog/2017/01/running-mongodb-on-kubernetes-with-statefulsets/</a:t>
+            </a:r>
+            <a:r>
+              <a:rPr lang="en-US" dirty="0"/>
+              <a:t> </a:t>
+            </a:r>
+          </a:p>
+        </p:txBody>
+      </p:sp>
+    </p:spTree>
+    <p:extLst>
+      <p:ext uri="{BB962C8B-B14F-4D97-AF65-F5344CB8AC3E}">
+        <p14:creationId xmlns:p14="http://schemas.microsoft.com/office/powerpoint/2010/main" val="1764902305"/>
+      </p:ext>
+    </p:extLst>
+  </p:cSld>
+  <p:clrMapOvr>
+    <a:masterClrMapping/>
+  </p:clrMapOvr>
+  <mc:AlternateContent xmlns:mc="http://schemas.openxmlformats.org/markup-compatibility/2006" xmlns:p14="http://schemas.microsoft.com/office/powerpoint/2010/main">
+    <mc:Choice Requires="p14">
+      <p:transition spd="med" p14:dur="700">
+        <p:fade/>
+      </p:transition>
+    </mc:Choice>
+    <mc:Fallback xmlns="">
+      <p:transition spd="med">
+        <p:fade/>
+      </p:transition>
+    </mc:Fallback>
+  </mc:AlternateContent>
+</p:sld>
+</file>
+
+<file path=ppt/slides/slide33.xml><?xml version="1.0" encoding="utf-8"?>
+<p:sld xmlns:a="http://schemas.openxmlformats.org/drawingml/2006/main" xmlns:r="http://schemas.openxmlformats.org/officeDocument/2006/relationships" xmlns:p="http://schemas.openxmlformats.org/presentationml/2006/main">
+  <p:cSld>
+    <p:spTree>
+      <p:nvGrpSpPr>
+        <p:cNvPr id="1" name=""/>
+        <p:cNvGrpSpPr/>
+        <p:nvPr/>
+      </p:nvGrpSpPr>
+      <p:grpSpPr>
+        <a:xfrm>
+          <a:off x="0" y="0"/>
+          <a:ext cx="0" cy="0"/>
+          <a:chOff x="0" y="0"/>
+          <a:chExt cx="0" cy="0"/>
+        </a:xfrm>
+      </p:grpSpPr>
+      <p:sp>
+        <p:nvSpPr>
+          <p:cNvPr id="2" name="Title 1">
+            <a:extLst>
+              <a:ext uri="{FF2B5EF4-FFF2-40B4-BE49-F238E27FC236}">
+                <a16:creationId xmlns:a16="http://schemas.microsoft.com/office/drawing/2014/main" id="{2A0334D8-9A3E-4AD0-B816-4869B0D2EF25}"/>
+              </a:ext>
+            </a:extLst>
+          </p:cNvPr>
+          <p:cNvSpPr>
+            <a:spLocks noGrp="1"/>
+          </p:cNvSpPr>
+          <p:nvPr>
+            <p:ph type="title"/>
+          </p:nvPr>
+        </p:nvSpPr>
+        <p:spPr/>
+        <p:txBody>
+          <a:bodyPr/>
+          <a:lstStyle/>
+          <a:p>
+            <a:r>
+              <a:rPr lang="en-US"/>
+              <a:t>Manifest</a:t>
+            </a:r>
+            <a:endParaRPr lang="en-US" dirty="0"/>
+          </a:p>
+        </p:txBody>
+      </p:sp>
+      <p:sp>
+        <p:nvSpPr>
+          <p:cNvPr id="3" name="Content Placeholder 2">
+            <a:extLst>
+              <a:ext uri="{FF2B5EF4-FFF2-40B4-BE49-F238E27FC236}">
+                <a16:creationId xmlns:a16="http://schemas.microsoft.com/office/drawing/2014/main" id="{88356D5B-5E65-4CD8-B009-D24FBBB78711}"/>
+              </a:ext>
+            </a:extLst>
+          </p:cNvPr>
+          <p:cNvSpPr>
+            <a:spLocks noGrp="1"/>
+          </p:cNvSpPr>
+          <p:nvPr>
+            <p:ph sz="quarter" idx="22"/>
+          </p:nvPr>
+        </p:nvSpPr>
+        <p:spPr/>
+        <p:txBody>
+          <a:bodyPr/>
+          <a:lstStyle/>
+          <a:p>
+            <a:r>
               <a:rPr lang="en-US" sz="900" noProof="1"/>
               <a:t>apiVersion: apps/v1</a:t>
             </a:r>
@@ -36991,7 +37294,7 @@
 </p:sld>
 </file>
 
-<file path=ppt/slides/slide33.xml><?xml version="1.0" encoding="utf-8"?>
+<file path=ppt/slides/slide34.xml><?xml version="1.0" encoding="utf-8"?>
 <p:sld xmlns:a="http://schemas.openxmlformats.org/drawingml/2006/main" xmlns:r="http://schemas.openxmlformats.org/officeDocument/2006/relationships" xmlns:p="http://schemas.openxmlformats.org/presentationml/2006/main">
   <p:cSld>
     <p:spTree>
@@ -38300,6 +38603,61 @@
                 <a:hlinkClick r:id="rId6"/>
               </a:rPr>
               <a:t>https://www.json2yaml.com</a:t>
+            </a:r>
+            <a:endParaRPr lang="de-AT" sz="1600" dirty="0"/>
+          </a:p>
+          <a:p>
+            <a:r>
+              <a:rPr lang="de-AT" sz="1600" dirty="0" err="1"/>
+              <a:t>Tip</a:t>
+            </a:r>
+            <a:r>
+              <a:rPr lang="de-AT" sz="1600" dirty="0"/>
+              <a:t>: Run </a:t>
+            </a:r>
+            <a:r>
+              <a:rPr lang="de-AT" sz="1600" i="1" dirty="0" err="1"/>
+              <a:t>kubectl</a:t>
+            </a:r>
+            <a:r>
+              <a:rPr lang="de-AT" sz="1600" i="1" dirty="0"/>
+              <a:t> </a:t>
+            </a:r>
+            <a:r>
+              <a:rPr lang="de-AT" sz="1600" i="1" dirty="0" err="1"/>
+              <a:t>proxy</a:t>
+            </a:r>
+            <a:r>
+              <a:rPr lang="de-AT" sz="1600" dirty="0"/>
+              <a:t> </a:t>
+            </a:r>
+            <a:r>
+              <a:rPr lang="de-AT" sz="1600" dirty="0" err="1"/>
+              <a:t>for</a:t>
+            </a:r>
+            <a:r>
+              <a:rPr lang="de-AT" sz="1600" dirty="0"/>
+              <a:t> </a:t>
+            </a:r>
+            <a:r>
+              <a:rPr lang="de-AT" sz="1600" dirty="0" err="1"/>
+              <a:t>authenticated</a:t>
+            </a:r>
+            <a:r>
+              <a:rPr lang="de-AT" sz="1600" dirty="0"/>
+              <a:t> </a:t>
+            </a:r>
+            <a:r>
+              <a:rPr lang="de-AT" sz="1600" dirty="0" err="1"/>
+              <a:t>access</a:t>
+            </a:r>
+            <a:r>
+              <a:rPr lang="de-AT" sz="1600" dirty="0"/>
+              <a:t> from </a:t>
+            </a:r>
+            <a:r>
+              <a:rPr lang="de-AT" sz="1600" dirty="0" err="1"/>
+              <a:t>localhost</a:t>
             </a:r>
             <a:endParaRPr lang="de-AT" sz="1600" dirty="0"/>
           </a:p>

--- a/slides/Kubernetes-Workshop.pptx
+++ b/slides/Kubernetes-Workshop.pptx
@@ -13,33 +13,39 @@
     <p:sldId id="325" r:id="rId7"/>
     <p:sldId id="326" r:id="rId8"/>
     <p:sldId id="397" r:id="rId9"/>
-    <p:sldId id="330" r:id="rId10"/>
-    <p:sldId id="329" r:id="rId11"/>
-    <p:sldId id="333" r:id="rId12"/>
-    <p:sldId id="327" r:id="rId13"/>
-    <p:sldId id="328" r:id="rId14"/>
-    <p:sldId id="406" r:id="rId15"/>
-    <p:sldId id="331" r:id="rId16"/>
-    <p:sldId id="332" r:id="rId17"/>
-    <p:sldId id="399" r:id="rId18"/>
-    <p:sldId id="334" r:id="rId19"/>
-    <p:sldId id="335" r:id="rId20"/>
-    <p:sldId id="396" r:id="rId21"/>
-    <p:sldId id="398" r:id="rId22"/>
-    <p:sldId id="400" r:id="rId23"/>
-    <p:sldId id="401" r:id="rId24"/>
-    <p:sldId id="402" r:id="rId25"/>
-    <p:sldId id="403" r:id="rId26"/>
-    <p:sldId id="404" r:id="rId27"/>
-    <p:sldId id="378" r:id="rId28"/>
-    <p:sldId id="394" r:id="rId29"/>
-    <p:sldId id="388" r:id="rId30"/>
-    <p:sldId id="395" r:id="rId31"/>
-    <p:sldId id="393" r:id="rId32"/>
-    <p:sldId id="405" r:id="rId33"/>
-    <p:sldId id="389" r:id="rId34"/>
-    <p:sldId id="390" r:id="rId35"/>
-    <p:sldId id="322" r:id="rId36"/>
+    <p:sldId id="407" r:id="rId10"/>
+    <p:sldId id="408" r:id="rId11"/>
+    <p:sldId id="330" r:id="rId12"/>
+    <p:sldId id="329" r:id="rId13"/>
+    <p:sldId id="333" r:id="rId14"/>
+    <p:sldId id="327" r:id="rId15"/>
+    <p:sldId id="410" r:id="rId16"/>
+    <p:sldId id="411" r:id="rId17"/>
+    <p:sldId id="328" r:id="rId18"/>
+    <p:sldId id="406" r:id="rId19"/>
+    <p:sldId id="331" r:id="rId20"/>
+    <p:sldId id="332" r:id="rId21"/>
+    <p:sldId id="399" r:id="rId22"/>
+    <p:sldId id="334" r:id="rId23"/>
+    <p:sldId id="335" r:id="rId24"/>
+    <p:sldId id="396" r:id="rId25"/>
+    <p:sldId id="398" r:id="rId26"/>
+    <p:sldId id="412" r:id="rId27"/>
+    <p:sldId id="413" r:id="rId28"/>
+    <p:sldId id="400" r:id="rId29"/>
+    <p:sldId id="401" r:id="rId30"/>
+    <p:sldId id="402" r:id="rId31"/>
+    <p:sldId id="403" r:id="rId32"/>
+    <p:sldId id="404" r:id="rId33"/>
+    <p:sldId id="378" r:id="rId34"/>
+    <p:sldId id="394" r:id="rId35"/>
+    <p:sldId id="388" r:id="rId36"/>
+    <p:sldId id="395" r:id="rId37"/>
+    <p:sldId id="393" r:id="rId38"/>
+    <p:sldId id="405" r:id="rId39"/>
+    <p:sldId id="389" r:id="rId40"/>
+    <p:sldId id="390" r:id="rId41"/>
+    <p:sldId id="322" r:id="rId42"/>
   </p:sldIdLst>
   <p:sldSz cx="9144000" cy="5143500" type="screen16x9"/>
   <p:notesSz cx="6858000" cy="9144000"/>
@@ -205,10 +211,14 @@
             <p14:sldId id="325"/>
             <p14:sldId id="326"/>
             <p14:sldId id="397"/>
+            <p14:sldId id="407"/>
+            <p14:sldId id="408"/>
             <p14:sldId id="330"/>
             <p14:sldId id="329"/>
             <p14:sldId id="333"/>
             <p14:sldId id="327"/>
+            <p14:sldId id="410"/>
+            <p14:sldId id="411"/>
             <p14:sldId id="328"/>
             <p14:sldId id="406"/>
             <p14:sldId id="331"/>
@@ -218,6 +228,8 @@
             <p14:sldId id="335"/>
             <p14:sldId id="396"/>
             <p14:sldId id="398"/>
+            <p14:sldId id="412"/>
+            <p14:sldId id="413"/>
             <p14:sldId id="400"/>
             <p14:sldId id="401"/>
             <p14:sldId id="402"/>
@@ -29476,6 +29488,489 @@
           <p:cNvPr id="2" name="Title 1">
             <a:extLst>
               <a:ext uri="{FF2B5EF4-FFF2-40B4-BE49-F238E27FC236}">
+                <a16:creationId xmlns:a16="http://schemas.microsoft.com/office/drawing/2014/main" id="{CC659F86-2E60-49FE-9E3B-1E8976697893}"/>
+              </a:ext>
+            </a:extLst>
+          </p:cNvPr>
+          <p:cNvSpPr>
+            <a:spLocks noGrp="1"/>
+          </p:cNvSpPr>
+          <p:nvPr>
+            <p:ph type="title"/>
+          </p:nvPr>
+        </p:nvSpPr>
+        <p:spPr/>
+        <p:txBody>
+          <a:bodyPr/>
+          <a:lstStyle/>
+          <a:p>
+            <a:r>
+              <a:rPr lang="de-AT" dirty="0" err="1"/>
+              <a:t>Kubernetes</a:t>
+            </a:r>
+            <a:r>
+              <a:rPr lang="de-AT" dirty="0"/>
+              <a:t> 101</a:t>
+            </a:r>
+          </a:p>
+        </p:txBody>
+      </p:sp>
+      <p:sp>
+        <p:nvSpPr>
+          <p:cNvPr id="3" name="Content Placeholder 2">
+            <a:extLst>
+              <a:ext uri="{FF2B5EF4-FFF2-40B4-BE49-F238E27FC236}">
+                <a16:creationId xmlns:a16="http://schemas.microsoft.com/office/drawing/2014/main" id="{D7EB6ABA-D7EB-40ED-9BDF-36F166D2A1FF}"/>
+              </a:ext>
+            </a:extLst>
+          </p:cNvPr>
+          <p:cNvSpPr>
+            <a:spLocks noGrp="1"/>
+          </p:cNvSpPr>
+          <p:nvPr>
+            <p:ph sz="quarter" idx="12"/>
+          </p:nvPr>
+        </p:nvSpPr>
+        <p:spPr/>
+        <p:txBody>
+          <a:bodyPr/>
+          <a:lstStyle/>
+          <a:p>
+            <a:r>
+              <a:rPr lang="en-US" dirty="0">
+                <a:hlinkClick r:id="rId2"/>
+              </a:rPr>
+              <a:t>Pods</a:t>
+            </a:r>
+            <a:endParaRPr lang="en-US" dirty="0"/>
+          </a:p>
+          <a:p>
+            <a:pPr lvl="1"/>
+            <a:r>
+              <a:rPr lang="en-US" dirty="0"/>
+              <a:t>Typically one, sometimes multiple containers (tightly-coupled)</a:t>
+            </a:r>
+          </a:p>
+          <a:p>
+            <a:pPr lvl="1"/>
+            <a:r>
+              <a:rPr lang="en-US" dirty="0"/>
+              <a:t>Common Pod environment (e.g. IP address, </a:t>
+            </a:r>
+            <a:r>
+              <a:rPr lang="en-US" i="1" dirty="0"/>
+              <a:t>localhost</a:t>
+            </a:r>
+            <a:r>
+              <a:rPr lang="en-US" dirty="0"/>
+              <a:t>)</a:t>
+            </a:r>
+          </a:p>
+          <a:p>
+            <a:pPr lvl="1"/>
+            <a:r>
+              <a:rPr lang="en-US" dirty="0">
+                <a:sym typeface="Wingdings" panose="05000000000000000000" pitchFamily="2" charset="2"/>
+              </a:rPr>
+              <a:t>Atomic unit (all-or-nothing)</a:t>
+            </a:r>
+          </a:p>
+          <a:p>
+            <a:pPr lvl="1"/>
+            <a:r>
+              <a:rPr lang="en-US" dirty="0">
+                <a:sym typeface="Wingdings" panose="05000000000000000000" pitchFamily="2" charset="2"/>
+              </a:rPr>
+              <a:t>Tip: Don’t create pods directly, use controllers (e.g. </a:t>
+            </a:r>
+            <a:r>
+              <a:rPr lang="en-US" dirty="0">
+                <a:sym typeface="Wingdings" panose="05000000000000000000" pitchFamily="2" charset="2"/>
+                <a:hlinkClick r:id="rId3"/>
+              </a:rPr>
+              <a:t>deployments</a:t>
+            </a:r>
+            <a:r>
+              <a:rPr lang="en-US" dirty="0">
+                <a:sym typeface="Wingdings" panose="05000000000000000000" pitchFamily="2" charset="2"/>
+              </a:rPr>
+              <a:t>)</a:t>
+            </a:r>
+            <a:endParaRPr lang="en-US" dirty="0"/>
+          </a:p>
+          <a:p>
+            <a:r>
+              <a:rPr lang="en-US" dirty="0">
+                <a:hlinkClick r:id="rId4"/>
+              </a:rPr>
+              <a:t>Service</a:t>
+            </a:r>
+            <a:endParaRPr lang="en-US" dirty="0"/>
+          </a:p>
+          <a:p>
+            <a:pPr lvl="1"/>
+            <a:r>
+              <a:rPr lang="en-US" dirty="0"/>
+              <a:t>Each services gets its own stable IP address, DNS name, and port</a:t>
+            </a:r>
+          </a:p>
+          <a:p>
+            <a:pPr lvl="1"/>
+            <a:r>
+              <a:rPr lang="en-US" dirty="0"/>
+              <a:t>Uses </a:t>
+            </a:r>
+            <a:r>
+              <a:rPr lang="en-US" i="1" dirty="0"/>
+              <a:t>labels </a:t>
+            </a:r>
+            <a:r>
+              <a:rPr lang="en-US" dirty="0"/>
+              <a:t>to dynamically associate with Pods</a:t>
+            </a:r>
+          </a:p>
+          <a:p>
+            <a:pPr lvl="1"/>
+            <a:r>
+              <a:rPr lang="en-US" dirty="0"/>
+              <a:t>Load-balances requests across Pods</a:t>
+            </a:r>
+          </a:p>
+          <a:p>
+            <a:pPr lvl="1"/>
+            <a:r>
+              <a:rPr lang="en-US" dirty="0"/>
+              <a:t>Service type </a:t>
+            </a:r>
+            <a:r>
+              <a:rPr lang="en-US" i="1" dirty="0" err="1">
+                <a:hlinkClick r:id="rId5"/>
+              </a:rPr>
+              <a:t>LoadBalancer</a:t>
+            </a:r>
+            <a:r>
+              <a:rPr lang="en-US" dirty="0"/>
+              <a:t> </a:t>
+            </a:r>
+            <a:r>
+              <a:rPr lang="en-US" dirty="0">
+                <a:sym typeface="Wingdings" panose="05000000000000000000" pitchFamily="2" charset="2"/>
+              </a:rPr>
+              <a:t> make service available outside the cluster</a:t>
+            </a:r>
+            <a:endParaRPr lang="en-US" dirty="0"/>
+          </a:p>
+        </p:txBody>
+      </p:sp>
+      <p:sp>
+        <p:nvSpPr>
+          <p:cNvPr id="4" name="Text Placeholder 3">
+            <a:extLst>
+              <a:ext uri="{FF2B5EF4-FFF2-40B4-BE49-F238E27FC236}">
+                <a16:creationId xmlns:a16="http://schemas.microsoft.com/office/drawing/2014/main" id="{C9906BC3-DCC4-442B-BE01-BD84D2061076}"/>
+              </a:ext>
+            </a:extLst>
+          </p:cNvPr>
+          <p:cNvSpPr>
+            <a:spLocks noGrp="1"/>
+          </p:cNvSpPr>
+          <p:nvPr>
+            <p:ph type="body" sz="quarter" idx="23"/>
+          </p:nvPr>
+        </p:nvSpPr>
+        <p:spPr/>
+        <p:txBody>
+          <a:bodyPr/>
+          <a:lstStyle/>
+          <a:p>
+            <a:endParaRPr lang="de-AT"/>
+          </a:p>
+        </p:txBody>
+      </p:sp>
+    </p:spTree>
+    <p:extLst>
+      <p:ext uri="{BB962C8B-B14F-4D97-AF65-F5344CB8AC3E}">
+        <p14:creationId xmlns:p14="http://schemas.microsoft.com/office/powerpoint/2010/main" val="2529194463"/>
+      </p:ext>
+    </p:extLst>
+  </p:cSld>
+  <p:clrMapOvr>
+    <a:masterClrMapping/>
+  </p:clrMapOvr>
+  <p:transition spd="slow">
+    <p:push/>
+  </p:transition>
+</p:sld>
+</file>
+
+<file path=ppt/slides/slide11.xml><?xml version="1.0" encoding="utf-8"?>
+<p:sld xmlns:a="http://schemas.openxmlformats.org/drawingml/2006/main" xmlns:r="http://schemas.openxmlformats.org/officeDocument/2006/relationships" xmlns:p="http://schemas.openxmlformats.org/presentationml/2006/main">
+  <p:cSld>
+    <p:spTree>
+      <p:nvGrpSpPr>
+        <p:cNvPr id="1" name=""/>
+        <p:cNvGrpSpPr/>
+        <p:nvPr/>
+      </p:nvGrpSpPr>
+      <p:grpSpPr>
+        <a:xfrm>
+          <a:off x="0" y="0"/>
+          <a:ext cx="0" cy="0"/>
+          <a:chOff x="0" y="0"/>
+          <a:chExt cx="0" cy="0"/>
+        </a:xfrm>
+      </p:grpSpPr>
+      <p:sp>
+        <p:nvSpPr>
+          <p:cNvPr id="2" name="Title 1">
+            <a:extLst>
+              <a:ext uri="{FF2B5EF4-FFF2-40B4-BE49-F238E27FC236}">
+                <a16:creationId xmlns:a16="http://schemas.microsoft.com/office/drawing/2014/main" id="{CC659F86-2E60-49FE-9E3B-1E8976697893}"/>
+              </a:ext>
+            </a:extLst>
+          </p:cNvPr>
+          <p:cNvSpPr>
+            <a:spLocks noGrp="1"/>
+          </p:cNvSpPr>
+          <p:nvPr>
+            <p:ph type="title"/>
+          </p:nvPr>
+        </p:nvSpPr>
+        <p:spPr/>
+        <p:txBody>
+          <a:bodyPr/>
+          <a:lstStyle/>
+          <a:p>
+            <a:r>
+              <a:rPr lang="en-US"/>
+              <a:t>Kubernetes 101</a:t>
+            </a:r>
+          </a:p>
+        </p:txBody>
+      </p:sp>
+      <p:sp>
+        <p:nvSpPr>
+          <p:cNvPr id="3" name="Content Placeholder 2">
+            <a:extLst>
+              <a:ext uri="{FF2B5EF4-FFF2-40B4-BE49-F238E27FC236}">
+                <a16:creationId xmlns:a16="http://schemas.microsoft.com/office/drawing/2014/main" id="{D7EB6ABA-D7EB-40ED-9BDF-36F166D2A1FF}"/>
+              </a:ext>
+            </a:extLst>
+          </p:cNvPr>
+          <p:cNvSpPr>
+            <a:spLocks noGrp="1"/>
+          </p:cNvSpPr>
+          <p:nvPr>
+            <p:ph sz="quarter" idx="12"/>
+          </p:nvPr>
+        </p:nvSpPr>
+        <p:spPr/>
+        <p:txBody>
+          <a:bodyPr/>
+          <a:lstStyle/>
+          <a:p>
+            <a:r>
+              <a:rPr lang="en-US">
+                <a:hlinkClick r:id="rId2"/>
+              </a:rPr>
+              <a:t>ReplicaSet</a:t>
+            </a:r>
+            <a:r>
+              <a:rPr lang="en-US"/>
+              <a:t> (aka </a:t>
+            </a:r>
+            <a:r>
+              <a:rPr lang="en-US">
+                <a:hlinkClick r:id="rId3"/>
+              </a:rPr>
+              <a:t>ReplicationController</a:t>
+            </a:r>
+            <a:r>
+              <a:rPr lang="en-US"/>
+              <a:t>)</a:t>
+            </a:r>
+          </a:p>
+          <a:p>
+            <a:pPr lvl="1"/>
+            <a:r>
+              <a:rPr lang="en-US"/>
+              <a:t>Number of replicas for a Pod</a:t>
+            </a:r>
+          </a:p>
+          <a:p>
+            <a:pPr lvl="1"/>
+            <a:r>
+              <a:rPr lang="en-US" i="1"/>
+              <a:t>Desired State</a:t>
+            </a:r>
+            <a:r>
+              <a:rPr lang="en-US"/>
+              <a:t> and </a:t>
+            </a:r>
+            <a:r>
+              <a:rPr lang="en-US" i="1"/>
+              <a:t>Current State</a:t>
+            </a:r>
+          </a:p>
+          <a:p>
+            <a:pPr lvl="1"/>
+            <a:r>
+              <a:rPr lang="en-US"/>
+              <a:t>Tip: Don’t create manually, use </a:t>
+            </a:r>
+            <a:r>
+              <a:rPr lang="en-US">
+                <a:sym typeface="Wingdings" panose="05000000000000000000" pitchFamily="2" charset="2"/>
+                <a:hlinkClick r:id="rId4"/>
+              </a:rPr>
+              <a:t>deployments</a:t>
+            </a:r>
+            <a:endParaRPr lang="en-US"/>
+          </a:p>
+          <a:p>
+            <a:r>
+              <a:rPr lang="en-US">
+                <a:hlinkClick r:id="rId4"/>
+              </a:rPr>
+              <a:t>Deployments</a:t>
+            </a:r>
+            <a:endParaRPr lang="en-US"/>
+          </a:p>
+          <a:p>
+            <a:pPr lvl="1"/>
+            <a:r>
+              <a:rPr lang="en-US"/>
+              <a:t>Replication controller + </a:t>
+            </a:r>
+            <a:r>
+              <a:rPr lang="en-US" i="1"/>
+              <a:t>rolling updates</a:t>
+            </a:r>
+          </a:p>
+          <a:p>
+            <a:r>
+              <a:rPr lang="en-US"/>
+              <a:t>Other Workload (not covered in detail here)</a:t>
+            </a:r>
+          </a:p>
+          <a:p>
+            <a:pPr lvl="1"/>
+            <a:r>
+              <a:rPr lang="en-US">
+                <a:hlinkClick r:id="rId5"/>
+              </a:rPr>
+              <a:t>CronJob</a:t>
+            </a:r>
+            <a:endParaRPr lang="en-US"/>
+          </a:p>
+          <a:p>
+            <a:pPr lvl="1"/>
+            <a:r>
+              <a:rPr lang="en-US">
+                <a:hlinkClick r:id="rId6"/>
+              </a:rPr>
+              <a:t>DaemonSet</a:t>
+            </a:r>
+            <a:r>
+              <a:rPr lang="en-US"/>
+              <a:t> (run copy of a pod on every node)</a:t>
+            </a:r>
+          </a:p>
+          <a:p>
+            <a:pPr lvl="1"/>
+            <a:r>
+              <a:rPr lang="en-US">
+                <a:hlinkClick r:id="rId7"/>
+              </a:rPr>
+              <a:t>Jobs</a:t>
+            </a:r>
+            <a:endParaRPr lang="en-US"/>
+          </a:p>
+          <a:p>
+            <a:pPr lvl="1"/>
+            <a:r>
+              <a:rPr lang="en-US">
+                <a:hlinkClick r:id="rId8"/>
+              </a:rPr>
+              <a:t>StatefulSets</a:t>
+            </a:r>
+            <a:r>
+              <a:rPr lang="en-US"/>
+              <a:t> (like deployments, but optimized for stateful applications)</a:t>
+            </a:r>
+          </a:p>
+          <a:p>
+            <a:pPr lvl="1"/>
+            <a:endParaRPr lang="en-US"/>
+          </a:p>
+          <a:p>
+            <a:endParaRPr lang="en-US"/>
+          </a:p>
+        </p:txBody>
+      </p:sp>
+      <p:sp>
+        <p:nvSpPr>
+          <p:cNvPr id="4" name="Text Placeholder 3">
+            <a:extLst>
+              <a:ext uri="{FF2B5EF4-FFF2-40B4-BE49-F238E27FC236}">
+                <a16:creationId xmlns:a16="http://schemas.microsoft.com/office/drawing/2014/main" id="{C9906BC3-DCC4-442B-BE01-BD84D2061076}"/>
+              </a:ext>
+            </a:extLst>
+          </p:cNvPr>
+          <p:cNvSpPr>
+            <a:spLocks noGrp="1"/>
+          </p:cNvSpPr>
+          <p:nvPr>
+            <p:ph type="body" sz="quarter" idx="23"/>
+          </p:nvPr>
+        </p:nvSpPr>
+        <p:spPr/>
+        <p:txBody>
+          <a:bodyPr/>
+          <a:lstStyle/>
+          <a:p>
+            <a:endParaRPr lang="en-US"/>
+          </a:p>
+        </p:txBody>
+      </p:sp>
+    </p:spTree>
+    <p:extLst>
+      <p:ext uri="{BB962C8B-B14F-4D97-AF65-F5344CB8AC3E}">
+        <p14:creationId xmlns:p14="http://schemas.microsoft.com/office/powerpoint/2010/main" val="3294490111"/>
+      </p:ext>
+    </p:extLst>
+  </p:cSld>
+  <p:clrMapOvr>
+    <a:masterClrMapping/>
+  </p:clrMapOvr>
+  <p:transition spd="slow">
+    <p:push/>
+  </p:transition>
+</p:sld>
+</file>
+
+<file path=ppt/slides/slide12.xml><?xml version="1.0" encoding="utf-8"?>
+<p:sld xmlns:a="http://schemas.openxmlformats.org/drawingml/2006/main" xmlns:r="http://schemas.openxmlformats.org/officeDocument/2006/relationships" xmlns:p="http://schemas.openxmlformats.org/presentationml/2006/main">
+  <p:cSld>
+    <p:spTree>
+      <p:nvGrpSpPr>
+        <p:cNvPr id="1" name=""/>
+        <p:cNvGrpSpPr/>
+        <p:nvPr/>
+      </p:nvGrpSpPr>
+      <p:grpSpPr>
+        <a:xfrm>
+          <a:off x="0" y="0"/>
+          <a:ext cx="0" cy="0"/>
+          <a:chOff x="0" y="0"/>
+          <a:chExt cx="0" cy="0"/>
+        </a:xfrm>
+      </p:grpSpPr>
+      <p:sp>
+        <p:nvSpPr>
+          <p:cNvPr id="2" name="Title 1">
+            <a:extLst>
+              <a:ext uri="{FF2B5EF4-FFF2-40B4-BE49-F238E27FC236}">
                 <a16:creationId xmlns:a16="http://schemas.microsoft.com/office/drawing/2014/main" id="{C4EDA6C7-ECC7-47DC-BE3F-BFFD29F1824C}"/>
               </a:ext>
             </a:extLst>
@@ -29617,7 +30112,7 @@
 </p:sld>
 </file>
 
-<file path=ppt/slides/slide11.xml><?xml version="1.0" encoding="utf-8"?>
+<file path=ppt/slides/slide13.xml><?xml version="1.0" encoding="utf-8"?>
 <p:sld xmlns:a="http://schemas.openxmlformats.org/drawingml/2006/main" xmlns:r="http://schemas.openxmlformats.org/officeDocument/2006/relationships" xmlns:p="http://schemas.openxmlformats.org/presentationml/2006/main">
   <p:cSld>
     <p:spTree>
@@ -29768,7 +30263,414 @@
 </p:sld>
 </file>
 
-<file path=ppt/slides/slide12.xml><?xml version="1.0" encoding="utf-8"?>
+<file path=ppt/slides/slide14.xml><?xml version="1.0" encoding="utf-8"?>
+<p:sld xmlns:a="http://schemas.openxmlformats.org/drawingml/2006/main" xmlns:r="http://schemas.openxmlformats.org/officeDocument/2006/relationships" xmlns:p="http://schemas.openxmlformats.org/presentationml/2006/main">
+  <p:cSld>
+    <p:spTree>
+      <p:nvGrpSpPr>
+        <p:cNvPr id="1" name=""/>
+        <p:cNvGrpSpPr/>
+        <p:nvPr/>
+      </p:nvGrpSpPr>
+      <p:grpSpPr>
+        <a:xfrm>
+          <a:off x="0" y="0"/>
+          <a:ext cx="0" cy="0"/>
+          <a:chOff x="0" y="0"/>
+          <a:chExt cx="0" cy="0"/>
+        </a:xfrm>
+      </p:grpSpPr>
+      <p:sp>
+        <p:nvSpPr>
+          <p:cNvPr id="4" name="Title 3">
+            <a:extLst>
+              <a:ext uri="{FF2B5EF4-FFF2-40B4-BE49-F238E27FC236}">
+                <a16:creationId xmlns:a16="http://schemas.microsoft.com/office/drawing/2014/main" id="{7CA46EA6-9001-4989-9CF7-8AA492454BF3}"/>
+              </a:ext>
+            </a:extLst>
+          </p:cNvPr>
+          <p:cNvSpPr>
+            <a:spLocks noGrp="1"/>
+          </p:cNvSpPr>
+          <p:nvPr>
+            <p:ph type="title"/>
+          </p:nvPr>
+        </p:nvSpPr>
+        <p:spPr/>
+        <p:txBody>
+          <a:bodyPr/>
+          <a:lstStyle/>
+          <a:p>
+            <a:r>
+              <a:rPr lang="en-GB" dirty="0"/>
+              <a:t>Install Client Tools</a:t>
+            </a:r>
+            <a:endParaRPr lang="en-AT" dirty="0"/>
+          </a:p>
+        </p:txBody>
+      </p:sp>
+      <p:sp>
+        <p:nvSpPr>
+          <p:cNvPr id="5" name="Content Placeholder 4">
+            <a:extLst>
+              <a:ext uri="{FF2B5EF4-FFF2-40B4-BE49-F238E27FC236}">
+                <a16:creationId xmlns:a16="http://schemas.microsoft.com/office/drawing/2014/main" id="{3FDDAA94-62BB-494C-BBD5-22343E8C9A69}"/>
+              </a:ext>
+            </a:extLst>
+          </p:cNvPr>
+          <p:cNvSpPr>
+            <a:spLocks noGrp="1"/>
+          </p:cNvSpPr>
+          <p:nvPr>
+            <p:ph sz="quarter" idx="12"/>
+          </p:nvPr>
+        </p:nvSpPr>
+        <p:spPr/>
+        <p:txBody>
+          <a:bodyPr/>
+          <a:lstStyle/>
+          <a:p>
+            <a:r>
+              <a:rPr lang="en-GB" sz="2000" dirty="0"/>
+              <a:t>Install </a:t>
+            </a:r>
+            <a:r>
+              <a:rPr lang="en-GB" sz="2000" i="1" dirty="0" err="1"/>
+              <a:t>kubectl</a:t>
+            </a:r>
+            <a:r>
+              <a:rPr lang="en-GB" sz="2000" dirty="0"/>
+              <a:t> and additional tools (if required)</a:t>
+            </a:r>
+          </a:p>
+          <a:p>
+            <a:pPr lvl="1"/>
+            <a:r>
+              <a:rPr lang="en-GB" sz="1400" dirty="0"/>
+              <a:t>For HTL Leonding, see </a:t>
+            </a:r>
+            <a:r>
+              <a:rPr lang="en-GB" sz="1400" dirty="0">
+                <a:hlinkClick r:id="rId2"/>
+              </a:rPr>
+              <a:t>here</a:t>
+            </a:r>
+            <a:endParaRPr lang="en-GB" sz="1400" dirty="0"/>
+          </a:p>
+          <a:p>
+            <a:pPr lvl="1"/>
+            <a:r>
+              <a:rPr lang="en-GB" sz="1400" dirty="0"/>
+              <a:t>Recommendation: Use WSL 2 to run </a:t>
+            </a:r>
+            <a:r>
+              <a:rPr lang="en-GB" sz="1400" dirty="0" err="1"/>
+              <a:t>kubectl</a:t>
+            </a:r>
+            <a:r>
+              <a:rPr lang="en-GB" sz="1400" dirty="0"/>
+              <a:t> on Linux</a:t>
+            </a:r>
+          </a:p>
+          <a:p>
+            <a:pPr lvl="1"/>
+            <a:r>
+              <a:rPr lang="en-GB" sz="1400" dirty="0"/>
+              <a:t>Tip: Configure </a:t>
+            </a:r>
+            <a:r>
+              <a:rPr lang="en-GB" sz="1400" dirty="0">
+                <a:hlinkClick r:id="rId3"/>
+              </a:rPr>
+              <a:t>auto-completion in shell</a:t>
+            </a:r>
+            <a:endParaRPr lang="en-GB" sz="1400" dirty="0"/>
+          </a:p>
+          <a:p>
+            <a:pPr lvl="1"/>
+            <a:r>
+              <a:rPr lang="en-GB" sz="1400" dirty="0"/>
+              <a:t>Tip: Consider enabling K8s aliases with </a:t>
+            </a:r>
+            <a:r>
+              <a:rPr lang="en-GB" sz="1400" dirty="0" err="1">
+                <a:hlinkClick r:id="rId4"/>
+              </a:rPr>
+              <a:t>kubectl</a:t>
+            </a:r>
+            <a:r>
+              <a:rPr lang="en-GB" sz="1400" dirty="0">
+                <a:hlinkClick r:id="rId4"/>
+              </a:rPr>
+              <a:t>-aliases</a:t>
+            </a:r>
+            <a:endParaRPr lang="en-GB" sz="1400" dirty="0"/>
+          </a:p>
+          <a:p>
+            <a:r>
+              <a:rPr lang="en-GB" sz="2000" dirty="0"/>
+              <a:t>Consider K8s Extension for </a:t>
+            </a:r>
+            <a:r>
+              <a:rPr lang="en-GB" sz="2000" dirty="0" err="1"/>
+              <a:t>VSCode</a:t>
+            </a:r>
+            <a:endParaRPr lang="en-GB" sz="2000" dirty="0"/>
+          </a:p>
+          <a:p>
+            <a:pPr lvl="1"/>
+            <a:r>
+              <a:rPr lang="en-GB" sz="1400" dirty="0">
+                <a:hlinkClick r:id="rId5"/>
+              </a:rPr>
+              <a:t>https://marketplace.visualstudio.com/items?itemName=ms-kubernetes-tools.vscode-kubernetes-tools</a:t>
+            </a:r>
+            <a:endParaRPr lang="en-GB" sz="1400" dirty="0"/>
+          </a:p>
+        </p:txBody>
+      </p:sp>
+      <p:sp>
+        <p:nvSpPr>
+          <p:cNvPr id="6" name="Text Placeholder 5">
+            <a:extLst>
+              <a:ext uri="{FF2B5EF4-FFF2-40B4-BE49-F238E27FC236}">
+                <a16:creationId xmlns:a16="http://schemas.microsoft.com/office/drawing/2014/main" id="{5F71714B-E16F-44D3-8510-8C410B0B1AED}"/>
+              </a:ext>
+            </a:extLst>
+          </p:cNvPr>
+          <p:cNvSpPr>
+            <a:spLocks noGrp="1"/>
+          </p:cNvSpPr>
+          <p:nvPr>
+            <p:ph type="body" sz="quarter" idx="23"/>
+          </p:nvPr>
+        </p:nvSpPr>
+        <p:spPr/>
+        <p:txBody>
+          <a:bodyPr/>
+          <a:lstStyle/>
+          <a:p>
+            <a:endParaRPr lang="en-AT"/>
+          </a:p>
+        </p:txBody>
+      </p:sp>
+    </p:spTree>
+    <p:extLst>
+      <p:ext uri="{BB962C8B-B14F-4D97-AF65-F5344CB8AC3E}">
+        <p14:creationId xmlns:p14="http://schemas.microsoft.com/office/powerpoint/2010/main" val="2556744682"/>
+      </p:ext>
+    </p:extLst>
+  </p:cSld>
+  <p:clrMapOvr>
+    <a:masterClrMapping/>
+  </p:clrMapOvr>
+  <p:transition spd="slow">
+    <p:push/>
+  </p:transition>
+</p:sld>
+</file>
+
+<file path=ppt/slides/slide15.xml><?xml version="1.0" encoding="utf-8"?>
+<p:sld xmlns:a="http://schemas.openxmlformats.org/drawingml/2006/main" xmlns:r="http://schemas.openxmlformats.org/officeDocument/2006/relationships" xmlns:p="http://schemas.openxmlformats.org/presentationml/2006/main">
+  <p:cSld>
+    <p:spTree>
+      <p:nvGrpSpPr>
+        <p:cNvPr id="1" name=""/>
+        <p:cNvGrpSpPr/>
+        <p:nvPr/>
+      </p:nvGrpSpPr>
+      <p:grpSpPr>
+        <a:xfrm>
+          <a:off x="0" y="0"/>
+          <a:ext cx="0" cy="0"/>
+          <a:chOff x="0" y="0"/>
+          <a:chExt cx="0" cy="0"/>
+        </a:xfrm>
+      </p:grpSpPr>
+      <p:sp>
+        <p:nvSpPr>
+          <p:cNvPr id="4" name="Title 3">
+            <a:extLst>
+              <a:ext uri="{FF2B5EF4-FFF2-40B4-BE49-F238E27FC236}">
+                <a16:creationId xmlns:a16="http://schemas.microsoft.com/office/drawing/2014/main" id="{7CA46EA6-9001-4989-9CF7-8AA492454BF3}"/>
+              </a:ext>
+            </a:extLst>
+          </p:cNvPr>
+          <p:cNvSpPr>
+            <a:spLocks noGrp="1"/>
+          </p:cNvSpPr>
+          <p:nvPr>
+            <p:ph type="title"/>
+          </p:nvPr>
+        </p:nvSpPr>
+        <p:spPr/>
+        <p:txBody>
+          <a:bodyPr/>
+          <a:lstStyle/>
+          <a:p>
+            <a:r>
+              <a:rPr lang="en-GB" dirty="0"/>
+              <a:t>Get a Kubernetes Cluster</a:t>
+            </a:r>
+            <a:endParaRPr lang="en-AT" dirty="0"/>
+          </a:p>
+        </p:txBody>
+      </p:sp>
+      <p:sp>
+        <p:nvSpPr>
+          <p:cNvPr id="5" name="Content Placeholder 4">
+            <a:extLst>
+              <a:ext uri="{FF2B5EF4-FFF2-40B4-BE49-F238E27FC236}">
+                <a16:creationId xmlns:a16="http://schemas.microsoft.com/office/drawing/2014/main" id="{3FDDAA94-62BB-494C-BBD5-22343E8C9A69}"/>
+              </a:ext>
+            </a:extLst>
+          </p:cNvPr>
+          <p:cNvSpPr>
+            <a:spLocks noGrp="1"/>
+          </p:cNvSpPr>
+          <p:nvPr>
+            <p:ph sz="quarter" idx="12"/>
+          </p:nvPr>
+        </p:nvSpPr>
+        <p:spPr/>
+        <p:txBody>
+          <a:bodyPr/>
+          <a:lstStyle/>
+          <a:p>
+            <a:r>
+              <a:rPr lang="en-GB" sz="2000" dirty="0"/>
+              <a:t>Get access to an existing K8s cluster</a:t>
+            </a:r>
+          </a:p>
+          <a:p>
+            <a:pPr lvl="1"/>
+            <a:r>
+              <a:rPr lang="en-GB" sz="1400" dirty="0"/>
+              <a:t>For HTL Leonding, see </a:t>
+            </a:r>
+            <a:r>
+              <a:rPr lang="en-GB" sz="1400" dirty="0">
+                <a:hlinkClick r:id="rId2"/>
+              </a:rPr>
+              <a:t>https://cloud.htl-leonding.ac.at/</a:t>
+            </a:r>
+            <a:endParaRPr lang="en-GB" sz="1400" dirty="0"/>
+          </a:p>
+          <a:p>
+            <a:r>
+              <a:rPr lang="en-GB" sz="2000" dirty="0"/>
+              <a:t>Install </a:t>
+            </a:r>
+            <a:r>
+              <a:rPr lang="en-GB" sz="2000" dirty="0">
+                <a:hlinkClick r:id="rId3"/>
+              </a:rPr>
+              <a:t>Docker Desktop</a:t>
+            </a:r>
+            <a:endParaRPr lang="en-GB" sz="2000" dirty="0"/>
+          </a:p>
+          <a:p>
+            <a:pPr lvl="1"/>
+            <a:r>
+              <a:rPr lang="en-GB" sz="1400" dirty="0">
+                <a:hlinkClick r:id="rId4"/>
+              </a:rPr>
+              <a:t>Enable Kubernetes</a:t>
+            </a:r>
+            <a:endParaRPr lang="en-GB" sz="1400" dirty="0"/>
+          </a:p>
+          <a:p>
+            <a:r>
+              <a:rPr lang="en-GB" sz="2000" dirty="0"/>
+              <a:t>Get a managed K8s cluster in Azure (AKS)</a:t>
+            </a:r>
+          </a:p>
+          <a:p>
+            <a:pPr lvl="1"/>
+            <a:r>
+              <a:rPr lang="en-US" sz="1400" dirty="0">
+                <a:hlinkClick r:id="rId5"/>
+              </a:rPr>
+              <a:t>https://docs.microsoft.com/en-us/azure/aks/kubernetes-walkthrough-portal</a:t>
+            </a:r>
+            <a:endParaRPr lang="en-US" sz="1400" dirty="0"/>
+          </a:p>
+          <a:p>
+            <a:pPr lvl="1"/>
+            <a:r>
+              <a:rPr lang="en-US" sz="1400" dirty="0">
+                <a:solidFill>
+                  <a:srgbClr val="FF0000"/>
+                </a:solidFill>
+              </a:rPr>
+              <a:t>Don’t forget to </a:t>
+            </a:r>
+            <a:r>
+              <a:rPr lang="en-US" sz="1400" dirty="0" err="1">
+                <a:solidFill>
+                  <a:srgbClr val="FF0000"/>
+                </a:solidFill>
+              </a:rPr>
+              <a:t>undeploy</a:t>
+            </a:r>
+            <a:r>
+              <a:rPr lang="en-US" sz="1400" dirty="0">
+                <a:solidFill>
+                  <a:srgbClr val="FF0000"/>
+                </a:solidFill>
+              </a:rPr>
+              <a:t> demo cluster when no longer needed!</a:t>
+            </a:r>
+            <a:endParaRPr lang="en-AT" sz="1400" dirty="0">
+              <a:solidFill>
+                <a:srgbClr val="FF0000"/>
+              </a:solidFill>
+            </a:endParaRPr>
+          </a:p>
+        </p:txBody>
+      </p:sp>
+      <p:sp>
+        <p:nvSpPr>
+          <p:cNvPr id="6" name="Text Placeholder 5">
+            <a:extLst>
+              <a:ext uri="{FF2B5EF4-FFF2-40B4-BE49-F238E27FC236}">
+                <a16:creationId xmlns:a16="http://schemas.microsoft.com/office/drawing/2014/main" id="{5F71714B-E16F-44D3-8510-8C410B0B1AED}"/>
+              </a:ext>
+            </a:extLst>
+          </p:cNvPr>
+          <p:cNvSpPr>
+            <a:spLocks noGrp="1"/>
+          </p:cNvSpPr>
+          <p:nvPr>
+            <p:ph type="body" sz="quarter" idx="23"/>
+          </p:nvPr>
+        </p:nvSpPr>
+        <p:spPr/>
+        <p:txBody>
+          <a:bodyPr/>
+          <a:lstStyle/>
+          <a:p>
+            <a:endParaRPr lang="en-AT"/>
+          </a:p>
+        </p:txBody>
+      </p:sp>
+    </p:spTree>
+    <p:extLst>
+      <p:ext uri="{BB962C8B-B14F-4D97-AF65-F5344CB8AC3E}">
+        <p14:creationId xmlns:p14="http://schemas.microsoft.com/office/powerpoint/2010/main" val="812944215"/>
+      </p:ext>
+    </p:extLst>
+  </p:cSld>
+  <p:clrMapOvr>
+    <a:masterClrMapping/>
+  </p:clrMapOvr>
+  <p:transition spd="slow">
+    <p:push/>
+  </p:transition>
+</p:sld>
+</file>
+
+<file path=ppt/slides/slide16.xml><?xml version="1.0" encoding="utf-8"?>
 <p:sld xmlns:a="http://schemas.openxmlformats.org/drawingml/2006/main" xmlns:r="http://schemas.openxmlformats.org/officeDocument/2006/relationships" xmlns:p="http://schemas.openxmlformats.org/presentationml/2006/main">
   <p:cSld>
     <p:spTree>
@@ -29914,7 +30816,7 @@
           <a:p>
             <a:r>
               <a:rPr lang="en-US" noProof="1"/>
-              <a:t>kubectl config set-context …</a:t>
+              <a:t>kubectl config use-context …</a:t>
             </a:r>
           </a:p>
           <a:p>
@@ -30798,7 +31700,7 @@
 </p:sld>
 </file>
 
-<file path=ppt/slides/slide13.xml><?xml version="1.0" encoding="utf-8"?>
+<file path=ppt/slides/slide17.xml><?xml version="1.0" encoding="utf-8"?>
 <p:sld xmlns:a="http://schemas.openxmlformats.org/drawingml/2006/main" xmlns:r="http://schemas.openxmlformats.org/officeDocument/2006/relationships" xmlns:p="http://schemas.openxmlformats.org/presentationml/2006/main">
   <p:cSld>
     <p:spTree>
@@ -31112,7 +32014,7 @@
 </p:sld>
 </file>
 
-<file path=ppt/slides/slide14.xml><?xml version="1.0" encoding="utf-8"?>
+<file path=ppt/slides/slide18.xml><?xml version="1.0" encoding="utf-8"?>
 <p:sld xmlns:a="http://schemas.openxmlformats.org/drawingml/2006/main" xmlns:r="http://schemas.openxmlformats.org/officeDocument/2006/relationships" xmlns:p="http://schemas.openxmlformats.org/presentationml/2006/main">
   <p:cSld>
     <p:spTree>
@@ -31283,7 +32185,7 @@
 </p:sld>
 </file>
 
-<file path=ppt/slides/slide15.xml><?xml version="1.0" encoding="utf-8"?>
+<file path=ppt/slides/slide19.xml><?xml version="1.0" encoding="utf-8"?>
 <p:sld xmlns:a="http://schemas.openxmlformats.org/drawingml/2006/main" xmlns:r="http://schemas.openxmlformats.org/officeDocument/2006/relationships" xmlns:p="http://schemas.openxmlformats.org/presentationml/2006/main">
   <p:cSld>
     <p:spTree>
@@ -31368,44 +32270,44 @@
           </a:p>
           <a:p>
             <a:r>
+              <a:rPr lang="en-US" sz="1050" noProof="1"/>
+              <a:t>kubectl get pods</a:t>
+            </a:r>
+          </a:p>
+          <a:p>
+            <a:endParaRPr lang="en-US" sz="1050" noProof="1"/>
+          </a:p>
+          <a:p>
+            <a:r>
+              <a:rPr lang="en-US" sz="1050" noProof="1"/>
+              <a:t># Interactive Pod</a:t>
+            </a:r>
+          </a:p>
+          <a:p>
+            <a:r>
+              <a:rPr lang="en-US" sz="1050" noProof="1"/>
+              <a:t>kubectl run my-shell --rm -it --image debian -- bash</a:t>
+            </a:r>
+          </a:p>
+          <a:p>
+            <a:endParaRPr lang="en-US" sz="1050" noProof="1"/>
+          </a:p>
+          <a:p>
+            <a:r>
+              <a:rPr lang="en-US" sz="1050" noProof="1"/>
+              <a:t># Work with deployment’s labels</a:t>
+            </a:r>
+          </a:p>
+          <a:p>
+            <a:r>
               <a:rPr lang="en-US" sz="1050" noProof="1">
                 <a:hlinkClick r:id="rId3"/>
               </a:rPr>
-              <a:t>kubectl get</a:t>
+              <a:t>kubectl describe</a:t>
             </a:r>
             <a:r>
               <a:rPr lang="en-US" sz="1050" noProof="1"/>
-              <a:t> deployments</a:t>
-            </a:r>
-          </a:p>
-          <a:p>
-            <a:r>
-              <a:rPr lang="en-US" sz="1050" noProof="1"/>
-              <a:t>kubectl get pods</a:t>
-            </a:r>
-          </a:p>
-          <a:p>
-            <a:endParaRPr lang="en-US" sz="1050" noProof="1"/>
-          </a:p>
-          <a:p>
-            <a:r>
-              <a:rPr lang="en-US" sz="1050" noProof="1"/>
-              <a:t># Interactive Pod</a:t>
-            </a:r>
-          </a:p>
-          <a:p>
-            <a:r>
-              <a:rPr lang="en-US" sz="1050" noProof="1"/>
-              <a:t>kubectl run my-shell --rm –it --image debian -- bash</a:t>
-            </a:r>
-          </a:p>
-          <a:p>
-            <a:endParaRPr lang="en-US" sz="1050" noProof="1"/>
-          </a:p>
-          <a:p>
-            <a:r>
-              <a:rPr lang="en-US" sz="1050" noProof="1"/>
-              <a:t># Scale</a:t>
+              <a:t> pod nginx</a:t>
             </a:r>
           </a:p>
           <a:p>
@@ -31413,11 +32315,23 @@
               <a:rPr lang="en-US" sz="1050" noProof="1">
                 <a:hlinkClick r:id="rId4"/>
               </a:rPr>
-              <a:t>kubectl scale</a:t>
+              <a:t>kubectl label</a:t>
             </a:r>
             <a:r>
               <a:rPr lang="en-US" sz="1050" noProof="1"/>
-              <a:t> deployment nginx --replicas=3</a:t>
+              <a:t> pod nginx env=testing</a:t>
+            </a:r>
+          </a:p>
+          <a:p>
+            <a:r>
+              <a:rPr lang="en-US" sz="1050" noProof="1"/>
+              <a:t>kubectl describe pod nginx</a:t>
+            </a:r>
+          </a:p>
+          <a:p>
+            <a:r>
+              <a:rPr lang="en-US" sz="1050" noProof="1"/>
+              <a:t>kubectl get pod -l env=testing -o yaml</a:t>
             </a:r>
           </a:p>
           <a:p>
@@ -31426,7 +32340,7 @@
           <a:p>
             <a:r>
               <a:rPr lang="en-US" sz="1050" noProof="1"/>
-              <a:t># Work with deployment’s labels</a:t>
+              <a:t># Create service</a:t>
             </a:r>
           </a:p>
           <a:p>
@@ -31434,44 +32348,42 @@
               <a:rPr lang="en-US" sz="1050" noProof="1">
                 <a:hlinkClick r:id="rId5"/>
               </a:rPr>
-              <a:t>kubectl describe</a:t>
+              <a:t>kubectl expose</a:t>
             </a:r>
             <a:r>
               <a:rPr lang="en-US" sz="1050" noProof="1"/>
-              <a:t> deployment nginx</a:t>
-            </a:r>
-          </a:p>
-          <a:p>
-            <a:r>
-              <a:rPr lang="en-US" sz="1050" noProof="1">
+              <a:t> pod nginx --type=NodePort</a:t>
+            </a:r>
+          </a:p>
+          <a:p>
+            <a:r>
+              <a:rPr lang="en-US" sz="1050" noProof="1"/>
+              <a:t>kubectl get services</a:t>
+            </a:r>
+          </a:p>
+          <a:p>
+            <a:r>
+              <a:rPr lang="en-US" sz="1050" noProof="1"/>
+              <a:t># Note: Change namespace and don’t forget to run kubectl proxy</a:t>
+            </a:r>
+            <a:br>
+              <a:rPr lang="en-US" sz="1050" noProof="1"/>
+            </a:br>
+            <a:r>
+              <a:rPr lang="en-US" sz="1050" i="1" noProof="1">
                 <a:hlinkClick r:id="rId6"/>
               </a:rPr>
-              <a:t>kubectl label</a:t>
-            </a:r>
+              <a:t>http://localhost:8001/api/v1/namespaces/student-r-stropek/services/nginx:80/proxy/</a:t>
+            </a:r>
+            <a:endParaRPr lang="en-US" sz="1050" i="1" noProof="1"/>
+          </a:p>
+          <a:p>
+            <a:endParaRPr lang="en-US" sz="1050" noProof="1"/>
+          </a:p>
+          <a:p>
             <a:r>
               <a:rPr lang="en-US" sz="1050" noProof="1"/>
-              <a:t> deployment nginx env=testing</a:t>
-            </a:r>
-          </a:p>
-          <a:p>
-            <a:r>
-              <a:rPr lang="en-US" sz="1050" noProof="1"/>
-              <a:t>kubectl describe deployment nginx</a:t>
-            </a:r>
-          </a:p>
-          <a:p>
-            <a:r>
-              <a:rPr lang="en-US" sz="1050" noProof="1"/>
-              <a:t>kubectl get deployment -l env=testing -o yaml</a:t>
-            </a:r>
-          </a:p>
-          <a:p>
-            <a:endParaRPr lang="en-US" sz="1050" noProof="1"/>
-          </a:p>
-          <a:p>
-            <a:r>
-              <a:rPr lang="en-US" sz="1050" noProof="1"/>
-              <a:t># Create service</a:t>
+              <a:t># Delete deployment and service</a:t>
             </a:r>
           </a:p>
           <a:p>
@@ -31479,79 +32391,11 @@
               <a:rPr lang="en-US" sz="1050" noProof="1">
                 <a:hlinkClick r:id="rId7"/>
               </a:rPr>
-              <a:t>kubectl expose</a:t>
+              <a:t>kubectl delete</a:t>
             </a:r>
             <a:r>
               <a:rPr lang="en-US" sz="1050" noProof="1"/>
-              <a:t> deployment nginx --type=NodePort</a:t>
-            </a:r>
-          </a:p>
-          <a:p>
-            <a:r>
-              <a:rPr lang="en-US" sz="1050" noProof="1"/>
-              <a:t>kubectl get services</a:t>
-            </a:r>
-          </a:p>
-          <a:p>
-            <a:r>
-              <a:rPr lang="en-US" sz="1050" noProof="1"/>
-              <a:t># Open </a:t>
-            </a:r>
-            <a:r>
-              <a:rPr lang="en-US" sz="1050" i="1" noProof="1"/>
-              <a:t>http://127.0.0.1:&lt;port&gt;</a:t>
-            </a:r>
-          </a:p>
-          <a:p>
-            <a:endParaRPr lang="en-US" sz="1050" noProof="1"/>
-          </a:p>
-          <a:p>
-            <a:r>
-              <a:rPr lang="en-US" sz="1050" noProof="1"/>
-              <a:t># Try Kubernetes Dashboard</a:t>
-            </a:r>
-          </a:p>
-          <a:p>
-            <a:r>
-              <a:rPr lang="en-US" sz="1050" noProof="1"/>
-              <a:t>kubectl proxy</a:t>
-            </a:r>
-          </a:p>
-          <a:p>
-            <a:r>
-              <a:rPr lang="en-US" sz="1050" noProof="1"/>
-              <a:t># Open </a:t>
-            </a:r>
-            <a:r>
-              <a:rPr lang="en-US" sz="1050" noProof="1">
-                <a:hlinkClick r:id="rId8"/>
-              </a:rPr>
-              <a:t>http://localhost:8001/ui</a:t>
-            </a:r>
-            <a:r>
-              <a:rPr lang="en-US" sz="1050" noProof="1"/>
-              <a:t> for Dashboard</a:t>
-            </a:r>
-          </a:p>
-          <a:p>
-            <a:endParaRPr lang="en-US" sz="1050" noProof="1"/>
-          </a:p>
-          <a:p>
-            <a:r>
-              <a:rPr lang="en-US" sz="1050" noProof="1"/>
-              <a:t># Delete deployment and service</a:t>
-            </a:r>
-          </a:p>
-          <a:p>
-            <a:r>
-              <a:rPr lang="en-US" sz="1050" noProof="1">
-                <a:hlinkClick r:id="rId9"/>
-              </a:rPr>
-              <a:t>kubectl delete</a:t>
-            </a:r>
-            <a:r>
-              <a:rPr lang="en-US" sz="1050" noProof="1"/>
-              <a:t> deployment nginx</a:t>
+              <a:t> pod nginx</a:t>
             </a:r>
           </a:p>
           <a:p>
@@ -31725,7 +32569,219 @@
 </p:sld>
 </file>
 
-<file path=ppt/slides/slide16.xml><?xml version="1.0" encoding="utf-8"?>
+<file path=ppt/slides/slide2.xml><?xml version="1.0" encoding="utf-8"?>
+<p:sld xmlns:a="http://schemas.openxmlformats.org/drawingml/2006/main" xmlns:r="http://schemas.openxmlformats.org/officeDocument/2006/relationships" xmlns:p="http://schemas.openxmlformats.org/presentationml/2006/main" showMasterPhAnim="0">
+  <p:cSld>
+    <p:spTree>
+      <p:nvGrpSpPr>
+        <p:cNvPr id="1" name=""/>
+        <p:cNvGrpSpPr/>
+        <p:nvPr/>
+      </p:nvGrpSpPr>
+      <p:grpSpPr>
+        <a:xfrm>
+          <a:off x="0" y="0"/>
+          <a:ext cx="0" cy="0"/>
+          <a:chOff x="0" y="0"/>
+          <a:chExt cx="0" cy="0"/>
+        </a:xfrm>
+      </p:grpSpPr>
+      <p:sp>
+        <p:nvSpPr>
+          <p:cNvPr id="2" name="Titel 1"/>
+          <p:cNvSpPr>
+            <a:spLocks noGrp="1"/>
+          </p:cNvSpPr>
+          <p:nvPr>
+            <p:ph type="title"/>
+          </p:nvPr>
+        </p:nvSpPr>
+        <p:spPr/>
+        <p:txBody>
+          <a:bodyPr/>
+          <a:lstStyle/>
+          <a:p>
+            <a:r>
+              <a:rPr lang="en-US" dirty="0"/>
+              <a:t>Your Host</a:t>
+            </a:r>
+          </a:p>
+        </p:txBody>
+      </p:sp>
+      <p:sp>
+        <p:nvSpPr>
+          <p:cNvPr id="3" name="Inhaltsplatzhalter 2"/>
+          <p:cNvSpPr>
+            <a:spLocks noGrp="1"/>
+          </p:cNvSpPr>
+          <p:nvPr>
+            <p:ph sz="quarter" idx="12"/>
+          </p:nvPr>
+        </p:nvSpPr>
+        <p:spPr/>
+        <p:txBody>
+          <a:bodyPr/>
+          <a:lstStyle/>
+          <a:p>
+            <a:r>
+              <a:rPr lang="en-US" dirty="0"/>
+              <a:t>Rainer Stropek</a:t>
+            </a:r>
+          </a:p>
+          <a:p>
+            <a:pPr lvl="1"/>
+            <a:r>
+              <a:rPr lang="en-US" dirty="0"/>
+              <a:t>Developer, Entrepreneur</a:t>
+            </a:r>
+          </a:p>
+          <a:p>
+            <a:pPr lvl="1"/>
+            <a:r>
+              <a:rPr lang="en-US" dirty="0"/>
+              <a:t>Azure MVP, MS Regional Director</a:t>
+            </a:r>
+          </a:p>
+          <a:p>
+            <a:pPr lvl="1"/>
+            <a:r>
+              <a:rPr lang="en-US" dirty="0"/>
+              <a:t>IT-Visions</a:t>
+            </a:r>
+          </a:p>
+          <a:p>
+            <a:r>
+              <a:rPr lang="en-US" dirty="0"/>
+              <a:t>Contact</a:t>
+            </a:r>
+          </a:p>
+          <a:p>
+            <a:pPr lvl="1"/>
+            <a:r>
+              <a:rPr lang="en-US" dirty="0"/>
+              <a:t>software architects </a:t>
+            </a:r>
+            <a:r>
+              <a:rPr lang="en-US" dirty="0" err="1"/>
+              <a:t>gmbh</a:t>
+            </a:r>
+            <a:br>
+              <a:rPr lang="en-US" dirty="0"/>
+            </a:br>
+            <a:r>
+              <a:rPr lang="en-US" dirty="0">
+                <a:hlinkClick r:id="rId2"/>
+              </a:rPr>
+              <a:t>rainer@timecockpit.com</a:t>
+            </a:r>
+            <a:br>
+              <a:rPr lang="en-US" dirty="0"/>
+            </a:br>
+            <a:r>
+              <a:rPr lang="en-US" dirty="0"/>
+              <a:t>Twitter: @</a:t>
+            </a:r>
+            <a:r>
+              <a:rPr lang="en-US" dirty="0" err="1"/>
+              <a:t>rstropek</a:t>
+            </a:r>
+            <a:endParaRPr lang="en-US" dirty="0"/>
+          </a:p>
+        </p:txBody>
+      </p:sp>
+      <p:pic>
+        <p:nvPicPr>
+          <p:cNvPr id="16" name="Inhaltsplatzhalter 15"/>
+          <p:cNvPicPr>
+            <a:picLocks noGrp="1" noChangeAspect="1"/>
+          </p:cNvPicPr>
+          <p:nvPr>
+            <p:ph sz="quarter" idx="13"/>
+          </p:nvPr>
+        </p:nvPicPr>
+        <p:blipFill>
+          <a:blip r:embed="rId3" cstate="email">
+            <a:extLst>
+              <a:ext uri="{28A0092B-C50C-407E-A947-70E740481C1C}">
+                <a14:useLocalDpi xmlns:a14="http://schemas.microsoft.com/office/drawing/2010/main" val="0"/>
+              </a:ext>
+            </a:extLst>
+          </a:blip>
+          <a:stretch>
+            <a:fillRect/>
+          </a:stretch>
+        </p:blipFill>
+        <p:spPr>
+          <a:xfrm>
+            <a:off x="5076131" y="1275607"/>
+            <a:ext cx="3240285" cy="2160190"/>
+          </a:xfrm>
+        </p:spPr>
+      </p:pic>
+      <p:sp>
+        <p:nvSpPr>
+          <p:cNvPr id="20" name="Textplatzhalter 19"/>
+          <p:cNvSpPr>
+            <a:spLocks noGrp="1"/>
+          </p:cNvSpPr>
+          <p:nvPr>
+            <p:ph type="body" sz="quarter" idx="23"/>
+          </p:nvPr>
+        </p:nvSpPr>
+        <p:spPr/>
+        <p:txBody>
+          <a:bodyPr/>
+          <a:lstStyle/>
+          <a:p>
+            <a:endParaRPr lang="en-US"/>
+          </a:p>
+        </p:txBody>
+      </p:sp>
+      <p:sp>
+        <p:nvSpPr>
+          <p:cNvPr id="21" name="Textplatzhalter 20"/>
+          <p:cNvSpPr>
+            <a:spLocks noGrp="1"/>
+          </p:cNvSpPr>
+          <p:nvPr>
+            <p:ph type="body" sz="quarter" idx="24"/>
+          </p:nvPr>
+        </p:nvSpPr>
+        <p:spPr/>
+        <p:txBody>
+          <a:bodyPr/>
+          <a:lstStyle/>
+          <a:p>
+            <a:endParaRPr lang="en-US"/>
+          </a:p>
+        </p:txBody>
+      </p:sp>
+    </p:spTree>
+    <p:extLst>
+      <p:ext uri="{BB962C8B-B14F-4D97-AF65-F5344CB8AC3E}">
+        <p14:creationId xmlns:p14="http://schemas.microsoft.com/office/powerpoint/2010/main" val="3721104785"/>
+      </p:ext>
+    </p:extLst>
+  </p:cSld>
+  <p:clrMapOvr>
+    <a:masterClrMapping/>
+  </p:clrMapOvr>
+  <mc:AlternateContent xmlns:mc="http://schemas.openxmlformats.org/markup-compatibility/2006" xmlns:p14="http://schemas.microsoft.com/office/powerpoint/2010/main">
+    <mc:Choice Requires="p14">
+      <p:transition spd="med" p14:dur="700">
+        <p:fade/>
+      </p:transition>
+    </mc:Choice>
+    <mc:Fallback xmlns="">
+      <p:transition spd="med">
+        <p:fade/>
+      </p:transition>
+    </mc:Fallback>
+  </mc:AlternateContent>
+</p:sld>
+</file>
+
+<file path=ppt/slides/slide20.xml><?xml version="1.0" encoding="utf-8"?>
 <p:sld xmlns:a="http://schemas.openxmlformats.org/drawingml/2006/main" xmlns:r="http://schemas.openxmlformats.org/officeDocument/2006/relationships" xmlns:p="http://schemas.openxmlformats.org/presentationml/2006/main">
   <p:cSld>
     <p:spTree>
@@ -31876,7 +32932,7 @@
 </p:sld>
 </file>
 
-<file path=ppt/slides/slide17.xml><?xml version="1.0" encoding="utf-8"?>
+<file path=ppt/slides/slide21.xml><?xml version="1.0" encoding="utf-8"?>
 <p:sld xmlns:a="http://schemas.openxmlformats.org/drawingml/2006/main" xmlns:r="http://schemas.openxmlformats.org/officeDocument/2006/relationships" xmlns:p="http://schemas.openxmlformats.org/presentationml/2006/main">
   <p:cSld>
     <p:spTree>
@@ -32087,6 +33143,28 @@
             </a:r>
           </a:p>
           <a:p>
+            <a:r>
+              <a:rPr lang="en-US" sz="1200" noProof="1"/>
+              <a:t>curl </a:t>
+            </a:r>
+            <a:r>
+              <a:rPr lang="en-US" sz="800" noProof="1"/>
+              <a:t>http://localhost:8001/api/v1/namespaces/student-r-stropek/services/nginx-pod:80/proxy/</a:t>
+            </a:r>
+          </a:p>
+          <a:p>
+            <a:r>
+              <a:rPr lang="en-US" noProof="1"/>
+              <a:t>kubectl delete service nginx-pod</a:t>
+            </a:r>
+          </a:p>
+          <a:p>
+            <a:r>
+              <a:rPr lang="en-US" noProof="1"/>
+              <a:t>kubectl delete -f</a:t>
+            </a:r>
+          </a:p>
+          <a:p>
             <a:endParaRPr lang="en-US" noProof="1"/>
           </a:p>
         </p:txBody>
@@ -32137,28 +33215,6 @@
           <a:bodyPr/>
           <a:lstStyle/>
           <a:p>
-            <a:r>
-              <a:rPr lang="de-AT" dirty="0"/>
-              <a:t>Tipp: </a:t>
-            </a:r>
-            <a:r>
-              <a:rPr lang="de-AT" dirty="0" err="1">
-                <a:hlinkClick r:id="rId4"/>
-              </a:rPr>
-              <a:t>Kubernetes</a:t>
-            </a:r>
-            <a:r>
-              <a:rPr lang="de-AT" dirty="0">
-                <a:hlinkClick r:id="rId4"/>
-              </a:rPr>
-              <a:t> Snippets in </a:t>
-            </a:r>
-            <a:r>
-              <a:rPr lang="de-AT" dirty="0" err="1">
-                <a:hlinkClick r:id="rId4"/>
-              </a:rPr>
-              <a:t>VSCode</a:t>
-            </a:r>
             <a:endParaRPr lang="de-AT" dirty="0"/>
           </a:p>
         </p:txBody>
@@ -32186,7 +33242,7 @@
           <a:p>
             <a:r>
               <a:rPr lang="de-AT" dirty="0">
-                <a:hlinkClick r:id="rId5"/>
+                <a:hlinkClick r:id="rId4"/>
               </a:rPr>
               <a:t>https://kubernetes.io/docs/concepts/overview/object-management-kubectl/imperative-config/</a:t>
             </a:r>
@@ -32210,7 +33266,7 @@
 </p:sld>
 </file>
 
-<file path=ppt/slides/slide18.xml><?xml version="1.0" encoding="utf-8"?>
+<file path=ppt/slides/slide22.xml><?xml version="1.0" encoding="utf-8"?>
 <p:sld xmlns:a="http://schemas.openxmlformats.org/drawingml/2006/main" xmlns:r="http://schemas.openxmlformats.org/officeDocument/2006/relationships" xmlns:p="http://schemas.openxmlformats.org/presentationml/2006/main">
   <p:cSld>
     <p:spTree>
@@ -32368,6 +33424,29 @@
           <a:p>
             <a:r>
               <a:rPr lang="en-US" noProof="1"/>
+              <a:t># or short: kubectl create -f .</a:t>
+            </a:r>
+          </a:p>
+          <a:p>
+            <a:endParaRPr lang="en-US" noProof="1"/>
+          </a:p>
+          <a:p>
+            <a:r>
+              <a:rPr lang="en-US" noProof="1"/>
+              <a:t>curl </a:t>
+            </a:r>
+            <a:r>
+              <a:rPr lang="en-US" sz="800" noProof="1"/>
+              <a:t>http://localhost:8001/api/v1/namespaces/student-r-stropek/services/web-svc:8080/proxy/</a:t>
+            </a:r>
+            <a:endParaRPr lang="en-US" noProof="1"/>
+          </a:p>
+          <a:p>
+            <a:endParaRPr lang="en-US" noProof="1"/>
+          </a:p>
+          <a:p>
+            <a:r>
+              <a:rPr lang="en-US" noProof="1"/>
               <a:t>kubectl get services</a:t>
             </a:r>
           </a:p>
@@ -32381,6 +33460,12 @@
             <a:r>
               <a:rPr lang="en-US" noProof="1"/>
               <a:t>kubectl delete -f .\nginx-pod.yaml</a:t>
+            </a:r>
+          </a:p>
+          <a:p>
+            <a:r>
+              <a:rPr lang="en-US" noProof="1"/>
+              <a:t># or short: kubectl delete -f .</a:t>
             </a:r>
           </a:p>
           <a:p>
@@ -32514,7 +33599,7 @@
 </p:sld>
 </file>
 
-<file path=ppt/slides/slide19.xml><?xml version="1.0" encoding="utf-8"?>
+<file path=ppt/slides/slide23.xml><?xml version="1.0" encoding="utf-8"?>
 <p:sld xmlns:a="http://schemas.openxmlformats.org/drawingml/2006/main" xmlns:r="http://schemas.openxmlformats.org/officeDocument/2006/relationships" xmlns:p="http://schemas.openxmlformats.org/presentationml/2006/main">
   <p:cSld>
     <p:spTree>
@@ -32717,6 +33802,12 @@
               <a:t>kubectl apply -f .</a:t>
             </a:r>
           </a:p>
+          <a:p>
+            <a:r>
+              <a:rPr lang="en-US" noProof="1"/>
+              <a:t>kubectl delete -f .</a:t>
+            </a:r>
+          </a:p>
         </p:txBody>
       </p:sp>
       <p:sp>
@@ -32828,219 +33919,7 @@
 </p:sld>
 </file>
 
-<file path=ppt/slides/slide2.xml><?xml version="1.0" encoding="utf-8"?>
-<p:sld xmlns:a="http://schemas.openxmlformats.org/drawingml/2006/main" xmlns:r="http://schemas.openxmlformats.org/officeDocument/2006/relationships" xmlns:p="http://schemas.openxmlformats.org/presentationml/2006/main" showMasterPhAnim="0">
-  <p:cSld>
-    <p:spTree>
-      <p:nvGrpSpPr>
-        <p:cNvPr id="1" name=""/>
-        <p:cNvGrpSpPr/>
-        <p:nvPr/>
-      </p:nvGrpSpPr>
-      <p:grpSpPr>
-        <a:xfrm>
-          <a:off x="0" y="0"/>
-          <a:ext cx="0" cy="0"/>
-          <a:chOff x="0" y="0"/>
-          <a:chExt cx="0" cy="0"/>
-        </a:xfrm>
-      </p:grpSpPr>
-      <p:sp>
-        <p:nvSpPr>
-          <p:cNvPr id="2" name="Titel 1"/>
-          <p:cNvSpPr>
-            <a:spLocks noGrp="1"/>
-          </p:cNvSpPr>
-          <p:nvPr>
-            <p:ph type="title"/>
-          </p:nvPr>
-        </p:nvSpPr>
-        <p:spPr/>
-        <p:txBody>
-          <a:bodyPr/>
-          <a:lstStyle/>
-          <a:p>
-            <a:r>
-              <a:rPr lang="en-US" dirty="0"/>
-              <a:t>Your Host</a:t>
-            </a:r>
-          </a:p>
-        </p:txBody>
-      </p:sp>
-      <p:sp>
-        <p:nvSpPr>
-          <p:cNvPr id="3" name="Inhaltsplatzhalter 2"/>
-          <p:cNvSpPr>
-            <a:spLocks noGrp="1"/>
-          </p:cNvSpPr>
-          <p:nvPr>
-            <p:ph sz="quarter" idx="12"/>
-          </p:nvPr>
-        </p:nvSpPr>
-        <p:spPr/>
-        <p:txBody>
-          <a:bodyPr/>
-          <a:lstStyle/>
-          <a:p>
-            <a:r>
-              <a:rPr lang="en-US" dirty="0"/>
-              <a:t>Rainer Stropek</a:t>
-            </a:r>
-          </a:p>
-          <a:p>
-            <a:pPr lvl="1"/>
-            <a:r>
-              <a:rPr lang="en-US" dirty="0"/>
-              <a:t>Developer, Entrepreneur</a:t>
-            </a:r>
-          </a:p>
-          <a:p>
-            <a:pPr lvl="1"/>
-            <a:r>
-              <a:rPr lang="en-US" dirty="0"/>
-              <a:t>Azure MVP, MS Regional Director</a:t>
-            </a:r>
-          </a:p>
-          <a:p>
-            <a:pPr lvl="1"/>
-            <a:r>
-              <a:rPr lang="en-US" dirty="0"/>
-              <a:t>IT-Visions</a:t>
-            </a:r>
-          </a:p>
-          <a:p>
-            <a:r>
-              <a:rPr lang="en-US" dirty="0"/>
-              <a:t>Contact</a:t>
-            </a:r>
-          </a:p>
-          <a:p>
-            <a:pPr lvl="1"/>
-            <a:r>
-              <a:rPr lang="en-US" dirty="0"/>
-              <a:t>software architects </a:t>
-            </a:r>
-            <a:r>
-              <a:rPr lang="en-US" dirty="0" err="1"/>
-              <a:t>gmbh</a:t>
-            </a:r>
-            <a:br>
-              <a:rPr lang="en-US" dirty="0"/>
-            </a:br>
-            <a:r>
-              <a:rPr lang="en-US" dirty="0">
-                <a:hlinkClick r:id="rId2"/>
-              </a:rPr>
-              <a:t>rainer@timecockpit.com</a:t>
-            </a:r>
-            <a:br>
-              <a:rPr lang="en-US" dirty="0"/>
-            </a:br>
-            <a:r>
-              <a:rPr lang="en-US" dirty="0"/>
-              <a:t>Twitter: @</a:t>
-            </a:r>
-            <a:r>
-              <a:rPr lang="en-US" dirty="0" err="1"/>
-              <a:t>rstropek</a:t>
-            </a:r>
-            <a:endParaRPr lang="en-US" dirty="0"/>
-          </a:p>
-        </p:txBody>
-      </p:sp>
-      <p:pic>
-        <p:nvPicPr>
-          <p:cNvPr id="16" name="Inhaltsplatzhalter 15"/>
-          <p:cNvPicPr>
-            <a:picLocks noGrp="1" noChangeAspect="1"/>
-          </p:cNvPicPr>
-          <p:nvPr>
-            <p:ph sz="quarter" idx="13"/>
-          </p:nvPr>
-        </p:nvPicPr>
-        <p:blipFill>
-          <a:blip r:embed="rId3" cstate="email">
-            <a:extLst>
-              <a:ext uri="{28A0092B-C50C-407E-A947-70E740481C1C}">
-                <a14:useLocalDpi xmlns:a14="http://schemas.microsoft.com/office/drawing/2010/main" val="0"/>
-              </a:ext>
-            </a:extLst>
-          </a:blip>
-          <a:stretch>
-            <a:fillRect/>
-          </a:stretch>
-        </p:blipFill>
-        <p:spPr>
-          <a:xfrm>
-            <a:off x="5076131" y="1275607"/>
-            <a:ext cx="3240285" cy="2160190"/>
-          </a:xfrm>
-        </p:spPr>
-      </p:pic>
-      <p:sp>
-        <p:nvSpPr>
-          <p:cNvPr id="20" name="Textplatzhalter 19"/>
-          <p:cNvSpPr>
-            <a:spLocks noGrp="1"/>
-          </p:cNvSpPr>
-          <p:nvPr>
-            <p:ph type="body" sz="quarter" idx="23"/>
-          </p:nvPr>
-        </p:nvSpPr>
-        <p:spPr/>
-        <p:txBody>
-          <a:bodyPr/>
-          <a:lstStyle/>
-          <a:p>
-            <a:endParaRPr lang="en-US"/>
-          </a:p>
-        </p:txBody>
-      </p:sp>
-      <p:sp>
-        <p:nvSpPr>
-          <p:cNvPr id="21" name="Textplatzhalter 20"/>
-          <p:cNvSpPr>
-            <a:spLocks noGrp="1"/>
-          </p:cNvSpPr>
-          <p:nvPr>
-            <p:ph type="body" sz="quarter" idx="24"/>
-          </p:nvPr>
-        </p:nvSpPr>
-        <p:spPr/>
-        <p:txBody>
-          <a:bodyPr/>
-          <a:lstStyle/>
-          <a:p>
-            <a:endParaRPr lang="en-US"/>
-          </a:p>
-        </p:txBody>
-      </p:sp>
-    </p:spTree>
-    <p:extLst>
-      <p:ext uri="{BB962C8B-B14F-4D97-AF65-F5344CB8AC3E}">
-        <p14:creationId xmlns:p14="http://schemas.microsoft.com/office/powerpoint/2010/main" val="3721104785"/>
-      </p:ext>
-    </p:extLst>
-  </p:cSld>
-  <p:clrMapOvr>
-    <a:masterClrMapping/>
-  </p:clrMapOvr>
-  <mc:AlternateContent xmlns:mc="http://schemas.openxmlformats.org/markup-compatibility/2006" xmlns:p14="http://schemas.microsoft.com/office/powerpoint/2010/main">
-    <mc:Choice Requires="p14">
-      <p:transition spd="med" p14:dur="700">
-        <p:fade/>
-      </p:transition>
-    </mc:Choice>
-    <mc:Fallback xmlns="">
-      <p:transition spd="med">
-        <p:fade/>
-      </p:transition>
-    </mc:Fallback>
-  </mc:AlternateContent>
-</p:sld>
-</file>
-
-<file path=ppt/slides/slide20.xml><?xml version="1.0" encoding="utf-8"?>
+<file path=ppt/slides/slide24.xml><?xml version="1.0" encoding="utf-8"?>
 <p:sld xmlns:a="http://schemas.openxmlformats.org/drawingml/2006/main" xmlns:r="http://schemas.openxmlformats.org/officeDocument/2006/relationships" xmlns:p="http://schemas.openxmlformats.org/presentationml/2006/main">
   <p:cSld>
     <p:spTree>
@@ -33444,7 +34323,495 @@
 </p:sld>
 </file>
 
-<file path=ppt/slides/slide21.xml><?xml version="1.0" encoding="utf-8"?>
+<file path=ppt/slides/slide25.xml><?xml version="1.0" encoding="utf-8"?>
+<p:sld xmlns:a="http://schemas.openxmlformats.org/drawingml/2006/main" xmlns:r="http://schemas.openxmlformats.org/officeDocument/2006/relationships" xmlns:p="http://schemas.openxmlformats.org/presentationml/2006/main">
+  <p:cSld>
+    <p:spTree>
+      <p:nvGrpSpPr>
+        <p:cNvPr id="1" name=""/>
+        <p:cNvGrpSpPr/>
+        <p:nvPr/>
+      </p:nvGrpSpPr>
+      <p:grpSpPr>
+        <a:xfrm>
+          <a:off x="0" y="0"/>
+          <a:ext cx="0" cy="0"/>
+          <a:chOff x="0" y="0"/>
+          <a:chExt cx="0" cy="0"/>
+        </a:xfrm>
+      </p:grpSpPr>
+      <p:sp>
+        <p:nvSpPr>
+          <p:cNvPr id="7" name="Title 6">
+            <a:extLst>
+              <a:ext uri="{FF2B5EF4-FFF2-40B4-BE49-F238E27FC236}">
+                <a16:creationId xmlns:a16="http://schemas.microsoft.com/office/drawing/2014/main" id="{8D49BA65-C8B7-49EE-ACA9-9611BD322EC9}"/>
+              </a:ext>
+            </a:extLst>
+          </p:cNvPr>
+          <p:cNvSpPr>
+            <a:spLocks noGrp="1"/>
+          </p:cNvSpPr>
+          <p:nvPr>
+            <p:ph type="title"/>
+          </p:nvPr>
+        </p:nvSpPr>
+        <p:spPr/>
+        <p:txBody>
+          <a:bodyPr/>
+          <a:lstStyle/>
+          <a:p>
+            <a:r>
+              <a:rPr lang="en-GB" dirty="0"/>
+              <a:t>Ingress</a:t>
+            </a:r>
+            <a:endParaRPr lang="en-AT" dirty="0"/>
+          </a:p>
+        </p:txBody>
+      </p:sp>
+      <p:sp>
+        <p:nvSpPr>
+          <p:cNvPr id="8" name="Content Placeholder 7">
+            <a:extLst>
+              <a:ext uri="{FF2B5EF4-FFF2-40B4-BE49-F238E27FC236}">
+                <a16:creationId xmlns:a16="http://schemas.microsoft.com/office/drawing/2014/main" id="{2A7B520C-95F7-48CC-AA40-9D52E74EBD1C}"/>
+              </a:ext>
+            </a:extLst>
+          </p:cNvPr>
+          <p:cNvSpPr>
+            <a:spLocks noGrp="1"/>
+          </p:cNvSpPr>
+          <p:nvPr>
+            <p:ph sz="quarter" idx="12"/>
+          </p:nvPr>
+        </p:nvSpPr>
+        <p:spPr/>
+        <p:txBody>
+          <a:bodyPr/>
+          <a:lstStyle/>
+          <a:p>
+            <a:r>
+              <a:rPr lang="en-US" dirty="0"/>
+              <a:t>Manages external access to the services in a cluster</a:t>
+            </a:r>
+          </a:p>
+          <a:p>
+            <a:pPr lvl="1"/>
+            <a:r>
+              <a:rPr lang="en-US" dirty="0"/>
+              <a:t>Typically HTTP</a:t>
+            </a:r>
+          </a:p>
+          <a:p>
+            <a:r>
+              <a:rPr lang="en-US" dirty="0"/>
+              <a:t>You must have an </a:t>
+            </a:r>
+            <a:r>
+              <a:rPr lang="en-US" dirty="0">
+                <a:hlinkClick r:id="rId2"/>
+              </a:rPr>
+              <a:t>Ingress controller</a:t>
+            </a:r>
+            <a:r>
+              <a:rPr lang="en-US" dirty="0"/>
+              <a:t> to satisfy an Ingress</a:t>
+            </a:r>
+          </a:p>
+          <a:p>
+            <a:pPr lvl="1"/>
+            <a:r>
+              <a:rPr lang="en-US" dirty="0"/>
+              <a:t>Example: </a:t>
+            </a:r>
+            <a:r>
+              <a:rPr lang="en-US" dirty="0">
+                <a:hlinkClick r:id="rId3"/>
+              </a:rPr>
+              <a:t>Ingress for AKS</a:t>
+            </a:r>
+            <a:endParaRPr lang="en-US" dirty="0"/>
+          </a:p>
+          <a:p>
+            <a:pPr lvl="1"/>
+            <a:r>
+              <a:rPr lang="en-GB" dirty="0"/>
+              <a:t>Already done at HTL Leonding</a:t>
+            </a:r>
+          </a:p>
+          <a:p>
+            <a:endParaRPr lang="en-AT" dirty="0"/>
+          </a:p>
+        </p:txBody>
+      </p:sp>
+      <p:sp>
+        <p:nvSpPr>
+          <p:cNvPr id="9" name="Text Placeholder 8">
+            <a:extLst>
+              <a:ext uri="{FF2B5EF4-FFF2-40B4-BE49-F238E27FC236}">
+                <a16:creationId xmlns:a16="http://schemas.microsoft.com/office/drawing/2014/main" id="{CC4AEC12-5F00-4301-A24E-31CE17945556}"/>
+              </a:ext>
+            </a:extLst>
+          </p:cNvPr>
+          <p:cNvSpPr>
+            <a:spLocks noGrp="1"/>
+          </p:cNvSpPr>
+          <p:nvPr>
+            <p:ph type="body" sz="quarter" idx="23"/>
+          </p:nvPr>
+        </p:nvSpPr>
+        <p:spPr/>
+        <p:txBody>
+          <a:bodyPr/>
+          <a:lstStyle/>
+          <a:p>
+            <a:r>
+              <a:rPr lang="en-US" dirty="0">
+                <a:solidFill>
+                  <a:schemeClr val="accent1"/>
+                </a:solidFill>
+                <a:hlinkClick r:id="rId4"/>
+              </a:rPr>
+              <a:t>https://kubernetes.io/docs/concepts/services-networking/ingress/</a:t>
+            </a:r>
+            <a:endParaRPr lang="en-AT" dirty="0">
+              <a:solidFill>
+                <a:schemeClr val="accent1"/>
+              </a:solidFill>
+            </a:endParaRPr>
+          </a:p>
+        </p:txBody>
+      </p:sp>
+    </p:spTree>
+    <p:extLst>
+      <p:ext uri="{BB962C8B-B14F-4D97-AF65-F5344CB8AC3E}">
+        <p14:creationId xmlns:p14="http://schemas.microsoft.com/office/powerpoint/2010/main" val="916871121"/>
+      </p:ext>
+    </p:extLst>
+  </p:cSld>
+  <p:clrMapOvr>
+    <a:masterClrMapping/>
+  </p:clrMapOvr>
+  <p:transition spd="slow">
+    <p:push/>
+  </p:transition>
+</p:sld>
+</file>
+
+<file path=ppt/slides/slide26.xml><?xml version="1.0" encoding="utf-8"?>
+<p:sld xmlns:a="http://schemas.openxmlformats.org/drawingml/2006/main" xmlns:r="http://schemas.openxmlformats.org/officeDocument/2006/relationships" xmlns:p="http://schemas.openxmlformats.org/presentationml/2006/main">
+  <p:cSld>
+    <p:spTree>
+      <p:nvGrpSpPr>
+        <p:cNvPr id="1" name=""/>
+        <p:cNvGrpSpPr/>
+        <p:nvPr/>
+      </p:nvGrpSpPr>
+      <p:grpSpPr>
+        <a:xfrm>
+          <a:off x="0" y="0"/>
+          <a:ext cx="0" cy="0"/>
+          <a:chOff x="0" y="0"/>
+          <a:chExt cx="0" cy="0"/>
+        </a:xfrm>
+      </p:grpSpPr>
+      <p:sp>
+        <p:nvSpPr>
+          <p:cNvPr id="2" name="Title 1">
+            <a:extLst>
+              <a:ext uri="{FF2B5EF4-FFF2-40B4-BE49-F238E27FC236}">
+                <a16:creationId xmlns:a16="http://schemas.microsoft.com/office/drawing/2014/main" id="{0E35401F-2B5F-4399-9F78-EE46BB997B67}"/>
+              </a:ext>
+            </a:extLst>
+          </p:cNvPr>
+          <p:cNvSpPr>
+            <a:spLocks noGrp="1"/>
+          </p:cNvSpPr>
+          <p:nvPr>
+            <p:ph type="title"/>
+          </p:nvPr>
+        </p:nvSpPr>
+        <p:spPr/>
+        <p:txBody>
+          <a:bodyPr/>
+          <a:lstStyle/>
+          <a:p>
+            <a:r>
+              <a:rPr lang="de-AT" dirty="0"/>
+              <a:t>Ingress</a:t>
+            </a:r>
+          </a:p>
+        </p:txBody>
+      </p:sp>
+      <p:sp>
+        <p:nvSpPr>
+          <p:cNvPr id="3" name="Content Placeholder 2">
+            <a:extLst>
+              <a:ext uri="{FF2B5EF4-FFF2-40B4-BE49-F238E27FC236}">
+                <a16:creationId xmlns:a16="http://schemas.microsoft.com/office/drawing/2014/main" id="{ECACC83E-C065-4329-8730-3EEA1182F7D7}"/>
+              </a:ext>
+            </a:extLst>
+          </p:cNvPr>
+          <p:cNvSpPr>
+            <a:spLocks noGrp="1"/>
+          </p:cNvSpPr>
+          <p:nvPr>
+            <p:ph sz="quarter" idx="22"/>
+          </p:nvPr>
+        </p:nvSpPr>
+        <p:spPr/>
+        <p:txBody>
+          <a:bodyPr/>
+          <a:lstStyle/>
+          <a:p>
+            <a:r>
+              <a:rPr lang="en-US" sz="700" noProof="1"/>
+              <a:t>apiVersion: networking.k8s.io/v1</a:t>
+            </a:r>
+          </a:p>
+          <a:p>
+            <a:r>
+              <a:rPr lang="en-US" sz="700" noProof="1"/>
+              <a:t>kind: Ingress</a:t>
+            </a:r>
+          </a:p>
+          <a:p>
+            <a:r>
+              <a:rPr lang="en-US" sz="700" noProof="1"/>
+              <a:t>metadata:</a:t>
+            </a:r>
+          </a:p>
+          <a:p>
+            <a:r>
+              <a:rPr lang="en-US" sz="700" noProof="1"/>
+              <a:t>  name: minimal-ingress</a:t>
+            </a:r>
+          </a:p>
+          <a:p>
+            <a:r>
+              <a:rPr lang="en-US" sz="700" noProof="1"/>
+              <a:t>  annotations:</a:t>
+            </a:r>
+          </a:p>
+          <a:p>
+            <a:r>
+              <a:rPr lang="en-US" sz="700" noProof="1"/>
+              <a:t>    nginx.ingress.kubernetes.io/rewrite-target: /$2</a:t>
+            </a:r>
+          </a:p>
+          <a:p>
+            <a:r>
+              <a:rPr lang="en-US" sz="700" noProof="1"/>
+              <a:t>spec:</a:t>
+            </a:r>
+          </a:p>
+          <a:p>
+            <a:r>
+              <a:rPr lang="en-US" sz="700" noProof="1"/>
+              <a:t>  rules:</a:t>
+            </a:r>
+          </a:p>
+          <a:p>
+            <a:r>
+              <a:rPr lang="en-US" sz="700" noProof="1"/>
+              <a:t>  - host: student.cloud.htl-leonding.ac.at</a:t>
+            </a:r>
+          </a:p>
+          <a:p>
+            <a:r>
+              <a:rPr lang="en-US" sz="700" noProof="1"/>
+              <a:t>    http:</a:t>
+            </a:r>
+          </a:p>
+          <a:p>
+            <a:r>
+              <a:rPr lang="en-US" sz="700" noProof="1"/>
+              <a:t>      paths:</a:t>
+            </a:r>
+          </a:p>
+          <a:p>
+            <a:r>
+              <a:rPr lang="en-US" sz="700" noProof="1"/>
+              <a:t>      - path: /r.stropek(/|$)(.*)$</a:t>
+            </a:r>
+          </a:p>
+          <a:p>
+            <a:r>
+              <a:rPr lang="en-US" sz="700" noProof="1"/>
+              <a:t>        pathType: Prefix</a:t>
+            </a:r>
+          </a:p>
+          <a:p>
+            <a:r>
+              <a:rPr lang="en-US" sz="700" noProof="1"/>
+              <a:t>        backend:</a:t>
+            </a:r>
+          </a:p>
+          <a:p>
+            <a:r>
+              <a:rPr lang="en-US" sz="700" noProof="1"/>
+              <a:t>          service:</a:t>
+            </a:r>
+          </a:p>
+          <a:p>
+            <a:r>
+              <a:rPr lang="en-US" sz="700" noProof="1"/>
+              <a:t>            name: web-svc</a:t>
+            </a:r>
+          </a:p>
+          <a:p>
+            <a:r>
+              <a:rPr lang="en-US" sz="700" noProof="1"/>
+              <a:t>            port:</a:t>
+            </a:r>
+          </a:p>
+          <a:p>
+            <a:r>
+              <a:rPr lang="en-US" sz="700" noProof="1"/>
+              <a:t>              number: 8080</a:t>
+            </a:r>
+          </a:p>
+          <a:p>
+            <a:endParaRPr lang="en-US" sz="700" noProof="1"/>
+          </a:p>
+          <a:p>
+            <a:r>
+              <a:rPr lang="en-US" sz="700" noProof="1"/>
+              <a:t>###</a:t>
+            </a:r>
+          </a:p>
+          <a:p>
+            <a:endParaRPr lang="en-US" sz="700" noProof="1"/>
+          </a:p>
+          <a:p>
+            <a:r>
+              <a:rPr lang="en-US" sz="700" noProof="1"/>
+              <a:t>kubectl apply –f .</a:t>
+            </a:r>
+          </a:p>
+          <a:p>
+            <a:r>
+              <a:rPr lang="en-US" sz="700" noProof="1"/>
+              <a:t>kubectl get ingress</a:t>
+            </a:r>
+          </a:p>
+          <a:p>
+            <a:r>
+              <a:rPr lang="en-US" sz="700" noProof="1"/>
+              <a:t>kubectl describe ingress minimal-ingress</a:t>
+            </a:r>
+          </a:p>
+          <a:p>
+            <a:endParaRPr lang="en-US" sz="700" noProof="1"/>
+          </a:p>
+          <a:p>
+            <a:r>
+              <a:rPr lang="en-US" sz="700" noProof="1"/>
+              <a:t>kubectl delete –f .</a:t>
+            </a:r>
+          </a:p>
+        </p:txBody>
+      </p:sp>
+      <p:sp>
+        <p:nvSpPr>
+          <p:cNvPr id="4" name="Text Placeholder 3">
+            <a:extLst>
+              <a:ext uri="{FF2B5EF4-FFF2-40B4-BE49-F238E27FC236}">
+                <a16:creationId xmlns:a16="http://schemas.microsoft.com/office/drawing/2014/main" id="{4AF396CB-EFBB-4C8E-9FA0-634B783AA4CA}"/>
+              </a:ext>
+            </a:extLst>
+          </p:cNvPr>
+          <p:cNvSpPr>
+            <a:spLocks noGrp="1"/>
+          </p:cNvSpPr>
+          <p:nvPr>
+            <p:ph type="body" sz="quarter" idx="23"/>
+          </p:nvPr>
+        </p:nvSpPr>
+        <p:spPr/>
+        <p:txBody>
+          <a:bodyPr/>
+          <a:lstStyle/>
+          <a:p>
+            <a:r>
+              <a:rPr lang="de-AT" dirty="0"/>
+              <a:t>(</a:t>
+            </a:r>
+            <a:r>
+              <a:rPr lang="de-AT"/>
+              <a:t>HTL Leonding)</a:t>
+            </a:r>
+            <a:endParaRPr lang="de-AT" dirty="0"/>
+          </a:p>
+        </p:txBody>
+      </p:sp>
+      <p:sp>
+        <p:nvSpPr>
+          <p:cNvPr id="5" name="Text Placeholder 4">
+            <a:extLst>
+              <a:ext uri="{FF2B5EF4-FFF2-40B4-BE49-F238E27FC236}">
+                <a16:creationId xmlns:a16="http://schemas.microsoft.com/office/drawing/2014/main" id="{A05148E4-CAEA-490D-B6B3-9B6751274917}"/>
+              </a:ext>
+            </a:extLst>
+          </p:cNvPr>
+          <p:cNvSpPr>
+            <a:spLocks noGrp="1"/>
+          </p:cNvSpPr>
+          <p:nvPr>
+            <p:ph type="body" sz="quarter" idx="24"/>
+          </p:nvPr>
+        </p:nvSpPr>
+        <p:spPr/>
+        <p:txBody>
+          <a:bodyPr/>
+          <a:lstStyle/>
+          <a:p>
+            <a:endParaRPr lang="de-AT"/>
+          </a:p>
+        </p:txBody>
+      </p:sp>
+      <p:sp>
+        <p:nvSpPr>
+          <p:cNvPr id="6" name="Text Placeholder 5">
+            <a:extLst>
+              <a:ext uri="{FF2B5EF4-FFF2-40B4-BE49-F238E27FC236}">
+                <a16:creationId xmlns:a16="http://schemas.microsoft.com/office/drawing/2014/main" id="{31855D0F-AD1B-4C21-A683-F922C22B9417}"/>
+              </a:ext>
+            </a:extLst>
+          </p:cNvPr>
+          <p:cNvSpPr>
+            <a:spLocks noGrp="1"/>
+          </p:cNvSpPr>
+          <p:nvPr>
+            <p:ph type="body" sz="quarter" idx="25"/>
+          </p:nvPr>
+        </p:nvSpPr>
+        <p:spPr/>
+        <p:txBody>
+          <a:bodyPr/>
+          <a:lstStyle/>
+          <a:p>
+            <a:endParaRPr lang="de-AT"/>
+          </a:p>
+        </p:txBody>
+      </p:sp>
+    </p:spTree>
+    <p:extLst>
+      <p:ext uri="{BB962C8B-B14F-4D97-AF65-F5344CB8AC3E}">
+        <p14:creationId xmlns:p14="http://schemas.microsoft.com/office/powerpoint/2010/main" val="602933363"/>
+      </p:ext>
+    </p:extLst>
+  </p:cSld>
+  <p:clrMapOvr>
+    <a:masterClrMapping/>
+  </p:clrMapOvr>
+  <p:transition spd="slow">
+    <p:push/>
+  </p:transition>
+</p:sld>
+</file>
+
+<file path=ppt/slides/slide27.xml><?xml version="1.0" encoding="utf-8"?>
 <p:sld xmlns:a="http://schemas.openxmlformats.org/drawingml/2006/main" xmlns:r="http://schemas.openxmlformats.org/officeDocument/2006/relationships" xmlns:p="http://schemas.openxmlformats.org/presentationml/2006/main">
   <p:cSld>
     <p:spTree>
@@ -33586,7 +34953,7 @@
 </p:sld>
 </file>
 
-<file path=ppt/slides/slide22.xml><?xml version="1.0" encoding="utf-8"?>
+<file path=ppt/slides/slide28.xml><?xml version="1.0" encoding="utf-8"?>
 <p:sld xmlns:a="http://schemas.openxmlformats.org/drawingml/2006/main" xmlns:r="http://schemas.openxmlformats.org/officeDocument/2006/relationships" xmlns:p="http://schemas.openxmlformats.org/presentationml/2006/main">
   <p:cSld>
     <p:spTree>
@@ -33803,7 +35170,7 @@
 </p:sld>
 </file>
 
-<file path=ppt/slides/slide23.xml><?xml version="1.0" encoding="utf-8"?>
+<file path=ppt/slides/slide29.xml><?xml version="1.0" encoding="utf-8"?>
 <p:sld xmlns:a="http://schemas.openxmlformats.org/drawingml/2006/main" xmlns:r="http://schemas.openxmlformats.org/officeDocument/2006/relationships" xmlns:p="http://schemas.openxmlformats.org/presentationml/2006/main">
   <p:cSld>
     <p:spTree>
@@ -34185,1657 +35552,6 @@
   <p:transition spd="slow">
     <p:push/>
   </p:transition>
-</p:sld>
-</file>
-
-<file path=ppt/slides/slide24.xml><?xml version="1.0" encoding="utf-8"?>
-<p:sld xmlns:a="http://schemas.openxmlformats.org/drawingml/2006/main" xmlns:r="http://schemas.openxmlformats.org/officeDocument/2006/relationships" xmlns:p="http://schemas.openxmlformats.org/presentationml/2006/main">
-  <p:cSld>
-    <p:spTree>
-      <p:nvGrpSpPr>
-        <p:cNvPr id="1" name=""/>
-        <p:cNvGrpSpPr/>
-        <p:nvPr/>
-      </p:nvGrpSpPr>
-      <p:grpSpPr>
-        <a:xfrm>
-          <a:off x="0" y="0"/>
-          <a:ext cx="0" cy="0"/>
-          <a:chOff x="0" y="0"/>
-          <a:chExt cx="0" cy="0"/>
-        </a:xfrm>
-      </p:grpSpPr>
-      <p:sp>
-        <p:nvSpPr>
-          <p:cNvPr id="2" name="Title 1">
-            <a:extLst>
-              <a:ext uri="{FF2B5EF4-FFF2-40B4-BE49-F238E27FC236}">
-                <a16:creationId xmlns:a16="http://schemas.microsoft.com/office/drawing/2014/main" id="{0E35401F-2B5F-4399-9F78-EE46BB997B67}"/>
-              </a:ext>
-            </a:extLst>
-          </p:cNvPr>
-          <p:cNvSpPr>
-            <a:spLocks noGrp="1"/>
-          </p:cNvSpPr>
-          <p:nvPr>
-            <p:ph type="title"/>
-          </p:nvPr>
-        </p:nvSpPr>
-        <p:spPr/>
-        <p:txBody>
-          <a:bodyPr/>
-          <a:lstStyle/>
-          <a:p>
-            <a:r>
-              <a:rPr lang="de-AT" dirty="0"/>
-              <a:t>PV, PVC</a:t>
-            </a:r>
-          </a:p>
-        </p:txBody>
-      </p:sp>
-      <p:sp>
-        <p:nvSpPr>
-          <p:cNvPr id="3" name="Content Placeholder 2">
-            <a:extLst>
-              <a:ext uri="{FF2B5EF4-FFF2-40B4-BE49-F238E27FC236}">
-                <a16:creationId xmlns:a16="http://schemas.microsoft.com/office/drawing/2014/main" id="{ECACC83E-C065-4329-8730-3EEA1182F7D7}"/>
-              </a:ext>
-            </a:extLst>
-          </p:cNvPr>
-          <p:cNvSpPr>
-            <a:spLocks noGrp="1"/>
-          </p:cNvSpPr>
-          <p:nvPr>
-            <p:ph sz="quarter" idx="22"/>
-          </p:nvPr>
-        </p:nvSpPr>
-        <p:spPr/>
-        <p:txBody>
-          <a:bodyPr/>
-          <a:lstStyle/>
-          <a:p>
-            <a:r>
-              <a:rPr lang="en-US" sz="1000" noProof="1"/>
-              <a:t>kind: StorageClass</a:t>
-            </a:r>
-          </a:p>
-          <a:p>
-            <a:r>
-              <a:rPr lang="en-US" sz="1000" noProof="1"/>
-              <a:t>apiVersion: storage.k8s.io/v1</a:t>
-            </a:r>
-          </a:p>
-          <a:p>
-            <a:r>
-              <a:rPr lang="en-US" sz="1000" noProof="1"/>
-              <a:t>metadata:</a:t>
-            </a:r>
-          </a:p>
-          <a:p>
-            <a:r>
-              <a:rPr lang="en-US" sz="1000" noProof="1"/>
-              <a:t>  name: k8sworkshop-files</a:t>
-            </a:r>
-          </a:p>
-          <a:p>
-            <a:r>
-              <a:rPr lang="en-US" sz="1000" noProof="1"/>
-              <a:t>provisioner: kubernetes.io/azure-file</a:t>
-            </a:r>
-          </a:p>
-          <a:p>
-            <a:r>
-              <a:rPr lang="en-US" sz="1000" noProof="1"/>
-              <a:t>parameters:</a:t>
-            </a:r>
-          </a:p>
-          <a:p>
-            <a:r>
-              <a:rPr lang="en-US" sz="1000" noProof="1"/>
-              <a:t>  storageAccount: k8sworkshop</a:t>
-            </a:r>
-          </a:p>
-          <a:p>
-            <a:r>
-              <a:rPr lang="en-US" sz="1000" noProof="1"/>
-              <a:t>---</a:t>
-            </a:r>
-          </a:p>
-          <a:p>
-            <a:r>
-              <a:rPr lang="en-US" sz="1000" noProof="1"/>
-              <a:t>apiVersion: v1</a:t>
-            </a:r>
-          </a:p>
-          <a:p>
-            <a:r>
-              <a:rPr lang="en-US" sz="1000" noProof="1"/>
-              <a:t>kind: PersistentVolumeClaim</a:t>
-            </a:r>
-          </a:p>
-          <a:p>
-            <a:r>
-              <a:rPr lang="en-US" sz="1000" noProof="1"/>
-              <a:t>metadata:</a:t>
-            </a:r>
-          </a:p>
-          <a:p>
-            <a:r>
-              <a:rPr lang="en-US" sz="1000" noProof="1"/>
-              <a:t>  name: k8sworkshop-pvc</a:t>
-            </a:r>
-          </a:p>
-          <a:p>
-            <a:r>
-              <a:rPr lang="en-US" sz="1000" noProof="1"/>
-              <a:t>spec:</a:t>
-            </a:r>
-          </a:p>
-          <a:p>
-            <a:r>
-              <a:rPr lang="en-US" sz="1000" noProof="1"/>
-              <a:t>  accessModes:</a:t>
-            </a:r>
-          </a:p>
-          <a:p>
-            <a:r>
-              <a:rPr lang="en-US" sz="1000" noProof="1"/>
-              <a:t>    - ReadWriteOnce</a:t>
-            </a:r>
-          </a:p>
-          <a:p>
-            <a:r>
-              <a:rPr lang="en-US" sz="1000" noProof="1"/>
-              <a:t>  storageClassName: k8sworkshop-files</a:t>
-            </a:r>
-          </a:p>
-          <a:p>
-            <a:r>
-              <a:rPr lang="en-US" sz="1000" noProof="1"/>
-              <a:t>  resources:</a:t>
-            </a:r>
-          </a:p>
-          <a:p>
-            <a:r>
-              <a:rPr lang="en-US" sz="1000" noProof="1"/>
-              <a:t>    requests:</a:t>
-            </a:r>
-          </a:p>
-          <a:p>
-            <a:r>
-              <a:rPr lang="en-US" sz="1000" noProof="1"/>
-              <a:t>      storage: 5Gi</a:t>
-            </a:r>
-          </a:p>
-        </p:txBody>
-      </p:sp>
-      <p:sp>
-        <p:nvSpPr>
-          <p:cNvPr id="4" name="Text Placeholder 3">
-            <a:extLst>
-              <a:ext uri="{FF2B5EF4-FFF2-40B4-BE49-F238E27FC236}">
-                <a16:creationId xmlns:a16="http://schemas.microsoft.com/office/drawing/2014/main" id="{4AF396CB-EFBB-4C8E-9FA0-634B783AA4CA}"/>
-              </a:ext>
-            </a:extLst>
-          </p:cNvPr>
-          <p:cNvSpPr>
-            <a:spLocks noGrp="1"/>
-          </p:cNvSpPr>
-          <p:nvPr>
-            <p:ph type="body" sz="quarter" idx="23"/>
-          </p:nvPr>
-        </p:nvSpPr>
-        <p:spPr/>
-        <p:txBody>
-          <a:bodyPr/>
-          <a:lstStyle/>
-          <a:p>
-            <a:r>
-              <a:rPr lang="de-AT" dirty="0" err="1"/>
-              <a:t>With</a:t>
-            </a:r>
-            <a:r>
-              <a:rPr lang="de-AT" dirty="0"/>
-              <a:t> Azure</a:t>
-            </a:r>
-          </a:p>
-        </p:txBody>
-      </p:sp>
-      <p:pic>
-        <p:nvPicPr>
-          <p:cNvPr id="7" name="Picture 6">
-            <a:extLst>
-              <a:ext uri="{FF2B5EF4-FFF2-40B4-BE49-F238E27FC236}">
-                <a16:creationId xmlns:a16="http://schemas.microsoft.com/office/drawing/2014/main" id="{D8EAEDE7-290A-459E-9A47-D179567D0DEF}"/>
-              </a:ext>
-            </a:extLst>
-          </p:cNvPr>
-          <p:cNvPicPr>
-            <a:picLocks noChangeAspect="1"/>
-          </p:cNvPicPr>
-          <p:nvPr/>
-        </p:nvPicPr>
-        <p:blipFill>
-          <a:blip r:embed="rId2"/>
-          <a:stretch>
-            <a:fillRect/>
-          </a:stretch>
-        </p:blipFill>
-        <p:spPr>
-          <a:xfrm>
-            <a:off x="3157915" y="1326527"/>
-            <a:ext cx="5734565" cy="3522245"/>
-          </a:xfrm>
-          <a:prstGeom prst="rect">
-            <a:avLst/>
-          </a:prstGeom>
-        </p:spPr>
-      </p:pic>
-      <p:sp>
-        <p:nvSpPr>
-          <p:cNvPr id="5" name="Text Placeholder 4">
-            <a:extLst>
-              <a:ext uri="{FF2B5EF4-FFF2-40B4-BE49-F238E27FC236}">
-                <a16:creationId xmlns:a16="http://schemas.microsoft.com/office/drawing/2014/main" id="{A05148E4-CAEA-490D-B6B3-9B6751274917}"/>
-              </a:ext>
-            </a:extLst>
-          </p:cNvPr>
-          <p:cNvSpPr>
-            <a:spLocks noGrp="1"/>
-          </p:cNvSpPr>
-          <p:nvPr>
-            <p:ph type="body" sz="quarter" idx="24"/>
-          </p:nvPr>
-        </p:nvSpPr>
-        <p:spPr/>
-        <p:txBody>
-          <a:bodyPr/>
-          <a:lstStyle/>
-          <a:p>
-            <a:endParaRPr lang="de-AT" dirty="0"/>
-          </a:p>
-        </p:txBody>
-      </p:sp>
-      <p:sp>
-        <p:nvSpPr>
-          <p:cNvPr id="6" name="Text Placeholder 5">
-            <a:extLst>
-              <a:ext uri="{FF2B5EF4-FFF2-40B4-BE49-F238E27FC236}">
-                <a16:creationId xmlns:a16="http://schemas.microsoft.com/office/drawing/2014/main" id="{31855D0F-AD1B-4C21-A683-F922C22B9417}"/>
-              </a:ext>
-            </a:extLst>
-          </p:cNvPr>
-          <p:cNvSpPr>
-            <a:spLocks noGrp="1"/>
-          </p:cNvSpPr>
-          <p:nvPr>
-            <p:ph type="body" sz="quarter" idx="25"/>
-          </p:nvPr>
-        </p:nvSpPr>
-        <p:spPr/>
-        <p:txBody>
-          <a:bodyPr/>
-          <a:lstStyle/>
-          <a:p>
-            <a:endParaRPr lang="de-AT"/>
-          </a:p>
-        </p:txBody>
-      </p:sp>
-    </p:spTree>
-    <p:extLst>
-      <p:ext uri="{BB962C8B-B14F-4D97-AF65-F5344CB8AC3E}">
-        <p14:creationId xmlns:p14="http://schemas.microsoft.com/office/powerpoint/2010/main" val="3724751341"/>
-      </p:ext>
-    </p:extLst>
-  </p:cSld>
-  <p:clrMapOvr>
-    <a:masterClrMapping/>
-  </p:clrMapOvr>
-  <p:transition spd="slow">
-    <p:push/>
-  </p:transition>
-</p:sld>
-</file>
-
-<file path=ppt/slides/slide25.xml><?xml version="1.0" encoding="utf-8"?>
-<p:sld xmlns:a="http://schemas.openxmlformats.org/drawingml/2006/main" xmlns:r="http://schemas.openxmlformats.org/officeDocument/2006/relationships" xmlns:p="http://schemas.openxmlformats.org/presentationml/2006/main">
-  <p:cSld>
-    <p:spTree>
-      <p:nvGrpSpPr>
-        <p:cNvPr id="1" name=""/>
-        <p:cNvGrpSpPr/>
-        <p:nvPr/>
-      </p:nvGrpSpPr>
-      <p:grpSpPr>
-        <a:xfrm>
-          <a:off x="0" y="0"/>
-          <a:ext cx="0" cy="0"/>
-          <a:chOff x="0" y="0"/>
-          <a:chExt cx="0" cy="0"/>
-        </a:xfrm>
-      </p:grpSpPr>
-      <p:sp>
-        <p:nvSpPr>
-          <p:cNvPr id="2" name="Title 1">
-            <a:extLst>
-              <a:ext uri="{FF2B5EF4-FFF2-40B4-BE49-F238E27FC236}">
-                <a16:creationId xmlns:a16="http://schemas.microsoft.com/office/drawing/2014/main" id="{0E35401F-2B5F-4399-9F78-EE46BB997B67}"/>
-              </a:ext>
-            </a:extLst>
-          </p:cNvPr>
-          <p:cNvSpPr>
-            <a:spLocks noGrp="1"/>
-          </p:cNvSpPr>
-          <p:nvPr>
-            <p:ph type="title"/>
-          </p:nvPr>
-        </p:nvSpPr>
-        <p:spPr/>
-        <p:txBody>
-          <a:bodyPr/>
-          <a:lstStyle/>
-          <a:p>
-            <a:r>
-              <a:rPr lang="de-AT" dirty="0"/>
-              <a:t>PV, PVC</a:t>
-            </a:r>
-          </a:p>
-        </p:txBody>
-      </p:sp>
-      <p:sp>
-        <p:nvSpPr>
-          <p:cNvPr id="3" name="Content Placeholder 2">
-            <a:extLst>
-              <a:ext uri="{FF2B5EF4-FFF2-40B4-BE49-F238E27FC236}">
-                <a16:creationId xmlns:a16="http://schemas.microsoft.com/office/drawing/2014/main" id="{ECACC83E-C065-4329-8730-3EEA1182F7D7}"/>
-              </a:ext>
-            </a:extLst>
-          </p:cNvPr>
-          <p:cNvSpPr>
-            <a:spLocks noGrp="1"/>
-          </p:cNvSpPr>
-          <p:nvPr>
-            <p:ph sz="quarter" idx="22"/>
-          </p:nvPr>
-        </p:nvSpPr>
-        <p:spPr/>
-        <p:txBody>
-          <a:bodyPr/>
-          <a:lstStyle/>
-          <a:p>
-            <a:r>
-              <a:rPr lang="en-US" sz="1000" noProof="1"/>
-              <a:t>apiVersion: v1</a:t>
-            </a:r>
-          </a:p>
-          <a:p>
-            <a:r>
-              <a:rPr lang="en-US" sz="1000" noProof="1"/>
-              <a:t>kind: PersistentVolumeClaim</a:t>
-            </a:r>
-          </a:p>
-          <a:p>
-            <a:r>
-              <a:rPr lang="en-US" sz="1000" noProof="1"/>
-              <a:t>metadata:</a:t>
-            </a:r>
-          </a:p>
-          <a:p>
-            <a:r>
-              <a:rPr lang="en-US" sz="1000" noProof="1"/>
-              <a:t>  name: azure-managed-disk</a:t>
-            </a:r>
-          </a:p>
-          <a:p>
-            <a:r>
-              <a:rPr lang="en-US" sz="1000" noProof="1"/>
-              <a:t>spec:</a:t>
-            </a:r>
-          </a:p>
-          <a:p>
-            <a:r>
-              <a:rPr lang="en-US" sz="1000" noProof="1"/>
-              <a:t>  accessModes:</a:t>
-            </a:r>
-          </a:p>
-          <a:p>
-            <a:r>
-              <a:rPr lang="en-US" sz="1000" noProof="1"/>
-              <a:t>  - ReadWriteOnce</a:t>
-            </a:r>
-          </a:p>
-          <a:p>
-            <a:r>
-              <a:rPr lang="en-US" sz="1000" noProof="1"/>
-              <a:t>  storageClassName: default</a:t>
-            </a:r>
-          </a:p>
-          <a:p>
-            <a:r>
-              <a:rPr lang="en-US" sz="1000" noProof="1"/>
-              <a:t>  resources:</a:t>
-            </a:r>
-          </a:p>
-          <a:p>
-            <a:r>
-              <a:rPr lang="en-US" sz="1000" noProof="1"/>
-              <a:t>    requests:</a:t>
-            </a:r>
-          </a:p>
-          <a:p>
-            <a:r>
-              <a:rPr lang="en-US" sz="1000" noProof="1"/>
-              <a:t>      storage: 5Gi</a:t>
-            </a:r>
-          </a:p>
-          <a:p>
-            <a:r>
-              <a:rPr lang="en-US" sz="1000" noProof="1"/>
-              <a:t>---</a:t>
-            </a:r>
-          </a:p>
-          <a:p>
-            <a:r>
-              <a:rPr lang="en-US" sz="1000" noProof="1"/>
-              <a:t>kind: Pod</a:t>
-            </a:r>
-          </a:p>
-          <a:p>
-            <a:r>
-              <a:rPr lang="en-US" sz="1000" noProof="1"/>
-              <a:t>apiVersion: v1</a:t>
-            </a:r>
-          </a:p>
-          <a:p>
-            <a:r>
-              <a:rPr lang="en-US" sz="1000" noProof="1"/>
-              <a:t>metadata:</a:t>
-            </a:r>
-          </a:p>
-          <a:p>
-            <a:r>
-              <a:rPr lang="en-US" sz="1000" noProof="1"/>
-              <a:t>  name: nginx</a:t>
-            </a:r>
-          </a:p>
-          <a:p>
-            <a:r>
-              <a:rPr lang="en-US" sz="1000" noProof="1"/>
-              <a:t>spec:</a:t>
-            </a:r>
-          </a:p>
-          <a:p>
-            <a:r>
-              <a:rPr lang="en-US" sz="1000" noProof="1"/>
-              <a:t>  containers:</a:t>
-            </a:r>
-          </a:p>
-          <a:p>
-            <a:r>
-              <a:rPr lang="en-US" sz="1000" noProof="1"/>
-              <a:t>    - name: mywebserver</a:t>
-            </a:r>
-          </a:p>
-          <a:p>
-            <a:r>
-              <a:rPr lang="en-US" sz="1000" noProof="1"/>
-              <a:t>      image: nginx</a:t>
-            </a:r>
-          </a:p>
-          <a:p>
-            <a:r>
-              <a:rPr lang="en-US" sz="1000" noProof="1"/>
-              <a:t>      volumeMounts:</a:t>
-            </a:r>
-          </a:p>
-          <a:p>
-            <a:r>
-              <a:rPr lang="en-US" sz="1000" noProof="1"/>
-              <a:t>      - mountPath: "/usr/share/nginx/html"</a:t>
-            </a:r>
-          </a:p>
-          <a:p>
-            <a:r>
-              <a:rPr lang="en-US" sz="1000" noProof="1"/>
-              <a:t>        name: volume</a:t>
-            </a:r>
-          </a:p>
-          <a:p>
-            <a:r>
-              <a:rPr lang="en-US" sz="1000" noProof="1"/>
-              <a:t>  volumes:</a:t>
-            </a:r>
-          </a:p>
-          <a:p>
-            <a:r>
-              <a:rPr lang="en-US" sz="1000" noProof="1"/>
-              <a:t>    - name: volume</a:t>
-            </a:r>
-          </a:p>
-          <a:p>
-            <a:r>
-              <a:rPr lang="en-US" sz="1000" noProof="1"/>
-              <a:t>      persistentVolumeClaim:</a:t>
-            </a:r>
-          </a:p>
-          <a:p>
-            <a:r>
-              <a:rPr lang="en-US" sz="1000" noProof="1"/>
-              <a:t>        claimName: azure-managed-disk</a:t>
-            </a:r>
-          </a:p>
-          <a:p>
-            <a:endParaRPr lang="en-US" sz="1000" noProof="1"/>
-          </a:p>
-        </p:txBody>
-      </p:sp>
-      <p:sp>
-        <p:nvSpPr>
-          <p:cNvPr id="4" name="Text Placeholder 3">
-            <a:extLst>
-              <a:ext uri="{FF2B5EF4-FFF2-40B4-BE49-F238E27FC236}">
-                <a16:creationId xmlns:a16="http://schemas.microsoft.com/office/drawing/2014/main" id="{4AF396CB-EFBB-4C8E-9FA0-634B783AA4CA}"/>
-              </a:ext>
-            </a:extLst>
-          </p:cNvPr>
-          <p:cNvSpPr>
-            <a:spLocks noGrp="1"/>
-          </p:cNvSpPr>
-          <p:nvPr>
-            <p:ph type="body" sz="quarter" idx="23"/>
-          </p:nvPr>
-        </p:nvSpPr>
-        <p:spPr/>
-        <p:txBody>
-          <a:bodyPr/>
-          <a:lstStyle/>
-          <a:p>
-            <a:r>
-              <a:rPr lang="de-AT" dirty="0" err="1"/>
-              <a:t>With</a:t>
-            </a:r>
-            <a:r>
-              <a:rPr lang="de-AT" dirty="0"/>
-              <a:t> Azure</a:t>
-            </a:r>
-          </a:p>
-        </p:txBody>
-      </p:sp>
-      <p:sp>
-        <p:nvSpPr>
-          <p:cNvPr id="5" name="Text Placeholder 4">
-            <a:extLst>
-              <a:ext uri="{FF2B5EF4-FFF2-40B4-BE49-F238E27FC236}">
-                <a16:creationId xmlns:a16="http://schemas.microsoft.com/office/drawing/2014/main" id="{A05148E4-CAEA-490D-B6B3-9B6751274917}"/>
-              </a:ext>
-            </a:extLst>
-          </p:cNvPr>
-          <p:cNvSpPr>
-            <a:spLocks noGrp="1"/>
-          </p:cNvSpPr>
-          <p:nvPr>
-            <p:ph type="body" sz="quarter" idx="24"/>
-          </p:nvPr>
-        </p:nvSpPr>
-        <p:spPr/>
-        <p:txBody>
-          <a:bodyPr/>
-          <a:lstStyle/>
-          <a:p>
-            <a:r>
-              <a:rPr lang="de-AT" dirty="0"/>
-              <a:t>Mount Windows </a:t>
-            </a:r>
-            <a:r>
-              <a:rPr lang="de-AT" dirty="0" err="1"/>
-              <a:t>folder</a:t>
-            </a:r>
-            <a:endParaRPr lang="de-AT" dirty="0"/>
-          </a:p>
-        </p:txBody>
-      </p:sp>
-      <p:sp>
-        <p:nvSpPr>
-          <p:cNvPr id="6" name="Text Placeholder 5">
-            <a:extLst>
-              <a:ext uri="{FF2B5EF4-FFF2-40B4-BE49-F238E27FC236}">
-                <a16:creationId xmlns:a16="http://schemas.microsoft.com/office/drawing/2014/main" id="{31855D0F-AD1B-4C21-A683-F922C22B9417}"/>
-              </a:ext>
-            </a:extLst>
-          </p:cNvPr>
-          <p:cNvSpPr>
-            <a:spLocks noGrp="1"/>
-          </p:cNvSpPr>
-          <p:nvPr>
-            <p:ph type="body" sz="quarter" idx="25"/>
-          </p:nvPr>
-        </p:nvSpPr>
-        <p:spPr/>
-        <p:txBody>
-          <a:bodyPr/>
-          <a:lstStyle/>
-          <a:p>
-            <a:endParaRPr lang="de-AT"/>
-          </a:p>
-        </p:txBody>
-      </p:sp>
-    </p:spTree>
-    <p:extLst>
-      <p:ext uri="{BB962C8B-B14F-4D97-AF65-F5344CB8AC3E}">
-        <p14:creationId xmlns:p14="http://schemas.microsoft.com/office/powerpoint/2010/main" val="2366667578"/>
-      </p:ext>
-    </p:extLst>
-  </p:cSld>
-  <p:clrMapOvr>
-    <a:masterClrMapping/>
-  </p:clrMapOvr>
-  <p:transition spd="slow">
-    <p:push/>
-  </p:transition>
-</p:sld>
-</file>
-
-<file path=ppt/slides/slide26.xml><?xml version="1.0" encoding="utf-8"?>
-<p:sld xmlns:a="http://schemas.openxmlformats.org/drawingml/2006/main" xmlns:r="http://schemas.openxmlformats.org/officeDocument/2006/relationships" xmlns:p="http://schemas.openxmlformats.org/presentationml/2006/main">
-  <p:cSld>
-    <p:spTree>
-      <p:nvGrpSpPr>
-        <p:cNvPr id="1" name=""/>
-        <p:cNvGrpSpPr/>
-        <p:nvPr/>
-      </p:nvGrpSpPr>
-      <p:grpSpPr>
-        <a:xfrm>
-          <a:off x="0" y="0"/>
-          <a:ext cx="0" cy="0"/>
-          <a:chOff x="0" y="0"/>
-          <a:chExt cx="0" cy="0"/>
-        </a:xfrm>
-      </p:grpSpPr>
-      <p:sp>
-        <p:nvSpPr>
-          <p:cNvPr id="2" name="Title 1">
-            <a:extLst>
-              <a:ext uri="{FF2B5EF4-FFF2-40B4-BE49-F238E27FC236}">
-                <a16:creationId xmlns:a16="http://schemas.microsoft.com/office/drawing/2014/main" id="{591F063E-7512-4522-8E8F-8EE30935C26B}"/>
-              </a:ext>
-            </a:extLst>
-          </p:cNvPr>
-          <p:cNvSpPr>
-            <a:spLocks noGrp="1"/>
-          </p:cNvSpPr>
-          <p:nvPr>
-            <p:ph type="title"/>
-          </p:nvPr>
-        </p:nvSpPr>
-        <p:spPr/>
-        <p:txBody>
-          <a:bodyPr/>
-          <a:lstStyle/>
-          <a:p>
-            <a:r>
-              <a:rPr lang="en-US" dirty="0"/>
-              <a:t>AKS</a:t>
-            </a:r>
-          </a:p>
-        </p:txBody>
-      </p:sp>
-      <p:sp>
-        <p:nvSpPr>
-          <p:cNvPr id="3" name="Text Placeholder 2">
-            <a:extLst>
-              <a:ext uri="{FF2B5EF4-FFF2-40B4-BE49-F238E27FC236}">
-                <a16:creationId xmlns:a16="http://schemas.microsoft.com/office/drawing/2014/main" id="{8CA49FD8-43AA-49D3-BC3D-D9071FCF54D8}"/>
-              </a:ext>
-            </a:extLst>
-          </p:cNvPr>
-          <p:cNvSpPr>
-            <a:spLocks noGrp="1"/>
-          </p:cNvSpPr>
-          <p:nvPr>
-            <p:ph type="body" sz="quarter" idx="25"/>
-          </p:nvPr>
-        </p:nvSpPr>
-        <p:spPr/>
-        <p:txBody>
-          <a:bodyPr/>
-          <a:lstStyle/>
-          <a:p>
-            <a:r>
-              <a:rPr lang="en-US" dirty="0"/>
-              <a:t>Azure Container Service – Kubernetes</a:t>
-            </a:r>
-          </a:p>
-        </p:txBody>
-      </p:sp>
-      <p:pic>
-        <p:nvPicPr>
-          <p:cNvPr id="2050" name="Picture 2" descr="Файл:Kubernetes (container engine).png">
-            <a:extLst>
-              <a:ext uri="{FF2B5EF4-FFF2-40B4-BE49-F238E27FC236}">
-                <a16:creationId xmlns:a16="http://schemas.microsoft.com/office/drawing/2014/main" id="{108A2225-E98B-4075-B949-D5E7D2F30199}"/>
-              </a:ext>
-            </a:extLst>
-          </p:cNvPr>
-          <p:cNvPicPr>
-            <a:picLocks noChangeAspect="1" noChangeArrowheads="1"/>
-          </p:cNvPicPr>
-          <p:nvPr/>
-        </p:nvPicPr>
-        <p:blipFill>
-          <a:blip r:embed="rId2">
-            <a:extLst>
-              <a:ext uri="{28A0092B-C50C-407E-A947-70E740481C1C}">
-                <a14:useLocalDpi xmlns:a14="http://schemas.microsoft.com/office/drawing/2010/main" val="0"/>
-              </a:ext>
-            </a:extLst>
-          </a:blip>
-          <a:srcRect/>
-          <a:stretch>
-            <a:fillRect/>
-          </a:stretch>
-        </p:blipFill>
-        <p:spPr bwMode="auto">
-          <a:xfrm>
-            <a:off x="6732240" y="1779662"/>
-            <a:ext cx="1990725" cy="1943100"/>
-          </a:xfrm>
-          <a:prstGeom prst="rect">
-            <a:avLst/>
-          </a:prstGeom>
-          <a:noFill/>
-          <a:extLst>
-            <a:ext uri="{909E8E84-426E-40DD-AFC4-6F175D3DCCD1}">
-              <a14:hiddenFill xmlns:a14="http://schemas.microsoft.com/office/drawing/2010/main">
-                <a:solidFill>
-                  <a:srgbClr val="FFFFFF"/>
-                </a:solidFill>
-              </a14:hiddenFill>
-            </a:ext>
-          </a:extLst>
-        </p:spPr>
-      </p:pic>
-    </p:spTree>
-    <p:extLst>
-      <p:ext uri="{BB962C8B-B14F-4D97-AF65-F5344CB8AC3E}">
-        <p14:creationId xmlns:p14="http://schemas.microsoft.com/office/powerpoint/2010/main" val="1085956965"/>
-      </p:ext>
-    </p:extLst>
-  </p:cSld>
-  <p:clrMapOvr>
-    <a:masterClrMapping/>
-  </p:clrMapOvr>
-  <mc:AlternateContent xmlns:mc="http://schemas.openxmlformats.org/markup-compatibility/2006" xmlns:p14="http://schemas.microsoft.com/office/powerpoint/2010/main">
-    <mc:Choice Requires="p14">
-      <p:transition spd="med" p14:dur="700">
-        <p:fade/>
-      </p:transition>
-    </mc:Choice>
-    <mc:Fallback xmlns="">
-      <p:transition spd="med">
-        <p:fade/>
-      </p:transition>
-    </mc:Fallback>
-  </mc:AlternateContent>
-</p:sld>
-</file>
-
-<file path=ppt/slides/slide27.xml><?xml version="1.0" encoding="utf-8"?>
-<p:sld xmlns:a="http://schemas.openxmlformats.org/drawingml/2006/main" xmlns:r="http://schemas.openxmlformats.org/officeDocument/2006/relationships" xmlns:p="http://schemas.openxmlformats.org/presentationml/2006/main">
-  <p:cSld>
-    <p:spTree>
-      <p:nvGrpSpPr>
-        <p:cNvPr id="1" name=""/>
-        <p:cNvGrpSpPr/>
-        <p:nvPr/>
-      </p:nvGrpSpPr>
-      <p:grpSpPr>
-        <a:xfrm>
-          <a:off x="0" y="0"/>
-          <a:ext cx="0" cy="0"/>
-          <a:chOff x="0" y="0"/>
-          <a:chExt cx="0" cy="0"/>
-        </a:xfrm>
-      </p:grpSpPr>
-      <p:sp>
-        <p:nvSpPr>
-          <p:cNvPr id="4" name="Title 3">
-            <a:extLst>
-              <a:ext uri="{FF2B5EF4-FFF2-40B4-BE49-F238E27FC236}">
-                <a16:creationId xmlns:a16="http://schemas.microsoft.com/office/drawing/2014/main" id="{071972D3-D5EE-4EFF-86B9-C2D8076365D3}"/>
-              </a:ext>
-            </a:extLst>
-          </p:cNvPr>
-          <p:cNvSpPr>
-            <a:spLocks noGrp="1"/>
-          </p:cNvSpPr>
-          <p:nvPr>
-            <p:ph type="title"/>
-          </p:nvPr>
-        </p:nvSpPr>
-        <p:spPr/>
-        <p:txBody>
-          <a:bodyPr/>
-          <a:lstStyle/>
-          <a:p>
-            <a:r>
-              <a:rPr lang="en-US" dirty="0"/>
-              <a:t>AKS</a:t>
-            </a:r>
-          </a:p>
-        </p:txBody>
-      </p:sp>
-      <p:sp>
-        <p:nvSpPr>
-          <p:cNvPr id="5" name="Content Placeholder 4">
-            <a:extLst>
-              <a:ext uri="{FF2B5EF4-FFF2-40B4-BE49-F238E27FC236}">
-                <a16:creationId xmlns:a16="http://schemas.microsoft.com/office/drawing/2014/main" id="{8625C482-1685-437D-96BF-8685E035E320}"/>
-              </a:ext>
-            </a:extLst>
-          </p:cNvPr>
-          <p:cNvSpPr>
-            <a:spLocks noGrp="1"/>
-          </p:cNvSpPr>
-          <p:nvPr>
-            <p:ph sz="quarter" idx="12"/>
-          </p:nvPr>
-        </p:nvSpPr>
-        <p:spPr/>
-        <p:txBody>
-          <a:bodyPr/>
-          <a:lstStyle/>
-          <a:p>
-            <a:r>
-              <a:rPr lang="en-US" i="1" dirty="0"/>
-              <a:t>Managed </a:t>
-            </a:r>
-            <a:r>
-              <a:rPr lang="en-US" dirty="0"/>
-              <a:t>Kubernetes in Azure</a:t>
-            </a:r>
-          </a:p>
-          <a:p>
-            <a:pPr lvl="1"/>
-            <a:r>
-              <a:rPr lang="en-US" dirty="0"/>
-              <a:t>No direct access (SSH) to the cluster</a:t>
-            </a:r>
-          </a:p>
-          <a:p>
-            <a:r>
-              <a:rPr lang="en-US" dirty="0"/>
-              <a:t>Note preview limitations</a:t>
-            </a:r>
-          </a:p>
-          <a:p>
-            <a:pPr lvl="1"/>
-            <a:r>
-              <a:rPr lang="en-US" dirty="0"/>
-              <a:t>At the time of writing, no deployments possible in West Europe</a:t>
-            </a:r>
-            <a:endParaRPr lang="en-US" dirty="0">
-              <a:hlinkClick r:id="rId2"/>
-            </a:endParaRPr>
-          </a:p>
-          <a:p>
-            <a:pPr lvl="1"/>
-            <a:r>
-              <a:rPr lang="en-US" dirty="0">
-                <a:hlinkClick r:id="rId2"/>
-              </a:rPr>
-              <a:t>Read more…</a:t>
-            </a:r>
-            <a:endParaRPr lang="en-US" dirty="0"/>
-          </a:p>
-        </p:txBody>
-      </p:sp>
-      <p:sp>
-        <p:nvSpPr>
-          <p:cNvPr id="6" name="Text Placeholder 5">
-            <a:extLst>
-              <a:ext uri="{FF2B5EF4-FFF2-40B4-BE49-F238E27FC236}">
-                <a16:creationId xmlns:a16="http://schemas.microsoft.com/office/drawing/2014/main" id="{A4C76904-CE6C-4A92-AA71-AF608490E6BA}"/>
-              </a:ext>
-            </a:extLst>
-          </p:cNvPr>
-          <p:cNvSpPr>
-            <a:spLocks noGrp="1"/>
-          </p:cNvSpPr>
-          <p:nvPr>
-            <p:ph type="body" sz="quarter" idx="23"/>
-          </p:nvPr>
-        </p:nvSpPr>
-        <p:spPr/>
-        <p:txBody>
-          <a:bodyPr/>
-          <a:lstStyle/>
-          <a:p>
-            <a:r>
-              <a:rPr lang="en-US" dirty="0">
-                <a:hlinkClick r:id="rId3"/>
-              </a:rPr>
-              <a:t>https://docs.microsoft.com/en-us/azure/aks/intro-kubernetes</a:t>
-            </a:r>
-            <a:endParaRPr lang="en-US" dirty="0"/>
-          </a:p>
-        </p:txBody>
-      </p:sp>
-    </p:spTree>
-    <p:extLst>
-      <p:ext uri="{BB962C8B-B14F-4D97-AF65-F5344CB8AC3E}">
-        <p14:creationId xmlns:p14="http://schemas.microsoft.com/office/powerpoint/2010/main" val="1088021400"/>
-      </p:ext>
-    </p:extLst>
-  </p:cSld>
-  <p:clrMapOvr>
-    <a:masterClrMapping/>
-  </p:clrMapOvr>
-  <mc:AlternateContent xmlns:mc="http://schemas.openxmlformats.org/markup-compatibility/2006" xmlns:p14="http://schemas.microsoft.com/office/powerpoint/2010/main">
-    <mc:Choice Requires="p14">
-      <p:transition spd="med" p14:dur="700">
-        <p:fade/>
-      </p:transition>
-    </mc:Choice>
-    <mc:Fallback xmlns="">
-      <p:transition spd="med">
-        <p:fade/>
-      </p:transition>
-    </mc:Fallback>
-  </mc:AlternateContent>
-</p:sld>
-</file>
-
-<file path=ppt/slides/slide28.xml><?xml version="1.0" encoding="utf-8"?>
-<p:sld xmlns:a="http://schemas.openxmlformats.org/drawingml/2006/main" xmlns:r="http://schemas.openxmlformats.org/officeDocument/2006/relationships" xmlns:p="http://schemas.openxmlformats.org/presentationml/2006/main">
-  <p:cSld>
-    <p:spTree>
-      <p:nvGrpSpPr>
-        <p:cNvPr id="1" name=""/>
-        <p:cNvGrpSpPr/>
-        <p:nvPr/>
-      </p:nvGrpSpPr>
-      <p:grpSpPr>
-        <a:xfrm>
-          <a:off x="0" y="0"/>
-          <a:ext cx="0" cy="0"/>
-          <a:chOff x="0" y="0"/>
-          <a:chExt cx="0" cy="0"/>
-        </a:xfrm>
-      </p:grpSpPr>
-      <p:sp>
-        <p:nvSpPr>
-          <p:cNvPr id="2" name="Title 1">
-            <a:extLst>
-              <a:ext uri="{FF2B5EF4-FFF2-40B4-BE49-F238E27FC236}">
-                <a16:creationId xmlns:a16="http://schemas.microsoft.com/office/drawing/2014/main" id="{25AD9DA0-0FEE-4602-BE90-C190707FCC7C}"/>
-              </a:ext>
-            </a:extLst>
-          </p:cNvPr>
-          <p:cNvSpPr>
-            <a:spLocks noGrp="1"/>
-          </p:cNvSpPr>
-          <p:nvPr>
-            <p:ph type="title"/>
-          </p:nvPr>
-        </p:nvSpPr>
-        <p:spPr/>
-        <p:txBody>
-          <a:bodyPr/>
-          <a:lstStyle/>
-          <a:p>
-            <a:r>
-              <a:rPr lang="en-US"/>
-              <a:t>Demo</a:t>
-            </a:r>
-          </a:p>
-        </p:txBody>
-      </p:sp>
-      <p:sp>
-        <p:nvSpPr>
-          <p:cNvPr id="9" name="Content Placeholder 8">
-            <a:extLst>
-              <a:ext uri="{FF2B5EF4-FFF2-40B4-BE49-F238E27FC236}">
-                <a16:creationId xmlns:a16="http://schemas.microsoft.com/office/drawing/2014/main" id="{5E43D4B1-0BE9-4CA9-9A44-66749743FCCD}"/>
-              </a:ext>
-            </a:extLst>
-          </p:cNvPr>
-          <p:cNvSpPr>
-            <a:spLocks noGrp="1"/>
-          </p:cNvSpPr>
-          <p:nvPr>
-            <p:ph sz="quarter" idx="22"/>
-          </p:nvPr>
-        </p:nvSpPr>
-        <p:spPr>
-          <a:xfrm>
-            <a:off x="467544" y="178629"/>
-            <a:ext cx="5328592" cy="4721065"/>
-          </a:xfrm>
-        </p:spPr>
-        <p:txBody>
-          <a:bodyPr/>
-          <a:lstStyle/>
-          <a:p>
-            <a:r>
-              <a:rPr lang="en-US" noProof="1">
-                <a:solidFill>
-                  <a:schemeClr val="tx1">
-                    <a:lumMod val="60000"/>
-                    <a:lumOff val="40000"/>
-                  </a:schemeClr>
-                </a:solidFill>
-              </a:rPr>
-              <a:t># Note: Uses demo app from </a:t>
-            </a:r>
-          </a:p>
-          <a:p>
-            <a:r>
-              <a:rPr lang="en-US" noProof="1">
-                <a:solidFill>
-                  <a:schemeClr val="tx1">
-                    <a:lumMod val="60000"/>
-                    <a:lumOff val="40000"/>
-                  </a:schemeClr>
-                </a:solidFill>
-              </a:rPr>
-              <a:t># </a:t>
-            </a:r>
-            <a:r>
-              <a:rPr lang="en-US" noProof="1">
-                <a:solidFill>
-                  <a:schemeClr val="tx1">
-                    <a:lumMod val="60000"/>
-                    <a:lumOff val="40000"/>
-                  </a:schemeClr>
-                </a:solidFill>
-                <a:hlinkClick r:id="rId2"/>
-              </a:rPr>
-              <a:t>https://github.com/Azure-Samples/azure-voting-app-redis.git</a:t>
-            </a:r>
-            <a:endParaRPr lang="en-US" noProof="1">
-              <a:solidFill>
-                <a:schemeClr val="tx1">
-                  <a:lumMod val="60000"/>
-                  <a:lumOff val="40000"/>
-                </a:schemeClr>
-              </a:solidFill>
-            </a:endParaRPr>
-          </a:p>
-          <a:p>
-            <a:endParaRPr lang="en-US" noProof="1"/>
-          </a:p>
-          <a:p>
-            <a:r>
-              <a:rPr lang="en-US" noProof="1"/>
-              <a:t>cd ~/GitHub/azure-voting-app-redis</a:t>
-            </a:r>
-          </a:p>
-          <a:p>
-            <a:r>
-              <a:rPr lang="en-US" noProof="1"/>
-              <a:t>cat cat docker-compose.yaml</a:t>
-            </a:r>
-          </a:p>
-          <a:p>
-            <a:endParaRPr lang="en-US" noProof="1"/>
-          </a:p>
-          <a:p>
-            <a:r>
-              <a:rPr lang="en-US" noProof="1"/>
-              <a:t>docker-compose up -d</a:t>
-            </a:r>
-          </a:p>
-          <a:p>
-            <a:endParaRPr lang="en-US" noProof="1"/>
-          </a:p>
-          <a:p>
-            <a:r>
-              <a:rPr lang="en-US" noProof="1">
-                <a:solidFill>
-                  <a:schemeClr val="tx1">
-                    <a:lumMod val="60000"/>
-                    <a:lumOff val="40000"/>
-                  </a:schemeClr>
-                </a:solidFill>
-              </a:rPr>
-              <a:t># Try app at http://</a:t>
-            </a:r>
-            <a:r>
-              <a:rPr lang="en-US" i="1" noProof="1">
-                <a:solidFill>
-                  <a:schemeClr val="tx1">
-                    <a:lumMod val="60000"/>
-                    <a:lumOff val="40000"/>
-                  </a:schemeClr>
-                </a:solidFill>
-              </a:rPr>
-              <a:t>your-ip</a:t>
-            </a:r>
-            <a:r>
-              <a:rPr lang="en-US" noProof="1">
-                <a:solidFill>
-                  <a:schemeClr val="tx1">
-                    <a:lumMod val="60000"/>
-                    <a:lumOff val="40000"/>
-                  </a:schemeClr>
-                </a:solidFill>
-              </a:rPr>
-              <a:t>:8080</a:t>
-            </a:r>
-          </a:p>
-          <a:p>
-            <a:endParaRPr lang="en-US" noProof="1"/>
-          </a:p>
-          <a:p>
-            <a:r>
-              <a:rPr lang="en-US" noProof="1"/>
-              <a:t>docker images</a:t>
-            </a:r>
-          </a:p>
-          <a:p>
-            <a:r>
-              <a:rPr lang="en-US" noProof="1"/>
-              <a:t>docker ps</a:t>
-            </a:r>
-          </a:p>
-          <a:p>
-            <a:endParaRPr lang="en-US" noProof="1"/>
-          </a:p>
-          <a:p>
-            <a:r>
-              <a:rPr lang="en-US" noProof="1"/>
-              <a:t>docker-compose stop</a:t>
-            </a:r>
-          </a:p>
-          <a:p>
-            <a:r>
-              <a:rPr lang="en-US" noProof="1"/>
-              <a:t>docker-compose down</a:t>
-            </a:r>
-          </a:p>
-          <a:p>
-            <a:endParaRPr lang="en-US" noProof="1"/>
-          </a:p>
-        </p:txBody>
-      </p:sp>
-      <p:sp>
-        <p:nvSpPr>
-          <p:cNvPr id="6" name="Text Placeholder 5">
-            <a:extLst>
-              <a:ext uri="{FF2B5EF4-FFF2-40B4-BE49-F238E27FC236}">
-                <a16:creationId xmlns:a16="http://schemas.microsoft.com/office/drawing/2014/main" id="{F8A11F8D-0CB6-495C-B124-0A2FB159DB76}"/>
-              </a:ext>
-            </a:extLst>
-          </p:cNvPr>
-          <p:cNvSpPr>
-            <a:spLocks noGrp="1"/>
-          </p:cNvSpPr>
-          <p:nvPr>
-            <p:ph type="body" sz="quarter" idx="23"/>
-          </p:nvPr>
-        </p:nvSpPr>
-        <p:spPr/>
-        <p:txBody>
-          <a:bodyPr/>
-          <a:lstStyle/>
-          <a:p>
-            <a:r>
-              <a:rPr lang="en-US" dirty="0"/>
-              <a:t>Prepare image</a:t>
-            </a:r>
-          </a:p>
-        </p:txBody>
-      </p:sp>
-      <p:sp>
-        <p:nvSpPr>
-          <p:cNvPr id="10" name="Text Placeholder 9">
-            <a:extLst>
-              <a:ext uri="{FF2B5EF4-FFF2-40B4-BE49-F238E27FC236}">
-                <a16:creationId xmlns:a16="http://schemas.microsoft.com/office/drawing/2014/main" id="{A44AEF77-FACC-4670-8D58-D0BB6F115CAA}"/>
-              </a:ext>
-            </a:extLst>
-          </p:cNvPr>
-          <p:cNvSpPr>
-            <a:spLocks noGrp="1"/>
-          </p:cNvSpPr>
-          <p:nvPr>
-            <p:ph type="body" sz="quarter" idx="24"/>
-          </p:nvPr>
-        </p:nvSpPr>
-        <p:spPr/>
-        <p:txBody>
-          <a:bodyPr/>
-          <a:lstStyle/>
-          <a:p>
-            <a:r>
-              <a:rPr lang="en-US" dirty="0"/>
-              <a:t>Create images locally</a:t>
-            </a:r>
-          </a:p>
-          <a:p>
-            <a:r>
-              <a:rPr lang="en-US" dirty="0"/>
-              <a:t>Test application locally</a:t>
-            </a:r>
-          </a:p>
-        </p:txBody>
-      </p:sp>
-      <p:sp>
-        <p:nvSpPr>
-          <p:cNvPr id="11" name="Text Placeholder 10">
-            <a:extLst>
-              <a:ext uri="{FF2B5EF4-FFF2-40B4-BE49-F238E27FC236}">
-                <a16:creationId xmlns:a16="http://schemas.microsoft.com/office/drawing/2014/main" id="{07D091DA-9215-420B-8F52-AF755EE465BC}"/>
-              </a:ext>
-            </a:extLst>
-          </p:cNvPr>
-          <p:cNvSpPr>
-            <a:spLocks noGrp="1"/>
-          </p:cNvSpPr>
-          <p:nvPr>
-            <p:ph type="body" sz="quarter" idx="25"/>
-          </p:nvPr>
-        </p:nvSpPr>
-        <p:spPr/>
-        <p:txBody>
-          <a:bodyPr/>
-          <a:lstStyle/>
-          <a:p>
-            <a:r>
-              <a:rPr lang="en-US" sz="700" dirty="0">
-                <a:hlinkClick r:id="rId3"/>
-              </a:rPr>
-              <a:t>https://docs.microsoft.com/en-us/azure/aks/kubernetes-walkthrough</a:t>
-            </a:r>
-            <a:endParaRPr lang="en-US" sz="700" dirty="0"/>
-          </a:p>
-        </p:txBody>
-      </p:sp>
-    </p:spTree>
-    <p:extLst>
-      <p:ext uri="{BB962C8B-B14F-4D97-AF65-F5344CB8AC3E}">
-        <p14:creationId xmlns:p14="http://schemas.microsoft.com/office/powerpoint/2010/main" val="3399747740"/>
-      </p:ext>
-    </p:extLst>
-  </p:cSld>
-  <p:clrMapOvr>
-    <a:masterClrMapping/>
-  </p:clrMapOvr>
-  <mc:AlternateContent xmlns:mc="http://schemas.openxmlformats.org/markup-compatibility/2006" xmlns:p14="http://schemas.microsoft.com/office/powerpoint/2010/main">
-    <mc:Choice Requires="p14">
-      <p:transition spd="med" p14:dur="700">
-        <p:fade/>
-      </p:transition>
-    </mc:Choice>
-    <mc:Fallback xmlns="">
-      <p:transition spd="med">
-        <p:fade/>
-      </p:transition>
-    </mc:Fallback>
-  </mc:AlternateContent>
-</p:sld>
-</file>
-
-<file path=ppt/slides/slide29.xml><?xml version="1.0" encoding="utf-8"?>
-<p:sld xmlns:a="http://schemas.openxmlformats.org/drawingml/2006/main" xmlns:r="http://schemas.openxmlformats.org/officeDocument/2006/relationships" xmlns:p="http://schemas.openxmlformats.org/presentationml/2006/main">
-  <p:cSld>
-    <p:spTree>
-      <p:nvGrpSpPr>
-        <p:cNvPr id="1" name=""/>
-        <p:cNvGrpSpPr/>
-        <p:nvPr/>
-      </p:nvGrpSpPr>
-      <p:grpSpPr>
-        <a:xfrm>
-          <a:off x="0" y="0"/>
-          <a:ext cx="0" cy="0"/>
-          <a:chOff x="0" y="0"/>
-          <a:chExt cx="0" cy="0"/>
-        </a:xfrm>
-      </p:grpSpPr>
-      <p:sp>
-        <p:nvSpPr>
-          <p:cNvPr id="2" name="Title 1">
-            <a:extLst>
-              <a:ext uri="{FF2B5EF4-FFF2-40B4-BE49-F238E27FC236}">
-                <a16:creationId xmlns:a16="http://schemas.microsoft.com/office/drawing/2014/main" id="{25AD9DA0-0FEE-4602-BE90-C190707FCC7C}"/>
-              </a:ext>
-            </a:extLst>
-          </p:cNvPr>
-          <p:cNvSpPr>
-            <a:spLocks noGrp="1"/>
-          </p:cNvSpPr>
-          <p:nvPr>
-            <p:ph type="title"/>
-          </p:nvPr>
-        </p:nvSpPr>
-        <p:spPr/>
-        <p:txBody>
-          <a:bodyPr/>
-          <a:lstStyle/>
-          <a:p>
-            <a:r>
-              <a:rPr lang="en-US"/>
-              <a:t>Demo</a:t>
-            </a:r>
-          </a:p>
-        </p:txBody>
-      </p:sp>
-      <p:sp>
-        <p:nvSpPr>
-          <p:cNvPr id="9" name="Content Placeholder 8">
-            <a:extLst>
-              <a:ext uri="{FF2B5EF4-FFF2-40B4-BE49-F238E27FC236}">
-                <a16:creationId xmlns:a16="http://schemas.microsoft.com/office/drawing/2014/main" id="{5E43D4B1-0BE9-4CA9-9A44-66749743FCCD}"/>
-              </a:ext>
-            </a:extLst>
-          </p:cNvPr>
-          <p:cNvSpPr>
-            <a:spLocks noGrp="1"/>
-          </p:cNvSpPr>
-          <p:nvPr>
-            <p:ph sz="quarter" idx="22"/>
-          </p:nvPr>
-        </p:nvSpPr>
-        <p:spPr>
-          <a:xfrm>
-            <a:off x="467544" y="178629"/>
-            <a:ext cx="5328592" cy="4721065"/>
-          </a:xfrm>
-        </p:spPr>
-        <p:txBody>
-          <a:bodyPr/>
-          <a:lstStyle/>
-          <a:p>
-            <a:r>
-              <a:rPr lang="pt-BR" noProof="1"/>
-              <a:t>az provider register -n Microsoft.ContainerService</a:t>
-            </a:r>
-          </a:p>
-          <a:p>
-            <a:endParaRPr lang="pt-BR" noProof="1"/>
-          </a:p>
-          <a:p>
-            <a:r>
-              <a:rPr lang="pt-BR" noProof="1">
-                <a:solidFill>
-                  <a:schemeClr val="tx1">
-                    <a:lumMod val="60000"/>
-                    <a:lumOff val="40000"/>
-                  </a:schemeClr>
-                </a:solidFill>
-              </a:rPr>
-              <a:t># Create service principal for AKS (or change password)</a:t>
-            </a:r>
-          </a:p>
-          <a:p>
-            <a:r>
-              <a:rPr lang="pt-BR" noProof="1">
-                <a:solidFill>
-                  <a:schemeClr val="tx1">
-                    <a:lumMod val="60000"/>
-                    <a:lumOff val="40000"/>
-                  </a:schemeClr>
-                </a:solidFill>
-              </a:rPr>
-              <a:t># This is necessary if you want to use ACR with AKS</a:t>
-            </a:r>
-          </a:p>
-          <a:p>
-            <a:r>
-              <a:rPr lang="en-US" noProof="1"/>
-              <a:t>az ad sp create-for-rbac --name azurecaas \</a:t>
-            </a:r>
-          </a:p>
-          <a:p>
-            <a:r>
-              <a:rPr lang="en-US" noProof="1"/>
-              <a:t>	--password P@ssw0rd123</a:t>
-            </a:r>
-          </a:p>
-          <a:p>
-            <a:r>
-              <a:rPr lang="en-US" noProof="1"/>
-              <a:t>az ad sp credential reset --name azurecaas \</a:t>
-            </a:r>
-          </a:p>
-          <a:p>
-            <a:r>
-              <a:rPr lang="en-US" noProof="1"/>
-              <a:t>	--password P@ssw0rd123</a:t>
-            </a:r>
-          </a:p>
-          <a:p>
-            <a:endParaRPr lang="pt-BR" noProof="1"/>
-          </a:p>
-          <a:p>
-            <a:r>
-              <a:rPr lang="pt-BR" noProof="1">
-                <a:solidFill>
-                  <a:schemeClr val="tx1">
-                    <a:lumMod val="60000"/>
-                    <a:lumOff val="40000"/>
-                  </a:schemeClr>
-                </a:solidFill>
-              </a:rPr>
-              <a:t># Assign “reader” role for ACR to AKS service principal</a:t>
-            </a:r>
-          </a:p>
-          <a:p>
-            <a:r>
-              <a:rPr lang="pt-BR" noProof="1"/>
-              <a:t>az acr show --name azurecaas --resource-group azure-caas-demo \</a:t>
-            </a:r>
-          </a:p>
-          <a:p>
-            <a:r>
-              <a:rPr lang="pt-BR" noProof="1"/>
-              <a:t>	--query "id"</a:t>
-            </a:r>
-          </a:p>
-          <a:p>
-            <a:r>
-              <a:rPr lang="pt-BR" noProof="1"/>
-              <a:t>az role assignment create \</a:t>
-            </a:r>
-          </a:p>
-          <a:p>
-            <a:r>
-              <a:rPr lang="pt-BR" noProof="1"/>
-              <a:t>	--assignee ...(app id) --role Reader --scope ...(ACR id)</a:t>
-            </a:r>
-          </a:p>
-          <a:p>
-            <a:endParaRPr lang="pt-BR" noProof="1"/>
-          </a:p>
-          <a:p>
-            <a:r>
-              <a:rPr lang="pt-BR" noProof="1">
-                <a:solidFill>
-                  <a:schemeClr val="tx1">
-                    <a:lumMod val="60000"/>
-                    <a:lumOff val="40000"/>
-                  </a:schemeClr>
-                </a:solidFill>
-              </a:rPr>
-              <a:t># Create AKS cluster</a:t>
-            </a:r>
-          </a:p>
-          <a:p>
-            <a:r>
-              <a:rPr lang="en-US" noProof="1"/>
-              <a:t>az aks create --resource-group azure-caas-demo \</a:t>
-            </a:r>
-          </a:p>
-          <a:p>
-            <a:r>
-              <a:rPr lang="en-US" noProof="1"/>
-              <a:t>	--name azure-caas-kube --node-count 1 --generate-ssh-keys \</a:t>
-            </a:r>
-          </a:p>
-          <a:p>
-            <a:r>
-              <a:rPr lang="en-US" noProof="1"/>
-              <a:t>  --location westeurope --client-secret P@ssw0rd123 \</a:t>
-            </a:r>
-          </a:p>
-          <a:p>
-            <a:r>
-              <a:rPr lang="en-US" noProof="1"/>
-              <a:t>	 --service-principal ...(app id)</a:t>
-            </a:r>
-          </a:p>
-        </p:txBody>
-      </p:sp>
-      <p:sp>
-        <p:nvSpPr>
-          <p:cNvPr id="6" name="Text Placeholder 5">
-            <a:extLst>
-              <a:ext uri="{FF2B5EF4-FFF2-40B4-BE49-F238E27FC236}">
-                <a16:creationId xmlns:a16="http://schemas.microsoft.com/office/drawing/2014/main" id="{F8A11F8D-0CB6-495C-B124-0A2FB159DB76}"/>
-              </a:ext>
-            </a:extLst>
-          </p:cNvPr>
-          <p:cNvSpPr>
-            <a:spLocks noGrp="1"/>
-          </p:cNvSpPr>
-          <p:nvPr>
-            <p:ph type="body" sz="quarter" idx="23"/>
-          </p:nvPr>
-        </p:nvSpPr>
-        <p:spPr/>
-        <p:txBody>
-          <a:bodyPr/>
-          <a:lstStyle/>
-          <a:p>
-            <a:r>
-              <a:rPr lang="en-US" dirty="0"/>
-              <a:t>Create AKS Cluster</a:t>
-            </a:r>
-          </a:p>
-        </p:txBody>
-      </p:sp>
-      <p:sp>
-        <p:nvSpPr>
-          <p:cNvPr id="10" name="Text Placeholder 9">
-            <a:extLst>
-              <a:ext uri="{FF2B5EF4-FFF2-40B4-BE49-F238E27FC236}">
-                <a16:creationId xmlns:a16="http://schemas.microsoft.com/office/drawing/2014/main" id="{A44AEF77-FACC-4670-8D58-D0BB6F115CAA}"/>
-              </a:ext>
-            </a:extLst>
-          </p:cNvPr>
-          <p:cNvSpPr>
-            <a:spLocks noGrp="1"/>
-          </p:cNvSpPr>
-          <p:nvPr>
-            <p:ph type="body" sz="quarter" idx="24"/>
-          </p:nvPr>
-        </p:nvSpPr>
-        <p:spPr/>
-        <p:txBody>
-          <a:bodyPr/>
-          <a:lstStyle/>
-          <a:p>
-            <a:r>
-              <a:rPr lang="en-US" dirty="0"/>
-              <a:t>Push demo image to ACR</a:t>
-            </a:r>
-          </a:p>
-          <a:p>
-            <a:r>
-              <a:rPr lang="en-US" dirty="0"/>
-              <a:t>Create service principal for AKS</a:t>
-            </a:r>
-          </a:p>
-          <a:p>
-            <a:r>
-              <a:rPr lang="en-US" dirty="0"/>
-              <a:t>Create AKS cluster</a:t>
-            </a:r>
-          </a:p>
-        </p:txBody>
-      </p:sp>
-      <p:sp>
-        <p:nvSpPr>
-          <p:cNvPr id="11" name="Text Placeholder 10">
-            <a:extLst>
-              <a:ext uri="{FF2B5EF4-FFF2-40B4-BE49-F238E27FC236}">
-                <a16:creationId xmlns:a16="http://schemas.microsoft.com/office/drawing/2014/main" id="{07D091DA-9215-420B-8F52-AF755EE465BC}"/>
-              </a:ext>
-            </a:extLst>
-          </p:cNvPr>
-          <p:cNvSpPr>
-            <a:spLocks noGrp="1"/>
-          </p:cNvSpPr>
-          <p:nvPr>
-            <p:ph type="body" sz="quarter" idx="25"/>
-          </p:nvPr>
-        </p:nvSpPr>
-        <p:spPr/>
-        <p:txBody>
-          <a:bodyPr/>
-          <a:lstStyle/>
-          <a:p>
-            <a:r>
-              <a:rPr lang="en-US" sz="700" dirty="0">
-                <a:hlinkClick r:id="rId2"/>
-              </a:rPr>
-              <a:t>https://docs.microsoft.com/en-us/azure/aks/kubernetes-walkthrough</a:t>
-            </a:r>
-            <a:br>
-              <a:rPr lang="en-US" sz="700" dirty="0"/>
-            </a:br>
-            <a:endParaRPr lang="en-US" sz="700" dirty="0"/>
-          </a:p>
-          <a:p>
-            <a:r>
-              <a:rPr lang="en-US" sz="700" dirty="0"/>
-              <a:t>Note: Due to preview limitations, location has to be </a:t>
-            </a:r>
-            <a:r>
-              <a:rPr lang="en-US" sz="700" i="1" dirty="0" err="1"/>
-              <a:t>eastus</a:t>
-            </a:r>
-            <a:r>
-              <a:rPr lang="en-US" sz="700" dirty="0"/>
-              <a:t>, for details see </a:t>
-            </a:r>
-            <a:r>
-              <a:rPr lang="en-US" sz="700" dirty="0">
-                <a:hlinkClick r:id="rId3"/>
-              </a:rPr>
-              <a:t>https://github.com/Azure/AKS/blob/master/preview_regions.md</a:t>
-            </a:r>
-            <a:r>
-              <a:rPr lang="en-US" sz="700" dirty="0"/>
-              <a:t> </a:t>
-            </a:r>
-          </a:p>
-        </p:txBody>
-      </p:sp>
-    </p:spTree>
-    <p:extLst>
-      <p:ext uri="{BB962C8B-B14F-4D97-AF65-F5344CB8AC3E}">
-        <p14:creationId xmlns:p14="http://schemas.microsoft.com/office/powerpoint/2010/main" val="657760228"/>
-      </p:ext>
-    </p:extLst>
-  </p:cSld>
-  <p:clrMapOvr>
-    <a:masterClrMapping/>
-  </p:clrMapOvr>
-  <mc:AlternateContent xmlns:mc="http://schemas.openxmlformats.org/markup-compatibility/2006" xmlns:p14="http://schemas.microsoft.com/office/powerpoint/2010/main">
-    <mc:Choice Requires="p14">
-      <p:transition spd="med" p14:dur="700">
-        <p:fade/>
-      </p:transition>
-    </mc:Choice>
-    <mc:Fallback xmlns="">
-      <p:transition spd="med">
-        <p:fade/>
-      </p:transition>
-    </mc:Fallback>
-  </mc:AlternateContent>
 </p:sld>
 </file>
 
@@ -36015,7 +35731,7 @@
           <p:cNvPr id="2" name="Title 1">
             <a:extLst>
               <a:ext uri="{FF2B5EF4-FFF2-40B4-BE49-F238E27FC236}">
-                <a16:creationId xmlns:a16="http://schemas.microsoft.com/office/drawing/2014/main" id="{25AD9DA0-0FEE-4602-BE90-C190707FCC7C}"/>
+                <a16:creationId xmlns:a16="http://schemas.microsoft.com/office/drawing/2014/main" id="{0E35401F-2B5F-4399-9F78-EE46BB997B67}"/>
               </a:ext>
             </a:extLst>
           </p:cNvPr>
@@ -36032,18 +35748,18 @@
           <a:lstStyle/>
           <a:p>
             <a:r>
-              <a:rPr lang="en-US"/>
-              <a:t>Demo</a:t>
+              <a:rPr lang="de-AT" dirty="0"/>
+              <a:t>PV, PVC</a:t>
             </a:r>
           </a:p>
         </p:txBody>
       </p:sp>
       <p:sp>
         <p:nvSpPr>
-          <p:cNvPr id="9" name="Content Placeholder 8">
+          <p:cNvPr id="3" name="Content Placeholder 2">
             <a:extLst>
               <a:ext uri="{FF2B5EF4-FFF2-40B4-BE49-F238E27FC236}">
-                <a16:creationId xmlns:a16="http://schemas.microsoft.com/office/drawing/2014/main" id="{5E43D4B1-0BE9-4CA9-9A44-66749743FCCD}"/>
+                <a16:creationId xmlns:a16="http://schemas.microsoft.com/office/drawing/2014/main" id="{ECACC83E-C065-4329-8730-3EEA1182F7D7}"/>
               </a:ext>
             </a:extLst>
           </p:cNvPr>
@@ -36054,169 +35770,132 @@
             <p:ph sz="quarter" idx="22"/>
           </p:nvPr>
         </p:nvSpPr>
-        <p:spPr>
-          <a:xfrm>
-            <a:off x="467544" y="178629"/>
-            <a:ext cx="5328592" cy="4721065"/>
-          </a:xfrm>
-        </p:spPr>
+        <p:spPr/>
         <p:txBody>
           <a:bodyPr/>
           <a:lstStyle/>
           <a:p>
             <a:r>
-              <a:rPr lang="en-US" noProof="1">
-                <a:solidFill>
-                  <a:schemeClr val="tx1">
-                    <a:lumMod val="60000"/>
-                    <a:lumOff val="40000"/>
-                  </a:schemeClr>
-                </a:solidFill>
-              </a:rPr>
-              <a:t># Connect kubectl with AKS</a:t>
-            </a:r>
-          </a:p>
-          <a:p>
-            <a:r>
-              <a:rPr lang="en-US" noProof="1"/>
-              <a:t>az aks get-credentials --resource-group azure-caas-demo \</a:t>
-            </a:r>
-          </a:p>
-          <a:p>
-            <a:r>
-              <a:rPr lang="en-US" noProof="1"/>
-              <a:t>	--name azure-caas-kube</a:t>
-            </a:r>
-          </a:p>
-          <a:p>
-            <a:endParaRPr lang="en-US" noProof="1"/>
-          </a:p>
-          <a:p>
-            <a:r>
-              <a:rPr lang="en-US" noProof="1">
-                <a:solidFill>
-                  <a:schemeClr val="tx1">
-                    <a:lumMod val="60000"/>
-                    <a:lumOff val="40000"/>
-                  </a:schemeClr>
-                </a:solidFill>
-              </a:rPr>
-              <a:t># Check connection to AKS</a:t>
-            </a:r>
-          </a:p>
-          <a:p>
-            <a:r>
-              <a:rPr lang="en-US" noProof="1"/>
-              <a:t>kubectl config get-contexts</a:t>
-            </a:r>
-          </a:p>
-          <a:p>
-            <a:r>
-              <a:rPr lang="en-US" noProof="1"/>
-              <a:t>kubectl config use-context …</a:t>
-            </a:r>
-          </a:p>
-          <a:p>
-            <a:r>
-              <a:rPr lang="en-US" noProof="1"/>
-              <a:t>kubectl config current-context</a:t>
-            </a:r>
-          </a:p>
-          <a:p>
-            <a:r>
-              <a:rPr lang="en-US" noProof="1"/>
-              <a:t>kubectl get nodes</a:t>
-            </a:r>
-          </a:p>
-          <a:p>
-            <a:endParaRPr lang="en-US" noProof="1"/>
-          </a:p>
-          <a:p>
-            <a:r>
-              <a:rPr lang="pt-BR" noProof="1">
-                <a:solidFill>
-                  <a:schemeClr val="tx1">
-                    <a:lumMod val="60000"/>
-                    <a:lumOff val="40000"/>
-                  </a:schemeClr>
-                </a:solidFill>
-              </a:rPr>
-              <a:t># Start Kubernetes dashboard (CMD, not </a:t>
-            </a:r>
-            <a:r>
-              <a:rPr lang="pt-BR" i="1" noProof="1">
-                <a:solidFill>
-                  <a:schemeClr val="tx1">
-                    <a:lumMod val="60000"/>
-                    <a:lumOff val="40000"/>
-                  </a:schemeClr>
-                </a:solidFill>
-              </a:rPr>
-              <a:t>bash</a:t>
-            </a:r>
-            <a:r>
-              <a:rPr lang="pt-BR" noProof="1">
-                <a:solidFill>
-                  <a:schemeClr val="tx1">
-                    <a:lumMod val="60000"/>
-                    <a:lumOff val="40000"/>
-                  </a:schemeClr>
-                </a:solidFill>
-              </a:rPr>
-              <a:t>!)</a:t>
-            </a:r>
-          </a:p>
-          <a:p>
-            <a:r>
-              <a:rPr lang="en-US" noProof="1"/>
-              <a:t>az aks browse --resource-group azure-caas-demo \</a:t>
-            </a:r>
-          </a:p>
-          <a:p>
-            <a:r>
-              <a:rPr lang="en-US" noProof="1"/>
-              <a:t>	--name azure-caas-kube</a:t>
-            </a:r>
-          </a:p>
-          <a:p>
-            <a:endParaRPr lang="en-US" noProof="1"/>
-          </a:p>
-          <a:p>
-            <a:r>
-              <a:rPr lang="en-US" noProof="1">
-                <a:solidFill>
-                  <a:schemeClr val="tx1">
-                    <a:lumMod val="60000"/>
-                    <a:lumOff val="40000"/>
-                  </a:schemeClr>
-                </a:solidFill>
-              </a:rPr>
-              <a:t># Scale Kubernetes server</a:t>
-            </a:r>
-          </a:p>
-          <a:p>
-            <a:r>
-              <a:rPr lang="en-US" noProof="1"/>
-              <a:t>az aks scale --resource-group azure-caas-demo \</a:t>
-            </a:r>
-          </a:p>
-          <a:p>
-            <a:r>
-              <a:rPr lang="en-US" noProof="1"/>
-              <a:t>	--name azure-caas-kube --node-count 2</a:t>
-            </a:r>
-          </a:p>
-          <a:p>
-            <a:endParaRPr lang="en-US" noProof="1"/>
+              <a:rPr lang="en-US" sz="1000" noProof="1"/>
+              <a:t>kind: StorageClass</a:t>
+            </a:r>
+          </a:p>
+          <a:p>
+            <a:r>
+              <a:rPr lang="en-US" sz="1000" noProof="1"/>
+              <a:t>apiVersion: storage.k8s.io/v1</a:t>
+            </a:r>
+          </a:p>
+          <a:p>
+            <a:r>
+              <a:rPr lang="en-US" sz="1000" noProof="1"/>
+              <a:t>metadata:</a:t>
+            </a:r>
+          </a:p>
+          <a:p>
+            <a:r>
+              <a:rPr lang="en-US" sz="1000" noProof="1"/>
+              <a:t>  name: k8sworkshop-files</a:t>
+            </a:r>
+          </a:p>
+          <a:p>
+            <a:r>
+              <a:rPr lang="en-US" sz="1000" noProof="1"/>
+              <a:t>provisioner: kubernetes.io/azure-file</a:t>
+            </a:r>
+          </a:p>
+          <a:p>
+            <a:r>
+              <a:rPr lang="en-US" sz="1000" noProof="1"/>
+              <a:t>parameters:</a:t>
+            </a:r>
+          </a:p>
+          <a:p>
+            <a:r>
+              <a:rPr lang="en-US" sz="1000" noProof="1"/>
+              <a:t>  storageAccount: k8sworkshop</a:t>
+            </a:r>
+          </a:p>
+          <a:p>
+            <a:r>
+              <a:rPr lang="en-US" sz="1000" noProof="1"/>
+              <a:t>---</a:t>
+            </a:r>
+          </a:p>
+          <a:p>
+            <a:r>
+              <a:rPr lang="en-US" sz="1000" noProof="1"/>
+              <a:t>apiVersion: v1</a:t>
+            </a:r>
+          </a:p>
+          <a:p>
+            <a:r>
+              <a:rPr lang="en-US" sz="1000" noProof="1"/>
+              <a:t>kind: PersistentVolumeClaim</a:t>
+            </a:r>
+          </a:p>
+          <a:p>
+            <a:r>
+              <a:rPr lang="en-US" sz="1000" noProof="1"/>
+              <a:t>metadata:</a:t>
+            </a:r>
+          </a:p>
+          <a:p>
+            <a:r>
+              <a:rPr lang="en-US" sz="1000" noProof="1"/>
+              <a:t>  name: k8sworkshop-pvc</a:t>
+            </a:r>
+          </a:p>
+          <a:p>
+            <a:r>
+              <a:rPr lang="en-US" sz="1000" noProof="1"/>
+              <a:t>spec:</a:t>
+            </a:r>
+          </a:p>
+          <a:p>
+            <a:r>
+              <a:rPr lang="en-US" sz="1000" noProof="1"/>
+              <a:t>  accessModes:</a:t>
+            </a:r>
+          </a:p>
+          <a:p>
+            <a:r>
+              <a:rPr lang="en-US" sz="1000" noProof="1"/>
+              <a:t>    - ReadWriteOnce</a:t>
+            </a:r>
+          </a:p>
+          <a:p>
+            <a:r>
+              <a:rPr lang="en-US" sz="1000" noProof="1"/>
+              <a:t>  storageClassName: k8sworkshop-files</a:t>
+            </a:r>
+          </a:p>
+          <a:p>
+            <a:r>
+              <a:rPr lang="en-US" sz="1000" noProof="1"/>
+              <a:t>  resources:</a:t>
+            </a:r>
+          </a:p>
+          <a:p>
+            <a:r>
+              <a:rPr lang="en-US" sz="1000" noProof="1"/>
+              <a:t>    requests:</a:t>
+            </a:r>
+          </a:p>
+          <a:p>
+            <a:r>
+              <a:rPr lang="en-US" sz="1000" noProof="1"/>
+              <a:t>      storage: 5Gi</a:t>
+            </a:r>
           </a:p>
         </p:txBody>
       </p:sp>
       <p:sp>
         <p:nvSpPr>
-          <p:cNvPr id="6" name="Text Placeholder 5">
+          <p:cNvPr id="4" name="Text Placeholder 3">
             <a:extLst>
               <a:ext uri="{FF2B5EF4-FFF2-40B4-BE49-F238E27FC236}">
-                <a16:creationId xmlns:a16="http://schemas.microsoft.com/office/drawing/2014/main" id="{F8A11F8D-0CB6-495C-B124-0A2FB159DB76}"/>
+                <a16:creationId xmlns:a16="http://schemas.microsoft.com/office/drawing/2014/main" id="{4AF396CB-EFBB-4C8E-9FA0-634B783AA4CA}"/>
               </a:ext>
             </a:extLst>
           </p:cNvPr>
@@ -36233,18 +35912,52 @@
           <a:lstStyle/>
           <a:p>
             <a:r>
-              <a:rPr lang="en-US" dirty="0"/>
-              <a:t>Create AKS Cluster</a:t>
+              <a:rPr lang="de-AT" dirty="0" err="1"/>
+              <a:t>With</a:t>
+            </a:r>
+            <a:r>
+              <a:rPr lang="de-AT" dirty="0"/>
+              <a:t> Azure</a:t>
             </a:r>
           </a:p>
         </p:txBody>
       </p:sp>
+      <p:pic>
+        <p:nvPicPr>
+          <p:cNvPr id="7" name="Picture 6">
+            <a:extLst>
+              <a:ext uri="{FF2B5EF4-FFF2-40B4-BE49-F238E27FC236}">
+                <a16:creationId xmlns:a16="http://schemas.microsoft.com/office/drawing/2014/main" id="{D8EAEDE7-290A-459E-9A47-D179567D0DEF}"/>
+              </a:ext>
+            </a:extLst>
+          </p:cNvPr>
+          <p:cNvPicPr>
+            <a:picLocks noChangeAspect="1"/>
+          </p:cNvPicPr>
+          <p:nvPr/>
+        </p:nvPicPr>
+        <p:blipFill>
+          <a:blip r:embed="rId2"/>
+          <a:stretch>
+            <a:fillRect/>
+          </a:stretch>
+        </p:blipFill>
+        <p:spPr>
+          <a:xfrm>
+            <a:off x="3157915" y="1326527"/>
+            <a:ext cx="5734565" cy="3522245"/>
+          </a:xfrm>
+          <a:prstGeom prst="rect">
+            <a:avLst/>
+          </a:prstGeom>
+        </p:spPr>
+      </p:pic>
       <p:sp>
         <p:nvSpPr>
-          <p:cNvPr id="10" name="Text Placeholder 9">
+          <p:cNvPr id="5" name="Text Placeholder 4">
             <a:extLst>
               <a:ext uri="{FF2B5EF4-FFF2-40B4-BE49-F238E27FC236}">
-                <a16:creationId xmlns:a16="http://schemas.microsoft.com/office/drawing/2014/main" id="{A44AEF77-FACC-4670-8D58-D0BB6F115CAA}"/>
+                <a16:creationId xmlns:a16="http://schemas.microsoft.com/office/drawing/2014/main" id="{A05148E4-CAEA-490D-B6B3-9B6751274917}"/>
               </a:ext>
             </a:extLst>
           </p:cNvPr>
@@ -36260,19 +35973,16 @@
           <a:bodyPr/>
           <a:lstStyle/>
           <a:p>
-            <a:r>
-              <a:rPr lang="en-US" dirty="0"/>
-              <a:t>Deploy app to AKS</a:t>
-            </a:r>
+            <a:endParaRPr lang="de-AT" dirty="0"/>
           </a:p>
         </p:txBody>
       </p:sp>
       <p:sp>
         <p:nvSpPr>
-          <p:cNvPr id="11" name="Text Placeholder 10">
+          <p:cNvPr id="6" name="Text Placeholder 5">
             <a:extLst>
               <a:ext uri="{FF2B5EF4-FFF2-40B4-BE49-F238E27FC236}">
-                <a16:creationId xmlns:a16="http://schemas.microsoft.com/office/drawing/2014/main" id="{07D091DA-9215-420B-8F52-AF755EE465BC}"/>
+                <a16:creationId xmlns:a16="http://schemas.microsoft.com/office/drawing/2014/main" id="{31855D0F-AD1B-4C21-A683-F922C22B9417}"/>
               </a:ext>
             </a:extLst>
           </p:cNvPr>
@@ -36288,32 +35998,23 @@
           <a:bodyPr/>
           <a:lstStyle/>
           <a:p>
-            <a:endParaRPr lang="en-US" sz="700" dirty="0"/>
+            <a:endParaRPr lang="de-AT"/>
           </a:p>
         </p:txBody>
       </p:sp>
     </p:spTree>
     <p:extLst>
       <p:ext uri="{BB962C8B-B14F-4D97-AF65-F5344CB8AC3E}">
-        <p14:creationId xmlns:p14="http://schemas.microsoft.com/office/powerpoint/2010/main" val="505014173"/>
+        <p14:creationId xmlns:p14="http://schemas.microsoft.com/office/powerpoint/2010/main" val="3724751341"/>
       </p:ext>
     </p:extLst>
   </p:cSld>
   <p:clrMapOvr>
     <a:masterClrMapping/>
   </p:clrMapOvr>
-  <mc:AlternateContent xmlns:mc="http://schemas.openxmlformats.org/markup-compatibility/2006" xmlns:p14="http://schemas.microsoft.com/office/powerpoint/2010/main">
-    <mc:Choice Requires="p14">
-      <p:transition spd="med" p14:dur="700">
-        <p:fade/>
-      </p:transition>
-    </mc:Choice>
-    <mc:Fallback xmlns="">
-      <p:transition spd="med">
-        <p:fade/>
-      </p:transition>
-    </mc:Fallback>
-  </mc:AlternateContent>
+  <p:transition spd="slow">
+    <p:push/>
+  </p:transition>
 </p:sld>
 </file>
 
@@ -36336,10 +36037,10 @@
       </p:grpSpPr>
       <p:sp>
         <p:nvSpPr>
-          <p:cNvPr id="7" name="Title 6">
+          <p:cNvPr id="2" name="Title 1">
             <a:extLst>
               <a:ext uri="{FF2B5EF4-FFF2-40B4-BE49-F238E27FC236}">
-                <a16:creationId xmlns:a16="http://schemas.microsoft.com/office/drawing/2014/main" id="{43AA9248-7B37-4FA8-B34A-122B46FDF8D6}"/>
+                <a16:creationId xmlns:a16="http://schemas.microsoft.com/office/drawing/2014/main" id="{0E35401F-2B5F-4399-9F78-EE46BB997B67}"/>
               </a:ext>
             </a:extLst>
           </p:cNvPr>
@@ -36356,18 +36057,18 @@
           <a:lstStyle/>
           <a:p>
             <a:r>
-              <a:rPr lang="en-US"/>
-              <a:t>Workshop</a:t>
+              <a:rPr lang="de-AT" dirty="0"/>
+              <a:t>PV, PVC</a:t>
             </a:r>
           </a:p>
         </p:txBody>
       </p:sp>
       <p:sp>
         <p:nvSpPr>
-          <p:cNvPr id="8" name="Content Placeholder 7">
+          <p:cNvPr id="3" name="Content Placeholder 2">
             <a:extLst>
               <a:ext uri="{FF2B5EF4-FFF2-40B4-BE49-F238E27FC236}">
-                <a16:creationId xmlns:a16="http://schemas.microsoft.com/office/drawing/2014/main" id="{16972C74-9C9A-4FC7-8A8D-A890A78644EE}"/>
+                <a16:creationId xmlns:a16="http://schemas.microsoft.com/office/drawing/2014/main" id="{ECACC83E-C065-4329-8730-3EEA1182F7D7}"/>
               </a:ext>
             </a:extLst>
           </p:cNvPr>
@@ -36375,7 +36076,7 @@
             <a:spLocks noGrp="1"/>
           </p:cNvSpPr>
           <p:nvPr>
-            <p:ph sz="quarter" idx="12"/>
+            <p:ph sz="quarter" idx="22"/>
           </p:nvPr>
         </p:nvSpPr>
         <p:spPr/>
@@ -36384,140 +36085,177 @@
           <a:lstStyle/>
           <a:p>
             <a:r>
-              <a:rPr lang="en-US" dirty="0"/>
-              <a:t>Deploy a Web API to Kubernetes</a:t>
-            </a:r>
-          </a:p>
-          <a:p>
-            <a:r>
-              <a:rPr lang="en-US" dirty="0"/>
-              <a:t>Web API details</a:t>
-            </a:r>
-          </a:p>
-          <a:p>
-            <a:pPr lvl="1"/>
-            <a:r>
-              <a:rPr lang="en-US" dirty="0"/>
-              <a:t>Web API implemented with Node.js (sources on </a:t>
-            </a:r>
-            <a:r>
-              <a:rPr lang="en-US" dirty="0">
-                <a:hlinkClick r:id="rId2"/>
-              </a:rPr>
-              <a:t>GitHub</a:t>
-            </a:r>
-            <a:r>
-              <a:rPr lang="en-US" dirty="0"/>
-              <a:t>, </a:t>
-            </a:r>
-            <a:r>
-              <a:rPr lang="en-US" dirty="0" err="1">
-                <a:hlinkClick r:id="rId3"/>
-              </a:rPr>
-              <a:t>Dockerfile</a:t>
-            </a:r>
-            <a:r>
-              <a:rPr lang="en-US" dirty="0"/>
-              <a:t>)</a:t>
-            </a:r>
-          </a:p>
-          <a:p>
-            <a:pPr lvl="1"/>
-            <a:r>
-              <a:rPr lang="en-US" dirty="0"/>
-              <a:t>Automated build of image in Docker Hub (</a:t>
-            </a:r>
-            <a:r>
-              <a:rPr lang="en-US" dirty="0" err="1">
-                <a:hlinkClick r:id="rId4"/>
-              </a:rPr>
-              <a:t>rstropek</a:t>
-            </a:r>
-            <a:r>
-              <a:rPr lang="en-US" dirty="0">
-                <a:hlinkClick r:id="rId4"/>
-              </a:rPr>
-              <a:t>/node-mongo-sample</a:t>
-            </a:r>
-            <a:r>
-              <a:rPr lang="en-US" dirty="0"/>
-              <a:t>)</a:t>
-            </a:r>
-          </a:p>
-          <a:p>
-            <a:pPr lvl="1"/>
-            <a:r>
-              <a:rPr lang="en-US" dirty="0"/>
-              <a:t>Uses MongoDB (Docker Hub image </a:t>
-            </a:r>
-            <a:r>
-              <a:rPr lang="en-US" i="1" dirty="0"/>
-              <a:t>mongo</a:t>
-            </a:r>
-            <a:r>
-              <a:rPr lang="en-US" dirty="0"/>
-              <a:t>) to store data</a:t>
-            </a:r>
-          </a:p>
-          <a:p>
-            <a:r>
-              <a:rPr lang="en-US" dirty="0"/>
-              <a:t>Your Job</a:t>
-            </a:r>
-          </a:p>
-          <a:p>
-            <a:pPr lvl="1"/>
-            <a:r>
-              <a:rPr lang="en-US" dirty="0"/>
-              <a:t>Deploy MongoDB to Kubernetes</a:t>
-            </a:r>
-          </a:p>
-          <a:p>
-            <a:pPr lvl="1"/>
-            <a:r>
-              <a:rPr lang="en-US" dirty="0"/>
-              <a:t>For debugging purposes, add a service to access MongoDB using e.g. </a:t>
-            </a:r>
-            <a:r>
-              <a:rPr lang="en-US" i="1" dirty="0" err="1"/>
-              <a:t>RoboMongo</a:t>
-            </a:r>
-            <a:endParaRPr lang="en-US" dirty="0"/>
-          </a:p>
-          <a:p>
-            <a:pPr lvl="1"/>
-            <a:r>
-              <a:rPr lang="en-US" dirty="0"/>
-              <a:t>Deploy </a:t>
-            </a:r>
-            <a:r>
-              <a:rPr lang="en-US" i="1" dirty="0" err="1"/>
-              <a:t>rstropek</a:t>
-            </a:r>
-            <a:r>
-              <a:rPr lang="en-US" i="1" dirty="0"/>
-              <a:t>/node-mongo-sample</a:t>
-            </a:r>
-            <a:r>
-              <a:rPr lang="en-US" dirty="0"/>
-              <a:t> (cluster of two replicas) and connect it to MongoDB</a:t>
-            </a:r>
-          </a:p>
-          <a:p>
-            <a:pPr lvl="1"/>
-            <a:r>
-              <a:rPr lang="en-US" dirty="0"/>
-              <a:t>Add a service that makes the Web API available on the network</a:t>
-            </a:r>
+              <a:rPr lang="en-US" sz="1000" noProof="1"/>
+              <a:t>apiVersion: v1</a:t>
+            </a:r>
+          </a:p>
+          <a:p>
+            <a:r>
+              <a:rPr lang="en-US" sz="1000" noProof="1"/>
+              <a:t>kind: PersistentVolumeClaim</a:t>
+            </a:r>
+          </a:p>
+          <a:p>
+            <a:r>
+              <a:rPr lang="en-US" sz="1000" noProof="1"/>
+              <a:t>metadata:</a:t>
+            </a:r>
+          </a:p>
+          <a:p>
+            <a:r>
+              <a:rPr lang="en-US" sz="1000" noProof="1"/>
+              <a:t>  name: azure-managed-disk</a:t>
+            </a:r>
+          </a:p>
+          <a:p>
+            <a:r>
+              <a:rPr lang="en-US" sz="1000" noProof="1"/>
+              <a:t>spec:</a:t>
+            </a:r>
+          </a:p>
+          <a:p>
+            <a:r>
+              <a:rPr lang="en-US" sz="1000" noProof="1"/>
+              <a:t>  accessModes:</a:t>
+            </a:r>
+          </a:p>
+          <a:p>
+            <a:r>
+              <a:rPr lang="en-US" sz="1000" noProof="1"/>
+              <a:t>  - ReadWriteOnce</a:t>
+            </a:r>
+          </a:p>
+          <a:p>
+            <a:r>
+              <a:rPr lang="en-US" sz="1000" noProof="1"/>
+              <a:t>  storageClassName: default</a:t>
+            </a:r>
+          </a:p>
+          <a:p>
+            <a:r>
+              <a:rPr lang="en-US" sz="1000" noProof="1"/>
+              <a:t>  resources:</a:t>
+            </a:r>
+          </a:p>
+          <a:p>
+            <a:r>
+              <a:rPr lang="en-US" sz="1000" noProof="1"/>
+              <a:t>    requests:</a:t>
+            </a:r>
+          </a:p>
+          <a:p>
+            <a:r>
+              <a:rPr lang="en-US" sz="1000" noProof="1"/>
+              <a:t>      storage: 5Gi</a:t>
+            </a:r>
+          </a:p>
+          <a:p>
+            <a:r>
+              <a:rPr lang="en-US" sz="1000" noProof="1"/>
+              <a:t>---</a:t>
+            </a:r>
+          </a:p>
+          <a:p>
+            <a:r>
+              <a:rPr lang="en-US" sz="1000" noProof="1"/>
+              <a:t>kind: Pod</a:t>
+            </a:r>
+          </a:p>
+          <a:p>
+            <a:r>
+              <a:rPr lang="en-US" sz="1000" noProof="1"/>
+              <a:t>apiVersion: v1</a:t>
+            </a:r>
+          </a:p>
+          <a:p>
+            <a:r>
+              <a:rPr lang="en-US" sz="1000" noProof="1"/>
+              <a:t>metadata:</a:t>
+            </a:r>
+          </a:p>
+          <a:p>
+            <a:r>
+              <a:rPr lang="en-US" sz="1000" noProof="1"/>
+              <a:t>  name: nginx</a:t>
+            </a:r>
+          </a:p>
+          <a:p>
+            <a:r>
+              <a:rPr lang="en-US" sz="1000" noProof="1"/>
+              <a:t>spec:</a:t>
+            </a:r>
+          </a:p>
+          <a:p>
+            <a:r>
+              <a:rPr lang="en-US" sz="1000" noProof="1"/>
+              <a:t>  containers:</a:t>
+            </a:r>
+          </a:p>
+          <a:p>
+            <a:r>
+              <a:rPr lang="en-US" sz="1000" noProof="1"/>
+              <a:t>    - name: mywebserver</a:t>
+            </a:r>
+          </a:p>
+          <a:p>
+            <a:r>
+              <a:rPr lang="en-US" sz="1000" noProof="1"/>
+              <a:t>      image: nginx</a:t>
+            </a:r>
+          </a:p>
+          <a:p>
+            <a:r>
+              <a:rPr lang="en-US" sz="1000" noProof="1"/>
+              <a:t>      volumeMounts:</a:t>
+            </a:r>
+          </a:p>
+          <a:p>
+            <a:r>
+              <a:rPr lang="en-US" sz="1000" noProof="1"/>
+              <a:t>      - mountPath: "/usr/share/nginx/html"</a:t>
+            </a:r>
+          </a:p>
+          <a:p>
+            <a:r>
+              <a:rPr lang="en-US" sz="1000" noProof="1"/>
+              <a:t>        name: volume</a:t>
+            </a:r>
+          </a:p>
+          <a:p>
+            <a:r>
+              <a:rPr lang="en-US" sz="1000" noProof="1"/>
+              <a:t>  volumes:</a:t>
+            </a:r>
+          </a:p>
+          <a:p>
+            <a:r>
+              <a:rPr lang="en-US" sz="1000" noProof="1"/>
+              <a:t>    - name: volume</a:t>
+            </a:r>
+          </a:p>
+          <a:p>
+            <a:r>
+              <a:rPr lang="en-US" sz="1000" noProof="1"/>
+              <a:t>      persistentVolumeClaim:</a:t>
+            </a:r>
+          </a:p>
+          <a:p>
+            <a:r>
+              <a:rPr lang="en-US" sz="1000" noProof="1"/>
+              <a:t>        claimName: azure-managed-disk</a:t>
+            </a:r>
+          </a:p>
+          <a:p>
+            <a:endParaRPr lang="en-US" sz="1000" noProof="1"/>
           </a:p>
         </p:txBody>
       </p:sp>
       <p:sp>
         <p:nvSpPr>
-          <p:cNvPr id="9" name="Text Placeholder 8">
+          <p:cNvPr id="4" name="Text Placeholder 3">
             <a:extLst>
               <a:ext uri="{FF2B5EF4-FFF2-40B4-BE49-F238E27FC236}">
-                <a16:creationId xmlns:a16="http://schemas.microsoft.com/office/drawing/2014/main" id="{F28CC680-E50B-459F-AFAA-6FB9672CD09F}"/>
+                <a16:creationId xmlns:a16="http://schemas.microsoft.com/office/drawing/2014/main" id="{4AF396CB-EFBB-4C8E-9FA0-634B783AA4CA}"/>
               </a:ext>
             </a:extLst>
           </p:cNvPr>
@@ -36533,14 +36271,79 @@
           <a:bodyPr/>
           <a:lstStyle/>
           <a:p>
-            <a:endParaRPr lang="en-US"/>
+            <a:r>
+              <a:rPr lang="de-AT" dirty="0" err="1"/>
+              <a:t>With</a:t>
+            </a:r>
+            <a:r>
+              <a:rPr lang="de-AT" dirty="0"/>
+              <a:t> Azure</a:t>
+            </a:r>
+          </a:p>
+        </p:txBody>
+      </p:sp>
+      <p:sp>
+        <p:nvSpPr>
+          <p:cNvPr id="5" name="Text Placeholder 4">
+            <a:extLst>
+              <a:ext uri="{FF2B5EF4-FFF2-40B4-BE49-F238E27FC236}">
+                <a16:creationId xmlns:a16="http://schemas.microsoft.com/office/drawing/2014/main" id="{A05148E4-CAEA-490D-B6B3-9B6751274917}"/>
+              </a:ext>
+            </a:extLst>
+          </p:cNvPr>
+          <p:cNvSpPr>
+            <a:spLocks noGrp="1"/>
+          </p:cNvSpPr>
+          <p:nvPr>
+            <p:ph type="body" sz="quarter" idx="24"/>
+          </p:nvPr>
+        </p:nvSpPr>
+        <p:spPr/>
+        <p:txBody>
+          <a:bodyPr/>
+          <a:lstStyle/>
+          <a:p>
+            <a:r>
+              <a:rPr lang="de-AT" dirty="0"/>
+              <a:t>Mount Windows </a:t>
+            </a:r>
+            <a:r>
+              <a:rPr lang="de-AT" dirty="0" err="1"/>
+              <a:t>folder</a:t>
+            </a:r>
+            <a:endParaRPr lang="de-AT" dirty="0"/>
+          </a:p>
+        </p:txBody>
+      </p:sp>
+      <p:sp>
+        <p:nvSpPr>
+          <p:cNvPr id="6" name="Text Placeholder 5">
+            <a:extLst>
+              <a:ext uri="{FF2B5EF4-FFF2-40B4-BE49-F238E27FC236}">
+                <a16:creationId xmlns:a16="http://schemas.microsoft.com/office/drawing/2014/main" id="{31855D0F-AD1B-4C21-A683-F922C22B9417}"/>
+              </a:ext>
+            </a:extLst>
+          </p:cNvPr>
+          <p:cNvSpPr>
+            <a:spLocks noGrp="1"/>
+          </p:cNvSpPr>
+          <p:nvPr>
+            <p:ph type="body" sz="quarter" idx="25"/>
+          </p:nvPr>
+        </p:nvSpPr>
+        <p:spPr/>
+        <p:txBody>
+          <a:bodyPr/>
+          <a:lstStyle/>
+          <a:p>
+            <a:endParaRPr lang="de-AT"/>
           </a:p>
         </p:txBody>
       </p:sp>
     </p:spTree>
     <p:extLst>
       <p:ext uri="{BB962C8B-B14F-4D97-AF65-F5344CB8AC3E}">
-        <p14:creationId xmlns:p14="http://schemas.microsoft.com/office/powerpoint/2010/main" val="3616903888"/>
+        <p14:creationId xmlns:p14="http://schemas.microsoft.com/office/powerpoint/2010/main" val="2366667578"/>
       </p:ext>
     </p:extLst>
   </p:cSld>
@@ -36575,7 +36378,7 @@
           <p:cNvPr id="2" name="Title 1">
             <a:extLst>
               <a:ext uri="{FF2B5EF4-FFF2-40B4-BE49-F238E27FC236}">
-                <a16:creationId xmlns:a16="http://schemas.microsoft.com/office/drawing/2014/main" id="{2A0334D8-9A3E-4AD0-B816-4869B0D2EF25}"/>
+                <a16:creationId xmlns:a16="http://schemas.microsoft.com/office/drawing/2014/main" id="{591F063E-7512-4522-8E8F-8EE30935C26B}"/>
               </a:ext>
             </a:extLst>
           </p:cNvPr>
@@ -36592,280 +36395,18 @@
           <a:lstStyle/>
           <a:p>
             <a:r>
-              <a:rPr lang="en-US"/>
-              <a:t>Manifest</a:t>
-            </a:r>
-            <a:endParaRPr lang="en-US" dirty="0"/>
+              <a:rPr lang="en-US" dirty="0"/>
+              <a:t>AKS</a:t>
+            </a:r>
           </a:p>
         </p:txBody>
       </p:sp>
       <p:sp>
         <p:nvSpPr>
-          <p:cNvPr id="3" name="Content Placeholder 2">
+          <p:cNvPr id="3" name="Text Placeholder 2">
             <a:extLst>
               <a:ext uri="{FF2B5EF4-FFF2-40B4-BE49-F238E27FC236}">
-                <a16:creationId xmlns:a16="http://schemas.microsoft.com/office/drawing/2014/main" id="{88356D5B-5E65-4CD8-B009-D24FBBB78711}"/>
-              </a:ext>
-            </a:extLst>
-          </p:cNvPr>
-          <p:cNvSpPr>
-            <a:spLocks noGrp="1"/>
-          </p:cNvSpPr>
-          <p:nvPr>
-            <p:ph sz="quarter" idx="22"/>
-          </p:nvPr>
-        </p:nvSpPr>
-        <p:spPr/>
-        <p:txBody>
-          <a:bodyPr/>
-          <a:lstStyle/>
-          <a:p>
-            <a:r>
-              <a:rPr lang="en-US" sz="1000" noProof="1"/>
-              <a:t>apiVersion: apps/v1</a:t>
-            </a:r>
-          </a:p>
-          <a:p>
-            <a:r>
-              <a:rPr lang="en-US" sz="1000" noProof="1"/>
-              <a:t>kind: Deployment</a:t>
-            </a:r>
-          </a:p>
-          <a:p>
-            <a:r>
-              <a:rPr lang="en-US" sz="1000" noProof="1"/>
-              <a:t>metadata:</a:t>
-            </a:r>
-          </a:p>
-          <a:p>
-            <a:r>
-              <a:rPr lang="en-US" sz="1000" noProof="1"/>
-              <a:t>  name: event-db</a:t>
-            </a:r>
-          </a:p>
-          <a:p>
-            <a:r>
-              <a:rPr lang="en-US" sz="1000" noProof="1"/>
-              <a:t>spec:</a:t>
-            </a:r>
-          </a:p>
-          <a:p>
-            <a:r>
-              <a:rPr lang="en-US" sz="1000" noProof="1"/>
-              <a:t>  selector:</a:t>
-            </a:r>
-          </a:p>
-          <a:p>
-            <a:r>
-              <a:rPr lang="en-US" sz="1000" noProof="1"/>
-              <a:t>    matchLabels:</a:t>
-            </a:r>
-          </a:p>
-          <a:p>
-            <a:r>
-              <a:rPr lang="en-US" sz="1000" noProof="1"/>
-              <a:t>      app: event-db</a:t>
-            </a:r>
-          </a:p>
-          <a:p>
-            <a:r>
-              <a:rPr lang="en-US" sz="1000" noProof="1"/>
-              <a:t>  template:</a:t>
-            </a:r>
-          </a:p>
-          <a:p>
-            <a:r>
-              <a:rPr lang="en-US" sz="1000" noProof="1"/>
-              <a:t>    metadata:</a:t>
-            </a:r>
-          </a:p>
-          <a:p>
-            <a:r>
-              <a:rPr lang="en-US" sz="1000" noProof="1"/>
-              <a:t>      labels:</a:t>
-            </a:r>
-          </a:p>
-          <a:p>
-            <a:r>
-              <a:rPr lang="en-US" sz="1000" noProof="1"/>
-              <a:t>        app: event-db</a:t>
-            </a:r>
-          </a:p>
-          <a:p>
-            <a:r>
-              <a:rPr lang="en-US" sz="1000" noProof="1"/>
-              <a:t>    spec:</a:t>
-            </a:r>
-          </a:p>
-          <a:p>
-            <a:r>
-              <a:rPr lang="en-US" sz="1000" noProof="1"/>
-              <a:t>      containers:</a:t>
-            </a:r>
-          </a:p>
-          <a:p>
-            <a:r>
-              <a:rPr lang="en-US" sz="1000" noProof="1"/>
-              <a:t>      - name: event-db</a:t>
-            </a:r>
-          </a:p>
-          <a:p>
-            <a:r>
-              <a:rPr lang="en-US" sz="1000" noProof="1"/>
-              <a:t>        image: mongo</a:t>
-            </a:r>
-          </a:p>
-          <a:p>
-            <a:r>
-              <a:rPr lang="en-US" sz="1000" noProof="1"/>
-              <a:t>        ports:</a:t>
-            </a:r>
-          </a:p>
-          <a:p>
-            <a:r>
-              <a:rPr lang="en-US" sz="1000" noProof="1"/>
-              <a:t>        - containerPort: 27017</a:t>
-            </a:r>
-          </a:p>
-          <a:p>
-            <a:r>
-              <a:rPr lang="en-US" sz="1000" noProof="1"/>
-              <a:t>---</a:t>
-            </a:r>
-          </a:p>
-          <a:p>
-            <a:r>
-              <a:rPr lang="en-US" sz="1000" noProof="1"/>
-              <a:t>apiVersion: v1</a:t>
-            </a:r>
-          </a:p>
-          <a:p>
-            <a:r>
-              <a:rPr lang="en-US" sz="1000" noProof="1"/>
-              <a:t>kind: Service</a:t>
-            </a:r>
-          </a:p>
-          <a:p>
-            <a:r>
-              <a:rPr lang="en-US" sz="1000" noProof="1"/>
-              <a:t>metadata:</a:t>
-            </a:r>
-          </a:p>
-          <a:p>
-            <a:r>
-              <a:rPr lang="en-US" sz="1000" noProof="1"/>
-              <a:t>  name: event-db-svc</a:t>
-            </a:r>
-          </a:p>
-          <a:p>
-            <a:r>
-              <a:rPr lang="en-US" sz="1000" noProof="1"/>
-              <a:t>spec:</a:t>
-            </a:r>
-          </a:p>
-          <a:p>
-            <a:r>
-              <a:rPr lang="en-US" sz="1000" noProof="1"/>
-              <a:t>  selector:</a:t>
-            </a:r>
-          </a:p>
-          <a:p>
-            <a:r>
-              <a:rPr lang="en-US" sz="1000" noProof="1"/>
-              <a:t>    app: event-db</a:t>
-            </a:r>
-          </a:p>
-          <a:p>
-            <a:r>
-              <a:rPr lang="en-US" sz="1000" noProof="1"/>
-              <a:t>  ports:</a:t>
-            </a:r>
-          </a:p>
-          <a:p>
-            <a:r>
-              <a:rPr lang="en-US" sz="1000" noProof="1"/>
-              <a:t>  - port: 27017</a:t>
-            </a:r>
-          </a:p>
-          <a:p>
-            <a:r>
-              <a:rPr lang="en-US" sz="1000" noProof="1"/>
-              <a:t>    targetPort: 27017</a:t>
-            </a:r>
-          </a:p>
-          <a:p>
-            <a:r>
-              <a:rPr lang="en-US" sz="1000" noProof="1"/>
-              <a:t>  type: NodePort</a:t>
-            </a:r>
-          </a:p>
-        </p:txBody>
-      </p:sp>
-      <p:sp>
-        <p:nvSpPr>
-          <p:cNvPr id="4" name="Text Placeholder 3">
-            <a:extLst>
-              <a:ext uri="{FF2B5EF4-FFF2-40B4-BE49-F238E27FC236}">
-                <a16:creationId xmlns:a16="http://schemas.microsoft.com/office/drawing/2014/main" id="{1D18CB14-23F0-4C7A-AD53-4E984F2AA98F}"/>
-              </a:ext>
-            </a:extLst>
-          </p:cNvPr>
-          <p:cNvSpPr>
-            <a:spLocks noGrp="1"/>
-          </p:cNvSpPr>
-          <p:nvPr>
-            <p:ph type="body" sz="quarter" idx="23"/>
-          </p:nvPr>
-        </p:nvSpPr>
-        <p:spPr/>
-        <p:txBody>
-          <a:bodyPr/>
-          <a:lstStyle/>
-          <a:p>
-            <a:r>
-              <a:rPr lang="en-US" dirty="0"/>
-              <a:t>Mongo</a:t>
-            </a:r>
-          </a:p>
-        </p:txBody>
-      </p:sp>
-      <p:sp>
-        <p:nvSpPr>
-          <p:cNvPr id="5" name="Text Placeholder 4">
-            <a:extLst>
-              <a:ext uri="{FF2B5EF4-FFF2-40B4-BE49-F238E27FC236}">
-                <a16:creationId xmlns:a16="http://schemas.microsoft.com/office/drawing/2014/main" id="{DC07CEAD-1093-4ADD-919E-B0C338773CDC}"/>
-              </a:ext>
-            </a:extLst>
-          </p:cNvPr>
-          <p:cNvSpPr>
-            <a:spLocks noGrp="1"/>
-          </p:cNvSpPr>
-          <p:nvPr>
-            <p:ph type="body" sz="quarter" idx="24"/>
-          </p:nvPr>
-        </p:nvSpPr>
-        <p:spPr/>
-        <p:txBody>
-          <a:bodyPr/>
-          <a:lstStyle/>
-          <a:p>
-            <a:r>
-              <a:rPr lang="en-US" dirty="0"/>
-              <a:t>Tip: In real world, use stateful set</a:t>
-            </a:r>
-          </a:p>
-          <a:p>
-            <a:endParaRPr lang="en-US" dirty="0"/>
-          </a:p>
-        </p:txBody>
-      </p:sp>
-      <p:sp>
-        <p:nvSpPr>
-          <p:cNvPr id="6" name="Text Placeholder 5">
-            <a:extLst>
-              <a:ext uri="{FF2B5EF4-FFF2-40B4-BE49-F238E27FC236}">
-                <a16:creationId xmlns:a16="http://schemas.microsoft.com/office/drawing/2014/main" id="{D1DE23CE-C3E7-4D8C-BA43-FA87BA825AF2}"/>
+                <a16:creationId xmlns:a16="http://schemas.microsoft.com/office/drawing/2014/main" id="{8CA49FD8-43AA-49D3-BC3D-D9071FCF54D8}"/>
               </a:ext>
             </a:extLst>
           </p:cNvPr>
@@ -36882,22 +36423,63 @@
           <a:lstStyle/>
           <a:p>
             <a:r>
-              <a:rPr lang="en-US" dirty="0">
-                <a:hlinkClick r:id="rId2"/>
-              </a:rPr>
-              <a:t>https://kubernetes.io/blog/2017/01/running-mongodb-on-kubernetes-with-statefulsets/</a:t>
-            </a:r>
-            <a:r>
               <a:rPr lang="en-US" dirty="0"/>
-              <a:t> </a:t>
+              <a:t>Azure Container Service – Kubernetes</a:t>
             </a:r>
           </a:p>
         </p:txBody>
       </p:sp>
+      <p:pic>
+        <p:nvPicPr>
+          <p:cNvPr id="2050" name="Picture 2" descr="Файл:Kubernetes (container engine).png">
+            <a:extLst>
+              <a:ext uri="{FF2B5EF4-FFF2-40B4-BE49-F238E27FC236}">
+                <a16:creationId xmlns:a16="http://schemas.microsoft.com/office/drawing/2014/main" id="{108A2225-E98B-4075-B949-D5E7D2F30199}"/>
+              </a:ext>
+            </a:extLst>
+          </p:cNvPr>
+          <p:cNvPicPr>
+            <a:picLocks noChangeAspect="1" noChangeArrowheads="1"/>
+          </p:cNvPicPr>
+          <p:nvPr/>
+        </p:nvPicPr>
+        <p:blipFill>
+          <a:blip r:embed="rId2">
+            <a:extLst>
+              <a:ext uri="{28A0092B-C50C-407E-A947-70E740481C1C}">
+                <a14:useLocalDpi xmlns:a14="http://schemas.microsoft.com/office/drawing/2010/main" val="0"/>
+              </a:ext>
+            </a:extLst>
+          </a:blip>
+          <a:srcRect/>
+          <a:stretch>
+            <a:fillRect/>
+          </a:stretch>
+        </p:blipFill>
+        <p:spPr bwMode="auto">
+          <a:xfrm>
+            <a:off x="6732240" y="1779662"/>
+            <a:ext cx="1990725" cy="1943100"/>
+          </a:xfrm>
+          <a:prstGeom prst="rect">
+            <a:avLst/>
+          </a:prstGeom>
+          <a:noFill/>
+          <a:extLst>
+            <a:ext uri="{909E8E84-426E-40DD-AFC4-6F175D3DCCD1}">
+              <a14:hiddenFill xmlns:a14="http://schemas.microsoft.com/office/drawing/2010/main">
+                <a:solidFill>
+                  <a:srgbClr val="FFFFFF"/>
+                </a:solidFill>
+              </a14:hiddenFill>
+            </a:ext>
+          </a:extLst>
+        </p:spPr>
+      </p:pic>
     </p:spTree>
     <p:extLst>
       <p:ext uri="{BB962C8B-B14F-4D97-AF65-F5344CB8AC3E}">
-        <p14:creationId xmlns:p14="http://schemas.microsoft.com/office/powerpoint/2010/main" val="1764902305"/>
+        <p14:creationId xmlns:p14="http://schemas.microsoft.com/office/powerpoint/2010/main" val="1085956965"/>
       </p:ext>
     </p:extLst>
   </p:cSld>
@@ -36938,10 +36520,10 @@
       </p:grpSpPr>
       <p:sp>
         <p:nvSpPr>
-          <p:cNvPr id="2" name="Title 1">
+          <p:cNvPr id="4" name="Title 3">
             <a:extLst>
               <a:ext uri="{FF2B5EF4-FFF2-40B4-BE49-F238E27FC236}">
-                <a16:creationId xmlns:a16="http://schemas.microsoft.com/office/drawing/2014/main" id="{2A0334D8-9A3E-4AD0-B816-4869B0D2EF25}"/>
+                <a16:creationId xmlns:a16="http://schemas.microsoft.com/office/drawing/2014/main" id="{071972D3-D5EE-4EFF-86B9-C2D8076365D3}"/>
               </a:ext>
             </a:extLst>
           </p:cNvPr>
@@ -36958,19 +36540,18 @@
           <a:lstStyle/>
           <a:p>
             <a:r>
-              <a:rPr lang="en-US"/>
-              <a:t>Manifest</a:t>
-            </a:r>
-            <a:endParaRPr lang="en-US" dirty="0"/>
+              <a:rPr lang="en-US" dirty="0"/>
+              <a:t>AKS</a:t>
+            </a:r>
           </a:p>
         </p:txBody>
       </p:sp>
       <p:sp>
         <p:nvSpPr>
-          <p:cNvPr id="3" name="Content Placeholder 2">
+          <p:cNvPr id="5" name="Content Placeholder 4">
             <a:extLst>
               <a:ext uri="{FF2B5EF4-FFF2-40B4-BE49-F238E27FC236}">
-                <a16:creationId xmlns:a16="http://schemas.microsoft.com/office/drawing/2014/main" id="{88356D5B-5E65-4CD8-B009-D24FBBB78711}"/>
+                <a16:creationId xmlns:a16="http://schemas.microsoft.com/office/drawing/2014/main" id="{8625C482-1685-437D-96BF-8685E035E320}"/>
               </a:ext>
             </a:extLst>
           </p:cNvPr>
@@ -36978,7 +36559,7 @@
             <a:spLocks noGrp="1"/>
           </p:cNvSpPr>
           <p:nvPr>
-            <p:ph sz="quarter" idx="22"/>
+            <p:ph sz="quarter" idx="12"/>
           </p:nvPr>
         </p:nvSpPr>
         <p:spPr/>
@@ -36987,216 +36568,55 @@
           <a:lstStyle/>
           <a:p>
             <a:r>
-              <a:rPr lang="en-US" sz="900" noProof="1"/>
-              <a:t>apiVersion: apps/v1</a:t>
-            </a:r>
-          </a:p>
-          <a:p>
-            <a:r>
-              <a:rPr lang="en-US" sz="900" noProof="1"/>
-              <a:t>kind: Deployment</a:t>
-            </a:r>
-          </a:p>
-          <a:p>
-            <a:r>
-              <a:rPr lang="en-US" sz="900" noProof="1"/>
-              <a:t>metadata:</a:t>
-            </a:r>
-          </a:p>
-          <a:p>
-            <a:r>
-              <a:rPr lang="en-US" sz="900" noProof="1"/>
-              <a:t>  name: api</a:t>
-            </a:r>
-          </a:p>
-          <a:p>
-            <a:r>
-              <a:rPr lang="en-US" sz="900" noProof="1"/>
-              <a:t>spec:</a:t>
-            </a:r>
-          </a:p>
-          <a:p>
-            <a:r>
-              <a:rPr lang="en-US" sz="900" noProof="1"/>
-              <a:t>  selector:</a:t>
-            </a:r>
-          </a:p>
-          <a:p>
-            <a:r>
-              <a:rPr lang="en-US" sz="900" noProof="1"/>
-              <a:t>    matchLabels:</a:t>
-            </a:r>
-          </a:p>
-          <a:p>
-            <a:r>
-              <a:rPr lang="en-US" sz="900" noProof="1"/>
-              <a:t>      app: api</a:t>
-            </a:r>
-          </a:p>
-          <a:p>
-            <a:r>
-              <a:rPr lang="en-US" sz="900" noProof="1"/>
-              <a:t>  replicas: 2</a:t>
-            </a:r>
-          </a:p>
-          <a:p>
-            <a:r>
-              <a:rPr lang="en-US" sz="900" noProof="1"/>
-              <a:t>  template:</a:t>
-            </a:r>
-          </a:p>
-          <a:p>
-            <a:r>
-              <a:rPr lang="en-US" sz="900" noProof="1"/>
-              <a:t>    metadata:</a:t>
-            </a:r>
-          </a:p>
-          <a:p>
-            <a:r>
-              <a:rPr lang="en-US" sz="900" noProof="1"/>
-              <a:t>      labels:</a:t>
-            </a:r>
-          </a:p>
-          <a:p>
-            <a:r>
-              <a:rPr lang="en-US" sz="900" noProof="1"/>
-              <a:t>        app: api</a:t>
-            </a:r>
-          </a:p>
-          <a:p>
-            <a:r>
-              <a:rPr lang="en-US" sz="900" noProof="1"/>
-              <a:t>    spec:</a:t>
-            </a:r>
-          </a:p>
-          <a:p>
-            <a:r>
-              <a:rPr lang="en-US" sz="900" noProof="1"/>
-              <a:t>      containers:</a:t>
-            </a:r>
-          </a:p>
-          <a:p>
-            <a:r>
-              <a:rPr lang="en-US" sz="900" noProof="1"/>
-              <a:t>      - name: api</a:t>
-            </a:r>
-          </a:p>
-          <a:p>
-            <a:r>
-              <a:rPr lang="en-US" sz="900" noProof="1"/>
-              <a:t>        image: rstropek/node-mongo-sample</a:t>
-            </a:r>
-          </a:p>
-          <a:p>
-            <a:r>
-              <a:rPr lang="en-US" sz="900" noProof="1"/>
-              <a:t>        ports:</a:t>
-            </a:r>
-          </a:p>
-          <a:p>
-            <a:r>
-              <a:rPr lang="en-US" sz="900" noProof="1"/>
-              <a:t>        - containerPort: 80</a:t>
-            </a:r>
-          </a:p>
-          <a:p>
-            <a:r>
-              <a:rPr lang="en-US" sz="900" noProof="1"/>
-              <a:t>        env:</a:t>
-            </a:r>
-          </a:p>
-          <a:p>
-            <a:r>
-              <a:rPr lang="en-US" sz="900" noProof="1"/>
-              <a:t>          - name: MONGO_URL</a:t>
-            </a:r>
-          </a:p>
-          <a:p>
-            <a:r>
-              <a:rPr lang="en-US" sz="900" noProof="1"/>
-              <a:t>            value: "mongodb://event-db-svc/member-management"</a:t>
-            </a:r>
-          </a:p>
-          <a:p>
-            <a:r>
-              <a:rPr lang="en-US" sz="900" noProof="1"/>
-              <a:t>---</a:t>
-            </a:r>
-          </a:p>
-          <a:p>
-            <a:r>
-              <a:rPr lang="en-US" sz="900" noProof="1"/>
-              <a:t>apiVersion: v1</a:t>
-            </a:r>
-          </a:p>
-          <a:p>
-            <a:r>
-              <a:rPr lang="en-US" sz="900" noProof="1"/>
-              <a:t>kind: Service</a:t>
-            </a:r>
-          </a:p>
-          <a:p>
-            <a:r>
-              <a:rPr lang="en-US" sz="900" noProof="1"/>
-              <a:t>metadata:</a:t>
-            </a:r>
-          </a:p>
-          <a:p>
-            <a:r>
-              <a:rPr lang="en-US" sz="900" noProof="1"/>
-              <a:t>  name: api-svc</a:t>
-            </a:r>
-          </a:p>
-          <a:p>
-            <a:r>
-              <a:rPr lang="en-US" sz="900" noProof="1"/>
-              <a:t>spec:</a:t>
-            </a:r>
-          </a:p>
-          <a:p>
-            <a:r>
-              <a:rPr lang="en-US" sz="900" noProof="1"/>
-              <a:t>  selector:</a:t>
-            </a:r>
-          </a:p>
-          <a:p>
-            <a:r>
-              <a:rPr lang="en-US" sz="900" noProof="1"/>
-              <a:t>    app: api</a:t>
-            </a:r>
-          </a:p>
-          <a:p>
-            <a:r>
-              <a:rPr lang="en-US" sz="900" noProof="1"/>
-              <a:t>  ports:</a:t>
-            </a:r>
-          </a:p>
-          <a:p>
-            <a:r>
-              <a:rPr lang="en-US" sz="900" noProof="1"/>
-              <a:t>  - port: 80</a:t>
-            </a:r>
-          </a:p>
-          <a:p>
-            <a:r>
-              <a:rPr lang="en-US" sz="900" noProof="1"/>
-              <a:t>    targetPort: 80</a:t>
-            </a:r>
-          </a:p>
-          <a:p>
-            <a:r>
-              <a:rPr lang="en-US" sz="900" noProof="1"/>
-              <a:t>  type: NodePort</a:t>
-            </a:r>
+              <a:rPr lang="en-US" i="1" dirty="0"/>
+              <a:t>Managed </a:t>
+            </a:r>
+            <a:r>
+              <a:rPr lang="en-US" dirty="0"/>
+              <a:t>Kubernetes in Azure</a:t>
+            </a:r>
+          </a:p>
+          <a:p>
+            <a:pPr lvl="1"/>
+            <a:r>
+              <a:rPr lang="en-US" dirty="0"/>
+              <a:t>No direct access (SSH) to the cluster</a:t>
+            </a:r>
+          </a:p>
+          <a:p>
+            <a:r>
+              <a:rPr lang="en-US" dirty="0"/>
+              <a:t>Note preview limitations</a:t>
+            </a:r>
+          </a:p>
+          <a:p>
+            <a:pPr lvl="1"/>
+            <a:r>
+              <a:rPr lang="en-US" dirty="0"/>
+              <a:t>At the time of writing, no deployments possible in West Europe</a:t>
+            </a:r>
+            <a:endParaRPr lang="en-US" dirty="0">
+              <a:hlinkClick r:id="rId2"/>
+            </a:endParaRPr>
+          </a:p>
+          <a:p>
+            <a:pPr lvl="1"/>
+            <a:r>
+              <a:rPr lang="en-US" dirty="0">
+                <a:hlinkClick r:id="rId2"/>
+              </a:rPr>
+              <a:t>Read more…</a:t>
+            </a:r>
+            <a:endParaRPr lang="en-US" dirty="0"/>
           </a:p>
         </p:txBody>
       </p:sp>
       <p:sp>
         <p:nvSpPr>
-          <p:cNvPr id="4" name="Text Placeholder 3">
+          <p:cNvPr id="6" name="Text Placeholder 5">
             <a:extLst>
               <a:ext uri="{FF2B5EF4-FFF2-40B4-BE49-F238E27FC236}">
-                <a16:creationId xmlns:a16="http://schemas.microsoft.com/office/drawing/2014/main" id="{1D18CB14-23F0-4C7A-AD53-4E984F2AA98F}"/>
+                <a16:creationId xmlns:a16="http://schemas.microsoft.com/office/drawing/2014/main" id="{A4C76904-CE6C-4A92-AA71-AF608490E6BA}"/>
               </a:ext>
             </a:extLst>
           </p:cNvPr>
@@ -37213,58 +36633,11 @@
           <a:lstStyle/>
           <a:p>
             <a:r>
-              <a:rPr lang="en-US" dirty="0"/>
-              <a:t>API</a:t>
-            </a:r>
-          </a:p>
-        </p:txBody>
-      </p:sp>
-      <p:sp>
-        <p:nvSpPr>
-          <p:cNvPr id="5" name="Text Placeholder 4">
-            <a:extLst>
-              <a:ext uri="{FF2B5EF4-FFF2-40B4-BE49-F238E27FC236}">
-                <a16:creationId xmlns:a16="http://schemas.microsoft.com/office/drawing/2014/main" id="{DC07CEAD-1093-4ADD-919E-B0C338773CDC}"/>
-              </a:ext>
-            </a:extLst>
-          </p:cNvPr>
-          <p:cNvSpPr>
-            <a:spLocks noGrp="1"/>
-          </p:cNvSpPr>
-          <p:nvPr>
-            <p:ph type="body" sz="quarter" idx="24"/>
-          </p:nvPr>
-        </p:nvSpPr>
-        <p:spPr/>
-        <p:txBody>
-          <a:bodyPr/>
-          <a:lstStyle/>
-          <a:p>
-            <a:endParaRPr lang="en-US" dirty="0"/>
-          </a:p>
-        </p:txBody>
-      </p:sp>
-      <p:sp>
-        <p:nvSpPr>
-          <p:cNvPr id="6" name="Text Placeholder 5">
-            <a:extLst>
-              <a:ext uri="{FF2B5EF4-FFF2-40B4-BE49-F238E27FC236}">
-                <a16:creationId xmlns:a16="http://schemas.microsoft.com/office/drawing/2014/main" id="{D1DE23CE-C3E7-4D8C-BA43-FA87BA825AF2}"/>
-              </a:ext>
-            </a:extLst>
-          </p:cNvPr>
-          <p:cNvSpPr>
-            <a:spLocks noGrp="1"/>
-          </p:cNvSpPr>
-          <p:nvPr>
-            <p:ph type="body" sz="quarter" idx="25"/>
-          </p:nvPr>
-        </p:nvSpPr>
-        <p:spPr/>
-        <p:txBody>
-          <a:bodyPr/>
-          <a:lstStyle/>
-          <a:p>
+              <a:rPr lang="en-US" dirty="0">
+                <a:hlinkClick r:id="rId3"/>
+              </a:rPr>
+              <a:t>https://docs.microsoft.com/en-us/azure/aks/intro-kubernetes</a:t>
+            </a:r>
             <a:endParaRPr lang="en-US" dirty="0"/>
           </a:p>
         </p:txBody>
@@ -37272,7 +36645,7 @@
     </p:spTree>
     <p:extLst>
       <p:ext uri="{BB962C8B-B14F-4D97-AF65-F5344CB8AC3E}">
-        <p14:creationId xmlns:p14="http://schemas.microsoft.com/office/powerpoint/2010/main" val="2756498968"/>
+        <p14:creationId xmlns:p14="http://schemas.microsoft.com/office/powerpoint/2010/main" val="1088021400"/>
       </p:ext>
     </p:extLst>
   </p:cSld>
@@ -37313,7 +36686,237 @@
       </p:grpSpPr>
       <p:sp>
         <p:nvSpPr>
-          <p:cNvPr id="18" name="Text Placeholder 17"/>
+          <p:cNvPr id="2" name="Title 1">
+            <a:extLst>
+              <a:ext uri="{FF2B5EF4-FFF2-40B4-BE49-F238E27FC236}">
+                <a16:creationId xmlns:a16="http://schemas.microsoft.com/office/drawing/2014/main" id="{25AD9DA0-0FEE-4602-BE90-C190707FCC7C}"/>
+              </a:ext>
+            </a:extLst>
+          </p:cNvPr>
+          <p:cNvSpPr>
+            <a:spLocks noGrp="1"/>
+          </p:cNvSpPr>
+          <p:nvPr>
+            <p:ph type="title"/>
+          </p:nvPr>
+        </p:nvSpPr>
+        <p:spPr/>
+        <p:txBody>
+          <a:bodyPr/>
+          <a:lstStyle/>
+          <a:p>
+            <a:r>
+              <a:rPr lang="en-US"/>
+              <a:t>Demo</a:t>
+            </a:r>
+          </a:p>
+        </p:txBody>
+      </p:sp>
+      <p:sp>
+        <p:nvSpPr>
+          <p:cNvPr id="9" name="Content Placeholder 8">
+            <a:extLst>
+              <a:ext uri="{FF2B5EF4-FFF2-40B4-BE49-F238E27FC236}">
+                <a16:creationId xmlns:a16="http://schemas.microsoft.com/office/drawing/2014/main" id="{5E43D4B1-0BE9-4CA9-9A44-66749743FCCD}"/>
+              </a:ext>
+            </a:extLst>
+          </p:cNvPr>
+          <p:cNvSpPr>
+            <a:spLocks noGrp="1"/>
+          </p:cNvSpPr>
+          <p:nvPr>
+            <p:ph sz="quarter" idx="22"/>
+          </p:nvPr>
+        </p:nvSpPr>
+        <p:spPr>
+          <a:xfrm>
+            <a:off x="467544" y="178629"/>
+            <a:ext cx="5328592" cy="4721065"/>
+          </a:xfrm>
+        </p:spPr>
+        <p:txBody>
+          <a:bodyPr/>
+          <a:lstStyle/>
+          <a:p>
+            <a:r>
+              <a:rPr lang="en-US" noProof="1">
+                <a:solidFill>
+                  <a:schemeClr val="tx1">
+                    <a:lumMod val="60000"/>
+                    <a:lumOff val="40000"/>
+                  </a:schemeClr>
+                </a:solidFill>
+              </a:rPr>
+              <a:t># Note: Uses demo app from </a:t>
+            </a:r>
+          </a:p>
+          <a:p>
+            <a:r>
+              <a:rPr lang="en-US" noProof="1">
+                <a:solidFill>
+                  <a:schemeClr val="tx1">
+                    <a:lumMod val="60000"/>
+                    <a:lumOff val="40000"/>
+                  </a:schemeClr>
+                </a:solidFill>
+              </a:rPr>
+              <a:t># </a:t>
+            </a:r>
+            <a:r>
+              <a:rPr lang="en-US" noProof="1">
+                <a:solidFill>
+                  <a:schemeClr val="tx1">
+                    <a:lumMod val="60000"/>
+                    <a:lumOff val="40000"/>
+                  </a:schemeClr>
+                </a:solidFill>
+                <a:hlinkClick r:id="rId2"/>
+              </a:rPr>
+              <a:t>https://github.com/Azure-Samples/azure-voting-app-redis.git</a:t>
+            </a:r>
+            <a:endParaRPr lang="en-US" noProof="1">
+              <a:solidFill>
+                <a:schemeClr val="tx1">
+                  <a:lumMod val="60000"/>
+                  <a:lumOff val="40000"/>
+                </a:schemeClr>
+              </a:solidFill>
+            </a:endParaRPr>
+          </a:p>
+          <a:p>
+            <a:endParaRPr lang="en-US" noProof="1"/>
+          </a:p>
+          <a:p>
+            <a:r>
+              <a:rPr lang="en-US" noProof="1"/>
+              <a:t>cd ~/GitHub/azure-voting-app-redis</a:t>
+            </a:r>
+          </a:p>
+          <a:p>
+            <a:r>
+              <a:rPr lang="en-US" noProof="1"/>
+              <a:t>cat cat docker-compose.yaml</a:t>
+            </a:r>
+          </a:p>
+          <a:p>
+            <a:endParaRPr lang="en-US" noProof="1"/>
+          </a:p>
+          <a:p>
+            <a:r>
+              <a:rPr lang="en-US" noProof="1"/>
+              <a:t>docker-compose up -d</a:t>
+            </a:r>
+          </a:p>
+          <a:p>
+            <a:endParaRPr lang="en-US" noProof="1"/>
+          </a:p>
+          <a:p>
+            <a:r>
+              <a:rPr lang="en-US" noProof="1">
+                <a:solidFill>
+                  <a:schemeClr val="tx1">
+                    <a:lumMod val="60000"/>
+                    <a:lumOff val="40000"/>
+                  </a:schemeClr>
+                </a:solidFill>
+              </a:rPr>
+              <a:t># Try app at http://</a:t>
+            </a:r>
+            <a:r>
+              <a:rPr lang="en-US" i="1" noProof="1">
+                <a:solidFill>
+                  <a:schemeClr val="tx1">
+                    <a:lumMod val="60000"/>
+                    <a:lumOff val="40000"/>
+                  </a:schemeClr>
+                </a:solidFill>
+              </a:rPr>
+              <a:t>your-ip</a:t>
+            </a:r>
+            <a:r>
+              <a:rPr lang="en-US" noProof="1">
+                <a:solidFill>
+                  <a:schemeClr val="tx1">
+                    <a:lumMod val="60000"/>
+                    <a:lumOff val="40000"/>
+                  </a:schemeClr>
+                </a:solidFill>
+              </a:rPr>
+              <a:t>:8080</a:t>
+            </a:r>
+          </a:p>
+          <a:p>
+            <a:endParaRPr lang="en-US" noProof="1"/>
+          </a:p>
+          <a:p>
+            <a:r>
+              <a:rPr lang="en-US" noProof="1"/>
+              <a:t>docker images</a:t>
+            </a:r>
+          </a:p>
+          <a:p>
+            <a:r>
+              <a:rPr lang="en-US" noProof="1"/>
+              <a:t>docker ps</a:t>
+            </a:r>
+          </a:p>
+          <a:p>
+            <a:endParaRPr lang="en-US" noProof="1"/>
+          </a:p>
+          <a:p>
+            <a:r>
+              <a:rPr lang="en-US" noProof="1"/>
+              <a:t>docker-compose stop</a:t>
+            </a:r>
+          </a:p>
+          <a:p>
+            <a:r>
+              <a:rPr lang="en-US" noProof="1"/>
+              <a:t>docker-compose down</a:t>
+            </a:r>
+          </a:p>
+          <a:p>
+            <a:endParaRPr lang="en-US" noProof="1"/>
+          </a:p>
+        </p:txBody>
+      </p:sp>
+      <p:sp>
+        <p:nvSpPr>
+          <p:cNvPr id="6" name="Text Placeholder 5">
+            <a:extLst>
+              <a:ext uri="{FF2B5EF4-FFF2-40B4-BE49-F238E27FC236}">
+                <a16:creationId xmlns:a16="http://schemas.microsoft.com/office/drawing/2014/main" id="{F8A11F8D-0CB6-495C-B124-0A2FB159DB76}"/>
+              </a:ext>
+            </a:extLst>
+          </p:cNvPr>
+          <p:cNvSpPr>
+            <a:spLocks noGrp="1"/>
+          </p:cNvSpPr>
+          <p:nvPr>
+            <p:ph type="body" sz="quarter" idx="23"/>
+          </p:nvPr>
+        </p:nvSpPr>
+        <p:spPr/>
+        <p:txBody>
+          <a:bodyPr/>
+          <a:lstStyle/>
+          <a:p>
+            <a:r>
+              <a:rPr lang="en-US" dirty="0"/>
+              <a:t>Prepare image</a:t>
+            </a:r>
+          </a:p>
+        </p:txBody>
+      </p:sp>
+      <p:sp>
+        <p:nvSpPr>
+          <p:cNvPr id="10" name="Text Placeholder 9">
+            <a:extLst>
+              <a:ext uri="{FF2B5EF4-FFF2-40B4-BE49-F238E27FC236}">
+                <a16:creationId xmlns:a16="http://schemas.microsoft.com/office/drawing/2014/main" id="{A44AEF77-FACC-4670-8D58-D0BB6F115CAA}"/>
+              </a:ext>
+            </a:extLst>
+          </p:cNvPr>
           <p:cNvSpPr>
             <a:spLocks noGrp="1"/>
           </p:cNvSpPr>
@@ -37328,38 +36931,99 @@
           <a:p>
             <a:r>
               <a:rPr lang="en-US" dirty="0"/>
-              <a:t>Workshop</a:t>
+              <a:t>Create images locally</a:t>
+            </a:r>
+          </a:p>
+          <a:p>
+            <a:r>
+              <a:rPr lang="en-US" dirty="0"/>
+              <a:t>Test application locally</a:t>
             </a:r>
           </a:p>
         </p:txBody>
       </p:sp>
-      <p:pic>
-        <p:nvPicPr>
-          <p:cNvPr id="21" name="Content Placeholder 23"/>
-          <p:cNvPicPr>
-            <a:picLocks noGrp="1" noChangeAspect="1"/>
-          </p:cNvPicPr>
-          <p:nvPr>
-            <p:ph sz="quarter" idx="20"/>
-          </p:nvPr>
-        </p:nvPicPr>
-        <p:blipFill>
-          <a:blip r:embed="rId2" cstate="email">
+      <p:sp>
+        <p:nvSpPr>
+          <p:cNvPr id="11" name="Text Placeholder 10">
             <a:extLst>
-              <a:ext uri="{28A0092B-C50C-407E-A947-70E740481C1C}">
-                <a14:useLocalDpi xmlns:a14="http://schemas.microsoft.com/office/drawing/2010/main" val="0"/>
+              <a:ext uri="{FF2B5EF4-FFF2-40B4-BE49-F238E27FC236}">
+                <a16:creationId xmlns:a16="http://schemas.microsoft.com/office/drawing/2014/main" id="{07D091DA-9215-420B-8F52-AF755EE465BC}"/>
               </a:ext>
             </a:extLst>
-          </a:blip>
-          <a:stretch>
-            <a:fillRect/>
-          </a:stretch>
-        </p:blipFill>
+          </p:cNvPr>
+          <p:cNvSpPr>
+            <a:spLocks noGrp="1"/>
+          </p:cNvSpPr>
+          <p:nvPr>
+            <p:ph type="body" sz="quarter" idx="25"/>
+          </p:nvPr>
+        </p:nvSpPr>
         <p:spPr/>
-      </p:pic>
+        <p:txBody>
+          <a:bodyPr/>
+          <a:lstStyle/>
+          <a:p>
+            <a:r>
+              <a:rPr lang="en-US" sz="700" dirty="0">
+                <a:hlinkClick r:id="rId3"/>
+              </a:rPr>
+              <a:t>https://docs.microsoft.com/en-us/azure/aks/kubernetes-walkthrough</a:t>
+            </a:r>
+            <a:endParaRPr lang="en-US" sz="700" dirty="0"/>
+          </a:p>
+        </p:txBody>
+      </p:sp>
+    </p:spTree>
+    <p:extLst>
+      <p:ext uri="{BB962C8B-B14F-4D97-AF65-F5344CB8AC3E}">
+        <p14:creationId xmlns:p14="http://schemas.microsoft.com/office/powerpoint/2010/main" val="3399747740"/>
+      </p:ext>
+    </p:extLst>
+  </p:cSld>
+  <p:clrMapOvr>
+    <a:masterClrMapping/>
+  </p:clrMapOvr>
+  <mc:AlternateContent xmlns:mc="http://schemas.openxmlformats.org/markup-compatibility/2006" xmlns:p14="http://schemas.microsoft.com/office/powerpoint/2010/main">
+    <mc:Choice Requires="p14">
+      <p:transition spd="med" p14:dur="700">
+        <p:fade/>
+      </p:transition>
+    </mc:Choice>
+    <mc:Fallback xmlns="">
+      <p:transition spd="med">
+        <p:fade/>
+      </p:transition>
+    </mc:Fallback>
+  </mc:AlternateContent>
+</p:sld>
+</file>
+
+<file path=ppt/slides/slide35.xml><?xml version="1.0" encoding="utf-8"?>
+<p:sld xmlns:a="http://schemas.openxmlformats.org/drawingml/2006/main" xmlns:r="http://schemas.openxmlformats.org/officeDocument/2006/relationships" xmlns:p="http://schemas.openxmlformats.org/presentationml/2006/main">
+  <p:cSld>
+    <p:spTree>
+      <p:nvGrpSpPr>
+        <p:cNvPr id="1" name=""/>
+        <p:cNvGrpSpPr/>
+        <p:nvPr/>
+      </p:nvGrpSpPr>
+      <p:grpSpPr>
+        <a:xfrm>
+          <a:off x="0" y="0"/>
+          <a:ext cx="0" cy="0"/>
+          <a:chOff x="0" y="0"/>
+          <a:chExt cx="0" cy="0"/>
+        </a:xfrm>
+      </p:grpSpPr>
       <p:sp>
         <p:nvSpPr>
-          <p:cNvPr id="13" name="Title 12"/>
+          <p:cNvPr id="2" name="Title 1">
+            <a:extLst>
+              <a:ext uri="{FF2B5EF4-FFF2-40B4-BE49-F238E27FC236}">
+                <a16:creationId xmlns:a16="http://schemas.microsoft.com/office/drawing/2014/main" id="{25AD9DA0-0FEE-4602-BE90-C190707FCC7C}"/>
+              </a:ext>
+            </a:extLst>
+          </p:cNvPr>
           <p:cNvSpPr>
             <a:spLocks noGrp="1"/>
           </p:cNvSpPr>
@@ -37373,20 +37037,192 @@
           <a:lstStyle/>
           <a:p>
             <a:r>
-              <a:rPr lang="en-US" dirty="0"/>
-              <a:t>Q&amp;A</a:t>
+              <a:rPr lang="en-US"/>
+              <a:t>Demo</a:t>
             </a:r>
           </a:p>
         </p:txBody>
       </p:sp>
       <p:sp>
         <p:nvSpPr>
-          <p:cNvPr id="14" name="Text Placeholder 13"/>
+          <p:cNvPr id="9" name="Content Placeholder 8">
+            <a:extLst>
+              <a:ext uri="{FF2B5EF4-FFF2-40B4-BE49-F238E27FC236}">
+                <a16:creationId xmlns:a16="http://schemas.microsoft.com/office/drawing/2014/main" id="{5E43D4B1-0BE9-4CA9-9A44-66749743FCCD}"/>
+              </a:ext>
+            </a:extLst>
+          </p:cNvPr>
           <p:cNvSpPr>
             <a:spLocks noGrp="1"/>
           </p:cNvSpPr>
           <p:nvPr>
-            <p:ph type="body" sz="quarter" idx="12"/>
+            <p:ph sz="quarter" idx="22"/>
+          </p:nvPr>
+        </p:nvSpPr>
+        <p:spPr>
+          <a:xfrm>
+            <a:off x="467544" y="178629"/>
+            <a:ext cx="5328592" cy="4721065"/>
+          </a:xfrm>
+        </p:spPr>
+        <p:txBody>
+          <a:bodyPr/>
+          <a:lstStyle/>
+          <a:p>
+            <a:r>
+              <a:rPr lang="pt-BR" noProof="1"/>
+              <a:t>az provider register -n Microsoft.ContainerService</a:t>
+            </a:r>
+          </a:p>
+          <a:p>
+            <a:endParaRPr lang="pt-BR" noProof="1"/>
+          </a:p>
+          <a:p>
+            <a:r>
+              <a:rPr lang="pt-BR" noProof="1">
+                <a:solidFill>
+                  <a:schemeClr val="tx1">
+                    <a:lumMod val="60000"/>
+                    <a:lumOff val="40000"/>
+                  </a:schemeClr>
+                </a:solidFill>
+              </a:rPr>
+              <a:t># Create service principal for AKS (or change password)</a:t>
+            </a:r>
+          </a:p>
+          <a:p>
+            <a:r>
+              <a:rPr lang="pt-BR" noProof="1">
+                <a:solidFill>
+                  <a:schemeClr val="tx1">
+                    <a:lumMod val="60000"/>
+                    <a:lumOff val="40000"/>
+                  </a:schemeClr>
+                </a:solidFill>
+              </a:rPr>
+              <a:t># This is necessary if you want to use ACR with AKS</a:t>
+            </a:r>
+          </a:p>
+          <a:p>
+            <a:r>
+              <a:rPr lang="en-US" noProof="1"/>
+              <a:t>az ad sp create-for-rbac --name azurecaas \</a:t>
+            </a:r>
+          </a:p>
+          <a:p>
+            <a:r>
+              <a:rPr lang="en-US" noProof="1"/>
+              <a:t>	--password P@ssw0rd123</a:t>
+            </a:r>
+          </a:p>
+          <a:p>
+            <a:r>
+              <a:rPr lang="en-US" noProof="1"/>
+              <a:t>az ad sp credential reset --name azurecaas \</a:t>
+            </a:r>
+          </a:p>
+          <a:p>
+            <a:r>
+              <a:rPr lang="en-US" noProof="1"/>
+              <a:t>	--password P@ssw0rd123</a:t>
+            </a:r>
+          </a:p>
+          <a:p>
+            <a:endParaRPr lang="pt-BR" noProof="1"/>
+          </a:p>
+          <a:p>
+            <a:r>
+              <a:rPr lang="pt-BR" noProof="1">
+                <a:solidFill>
+                  <a:schemeClr val="tx1">
+                    <a:lumMod val="60000"/>
+                    <a:lumOff val="40000"/>
+                  </a:schemeClr>
+                </a:solidFill>
+              </a:rPr>
+              <a:t># Assign “reader” role for ACR to AKS service principal</a:t>
+            </a:r>
+          </a:p>
+          <a:p>
+            <a:r>
+              <a:rPr lang="pt-BR" noProof="1"/>
+              <a:t>az acr show --name azurecaas --resource-group azure-caas-demo \</a:t>
+            </a:r>
+          </a:p>
+          <a:p>
+            <a:r>
+              <a:rPr lang="pt-BR" noProof="1"/>
+              <a:t>	--query "id"</a:t>
+            </a:r>
+          </a:p>
+          <a:p>
+            <a:r>
+              <a:rPr lang="pt-BR" noProof="1"/>
+              <a:t>az role assignment create \</a:t>
+            </a:r>
+          </a:p>
+          <a:p>
+            <a:r>
+              <a:rPr lang="pt-BR" noProof="1"/>
+              <a:t>	--assignee ...(app id) --role Reader --scope ...(ACR id)</a:t>
+            </a:r>
+          </a:p>
+          <a:p>
+            <a:endParaRPr lang="pt-BR" noProof="1"/>
+          </a:p>
+          <a:p>
+            <a:r>
+              <a:rPr lang="pt-BR" noProof="1">
+                <a:solidFill>
+                  <a:schemeClr val="tx1">
+                    <a:lumMod val="60000"/>
+                    <a:lumOff val="40000"/>
+                  </a:schemeClr>
+                </a:solidFill>
+              </a:rPr>
+              <a:t># Create AKS cluster</a:t>
+            </a:r>
+          </a:p>
+          <a:p>
+            <a:r>
+              <a:rPr lang="en-US" noProof="1"/>
+              <a:t>az aks create --resource-group azure-caas-demo \</a:t>
+            </a:r>
+          </a:p>
+          <a:p>
+            <a:r>
+              <a:rPr lang="en-US" noProof="1"/>
+              <a:t>	--name azure-caas-kube --node-count 1 --generate-ssh-keys \</a:t>
+            </a:r>
+          </a:p>
+          <a:p>
+            <a:r>
+              <a:rPr lang="en-US" noProof="1"/>
+              <a:t>  --location westeurope --client-secret P@ssw0rd123 \</a:t>
+            </a:r>
+          </a:p>
+          <a:p>
+            <a:r>
+              <a:rPr lang="en-US" noProof="1"/>
+              <a:t>	 --service-principal ...(app id)</a:t>
+            </a:r>
+          </a:p>
+        </p:txBody>
+      </p:sp>
+      <p:sp>
+        <p:nvSpPr>
+          <p:cNvPr id="6" name="Text Placeholder 5">
+            <a:extLst>
+              <a:ext uri="{FF2B5EF4-FFF2-40B4-BE49-F238E27FC236}">
+                <a16:creationId xmlns:a16="http://schemas.microsoft.com/office/drawing/2014/main" id="{F8A11F8D-0CB6-495C-B124-0A2FB159DB76}"/>
+              </a:ext>
+            </a:extLst>
+          </p:cNvPr>
+          <p:cNvSpPr>
+            <a:spLocks noGrp="1"/>
+          </p:cNvSpPr>
+          <p:nvPr>
+            <p:ph type="body" sz="quarter" idx="23"/>
           </p:nvPr>
         </p:nvSpPr>
         <p:spPr/>
@@ -37396,19 +37232,25 @@
           <a:p>
             <a:r>
               <a:rPr lang="en-US" dirty="0"/>
-              <a:t>Rainer Stropek</a:t>
+              <a:t>Create AKS Cluster</a:t>
             </a:r>
           </a:p>
         </p:txBody>
       </p:sp>
       <p:sp>
         <p:nvSpPr>
-          <p:cNvPr id="31" name="Text Placeholder 30"/>
+          <p:cNvPr id="10" name="Text Placeholder 9">
+            <a:extLst>
+              <a:ext uri="{FF2B5EF4-FFF2-40B4-BE49-F238E27FC236}">
+                <a16:creationId xmlns:a16="http://schemas.microsoft.com/office/drawing/2014/main" id="{A44AEF77-FACC-4670-8D58-D0BB6F115CAA}"/>
+              </a:ext>
+            </a:extLst>
+          </p:cNvPr>
           <p:cNvSpPr>
             <a:spLocks noGrp="1"/>
           </p:cNvSpPr>
           <p:nvPr>
-            <p:ph type="body" sz="quarter" idx="13"/>
+            <p:ph type="body" sz="quarter" idx="24"/>
           </p:nvPr>
         </p:nvSpPr>
         <p:spPr/>
@@ -37418,64 +37260,32 @@
           <a:p>
             <a:r>
               <a:rPr lang="en-US" dirty="0"/>
-              <a:t>software architects </a:t>
-            </a:r>
-            <a:r>
-              <a:rPr lang="en-US" dirty="0" err="1"/>
-              <a:t>gmbh</a:t>
-            </a:r>
-            <a:endParaRPr lang="en-US" dirty="0"/>
+              <a:t>Push demo image to ACR</a:t>
+            </a:r>
+          </a:p>
+          <a:p>
+            <a:r>
+              <a:rPr lang="en-US" dirty="0"/>
+              <a:t>Create service principal for AKS</a:t>
+            </a:r>
+          </a:p>
+          <a:p>
+            <a:r>
+              <a:rPr lang="en-US" dirty="0"/>
+              <a:t>Create AKS cluster</a:t>
+            </a:r>
           </a:p>
         </p:txBody>
       </p:sp>
       <p:sp>
         <p:nvSpPr>
-          <p:cNvPr id="16" name="Text Placeholder 15"/>
-          <p:cNvSpPr>
-            <a:spLocks noGrp="1"/>
-          </p:cNvSpPr>
-          <p:nvPr>
-            <p:ph type="body" sz="quarter" idx="15"/>
-          </p:nvPr>
-        </p:nvSpPr>
-        <p:spPr/>
-        <p:txBody>
-          <a:bodyPr/>
-          <a:lstStyle/>
-          <a:p>
-            <a:r>
-              <a:rPr lang="en-US" dirty="0">
-                <a:hlinkClick r:id="rId3"/>
-              </a:rPr>
-              <a:t>http://www.timecockpit.com</a:t>
-            </a:r>
-            <a:endParaRPr lang="en-US" dirty="0"/>
-          </a:p>
-          <a:p>
-            <a:r>
-              <a:rPr lang="en-US" dirty="0">
-                <a:hlinkClick r:id="rId4"/>
-              </a:rPr>
-              <a:t>rainer@timecockpit.com</a:t>
-            </a:r>
-            <a:endParaRPr lang="en-US" dirty="0"/>
-          </a:p>
-          <a:p>
-            <a:r>
-              <a:rPr lang="en-US" dirty="0"/>
-              <a:t>@</a:t>
-            </a:r>
-            <a:r>
-              <a:rPr lang="en-US" dirty="0" err="1"/>
-              <a:t>rstropek</a:t>
-            </a:r>
-            <a:endParaRPr lang="en-US" dirty="0"/>
-          </a:p>
-        </p:txBody>
-      </p:sp>
-      <p:sp>
-        <p:nvSpPr>
-          <p:cNvPr id="19" name="Text Placeholder 18"/>
+          <p:cNvPr id="11" name="Text Placeholder 10">
+            <a:extLst>
+              <a:ext uri="{FF2B5EF4-FFF2-40B4-BE49-F238E27FC236}">
+                <a16:creationId xmlns:a16="http://schemas.microsoft.com/office/drawing/2014/main" id="{07D091DA-9215-420B-8F52-AF755EE465BC}"/>
+              </a:ext>
+            </a:extLst>
+          </p:cNvPr>
           <p:cNvSpPr>
             <a:spLocks noGrp="1"/>
           </p:cNvSpPr>
@@ -37489,20 +37299,98 @@
           <a:lstStyle/>
           <a:p>
             <a:r>
-              <a:rPr lang="en-US" dirty="0"/>
-              <a:t>Thank you for attending!</a:t>
+              <a:rPr lang="en-US" sz="700" dirty="0">
+                <a:hlinkClick r:id="rId2"/>
+              </a:rPr>
+              <a:t>https://docs.microsoft.com/en-us/azure/aks/kubernetes-walkthrough</a:t>
+            </a:r>
+            <a:br>
+              <a:rPr lang="en-US" sz="700" dirty="0"/>
+            </a:br>
+            <a:endParaRPr lang="en-US" sz="700" dirty="0"/>
+          </a:p>
+          <a:p>
+            <a:r>
+              <a:rPr lang="en-US" sz="700" dirty="0"/>
+              <a:t>Note: Due to preview limitations, location has to be </a:t>
+            </a:r>
+            <a:r>
+              <a:rPr lang="en-US" sz="700" i="1" dirty="0" err="1"/>
+              <a:t>eastus</a:t>
+            </a:r>
+            <a:r>
+              <a:rPr lang="en-US" sz="700" dirty="0"/>
+              <a:t>, for details see </a:t>
+            </a:r>
+            <a:r>
+              <a:rPr lang="en-US" sz="700" dirty="0">
+                <a:hlinkClick r:id="rId3"/>
+              </a:rPr>
+              <a:t>https://github.com/Azure/AKS/blob/master/preview_regions.md</a:t>
+            </a:r>
+            <a:r>
+              <a:rPr lang="en-US" sz="700" dirty="0"/>
+              <a:t> </a:t>
             </a:r>
           </a:p>
         </p:txBody>
       </p:sp>
+    </p:spTree>
+    <p:extLst>
+      <p:ext uri="{BB962C8B-B14F-4D97-AF65-F5344CB8AC3E}">
+        <p14:creationId xmlns:p14="http://schemas.microsoft.com/office/powerpoint/2010/main" val="657760228"/>
+      </p:ext>
+    </p:extLst>
+  </p:cSld>
+  <p:clrMapOvr>
+    <a:masterClrMapping/>
+  </p:clrMapOvr>
+  <mc:AlternateContent xmlns:mc="http://schemas.openxmlformats.org/markup-compatibility/2006" xmlns:p14="http://schemas.microsoft.com/office/powerpoint/2010/main">
+    <mc:Choice Requires="p14">
+      <p:transition spd="med" p14:dur="700">
+        <p:fade/>
+      </p:transition>
+    </mc:Choice>
+    <mc:Fallback xmlns="">
+      <p:transition spd="med">
+        <p:fade/>
+      </p:transition>
+    </mc:Fallback>
+  </mc:AlternateContent>
+</p:sld>
+</file>
+
+<file path=ppt/slides/slide36.xml><?xml version="1.0" encoding="utf-8"?>
+<p:sld xmlns:a="http://schemas.openxmlformats.org/drawingml/2006/main" xmlns:r="http://schemas.openxmlformats.org/officeDocument/2006/relationships" xmlns:p="http://schemas.openxmlformats.org/presentationml/2006/main">
+  <p:cSld>
+    <p:spTree>
+      <p:nvGrpSpPr>
+        <p:cNvPr id="1" name=""/>
+        <p:cNvGrpSpPr/>
+        <p:nvPr/>
+      </p:nvGrpSpPr>
+      <p:grpSpPr>
+        <a:xfrm>
+          <a:off x="0" y="0"/>
+          <a:ext cx="0" cy="0"/>
+          <a:chOff x="0" y="0"/>
+          <a:chExt cx="0" cy="0"/>
+        </a:xfrm>
+      </p:grpSpPr>
       <p:sp>
         <p:nvSpPr>
-          <p:cNvPr id="20" name="Text Placeholder 19"/>
+          <p:cNvPr id="2" name="Title 1">
+            <a:extLst>
+              <a:ext uri="{FF2B5EF4-FFF2-40B4-BE49-F238E27FC236}">
+                <a16:creationId xmlns:a16="http://schemas.microsoft.com/office/drawing/2014/main" id="{25AD9DA0-0FEE-4602-BE90-C190707FCC7C}"/>
+              </a:ext>
+            </a:extLst>
+          </p:cNvPr>
           <p:cNvSpPr>
             <a:spLocks noGrp="1"/>
           </p:cNvSpPr>
           <p:nvPr>
-            <p:ph type="body" sz="quarter" idx="26"/>
+            <p:ph type="title"/>
           </p:nvPr>
         </p:nvSpPr>
         <p:spPr/>
@@ -37511,28 +37399,1247 @@
           <a:lstStyle/>
           <a:p>
             <a:r>
+              <a:rPr lang="en-US"/>
+              <a:t>Demo</a:t>
+            </a:r>
+          </a:p>
+        </p:txBody>
+      </p:sp>
+      <p:sp>
+        <p:nvSpPr>
+          <p:cNvPr id="9" name="Content Placeholder 8">
+            <a:extLst>
+              <a:ext uri="{FF2B5EF4-FFF2-40B4-BE49-F238E27FC236}">
+                <a16:creationId xmlns:a16="http://schemas.microsoft.com/office/drawing/2014/main" id="{5E43D4B1-0BE9-4CA9-9A44-66749743FCCD}"/>
+              </a:ext>
+            </a:extLst>
+          </p:cNvPr>
+          <p:cNvSpPr>
+            <a:spLocks noGrp="1"/>
+          </p:cNvSpPr>
+          <p:nvPr>
+            <p:ph sz="quarter" idx="22"/>
+          </p:nvPr>
+        </p:nvSpPr>
+        <p:spPr>
+          <a:xfrm>
+            <a:off x="467544" y="178629"/>
+            <a:ext cx="5328592" cy="4721065"/>
+          </a:xfrm>
+        </p:spPr>
+        <p:txBody>
+          <a:bodyPr/>
+          <a:lstStyle/>
+          <a:p>
+            <a:r>
+              <a:rPr lang="en-US" noProof="1">
+                <a:solidFill>
+                  <a:schemeClr val="tx1">
+                    <a:lumMod val="60000"/>
+                    <a:lumOff val="40000"/>
+                  </a:schemeClr>
+                </a:solidFill>
+              </a:rPr>
+              <a:t># Connect kubectl with AKS</a:t>
+            </a:r>
+          </a:p>
+          <a:p>
+            <a:r>
+              <a:rPr lang="en-US" noProof="1"/>
+              <a:t>az aks get-credentials --resource-group azure-caas-demo \</a:t>
+            </a:r>
+          </a:p>
+          <a:p>
+            <a:r>
+              <a:rPr lang="en-US" noProof="1"/>
+              <a:t>	--name azure-caas-kube</a:t>
+            </a:r>
+          </a:p>
+          <a:p>
+            <a:endParaRPr lang="en-US" noProof="1"/>
+          </a:p>
+          <a:p>
+            <a:r>
+              <a:rPr lang="en-US" noProof="1">
+                <a:solidFill>
+                  <a:schemeClr val="tx1">
+                    <a:lumMod val="60000"/>
+                    <a:lumOff val="40000"/>
+                  </a:schemeClr>
+                </a:solidFill>
+              </a:rPr>
+              <a:t># Check connection to AKS</a:t>
+            </a:r>
+          </a:p>
+          <a:p>
+            <a:r>
+              <a:rPr lang="en-US" noProof="1"/>
+              <a:t>kubectl config get-contexts</a:t>
+            </a:r>
+          </a:p>
+          <a:p>
+            <a:r>
+              <a:rPr lang="en-US" noProof="1"/>
+              <a:t>kubectl config use-context …</a:t>
+            </a:r>
+          </a:p>
+          <a:p>
+            <a:r>
+              <a:rPr lang="en-US" noProof="1"/>
+              <a:t>kubectl config current-context</a:t>
+            </a:r>
+          </a:p>
+          <a:p>
+            <a:r>
+              <a:rPr lang="en-US" noProof="1"/>
+              <a:t>kubectl get nodes</a:t>
+            </a:r>
+          </a:p>
+          <a:p>
+            <a:endParaRPr lang="en-US" noProof="1"/>
+          </a:p>
+          <a:p>
+            <a:r>
+              <a:rPr lang="pt-BR" noProof="1">
+                <a:solidFill>
+                  <a:schemeClr val="tx1">
+                    <a:lumMod val="60000"/>
+                    <a:lumOff val="40000"/>
+                  </a:schemeClr>
+                </a:solidFill>
+              </a:rPr>
+              <a:t># Start Kubernetes dashboard (CMD, not </a:t>
+            </a:r>
+            <a:r>
+              <a:rPr lang="pt-BR" i="1" noProof="1">
+                <a:solidFill>
+                  <a:schemeClr val="tx1">
+                    <a:lumMod val="60000"/>
+                    <a:lumOff val="40000"/>
+                  </a:schemeClr>
+                </a:solidFill>
+              </a:rPr>
+              <a:t>bash</a:t>
+            </a:r>
+            <a:r>
+              <a:rPr lang="pt-BR" noProof="1">
+                <a:solidFill>
+                  <a:schemeClr val="tx1">
+                    <a:lumMod val="60000"/>
+                    <a:lumOff val="40000"/>
+                  </a:schemeClr>
+                </a:solidFill>
+              </a:rPr>
+              <a:t>!)</a:t>
+            </a:r>
+          </a:p>
+          <a:p>
+            <a:r>
+              <a:rPr lang="en-US" noProof="1"/>
+              <a:t>az aks browse --resource-group azure-caas-demo \</a:t>
+            </a:r>
+          </a:p>
+          <a:p>
+            <a:r>
+              <a:rPr lang="en-US" noProof="1"/>
+              <a:t>	--name azure-caas-kube</a:t>
+            </a:r>
+          </a:p>
+          <a:p>
+            <a:endParaRPr lang="en-US" noProof="1"/>
+          </a:p>
+          <a:p>
+            <a:r>
+              <a:rPr lang="en-US" noProof="1">
+                <a:solidFill>
+                  <a:schemeClr val="tx1">
+                    <a:lumMod val="60000"/>
+                    <a:lumOff val="40000"/>
+                  </a:schemeClr>
+                </a:solidFill>
+              </a:rPr>
+              <a:t># Scale Kubernetes server</a:t>
+            </a:r>
+          </a:p>
+          <a:p>
+            <a:r>
+              <a:rPr lang="en-US" noProof="1"/>
+              <a:t>az aks scale --resource-group azure-caas-demo \</a:t>
+            </a:r>
+          </a:p>
+          <a:p>
+            <a:r>
+              <a:rPr lang="en-US" noProof="1"/>
+              <a:t>	--name azure-caas-kube --node-count 2</a:t>
+            </a:r>
+          </a:p>
+          <a:p>
+            <a:endParaRPr lang="en-US" noProof="1"/>
+          </a:p>
+        </p:txBody>
+      </p:sp>
+      <p:sp>
+        <p:nvSpPr>
+          <p:cNvPr id="6" name="Text Placeholder 5">
+            <a:extLst>
+              <a:ext uri="{FF2B5EF4-FFF2-40B4-BE49-F238E27FC236}">
+                <a16:creationId xmlns:a16="http://schemas.microsoft.com/office/drawing/2014/main" id="{F8A11F8D-0CB6-495C-B124-0A2FB159DB76}"/>
+              </a:ext>
+            </a:extLst>
+          </p:cNvPr>
+          <p:cNvSpPr>
+            <a:spLocks noGrp="1"/>
+          </p:cNvSpPr>
+          <p:nvPr>
+            <p:ph type="body" sz="quarter" idx="23"/>
+          </p:nvPr>
+        </p:nvSpPr>
+        <p:spPr/>
+        <p:txBody>
+          <a:bodyPr/>
+          <a:lstStyle/>
+          <a:p>
+            <a:r>
               <a:rPr lang="en-US" dirty="0"/>
-              <a:t>Web</a:t>
-            </a:r>
-          </a:p>
+              <a:t>Create AKS Cluster</a:t>
+            </a:r>
+          </a:p>
+        </p:txBody>
+      </p:sp>
+      <p:sp>
+        <p:nvSpPr>
+          <p:cNvPr id="10" name="Text Placeholder 9">
+            <a:extLst>
+              <a:ext uri="{FF2B5EF4-FFF2-40B4-BE49-F238E27FC236}">
+                <a16:creationId xmlns:a16="http://schemas.microsoft.com/office/drawing/2014/main" id="{A44AEF77-FACC-4670-8D58-D0BB6F115CAA}"/>
+              </a:ext>
+            </a:extLst>
+          </p:cNvPr>
+          <p:cNvSpPr>
+            <a:spLocks noGrp="1"/>
+          </p:cNvSpPr>
+          <p:nvPr>
+            <p:ph type="body" sz="quarter" idx="24"/>
+          </p:nvPr>
+        </p:nvSpPr>
+        <p:spPr/>
+        <p:txBody>
+          <a:bodyPr/>
+          <a:lstStyle/>
           <a:p>
             <a:r>
               <a:rPr lang="en-US" dirty="0"/>
-              <a:t>Mail</a:t>
-            </a:r>
-          </a:p>
-          <a:p>
-            <a:r>
-              <a:rPr lang="en-US" dirty="0"/>
-              <a:t>Twitter</a:t>
-            </a:r>
+              <a:t>Deploy app to AKS</a:t>
+            </a:r>
+          </a:p>
+        </p:txBody>
+      </p:sp>
+      <p:sp>
+        <p:nvSpPr>
+          <p:cNvPr id="11" name="Text Placeholder 10">
+            <a:extLst>
+              <a:ext uri="{FF2B5EF4-FFF2-40B4-BE49-F238E27FC236}">
+                <a16:creationId xmlns:a16="http://schemas.microsoft.com/office/drawing/2014/main" id="{07D091DA-9215-420B-8F52-AF755EE465BC}"/>
+              </a:ext>
+            </a:extLst>
+          </p:cNvPr>
+          <p:cNvSpPr>
+            <a:spLocks noGrp="1"/>
+          </p:cNvSpPr>
+          <p:nvPr>
+            <p:ph type="body" sz="quarter" idx="25"/>
+          </p:nvPr>
+        </p:nvSpPr>
+        <p:spPr/>
+        <p:txBody>
+          <a:bodyPr/>
+          <a:lstStyle/>
+          <a:p>
+            <a:endParaRPr lang="en-US" sz="700" dirty="0"/>
           </a:p>
         </p:txBody>
       </p:sp>
     </p:spTree>
     <p:extLst>
       <p:ext uri="{BB962C8B-B14F-4D97-AF65-F5344CB8AC3E}">
-        <p14:creationId xmlns:p14="http://schemas.microsoft.com/office/powerpoint/2010/main" val="4103361406"/>
+        <p14:creationId xmlns:p14="http://schemas.microsoft.com/office/powerpoint/2010/main" val="505014173"/>
+      </p:ext>
+    </p:extLst>
+  </p:cSld>
+  <p:clrMapOvr>
+    <a:masterClrMapping/>
+  </p:clrMapOvr>
+  <mc:AlternateContent xmlns:mc="http://schemas.openxmlformats.org/markup-compatibility/2006" xmlns:p14="http://schemas.microsoft.com/office/powerpoint/2010/main">
+    <mc:Choice Requires="p14">
+      <p:transition spd="med" p14:dur="700">
+        <p:fade/>
+      </p:transition>
+    </mc:Choice>
+    <mc:Fallback xmlns="">
+      <p:transition spd="med">
+        <p:fade/>
+      </p:transition>
+    </mc:Fallback>
+  </mc:AlternateContent>
+</p:sld>
+</file>
+
+<file path=ppt/slides/slide37.xml><?xml version="1.0" encoding="utf-8"?>
+<p:sld xmlns:a="http://schemas.openxmlformats.org/drawingml/2006/main" xmlns:r="http://schemas.openxmlformats.org/officeDocument/2006/relationships" xmlns:p="http://schemas.openxmlformats.org/presentationml/2006/main">
+  <p:cSld>
+    <p:spTree>
+      <p:nvGrpSpPr>
+        <p:cNvPr id="1" name=""/>
+        <p:cNvGrpSpPr/>
+        <p:nvPr/>
+      </p:nvGrpSpPr>
+      <p:grpSpPr>
+        <a:xfrm>
+          <a:off x="0" y="0"/>
+          <a:ext cx="0" cy="0"/>
+          <a:chOff x="0" y="0"/>
+          <a:chExt cx="0" cy="0"/>
+        </a:xfrm>
+      </p:grpSpPr>
+      <p:sp>
+        <p:nvSpPr>
+          <p:cNvPr id="7" name="Title 6">
+            <a:extLst>
+              <a:ext uri="{FF2B5EF4-FFF2-40B4-BE49-F238E27FC236}">
+                <a16:creationId xmlns:a16="http://schemas.microsoft.com/office/drawing/2014/main" id="{43AA9248-7B37-4FA8-B34A-122B46FDF8D6}"/>
+              </a:ext>
+            </a:extLst>
+          </p:cNvPr>
+          <p:cNvSpPr>
+            <a:spLocks noGrp="1"/>
+          </p:cNvSpPr>
+          <p:nvPr>
+            <p:ph type="title"/>
+          </p:nvPr>
+        </p:nvSpPr>
+        <p:spPr/>
+        <p:txBody>
+          <a:bodyPr/>
+          <a:lstStyle/>
+          <a:p>
+            <a:r>
+              <a:rPr lang="en-US"/>
+              <a:t>Workshop</a:t>
+            </a:r>
+          </a:p>
+        </p:txBody>
+      </p:sp>
+      <p:sp>
+        <p:nvSpPr>
+          <p:cNvPr id="8" name="Content Placeholder 7">
+            <a:extLst>
+              <a:ext uri="{FF2B5EF4-FFF2-40B4-BE49-F238E27FC236}">
+                <a16:creationId xmlns:a16="http://schemas.microsoft.com/office/drawing/2014/main" id="{16972C74-9C9A-4FC7-8A8D-A890A78644EE}"/>
+              </a:ext>
+            </a:extLst>
+          </p:cNvPr>
+          <p:cNvSpPr>
+            <a:spLocks noGrp="1"/>
+          </p:cNvSpPr>
+          <p:nvPr>
+            <p:ph sz="quarter" idx="12"/>
+          </p:nvPr>
+        </p:nvSpPr>
+        <p:spPr/>
+        <p:txBody>
+          <a:bodyPr/>
+          <a:lstStyle/>
+          <a:p>
+            <a:r>
+              <a:rPr lang="en-US" dirty="0"/>
+              <a:t>Deploy a Web API to Kubernetes</a:t>
+            </a:r>
+          </a:p>
+          <a:p>
+            <a:r>
+              <a:rPr lang="en-US" dirty="0"/>
+              <a:t>Web API details</a:t>
+            </a:r>
+          </a:p>
+          <a:p>
+            <a:pPr lvl="1"/>
+            <a:r>
+              <a:rPr lang="en-US" dirty="0"/>
+              <a:t>Web API implemented with Node.js (sources on </a:t>
+            </a:r>
+            <a:r>
+              <a:rPr lang="en-US" dirty="0">
+                <a:hlinkClick r:id="rId2"/>
+              </a:rPr>
+              <a:t>GitHub</a:t>
+            </a:r>
+            <a:r>
+              <a:rPr lang="en-US" dirty="0"/>
+              <a:t>, </a:t>
+            </a:r>
+            <a:r>
+              <a:rPr lang="en-US" dirty="0" err="1">
+                <a:hlinkClick r:id="rId3"/>
+              </a:rPr>
+              <a:t>Dockerfile</a:t>
+            </a:r>
+            <a:r>
+              <a:rPr lang="en-US" dirty="0"/>
+              <a:t>)</a:t>
+            </a:r>
+          </a:p>
+          <a:p>
+            <a:pPr lvl="1"/>
+            <a:r>
+              <a:rPr lang="en-US" dirty="0"/>
+              <a:t>Automated build of image in Docker Hub (</a:t>
+            </a:r>
+            <a:r>
+              <a:rPr lang="en-US" dirty="0" err="1">
+                <a:hlinkClick r:id="rId4"/>
+              </a:rPr>
+              <a:t>rstropek</a:t>
+            </a:r>
+            <a:r>
+              <a:rPr lang="en-US" dirty="0">
+                <a:hlinkClick r:id="rId4"/>
+              </a:rPr>
+              <a:t>/node-mongo-sample</a:t>
+            </a:r>
+            <a:r>
+              <a:rPr lang="en-US" dirty="0"/>
+              <a:t>)</a:t>
+            </a:r>
+          </a:p>
+          <a:p>
+            <a:pPr lvl="1"/>
+            <a:r>
+              <a:rPr lang="en-US" dirty="0"/>
+              <a:t>Uses MongoDB (Docker Hub image </a:t>
+            </a:r>
+            <a:r>
+              <a:rPr lang="en-US" i="1" dirty="0"/>
+              <a:t>mongo</a:t>
+            </a:r>
+            <a:r>
+              <a:rPr lang="en-US" dirty="0"/>
+              <a:t>) to store data</a:t>
+            </a:r>
+          </a:p>
+          <a:p>
+            <a:r>
+              <a:rPr lang="en-US" dirty="0"/>
+              <a:t>Your Job</a:t>
+            </a:r>
+          </a:p>
+          <a:p>
+            <a:pPr lvl="1"/>
+            <a:r>
+              <a:rPr lang="en-US" dirty="0"/>
+              <a:t>Deploy MongoDB to Kubernetes</a:t>
+            </a:r>
+          </a:p>
+          <a:p>
+            <a:pPr lvl="1"/>
+            <a:r>
+              <a:rPr lang="en-US" dirty="0"/>
+              <a:t>For debugging purposes, add a service to access MongoDB using e.g. </a:t>
+            </a:r>
+            <a:r>
+              <a:rPr lang="en-US" i="1" dirty="0" err="1"/>
+              <a:t>RoboMongo</a:t>
+            </a:r>
+            <a:endParaRPr lang="en-US" dirty="0"/>
+          </a:p>
+          <a:p>
+            <a:pPr lvl="1"/>
+            <a:r>
+              <a:rPr lang="en-US" dirty="0"/>
+              <a:t>Deploy </a:t>
+            </a:r>
+            <a:r>
+              <a:rPr lang="en-US" i="1" dirty="0" err="1"/>
+              <a:t>rstropek</a:t>
+            </a:r>
+            <a:r>
+              <a:rPr lang="en-US" i="1" dirty="0"/>
+              <a:t>/node-mongo-sample</a:t>
+            </a:r>
+            <a:r>
+              <a:rPr lang="en-US" dirty="0"/>
+              <a:t> (cluster of two replicas) and connect it to MongoDB</a:t>
+            </a:r>
+          </a:p>
+          <a:p>
+            <a:pPr lvl="1"/>
+            <a:r>
+              <a:rPr lang="en-US" dirty="0"/>
+              <a:t>Add a service that makes the Web API available on the network</a:t>
+            </a:r>
+          </a:p>
+        </p:txBody>
+      </p:sp>
+      <p:sp>
+        <p:nvSpPr>
+          <p:cNvPr id="9" name="Text Placeholder 8">
+            <a:extLst>
+              <a:ext uri="{FF2B5EF4-FFF2-40B4-BE49-F238E27FC236}">
+                <a16:creationId xmlns:a16="http://schemas.microsoft.com/office/drawing/2014/main" id="{F28CC680-E50B-459F-AFAA-6FB9672CD09F}"/>
+              </a:ext>
+            </a:extLst>
+          </p:cNvPr>
+          <p:cNvSpPr>
+            <a:spLocks noGrp="1"/>
+          </p:cNvSpPr>
+          <p:nvPr>
+            <p:ph type="body" sz="quarter" idx="23"/>
+          </p:nvPr>
+        </p:nvSpPr>
+        <p:spPr/>
+        <p:txBody>
+          <a:bodyPr/>
+          <a:lstStyle/>
+          <a:p>
+            <a:endParaRPr lang="en-US"/>
+          </a:p>
+        </p:txBody>
+      </p:sp>
+    </p:spTree>
+    <p:extLst>
+      <p:ext uri="{BB962C8B-B14F-4D97-AF65-F5344CB8AC3E}">
+        <p14:creationId xmlns:p14="http://schemas.microsoft.com/office/powerpoint/2010/main" val="3616903888"/>
+      </p:ext>
+    </p:extLst>
+  </p:cSld>
+  <p:clrMapOvr>
+    <a:masterClrMapping/>
+  </p:clrMapOvr>
+  <p:transition spd="slow">
+    <p:push/>
+  </p:transition>
+</p:sld>
+</file>
+
+<file path=ppt/slides/slide38.xml><?xml version="1.0" encoding="utf-8"?>
+<p:sld xmlns:a="http://schemas.openxmlformats.org/drawingml/2006/main" xmlns:r="http://schemas.openxmlformats.org/officeDocument/2006/relationships" xmlns:p="http://schemas.openxmlformats.org/presentationml/2006/main">
+  <p:cSld>
+    <p:spTree>
+      <p:nvGrpSpPr>
+        <p:cNvPr id="1" name=""/>
+        <p:cNvGrpSpPr/>
+        <p:nvPr/>
+      </p:nvGrpSpPr>
+      <p:grpSpPr>
+        <a:xfrm>
+          <a:off x="0" y="0"/>
+          <a:ext cx="0" cy="0"/>
+          <a:chOff x="0" y="0"/>
+          <a:chExt cx="0" cy="0"/>
+        </a:xfrm>
+      </p:grpSpPr>
+      <p:sp>
+        <p:nvSpPr>
+          <p:cNvPr id="2" name="Title 1">
+            <a:extLst>
+              <a:ext uri="{FF2B5EF4-FFF2-40B4-BE49-F238E27FC236}">
+                <a16:creationId xmlns:a16="http://schemas.microsoft.com/office/drawing/2014/main" id="{2A0334D8-9A3E-4AD0-B816-4869B0D2EF25}"/>
+              </a:ext>
+            </a:extLst>
+          </p:cNvPr>
+          <p:cNvSpPr>
+            <a:spLocks noGrp="1"/>
+          </p:cNvSpPr>
+          <p:nvPr>
+            <p:ph type="title"/>
+          </p:nvPr>
+        </p:nvSpPr>
+        <p:spPr/>
+        <p:txBody>
+          <a:bodyPr/>
+          <a:lstStyle/>
+          <a:p>
+            <a:r>
+              <a:rPr lang="en-US"/>
+              <a:t>Manifest</a:t>
+            </a:r>
+            <a:endParaRPr lang="en-US" dirty="0"/>
+          </a:p>
+        </p:txBody>
+      </p:sp>
+      <p:sp>
+        <p:nvSpPr>
+          <p:cNvPr id="3" name="Content Placeholder 2">
+            <a:extLst>
+              <a:ext uri="{FF2B5EF4-FFF2-40B4-BE49-F238E27FC236}">
+                <a16:creationId xmlns:a16="http://schemas.microsoft.com/office/drawing/2014/main" id="{88356D5B-5E65-4CD8-B009-D24FBBB78711}"/>
+              </a:ext>
+            </a:extLst>
+          </p:cNvPr>
+          <p:cNvSpPr>
+            <a:spLocks noGrp="1"/>
+          </p:cNvSpPr>
+          <p:nvPr>
+            <p:ph sz="quarter" idx="22"/>
+          </p:nvPr>
+        </p:nvSpPr>
+        <p:spPr/>
+        <p:txBody>
+          <a:bodyPr/>
+          <a:lstStyle/>
+          <a:p>
+            <a:r>
+              <a:rPr lang="en-US" sz="1000" noProof="1"/>
+              <a:t>apiVersion: apps/v1</a:t>
+            </a:r>
+          </a:p>
+          <a:p>
+            <a:r>
+              <a:rPr lang="en-US" sz="1000" noProof="1"/>
+              <a:t>kind: Deployment</a:t>
+            </a:r>
+          </a:p>
+          <a:p>
+            <a:r>
+              <a:rPr lang="en-US" sz="1000" noProof="1"/>
+              <a:t>metadata:</a:t>
+            </a:r>
+          </a:p>
+          <a:p>
+            <a:r>
+              <a:rPr lang="en-US" sz="1000" noProof="1"/>
+              <a:t>  name: event-db</a:t>
+            </a:r>
+          </a:p>
+          <a:p>
+            <a:r>
+              <a:rPr lang="en-US" sz="1000" noProof="1"/>
+              <a:t>spec:</a:t>
+            </a:r>
+          </a:p>
+          <a:p>
+            <a:r>
+              <a:rPr lang="en-US" sz="1000" noProof="1"/>
+              <a:t>  selector:</a:t>
+            </a:r>
+          </a:p>
+          <a:p>
+            <a:r>
+              <a:rPr lang="en-US" sz="1000" noProof="1"/>
+              <a:t>    matchLabels:</a:t>
+            </a:r>
+          </a:p>
+          <a:p>
+            <a:r>
+              <a:rPr lang="en-US" sz="1000" noProof="1"/>
+              <a:t>      app: event-db</a:t>
+            </a:r>
+          </a:p>
+          <a:p>
+            <a:r>
+              <a:rPr lang="en-US" sz="1000" noProof="1"/>
+              <a:t>  template:</a:t>
+            </a:r>
+          </a:p>
+          <a:p>
+            <a:r>
+              <a:rPr lang="en-US" sz="1000" noProof="1"/>
+              <a:t>    metadata:</a:t>
+            </a:r>
+          </a:p>
+          <a:p>
+            <a:r>
+              <a:rPr lang="en-US" sz="1000" noProof="1"/>
+              <a:t>      labels:</a:t>
+            </a:r>
+          </a:p>
+          <a:p>
+            <a:r>
+              <a:rPr lang="en-US" sz="1000" noProof="1"/>
+              <a:t>        app: event-db</a:t>
+            </a:r>
+          </a:p>
+          <a:p>
+            <a:r>
+              <a:rPr lang="en-US" sz="1000" noProof="1"/>
+              <a:t>    spec:</a:t>
+            </a:r>
+          </a:p>
+          <a:p>
+            <a:r>
+              <a:rPr lang="en-US" sz="1000" noProof="1"/>
+              <a:t>      containers:</a:t>
+            </a:r>
+          </a:p>
+          <a:p>
+            <a:r>
+              <a:rPr lang="en-US" sz="1000" noProof="1"/>
+              <a:t>      - name: event-db</a:t>
+            </a:r>
+          </a:p>
+          <a:p>
+            <a:r>
+              <a:rPr lang="en-US" sz="1000" noProof="1"/>
+              <a:t>        image: mongo</a:t>
+            </a:r>
+          </a:p>
+          <a:p>
+            <a:r>
+              <a:rPr lang="en-US" sz="1000" noProof="1"/>
+              <a:t>        ports:</a:t>
+            </a:r>
+          </a:p>
+          <a:p>
+            <a:r>
+              <a:rPr lang="en-US" sz="1000" noProof="1"/>
+              <a:t>        - containerPort: 27017</a:t>
+            </a:r>
+          </a:p>
+          <a:p>
+            <a:r>
+              <a:rPr lang="en-US" sz="1000" noProof="1"/>
+              <a:t>---</a:t>
+            </a:r>
+          </a:p>
+          <a:p>
+            <a:r>
+              <a:rPr lang="en-US" sz="1000" noProof="1"/>
+              <a:t>apiVersion: v1</a:t>
+            </a:r>
+          </a:p>
+          <a:p>
+            <a:r>
+              <a:rPr lang="en-US" sz="1000" noProof="1"/>
+              <a:t>kind: Service</a:t>
+            </a:r>
+          </a:p>
+          <a:p>
+            <a:r>
+              <a:rPr lang="en-US" sz="1000" noProof="1"/>
+              <a:t>metadata:</a:t>
+            </a:r>
+          </a:p>
+          <a:p>
+            <a:r>
+              <a:rPr lang="en-US" sz="1000" noProof="1"/>
+              <a:t>  name: event-db-svc</a:t>
+            </a:r>
+          </a:p>
+          <a:p>
+            <a:r>
+              <a:rPr lang="en-US" sz="1000" noProof="1"/>
+              <a:t>spec:</a:t>
+            </a:r>
+          </a:p>
+          <a:p>
+            <a:r>
+              <a:rPr lang="en-US" sz="1000" noProof="1"/>
+              <a:t>  selector:</a:t>
+            </a:r>
+          </a:p>
+          <a:p>
+            <a:r>
+              <a:rPr lang="en-US" sz="1000" noProof="1"/>
+              <a:t>    app: event-db</a:t>
+            </a:r>
+          </a:p>
+          <a:p>
+            <a:r>
+              <a:rPr lang="en-US" sz="1000" noProof="1"/>
+              <a:t>  ports:</a:t>
+            </a:r>
+          </a:p>
+          <a:p>
+            <a:r>
+              <a:rPr lang="en-US" sz="1000" noProof="1"/>
+              <a:t>  - port: 27017</a:t>
+            </a:r>
+          </a:p>
+          <a:p>
+            <a:r>
+              <a:rPr lang="en-US" sz="1000" noProof="1"/>
+              <a:t>    targetPort: 27017</a:t>
+            </a:r>
+          </a:p>
+          <a:p>
+            <a:r>
+              <a:rPr lang="en-US" sz="1000" noProof="1"/>
+              <a:t>  type: NodePort</a:t>
+            </a:r>
+          </a:p>
+        </p:txBody>
+      </p:sp>
+      <p:sp>
+        <p:nvSpPr>
+          <p:cNvPr id="4" name="Text Placeholder 3">
+            <a:extLst>
+              <a:ext uri="{FF2B5EF4-FFF2-40B4-BE49-F238E27FC236}">
+                <a16:creationId xmlns:a16="http://schemas.microsoft.com/office/drawing/2014/main" id="{1D18CB14-23F0-4C7A-AD53-4E984F2AA98F}"/>
+              </a:ext>
+            </a:extLst>
+          </p:cNvPr>
+          <p:cNvSpPr>
+            <a:spLocks noGrp="1"/>
+          </p:cNvSpPr>
+          <p:nvPr>
+            <p:ph type="body" sz="quarter" idx="23"/>
+          </p:nvPr>
+        </p:nvSpPr>
+        <p:spPr/>
+        <p:txBody>
+          <a:bodyPr/>
+          <a:lstStyle/>
+          <a:p>
+            <a:r>
+              <a:rPr lang="en-US" dirty="0"/>
+              <a:t>Mongo</a:t>
+            </a:r>
+          </a:p>
+        </p:txBody>
+      </p:sp>
+      <p:sp>
+        <p:nvSpPr>
+          <p:cNvPr id="5" name="Text Placeholder 4">
+            <a:extLst>
+              <a:ext uri="{FF2B5EF4-FFF2-40B4-BE49-F238E27FC236}">
+                <a16:creationId xmlns:a16="http://schemas.microsoft.com/office/drawing/2014/main" id="{DC07CEAD-1093-4ADD-919E-B0C338773CDC}"/>
+              </a:ext>
+            </a:extLst>
+          </p:cNvPr>
+          <p:cNvSpPr>
+            <a:spLocks noGrp="1"/>
+          </p:cNvSpPr>
+          <p:nvPr>
+            <p:ph type="body" sz="quarter" idx="24"/>
+          </p:nvPr>
+        </p:nvSpPr>
+        <p:spPr/>
+        <p:txBody>
+          <a:bodyPr/>
+          <a:lstStyle/>
+          <a:p>
+            <a:r>
+              <a:rPr lang="en-US" dirty="0"/>
+              <a:t>Tip: In real world, use stateful set</a:t>
+            </a:r>
+          </a:p>
+          <a:p>
+            <a:endParaRPr lang="en-US" dirty="0"/>
+          </a:p>
+        </p:txBody>
+      </p:sp>
+      <p:sp>
+        <p:nvSpPr>
+          <p:cNvPr id="6" name="Text Placeholder 5">
+            <a:extLst>
+              <a:ext uri="{FF2B5EF4-FFF2-40B4-BE49-F238E27FC236}">
+                <a16:creationId xmlns:a16="http://schemas.microsoft.com/office/drawing/2014/main" id="{D1DE23CE-C3E7-4D8C-BA43-FA87BA825AF2}"/>
+              </a:ext>
+            </a:extLst>
+          </p:cNvPr>
+          <p:cNvSpPr>
+            <a:spLocks noGrp="1"/>
+          </p:cNvSpPr>
+          <p:nvPr>
+            <p:ph type="body" sz="quarter" idx="25"/>
+          </p:nvPr>
+        </p:nvSpPr>
+        <p:spPr/>
+        <p:txBody>
+          <a:bodyPr/>
+          <a:lstStyle/>
+          <a:p>
+            <a:r>
+              <a:rPr lang="en-US" dirty="0">
+                <a:hlinkClick r:id="rId2"/>
+              </a:rPr>
+              <a:t>https://kubernetes.io/blog/2017/01/running-mongodb-on-kubernetes-with-statefulsets/</a:t>
+            </a:r>
+            <a:r>
+              <a:rPr lang="en-US" dirty="0"/>
+              <a:t> </a:t>
+            </a:r>
+          </a:p>
+        </p:txBody>
+      </p:sp>
+    </p:spTree>
+    <p:extLst>
+      <p:ext uri="{BB962C8B-B14F-4D97-AF65-F5344CB8AC3E}">
+        <p14:creationId xmlns:p14="http://schemas.microsoft.com/office/powerpoint/2010/main" val="1764902305"/>
+      </p:ext>
+    </p:extLst>
+  </p:cSld>
+  <p:clrMapOvr>
+    <a:masterClrMapping/>
+  </p:clrMapOvr>
+  <mc:AlternateContent xmlns:mc="http://schemas.openxmlformats.org/markup-compatibility/2006" xmlns:p14="http://schemas.microsoft.com/office/powerpoint/2010/main">
+    <mc:Choice Requires="p14">
+      <p:transition spd="med" p14:dur="700">
+        <p:fade/>
+      </p:transition>
+    </mc:Choice>
+    <mc:Fallback xmlns="">
+      <p:transition spd="med">
+        <p:fade/>
+      </p:transition>
+    </mc:Fallback>
+  </mc:AlternateContent>
+</p:sld>
+</file>
+
+<file path=ppt/slides/slide39.xml><?xml version="1.0" encoding="utf-8"?>
+<p:sld xmlns:a="http://schemas.openxmlformats.org/drawingml/2006/main" xmlns:r="http://schemas.openxmlformats.org/officeDocument/2006/relationships" xmlns:p="http://schemas.openxmlformats.org/presentationml/2006/main">
+  <p:cSld>
+    <p:spTree>
+      <p:nvGrpSpPr>
+        <p:cNvPr id="1" name=""/>
+        <p:cNvGrpSpPr/>
+        <p:nvPr/>
+      </p:nvGrpSpPr>
+      <p:grpSpPr>
+        <a:xfrm>
+          <a:off x="0" y="0"/>
+          <a:ext cx="0" cy="0"/>
+          <a:chOff x="0" y="0"/>
+          <a:chExt cx="0" cy="0"/>
+        </a:xfrm>
+      </p:grpSpPr>
+      <p:sp>
+        <p:nvSpPr>
+          <p:cNvPr id="2" name="Title 1">
+            <a:extLst>
+              <a:ext uri="{FF2B5EF4-FFF2-40B4-BE49-F238E27FC236}">
+                <a16:creationId xmlns:a16="http://schemas.microsoft.com/office/drawing/2014/main" id="{2A0334D8-9A3E-4AD0-B816-4869B0D2EF25}"/>
+              </a:ext>
+            </a:extLst>
+          </p:cNvPr>
+          <p:cNvSpPr>
+            <a:spLocks noGrp="1"/>
+          </p:cNvSpPr>
+          <p:nvPr>
+            <p:ph type="title"/>
+          </p:nvPr>
+        </p:nvSpPr>
+        <p:spPr/>
+        <p:txBody>
+          <a:bodyPr/>
+          <a:lstStyle/>
+          <a:p>
+            <a:r>
+              <a:rPr lang="en-US"/>
+              <a:t>Manifest</a:t>
+            </a:r>
+            <a:endParaRPr lang="en-US" dirty="0"/>
+          </a:p>
+        </p:txBody>
+      </p:sp>
+      <p:sp>
+        <p:nvSpPr>
+          <p:cNvPr id="3" name="Content Placeholder 2">
+            <a:extLst>
+              <a:ext uri="{FF2B5EF4-FFF2-40B4-BE49-F238E27FC236}">
+                <a16:creationId xmlns:a16="http://schemas.microsoft.com/office/drawing/2014/main" id="{88356D5B-5E65-4CD8-B009-D24FBBB78711}"/>
+              </a:ext>
+            </a:extLst>
+          </p:cNvPr>
+          <p:cNvSpPr>
+            <a:spLocks noGrp="1"/>
+          </p:cNvSpPr>
+          <p:nvPr>
+            <p:ph sz="quarter" idx="22"/>
+          </p:nvPr>
+        </p:nvSpPr>
+        <p:spPr/>
+        <p:txBody>
+          <a:bodyPr/>
+          <a:lstStyle/>
+          <a:p>
+            <a:r>
+              <a:rPr lang="en-US" sz="900" noProof="1"/>
+              <a:t>apiVersion: apps/v1</a:t>
+            </a:r>
+          </a:p>
+          <a:p>
+            <a:r>
+              <a:rPr lang="en-US" sz="900" noProof="1"/>
+              <a:t>kind: Deployment</a:t>
+            </a:r>
+          </a:p>
+          <a:p>
+            <a:r>
+              <a:rPr lang="en-US" sz="900" noProof="1"/>
+              <a:t>metadata:</a:t>
+            </a:r>
+          </a:p>
+          <a:p>
+            <a:r>
+              <a:rPr lang="en-US" sz="900" noProof="1"/>
+              <a:t>  name: api</a:t>
+            </a:r>
+          </a:p>
+          <a:p>
+            <a:r>
+              <a:rPr lang="en-US" sz="900" noProof="1"/>
+              <a:t>spec:</a:t>
+            </a:r>
+          </a:p>
+          <a:p>
+            <a:r>
+              <a:rPr lang="en-US" sz="900" noProof="1"/>
+              <a:t>  selector:</a:t>
+            </a:r>
+          </a:p>
+          <a:p>
+            <a:r>
+              <a:rPr lang="en-US" sz="900" noProof="1"/>
+              <a:t>    matchLabels:</a:t>
+            </a:r>
+          </a:p>
+          <a:p>
+            <a:r>
+              <a:rPr lang="en-US" sz="900" noProof="1"/>
+              <a:t>      app: api</a:t>
+            </a:r>
+          </a:p>
+          <a:p>
+            <a:r>
+              <a:rPr lang="en-US" sz="900" noProof="1"/>
+              <a:t>  replicas: 2</a:t>
+            </a:r>
+          </a:p>
+          <a:p>
+            <a:r>
+              <a:rPr lang="en-US" sz="900" noProof="1"/>
+              <a:t>  template:</a:t>
+            </a:r>
+          </a:p>
+          <a:p>
+            <a:r>
+              <a:rPr lang="en-US" sz="900" noProof="1"/>
+              <a:t>    metadata:</a:t>
+            </a:r>
+          </a:p>
+          <a:p>
+            <a:r>
+              <a:rPr lang="en-US" sz="900" noProof="1"/>
+              <a:t>      labels:</a:t>
+            </a:r>
+          </a:p>
+          <a:p>
+            <a:r>
+              <a:rPr lang="en-US" sz="900" noProof="1"/>
+              <a:t>        app: api</a:t>
+            </a:r>
+          </a:p>
+          <a:p>
+            <a:r>
+              <a:rPr lang="en-US" sz="900" noProof="1"/>
+              <a:t>    spec:</a:t>
+            </a:r>
+          </a:p>
+          <a:p>
+            <a:r>
+              <a:rPr lang="en-US" sz="900" noProof="1"/>
+              <a:t>      containers:</a:t>
+            </a:r>
+          </a:p>
+          <a:p>
+            <a:r>
+              <a:rPr lang="en-US" sz="900" noProof="1"/>
+              <a:t>      - name: api</a:t>
+            </a:r>
+          </a:p>
+          <a:p>
+            <a:r>
+              <a:rPr lang="en-US" sz="900" noProof="1"/>
+              <a:t>        image: rstropek/node-mongo-sample</a:t>
+            </a:r>
+          </a:p>
+          <a:p>
+            <a:r>
+              <a:rPr lang="en-US" sz="900" noProof="1"/>
+              <a:t>        ports:</a:t>
+            </a:r>
+          </a:p>
+          <a:p>
+            <a:r>
+              <a:rPr lang="en-US" sz="900" noProof="1"/>
+              <a:t>        - containerPort: 80</a:t>
+            </a:r>
+          </a:p>
+          <a:p>
+            <a:r>
+              <a:rPr lang="en-US" sz="900" noProof="1"/>
+              <a:t>        env:</a:t>
+            </a:r>
+          </a:p>
+          <a:p>
+            <a:r>
+              <a:rPr lang="en-US" sz="900" noProof="1"/>
+              <a:t>          - name: MONGO_URL</a:t>
+            </a:r>
+          </a:p>
+          <a:p>
+            <a:r>
+              <a:rPr lang="en-US" sz="900" noProof="1"/>
+              <a:t>            value: "mongodb://event-db-svc/member-management"</a:t>
+            </a:r>
+          </a:p>
+          <a:p>
+            <a:r>
+              <a:rPr lang="en-US" sz="900" noProof="1"/>
+              <a:t>---</a:t>
+            </a:r>
+          </a:p>
+          <a:p>
+            <a:r>
+              <a:rPr lang="en-US" sz="900" noProof="1"/>
+              <a:t>apiVersion: v1</a:t>
+            </a:r>
+          </a:p>
+          <a:p>
+            <a:r>
+              <a:rPr lang="en-US" sz="900" noProof="1"/>
+              <a:t>kind: Service</a:t>
+            </a:r>
+          </a:p>
+          <a:p>
+            <a:r>
+              <a:rPr lang="en-US" sz="900" noProof="1"/>
+              <a:t>metadata:</a:t>
+            </a:r>
+          </a:p>
+          <a:p>
+            <a:r>
+              <a:rPr lang="en-US" sz="900" noProof="1"/>
+              <a:t>  name: api-svc</a:t>
+            </a:r>
+          </a:p>
+          <a:p>
+            <a:r>
+              <a:rPr lang="en-US" sz="900" noProof="1"/>
+              <a:t>spec:</a:t>
+            </a:r>
+          </a:p>
+          <a:p>
+            <a:r>
+              <a:rPr lang="en-US" sz="900" noProof="1"/>
+              <a:t>  selector:</a:t>
+            </a:r>
+          </a:p>
+          <a:p>
+            <a:r>
+              <a:rPr lang="en-US" sz="900" noProof="1"/>
+              <a:t>    app: api</a:t>
+            </a:r>
+          </a:p>
+          <a:p>
+            <a:r>
+              <a:rPr lang="en-US" sz="900" noProof="1"/>
+              <a:t>  ports:</a:t>
+            </a:r>
+          </a:p>
+          <a:p>
+            <a:r>
+              <a:rPr lang="en-US" sz="900" noProof="1"/>
+              <a:t>  - port: 80</a:t>
+            </a:r>
+          </a:p>
+          <a:p>
+            <a:r>
+              <a:rPr lang="en-US" sz="900" noProof="1"/>
+              <a:t>    targetPort: 80</a:t>
+            </a:r>
+          </a:p>
+          <a:p>
+            <a:r>
+              <a:rPr lang="en-US" sz="900" noProof="1"/>
+              <a:t>  type: NodePort</a:t>
+            </a:r>
+          </a:p>
+        </p:txBody>
+      </p:sp>
+      <p:sp>
+        <p:nvSpPr>
+          <p:cNvPr id="4" name="Text Placeholder 3">
+            <a:extLst>
+              <a:ext uri="{FF2B5EF4-FFF2-40B4-BE49-F238E27FC236}">
+                <a16:creationId xmlns:a16="http://schemas.microsoft.com/office/drawing/2014/main" id="{1D18CB14-23F0-4C7A-AD53-4E984F2AA98F}"/>
+              </a:ext>
+            </a:extLst>
+          </p:cNvPr>
+          <p:cNvSpPr>
+            <a:spLocks noGrp="1"/>
+          </p:cNvSpPr>
+          <p:nvPr>
+            <p:ph type="body" sz="quarter" idx="23"/>
+          </p:nvPr>
+        </p:nvSpPr>
+        <p:spPr/>
+        <p:txBody>
+          <a:bodyPr/>
+          <a:lstStyle/>
+          <a:p>
+            <a:r>
+              <a:rPr lang="en-US" dirty="0"/>
+              <a:t>API</a:t>
+            </a:r>
+          </a:p>
+        </p:txBody>
+      </p:sp>
+      <p:sp>
+        <p:nvSpPr>
+          <p:cNvPr id="5" name="Text Placeholder 4">
+            <a:extLst>
+              <a:ext uri="{FF2B5EF4-FFF2-40B4-BE49-F238E27FC236}">
+                <a16:creationId xmlns:a16="http://schemas.microsoft.com/office/drawing/2014/main" id="{DC07CEAD-1093-4ADD-919E-B0C338773CDC}"/>
+              </a:ext>
+            </a:extLst>
+          </p:cNvPr>
+          <p:cNvSpPr>
+            <a:spLocks noGrp="1"/>
+          </p:cNvSpPr>
+          <p:nvPr>
+            <p:ph type="body" sz="quarter" idx="24"/>
+          </p:nvPr>
+        </p:nvSpPr>
+        <p:spPr/>
+        <p:txBody>
+          <a:bodyPr/>
+          <a:lstStyle/>
+          <a:p>
+            <a:endParaRPr lang="en-US" dirty="0"/>
+          </a:p>
+        </p:txBody>
+      </p:sp>
+      <p:sp>
+        <p:nvSpPr>
+          <p:cNvPr id="6" name="Text Placeholder 5">
+            <a:extLst>
+              <a:ext uri="{FF2B5EF4-FFF2-40B4-BE49-F238E27FC236}">
+                <a16:creationId xmlns:a16="http://schemas.microsoft.com/office/drawing/2014/main" id="{D1DE23CE-C3E7-4D8C-BA43-FA87BA825AF2}"/>
+              </a:ext>
+            </a:extLst>
+          </p:cNvPr>
+          <p:cNvSpPr>
+            <a:spLocks noGrp="1"/>
+          </p:cNvSpPr>
+          <p:nvPr>
+            <p:ph type="body" sz="quarter" idx="25"/>
+          </p:nvPr>
+        </p:nvSpPr>
+        <p:spPr/>
+        <p:txBody>
+          <a:bodyPr/>
+          <a:lstStyle/>
+          <a:p>
+            <a:endParaRPr lang="en-US" dirty="0"/>
+          </a:p>
+        </p:txBody>
+      </p:sp>
+    </p:spTree>
+    <p:extLst>
+      <p:ext uri="{BB962C8B-B14F-4D97-AF65-F5344CB8AC3E}">
+        <p14:creationId xmlns:p14="http://schemas.microsoft.com/office/powerpoint/2010/main" val="2756498968"/>
       </p:ext>
     </p:extLst>
   </p:cSld>
@@ -37739,6 +38846,266 @@
 </p:sld>
 </file>
 
+<file path=ppt/slides/slide40.xml><?xml version="1.0" encoding="utf-8"?>
+<p:sld xmlns:a="http://schemas.openxmlformats.org/drawingml/2006/main" xmlns:r="http://schemas.openxmlformats.org/officeDocument/2006/relationships" xmlns:p="http://schemas.openxmlformats.org/presentationml/2006/main">
+  <p:cSld>
+    <p:spTree>
+      <p:nvGrpSpPr>
+        <p:cNvPr id="1" name=""/>
+        <p:cNvGrpSpPr/>
+        <p:nvPr/>
+      </p:nvGrpSpPr>
+      <p:grpSpPr>
+        <a:xfrm>
+          <a:off x="0" y="0"/>
+          <a:ext cx="0" cy="0"/>
+          <a:chOff x="0" y="0"/>
+          <a:chExt cx="0" cy="0"/>
+        </a:xfrm>
+      </p:grpSpPr>
+      <p:sp>
+        <p:nvSpPr>
+          <p:cNvPr id="18" name="Text Placeholder 17"/>
+          <p:cNvSpPr>
+            <a:spLocks noGrp="1"/>
+          </p:cNvSpPr>
+          <p:nvPr>
+            <p:ph type="body" sz="quarter" idx="24"/>
+          </p:nvPr>
+        </p:nvSpPr>
+        <p:spPr/>
+        <p:txBody>
+          <a:bodyPr/>
+          <a:lstStyle/>
+          <a:p>
+            <a:r>
+              <a:rPr lang="en-US" dirty="0"/>
+              <a:t>Workshop</a:t>
+            </a:r>
+          </a:p>
+        </p:txBody>
+      </p:sp>
+      <p:pic>
+        <p:nvPicPr>
+          <p:cNvPr id="21" name="Content Placeholder 23"/>
+          <p:cNvPicPr>
+            <a:picLocks noGrp="1" noChangeAspect="1"/>
+          </p:cNvPicPr>
+          <p:nvPr>
+            <p:ph sz="quarter" idx="20"/>
+          </p:nvPr>
+        </p:nvPicPr>
+        <p:blipFill>
+          <a:blip r:embed="rId2" cstate="email">
+            <a:extLst>
+              <a:ext uri="{28A0092B-C50C-407E-A947-70E740481C1C}">
+                <a14:useLocalDpi xmlns:a14="http://schemas.microsoft.com/office/drawing/2010/main" val="0"/>
+              </a:ext>
+            </a:extLst>
+          </a:blip>
+          <a:stretch>
+            <a:fillRect/>
+          </a:stretch>
+        </p:blipFill>
+        <p:spPr/>
+      </p:pic>
+      <p:sp>
+        <p:nvSpPr>
+          <p:cNvPr id="13" name="Title 12"/>
+          <p:cNvSpPr>
+            <a:spLocks noGrp="1"/>
+          </p:cNvSpPr>
+          <p:nvPr>
+            <p:ph type="title"/>
+          </p:nvPr>
+        </p:nvSpPr>
+        <p:spPr/>
+        <p:txBody>
+          <a:bodyPr/>
+          <a:lstStyle/>
+          <a:p>
+            <a:r>
+              <a:rPr lang="en-US" dirty="0"/>
+              <a:t>Q&amp;A</a:t>
+            </a:r>
+          </a:p>
+        </p:txBody>
+      </p:sp>
+      <p:sp>
+        <p:nvSpPr>
+          <p:cNvPr id="14" name="Text Placeholder 13"/>
+          <p:cNvSpPr>
+            <a:spLocks noGrp="1"/>
+          </p:cNvSpPr>
+          <p:nvPr>
+            <p:ph type="body" sz="quarter" idx="12"/>
+          </p:nvPr>
+        </p:nvSpPr>
+        <p:spPr/>
+        <p:txBody>
+          <a:bodyPr/>
+          <a:lstStyle/>
+          <a:p>
+            <a:r>
+              <a:rPr lang="en-US" dirty="0"/>
+              <a:t>Rainer Stropek</a:t>
+            </a:r>
+          </a:p>
+        </p:txBody>
+      </p:sp>
+      <p:sp>
+        <p:nvSpPr>
+          <p:cNvPr id="31" name="Text Placeholder 30"/>
+          <p:cNvSpPr>
+            <a:spLocks noGrp="1"/>
+          </p:cNvSpPr>
+          <p:nvPr>
+            <p:ph type="body" sz="quarter" idx="13"/>
+          </p:nvPr>
+        </p:nvSpPr>
+        <p:spPr/>
+        <p:txBody>
+          <a:bodyPr/>
+          <a:lstStyle/>
+          <a:p>
+            <a:r>
+              <a:rPr lang="en-US" dirty="0"/>
+              <a:t>software architects </a:t>
+            </a:r>
+            <a:r>
+              <a:rPr lang="en-US" dirty="0" err="1"/>
+              <a:t>gmbh</a:t>
+            </a:r>
+            <a:endParaRPr lang="en-US" dirty="0"/>
+          </a:p>
+        </p:txBody>
+      </p:sp>
+      <p:sp>
+        <p:nvSpPr>
+          <p:cNvPr id="16" name="Text Placeholder 15"/>
+          <p:cNvSpPr>
+            <a:spLocks noGrp="1"/>
+          </p:cNvSpPr>
+          <p:nvPr>
+            <p:ph type="body" sz="quarter" idx="15"/>
+          </p:nvPr>
+        </p:nvSpPr>
+        <p:spPr/>
+        <p:txBody>
+          <a:bodyPr/>
+          <a:lstStyle/>
+          <a:p>
+            <a:r>
+              <a:rPr lang="en-US" dirty="0">
+                <a:hlinkClick r:id="rId3"/>
+              </a:rPr>
+              <a:t>http://www.timecockpit.com</a:t>
+            </a:r>
+            <a:endParaRPr lang="en-US" dirty="0"/>
+          </a:p>
+          <a:p>
+            <a:r>
+              <a:rPr lang="en-US" dirty="0">
+                <a:hlinkClick r:id="rId4"/>
+              </a:rPr>
+              <a:t>rainer@timecockpit.com</a:t>
+            </a:r>
+            <a:endParaRPr lang="en-US" dirty="0"/>
+          </a:p>
+          <a:p>
+            <a:r>
+              <a:rPr lang="en-US" dirty="0"/>
+              <a:t>@</a:t>
+            </a:r>
+            <a:r>
+              <a:rPr lang="en-US" dirty="0" err="1"/>
+              <a:t>rstropek</a:t>
+            </a:r>
+            <a:endParaRPr lang="en-US" dirty="0"/>
+          </a:p>
+        </p:txBody>
+      </p:sp>
+      <p:sp>
+        <p:nvSpPr>
+          <p:cNvPr id="19" name="Text Placeholder 18"/>
+          <p:cNvSpPr>
+            <a:spLocks noGrp="1"/>
+          </p:cNvSpPr>
+          <p:nvPr>
+            <p:ph type="body" sz="quarter" idx="25"/>
+          </p:nvPr>
+        </p:nvSpPr>
+        <p:spPr/>
+        <p:txBody>
+          <a:bodyPr/>
+          <a:lstStyle/>
+          <a:p>
+            <a:r>
+              <a:rPr lang="en-US" dirty="0"/>
+              <a:t>Thank you for attending!</a:t>
+            </a:r>
+          </a:p>
+        </p:txBody>
+      </p:sp>
+      <p:sp>
+        <p:nvSpPr>
+          <p:cNvPr id="20" name="Text Placeholder 19"/>
+          <p:cNvSpPr>
+            <a:spLocks noGrp="1"/>
+          </p:cNvSpPr>
+          <p:nvPr>
+            <p:ph type="body" sz="quarter" idx="26"/>
+          </p:nvPr>
+        </p:nvSpPr>
+        <p:spPr/>
+        <p:txBody>
+          <a:bodyPr/>
+          <a:lstStyle/>
+          <a:p>
+            <a:r>
+              <a:rPr lang="en-US" dirty="0"/>
+              <a:t>Web</a:t>
+            </a:r>
+          </a:p>
+          <a:p>
+            <a:r>
+              <a:rPr lang="en-US" dirty="0"/>
+              <a:t>Mail</a:t>
+            </a:r>
+          </a:p>
+          <a:p>
+            <a:r>
+              <a:rPr lang="en-US" dirty="0"/>
+              <a:t>Twitter</a:t>
+            </a:r>
+          </a:p>
+        </p:txBody>
+      </p:sp>
+    </p:spTree>
+    <p:extLst>
+      <p:ext uri="{BB962C8B-B14F-4D97-AF65-F5344CB8AC3E}">
+        <p14:creationId xmlns:p14="http://schemas.microsoft.com/office/powerpoint/2010/main" val="4103361406"/>
+      </p:ext>
+    </p:extLst>
+  </p:cSld>
+  <p:clrMapOvr>
+    <a:masterClrMapping/>
+  </p:clrMapOvr>
+  <mc:AlternateContent xmlns:mc="http://schemas.openxmlformats.org/markup-compatibility/2006" xmlns:p14="http://schemas.microsoft.com/office/powerpoint/2010/main">
+    <mc:Choice Requires="p14">
+      <p:transition spd="med" p14:dur="700">
+        <p:fade/>
+      </p:transition>
+    </mc:Choice>
+    <mc:Fallback xmlns="">
+      <p:transition spd="med">
+        <p:fade/>
+      </p:transition>
+    </mc:Fallback>
+  </mc:AlternateContent>
+</p:sld>
+</file>
+
 <file path=ppt/slides/slide5.xml><?xml version="1.0" encoding="utf-8"?>
 <p:sld xmlns:a="http://schemas.openxmlformats.org/drawingml/2006/main" xmlns:r="http://schemas.openxmlformats.org/officeDocument/2006/relationships" xmlns:p="http://schemas.openxmlformats.org/presentationml/2006/main">
   <p:cSld>
@@ -38236,7 +39603,7 @@
           <a:p>
             <a:r>
               <a:rPr lang="de-AT" dirty="0"/>
-              <a:t>Demo: API</a:t>
+              <a:t>Demo: Tokens</a:t>
             </a:r>
           </a:p>
         </p:txBody>
@@ -38264,13 +39631,13 @@
           <a:p>
             <a:r>
               <a:rPr lang="de-AT" sz="800" noProof="1"/>
-              <a:t>GET http://127.0.0.1:8001/api/v1/nodes</a:t>
+              <a:t># Get a list of secrets</a:t>
             </a:r>
           </a:p>
           <a:p>
             <a:r>
               <a:rPr lang="de-AT" sz="800" noProof="1"/>
-              <a:t>Accept: application/json</a:t>
+              <a:t>kubectl get secret</a:t>
             </a:r>
           </a:p>
           <a:p>
@@ -38279,13 +39646,13 @@
           <a:p>
             <a:r>
               <a:rPr lang="de-AT" sz="800" noProof="1"/>
-              <a:t>###</a:t>
+              <a:t># Get details of a secret (including JWT)</a:t>
             </a:r>
           </a:p>
           <a:p>
             <a:r>
               <a:rPr lang="de-AT" sz="800" noProof="1"/>
-              <a:t>GET http://127.0.0.1:8001/api/v1/namespaces/default/pods</a:t>
+              <a:t>kubectl describe secret &lt;name-of-secret&gt;</a:t>
             </a:r>
           </a:p>
           <a:p>
@@ -38294,186 +39661,36 @@
           <a:p>
             <a:r>
               <a:rPr lang="de-AT" sz="800" noProof="1"/>
-              <a:t>###</a:t>
+              <a:t># Access Kubernetes API directly to get a list of pods</a:t>
             </a:r>
           </a:p>
           <a:p>
             <a:r>
               <a:rPr lang="de-AT" sz="800" noProof="1"/>
-              <a:t>POST http://127.0.0.1:8001/api/v1/namespaces/default/pods</a:t>
+              <a:t># Note: Change IP, port, and namespace according to your environment</a:t>
             </a:r>
           </a:p>
           <a:p>
             <a:r>
               <a:rPr lang="de-AT" sz="800" noProof="1"/>
-              <a:t>Content-Type: application/json</a:t>
-            </a:r>
-          </a:p>
-          <a:p>
+              <a:t>GET </a:t>
+            </a:r>
+            <a:r>
+              <a:rPr lang="de-AT" sz="800" noProof="1">
+                <a:hlinkClick r:id="rId2"/>
+              </a:rPr>
+              <a:t>https://192.88.23.5:6443/api/v1/namespaces/student-r-stropek/pods</a:t>
+            </a:r>
             <a:endParaRPr lang="de-AT" sz="800" noProof="1"/>
           </a:p>
           <a:p>
             <a:r>
               <a:rPr lang="de-AT" sz="800" noProof="1"/>
-              <a:t>{</a:t>
-            </a:r>
-          </a:p>
-          <a:p>
-            <a:r>
-              <a:rPr lang="de-AT" sz="800" noProof="1"/>
-              <a:t>    "apiVersion": "v1",</a:t>
-            </a:r>
-          </a:p>
-          <a:p>
-            <a:r>
-              <a:rPr lang="de-AT" sz="800" noProof="1"/>
-              <a:t>    "kind": "Pod",</a:t>
-            </a:r>
-          </a:p>
-          <a:p>
-            <a:r>
-              <a:rPr lang="de-AT" sz="800" noProof="1"/>
-              <a:t>    "metadata": {</a:t>
-            </a:r>
-          </a:p>
-          <a:p>
-            <a:r>
-              <a:rPr lang="de-AT" sz="800" noProof="1"/>
-              <a:t>        "name": "api-demo-pod",</a:t>
-            </a:r>
-          </a:p>
-          <a:p>
-            <a:r>
-              <a:rPr lang="de-AT" sz="800" noProof="1"/>
-              <a:t>        "labels": {</a:t>
-            </a:r>
-          </a:p>
-          <a:p>
-            <a:r>
-              <a:rPr lang="de-AT" sz="800" noProof="1"/>
-              <a:t>            "app": "api-demo"</a:t>
-            </a:r>
-          </a:p>
-          <a:p>
-            <a:r>
-              <a:rPr lang="de-AT" sz="800" noProof="1"/>
-              <a:t>        }</a:t>
-            </a:r>
-          </a:p>
-          <a:p>
-            <a:r>
-              <a:rPr lang="de-AT" sz="800" noProof="1"/>
-              <a:t>    },</a:t>
-            </a:r>
-          </a:p>
-          <a:p>
-            <a:r>
-              <a:rPr lang="de-AT" sz="800" noProof="1"/>
-              <a:t>    "spec": {</a:t>
-            </a:r>
-          </a:p>
-          <a:p>
-            <a:r>
-              <a:rPr lang="de-AT" sz="800" noProof="1"/>
-              <a:t>        "containers": [</a:t>
-            </a:r>
-          </a:p>
-          <a:p>
-            <a:r>
-              <a:rPr lang="de-AT" sz="800" noProof="1"/>
-              <a:t>            {</a:t>
-            </a:r>
-          </a:p>
-          <a:p>
-            <a:r>
-              <a:rPr lang="de-AT" sz="800" noProof="1"/>
-              <a:t>                "name": "api-demo-pod",</a:t>
-            </a:r>
-          </a:p>
-          <a:p>
-            <a:r>
-              <a:rPr lang="de-AT" sz="800" noProof="1"/>
-              <a:t>                "image": "nginx:alpine",</a:t>
-            </a:r>
-          </a:p>
-          <a:p>
-            <a:r>
-              <a:rPr lang="de-AT" sz="800" noProof="1"/>
-              <a:t>                "ports": [</a:t>
-            </a:r>
-          </a:p>
-          <a:p>
-            <a:r>
-              <a:rPr lang="de-AT" sz="800" noProof="1"/>
-              <a:t>                    { "containerPort": 80 }</a:t>
-            </a:r>
-          </a:p>
-          <a:p>
-            <a:r>
-              <a:rPr lang="de-AT" sz="800" noProof="1"/>
-              <a:t>                ]</a:t>
-            </a:r>
-          </a:p>
-          <a:p>
-            <a:r>
-              <a:rPr lang="de-AT" sz="800" noProof="1"/>
-              <a:t>            }</a:t>
-            </a:r>
-          </a:p>
-          <a:p>
-            <a:r>
-              <a:rPr lang="de-AT" sz="800" noProof="1"/>
-              <a:t>        ]</a:t>
-            </a:r>
-          </a:p>
-          <a:p>
-            <a:r>
-              <a:rPr lang="de-AT" sz="800" noProof="1"/>
-              <a:t>    }</a:t>
-            </a:r>
-          </a:p>
-          <a:p>
-            <a:r>
-              <a:rPr lang="de-AT" sz="800" noProof="1"/>
-              <a:t>}</a:t>
+              <a:t>Authorization: &lt;your-jwt&gt;</a:t>
             </a:r>
           </a:p>
           <a:p>
             <a:endParaRPr lang="de-AT" sz="800" noProof="1"/>
-          </a:p>
-          <a:p>
-            <a:r>
-              <a:rPr lang="de-AT" sz="800" noProof="1"/>
-              <a:t>###</a:t>
-            </a:r>
-          </a:p>
-          <a:p>
-            <a:r>
-              <a:rPr lang="de-AT" sz="800" noProof="1"/>
-              <a:t>GET http://127.0.0.1:8001/api/v1/namespaces/default/pods?</a:t>
-            </a:r>
-            <a:br>
-              <a:rPr lang="de-AT" sz="800" noProof="1"/>
-            </a:br>
-            <a:r>
-              <a:rPr lang="de-AT" sz="800" noProof="1"/>
-              <a:t>		labelSelector=app%20in%20%28api-demo%29</a:t>
-            </a:r>
-          </a:p>
-          <a:p>
-            <a:endParaRPr lang="de-AT" sz="800" noProof="1"/>
-          </a:p>
-          <a:p>
-            <a:r>
-              <a:rPr lang="de-AT" sz="800" noProof="1"/>
-              <a:t>###</a:t>
-            </a:r>
-          </a:p>
-          <a:p>
-            <a:r>
-              <a:rPr lang="de-AT" sz="800" noProof="1"/>
-              <a:t>DELETE http://127.0.0.1:8001/api/v1/namespaces/default/pods/api-demo-pod</a:t>
-            </a:r>
           </a:p>
           <a:p>
             <a:endParaRPr lang="de-AT" sz="800" noProof="1"/>
@@ -38527,87 +39744,6 @@
           <a:lstStyle/>
           <a:p>
             <a:r>
-              <a:rPr lang="de-AT" sz="1600" dirty="0"/>
-              <a:t>API </a:t>
-            </a:r>
-            <a:r>
-              <a:rPr lang="de-AT" sz="1600" dirty="0" err="1"/>
-              <a:t>Docs</a:t>
-            </a:r>
-            <a:endParaRPr lang="de-AT" sz="1600" dirty="0"/>
-          </a:p>
-          <a:p>
-            <a:pPr lvl="1"/>
-            <a:r>
-              <a:rPr lang="de-AT" sz="1200" dirty="0">
-                <a:hlinkClick r:id="rId2"/>
-              </a:rPr>
-              <a:t>Read Nodes</a:t>
-            </a:r>
-            <a:endParaRPr lang="de-AT" sz="1200" dirty="0">
-              <a:hlinkClick r:id="rId3"/>
-            </a:endParaRPr>
-          </a:p>
-          <a:p>
-            <a:pPr lvl="1"/>
-            <a:r>
-              <a:rPr lang="de-AT" sz="1200" dirty="0">
-                <a:hlinkClick r:id="rId3"/>
-              </a:rPr>
-              <a:t>Create </a:t>
-            </a:r>
-            <a:r>
-              <a:rPr lang="de-AT" sz="1200" dirty="0" err="1">
-                <a:hlinkClick r:id="rId3"/>
-              </a:rPr>
-              <a:t>Pod</a:t>
-            </a:r>
-            <a:endParaRPr lang="de-AT" sz="1200" dirty="0"/>
-          </a:p>
-          <a:p>
-            <a:pPr lvl="1"/>
-            <a:r>
-              <a:rPr lang="de-AT" sz="1200" dirty="0">
-                <a:hlinkClick r:id="rId4"/>
-              </a:rPr>
-              <a:t>Delete </a:t>
-            </a:r>
-            <a:r>
-              <a:rPr lang="de-AT" sz="1200" dirty="0" err="1">
-                <a:hlinkClick r:id="rId4"/>
-              </a:rPr>
-              <a:t>Pod</a:t>
-            </a:r>
-            <a:endParaRPr lang="de-AT" sz="1200" dirty="0"/>
-          </a:p>
-          <a:p>
-            <a:r>
-              <a:rPr lang="de-AT" sz="1600" dirty="0">
-                <a:hlinkClick r:id="rId5"/>
-              </a:rPr>
-              <a:t>Label </a:t>
-            </a:r>
-            <a:r>
-              <a:rPr lang="de-AT" sz="1600" dirty="0" err="1">
-                <a:hlinkClick r:id="rId5"/>
-              </a:rPr>
-              <a:t>Selectors</a:t>
-            </a:r>
-            <a:endParaRPr lang="de-AT" sz="1600" dirty="0">
-              <a:hlinkClick r:id="rId6"/>
-            </a:endParaRPr>
-          </a:p>
-          <a:p>
-            <a:r>
-              <a:rPr lang="de-AT" sz="1600" dirty="0">
-                <a:hlinkClick r:id="rId6"/>
-              </a:rPr>
-              <a:t>https://www.json2yaml.com</a:t>
-            </a:r>
-            <a:endParaRPr lang="de-AT" sz="1600" dirty="0"/>
-          </a:p>
-          <a:p>
-            <a:r>
               <a:rPr lang="de-AT" sz="1600" dirty="0" err="1"/>
               <a:t>Tip</a:t>
             </a:r>
@@ -38629,15 +39765,7 @@
             </a:r>
             <a:r>
               <a:rPr lang="de-AT" sz="1600" dirty="0"/>
-              <a:t> </a:t>
-            </a:r>
-            <a:r>
-              <a:rPr lang="de-AT" sz="1600" dirty="0" err="1"/>
-              <a:t>for</a:t>
-            </a:r>
-            <a:r>
-              <a:rPr lang="de-AT" sz="1600" dirty="0"/>
-              <a:t> </a:t>
+              <a:t> for </a:t>
             </a:r>
             <a:r>
               <a:rPr lang="de-AT" sz="1600" dirty="0" err="1"/>
@@ -38686,11 +39814,14 @@
           <a:p>
             <a:r>
               <a:rPr lang="de-AT" dirty="0">
-                <a:hlinkClick r:id="rId7"/>
+                <a:hlinkClick r:id="rId3"/>
               </a:rPr>
-              <a:t>https://github.com/rstropek/DockerVS2015Intro/blob/master/dockerDemos/13-kube-intro/api-demo.http</a:t>
-            </a:r>
-            <a:endParaRPr lang="de-AT" dirty="0"/>
+              <a:t>https://kubernetes.io/docs/tasks/access-application-cluster/access-cluster/#without-kubectl-proxy</a:t>
+            </a:r>
+            <a:r>
+              <a:rPr lang="de-AT" dirty="0"/>
+              <a:t> </a:t>
+            </a:r>
           </a:p>
         </p:txBody>
       </p:sp>
@@ -38729,10 +39860,10 @@
       </p:grpSpPr>
       <p:sp>
         <p:nvSpPr>
-          <p:cNvPr id="2" name="Title 1">
+          <p:cNvPr id="5" name="Title 4">
             <a:extLst>
               <a:ext uri="{FF2B5EF4-FFF2-40B4-BE49-F238E27FC236}">
-                <a16:creationId xmlns:a16="http://schemas.microsoft.com/office/drawing/2014/main" id="{CC659F86-2E60-49FE-9E3B-1E8976697893}"/>
+                <a16:creationId xmlns:a16="http://schemas.microsoft.com/office/drawing/2014/main" id="{37F5451F-7420-4A20-BAAF-EDF67E2B6FD3}"/>
               </a:ext>
             </a:extLst>
           </p:cNvPr>
@@ -38749,22 +39880,18 @@
           <a:lstStyle/>
           <a:p>
             <a:r>
-              <a:rPr lang="de-AT" dirty="0" err="1"/>
-              <a:t>Kubernetes</a:t>
-            </a:r>
-            <a:r>
               <a:rPr lang="de-AT" dirty="0"/>
-              <a:t> 101</a:t>
+              <a:t>Demo: API</a:t>
             </a:r>
           </a:p>
         </p:txBody>
       </p:sp>
       <p:sp>
         <p:nvSpPr>
-          <p:cNvPr id="3" name="Content Placeholder 2">
+          <p:cNvPr id="6" name="Content Placeholder 5">
             <a:extLst>
               <a:ext uri="{FF2B5EF4-FFF2-40B4-BE49-F238E27FC236}">
-                <a16:creationId xmlns:a16="http://schemas.microsoft.com/office/drawing/2014/main" id="{D7EB6ABA-D7EB-40ED-9BDF-36F166D2A1FF}"/>
+                <a16:creationId xmlns:a16="http://schemas.microsoft.com/office/drawing/2014/main" id="{FD704B5B-76F3-4223-AF8D-2A4CE214C111}"/>
               </a:ext>
             </a:extLst>
           </p:cNvPr>
@@ -38772,7 +39899,7 @@
             <a:spLocks noGrp="1"/>
           </p:cNvSpPr>
           <p:nvPr>
-            <p:ph sz="quarter" idx="12"/>
+            <p:ph sz="quarter" idx="22"/>
           </p:nvPr>
         </p:nvSpPr>
         <p:spPr/>
@@ -38781,137 +39908,189 @@
           <a:lstStyle/>
           <a:p>
             <a:r>
-              <a:rPr lang="en-US" dirty="0">
-                <a:hlinkClick r:id="rId2"/>
-              </a:rPr>
-              <a:t>Pods</a:t>
-            </a:r>
-            <a:endParaRPr lang="en-US" dirty="0"/>
-          </a:p>
-          <a:p>
-            <a:pPr lvl="1"/>
-            <a:r>
-              <a:rPr lang="en-US" dirty="0"/>
-              <a:t>Typically one, sometimes multiple containers (tightly-coupled)</a:t>
-            </a:r>
-          </a:p>
-          <a:p>
-            <a:pPr lvl="1"/>
-            <a:r>
-              <a:rPr lang="en-US" dirty="0"/>
-              <a:t>Common Pod environment (e.g. IP address, </a:t>
-            </a:r>
-            <a:r>
-              <a:rPr lang="en-US" i="1" dirty="0"/>
-              <a:t>localhost</a:t>
-            </a:r>
-            <a:r>
-              <a:rPr lang="en-US" dirty="0"/>
-              <a:t>)</a:t>
-            </a:r>
-          </a:p>
-          <a:p>
-            <a:pPr lvl="1"/>
-            <a:r>
-              <a:rPr lang="en-US" dirty="0">
-                <a:sym typeface="Wingdings" panose="05000000000000000000" pitchFamily="2" charset="2"/>
-              </a:rPr>
-              <a:t>Atomic unit (all-or-nothing)</a:t>
-            </a:r>
-          </a:p>
-          <a:p>
-            <a:pPr lvl="1"/>
-            <a:r>
-              <a:rPr lang="en-US" dirty="0">
-                <a:sym typeface="Wingdings" panose="05000000000000000000" pitchFamily="2" charset="2"/>
-              </a:rPr>
-              <a:t>Tip: Don’t create pods directly, use controllers (e.g. </a:t>
-            </a:r>
-            <a:r>
-              <a:rPr lang="en-US" dirty="0">
-                <a:sym typeface="Wingdings" panose="05000000000000000000" pitchFamily="2" charset="2"/>
-                <a:hlinkClick r:id="rId3"/>
-              </a:rPr>
-              <a:t>deployments</a:t>
-            </a:r>
-            <a:r>
-              <a:rPr lang="en-US" dirty="0">
-                <a:sym typeface="Wingdings" panose="05000000000000000000" pitchFamily="2" charset="2"/>
-              </a:rPr>
-              <a:t>)</a:t>
-            </a:r>
-            <a:endParaRPr lang="en-US" dirty="0"/>
-          </a:p>
-          <a:p>
-            <a:r>
-              <a:rPr lang="en-US" dirty="0">
-                <a:hlinkClick r:id="rId4"/>
-              </a:rPr>
-              <a:t>Service</a:t>
-            </a:r>
-            <a:endParaRPr lang="en-US" dirty="0"/>
-          </a:p>
-          <a:p>
-            <a:pPr lvl="1"/>
-            <a:r>
-              <a:rPr lang="en-US" dirty="0"/>
-              <a:t>Each services gets its own stable IP address, DNS name, and port</a:t>
-            </a:r>
-          </a:p>
-          <a:p>
-            <a:pPr lvl="1"/>
-            <a:r>
-              <a:rPr lang="en-US" dirty="0"/>
-              <a:t>Uses </a:t>
-            </a:r>
-            <a:r>
-              <a:rPr lang="en-US" i="1" dirty="0"/>
-              <a:t>labels </a:t>
-            </a:r>
-            <a:r>
-              <a:rPr lang="en-US" dirty="0"/>
-              <a:t>to dynamically associate with Pods</a:t>
-            </a:r>
-          </a:p>
-          <a:p>
-            <a:pPr lvl="1"/>
-            <a:r>
-              <a:rPr lang="en-US" dirty="0"/>
-              <a:t>Load-balances requests across Pods</a:t>
-            </a:r>
-          </a:p>
-          <a:p>
-            <a:pPr lvl="1"/>
-            <a:r>
-              <a:rPr lang="en-US" dirty="0"/>
-              <a:t>Service type </a:t>
-            </a:r>
-            <a:r>
-              <a:rPr lang="en-US" i="1" dirty="0" err="1">
-                <a:hlinkClick r:id="rId5"/>
-              </a:rPr>
-              <a:t>LoadBalancer</a:t>
-            </a:r>
-            <a:r>
-              <a:rPr lang="en-US" dirty="0"/>
-              <a:t> </a:t>
-            </a:r>
-            <a:r>
-              <a:rPr lang="en-US" dirty="0">
-                <a:sym typeface="Wingdings" panose="05000000000000000000" pitchFamily="2" charset="2"/>
-              </a:rPr>
-              <a:t> make service available outside the cluster</a:t>
-            </a:r>
-            <a:endParaRPr lang="en-US" dirty="0"/>
+              <a:rPr lang="de-AT" sz="800" noProof="1"/>
+              <a:t>GET http://127.0.0.1:8001/api/v1/nodes</a:t>
+            </a:r>
+          </a:p>
+          <a:p>
+            <a:r>
+              <a:rPr lang="de-AT" sz="800" noProof="1"/>
+              <a:t>Accept: application/json</a:t>
+            </a:r>
+          </a:p>
+          <a:p>
+            <a:endParaRPr lang="de-AT" sz="800" noProof="1"/>
+          </a:p>
+          <a:p>
+            <a:r>
+              <a:rPr lang="de-AT" sz="800" noProof="1"/>
+              <a:t>###</a:t>
+            </a:r>
+          </a:p>
+          <a:p>
+            <a:r>
+              <a:rPr lang="de-AT" sz="800" noProof="1"/>
+              <a:t>GET http://127.0.0.1:8001/api/v1/namespaces/default/pods</a:t>
+            </a:r>
+          </a:p>
+          <a:p>
+            <a:endParaRPr lang="de-AT" sz="800" noProof="1"/>
+          </a:p>
+          <a:p>
+            <a:r>
+              <a:rPr lang="de-AT" sz="800" noProof="1"/>
+              <a:t>###</a:t>
+            </a:r>
+          </a:p>
+          <a:p>
+            <a:r>
+              <a:rPr lang="de-AT" sz="800" noProof="1"/>
+              <a:t>POST http://127.0.0.1:8001/api/v1/namespaces/default/pods</a:t>
+            </a:r>
+          </a:p>
+          <a:p>
+            <a:r>
+              <a:rPr lang="de-AT" sz="800" noProof="1"/>
+              <a:t>Content-Type: application/json</a:t>
+            </a:r>
+          </a:p>
+          <a:p>
+            <a:endParaRPr lang="de-AT" sz="800" noProof="1"/>
+          </a:p>
+          <a:p>
+            <a:r>
+              <a:rPr lang="de-AT" sz="800" noProof="1"/>
+              <a:t>{</a:t>
+            </a:r>
+          </a:p>
+          <a:p>
+            <a:r>
+              <a:rPr lang="de-AT" sz="800" noProof="1"/>
+              <a:t>    "apiVersion": "v1",</a:t>
+            </a:r>
+          </a:p>
+          <a:p>
+            <a:r>
+              <a:rPr lang="de-AT" sz="800" noProof="1"/>
+              <a:t>    "kind": "Pod",</a:t>
+            </a:r>
+          </a:p>
+          <a:p>
+            <a:r>
+              <a:rPr lang="de-AT" sz="800" noProof="1"/>
+              <a:t>    "metadata": {</a:t>
+            </a:r>
+          </a:p>
+          <a:p>
+            <a:r>
+              <a:rPr lang="de-AT" sz="800" noProof="1"/>
+              <a:t>        "name": "api-demo-pod",</a:t>
+            </a:r>
+          </a:p>
+          <a:p>
+            <a:r>
+              <a:rPr lang="de-AT" sz="800" noProof="1"/>
+              <a:t>        "labels": {</a:t>
+            </a:r>
+          </a:p>
+          <a:p>
+            <a:r>
+              <a:rPr lang="de-AT" sz="800" noProof="1"/>
+              <a:t>            "app": "api-demo"</a:t>
+            </a:r>
+          </a:p>
+          <a:p>
+            <a:r>
+              <a:rPr lang="de-AT" sz="800" noProof="1"/>
+              <a:t>        }</a:t>
+            </a:r>
+          </a:p>
+          <a:p>
+            <a:r>
+              <a:rPr lang="de-AT" sz="800" noProof="1"/>
+              <a:t>    },</a:t>
+            </a:r>
+          </a:p>
+          <a:p>
+            <a:r>
+              <a:rPr lang="de-AT" sz="800" noProof="1"/>
+              <a:t>    "spec": {</a:t>
+            </a:r>
+          </a:p>
+          <a:p>
+            <a:r>
+              <a:rPr lang="de-AT" sz="800" noProof="1"/>
+              <a:t>        "containers": [</a:t>
+            </a:r>
+          </a:p>
+          <a:p>
+            <a:r>
+              <a:rPr lang="de-AT" sz="800" noProof="1"/>
+              <a:t>            {</a:t>
+            </a:r>
+          </a:p>
+          <a:p>
+            <a:r>
+              <a:rPr lang="de-AT" sz="800" noProof="1"/>
+              <a:t>                "name": "api-demo-pod",</a:t>
+            </a:r>
+          </a:p>
+          <a:p>
+            <a:r>
+              <a:rPr lang="de-AT" sz="800" noProof="1"/>
+              <a:t>                "image": "nginx:alpine",</a:t>
+            </a:r>
+          </a:p>
+          <a:p>
+            <a:r>
+              <a:rPr lang="de-AT" sz="800" noProof="1"/>
+              <a:t>                "ports": [</a:t>
+            </a:r>
+          </a:p>
+          <a:p>
+            <a:r>
+              <a:rPr lang="de-AT" sz="800" noProof="1"/>
+              <a:t>                    { "containerPort": 80 }</a:t>
+            </a:r>
+          </a:p>
+          <a:p>
+            <a:r>
+              <a:rPr lang="de-AT" sz="800" noProof="1"/>
+              <a:t>                ]</a:t>
+            </a:r>
+          </a:p>
+          <a:p>
+            <a:r>
+              <a:rPr lang="de-AT" sz="800" noProof="1"/>
+              <a:t>            }</a:t>
+            </a:r>
+          </a:p>
+          <a:p>
+            <a:r>
+              <a:rPr lang="de-AT" sz="800" noProof="1"/>
+              <a:t>        ]</a:t>
+            </a:r>
+          </a:p>
+          <a:p>
+            <a:r>
+              <a:rPr lang="de-AT" sz="800" noProof="1"/>
+              <a:t>    }</a:t>
+            </a:r>
+          </a:p>
+          <a:p>
+            <a:r>
+              <a:rPr lang="de-AT" sz="800" noProof="1"/>
+              <a:t>}</a:t>
+            </a:r>
           </a:p>
         </p:txBody>
       </p:sp>
       <p:sp>
         <p:nvSpPr>
-          <p:cNvPr id="4" name="Text Placeholder 3">
+          <p:cNvPr id="7" name="Text Placeholder 6">
             <a:extLst>
               <a:ext uri="{FF2B5EF4-FFF2-40B4-BE49-F238E27FC236}">
-                <a16:creationId xmlns:a16="http://schemas.microsoft.com/office/drawing/2014/main" id="{C9906BC3-DCC4-442B-BE01-BD84D2061076}"/>
+                <a16:creationId xmlns:a16="http://schemas.microsoft.com/office/drawing/2014/main" id="{13E87A12-5543-4EB3-9575-E5EAC19E5608}"/>
               </a:ext>
             </a:extLst>
           </p:cNvPr>
@@ -38931,10 +40110,144 @@
           </a:p>
         </p:txBody>
       </p:sp>
+      <p:sp>
+        <p:nvSpPr>
+          <p:cNvPr id="8" name="Text Placeholder 7">
+            <a:extLst>
+              <a:ext uri="{FF2B5EF4-FFF2-40B4-BE49-F238E27FC236}">
+                <a16:creationId xmlns:a16="http://schemas.microsoft.com/office/drawing/2014/main" id="{F6AC8DC4-4401-4B38-B654-A6B815F1B12C}"/>
+              </a:ext>
+            </a:extLst>
+          </p:cNvPr>
+          <p:cNvSpPr>
+            <a:spLocks noGrp="1"/>
+          </p:cNvSpPr>
+          <p:nvPr>
+            <p:ph type="body" sz="quarter" idx="24"/>
+          </p:nvPr>
+        </p:nvSpPr>
+        <p:spPr/>
+        <p:txBody>
+          <a:bodyPr/>
+          <a:lstStyle/>
+          <a:p>
+            <a:r>
+              <a:rPr lang="de-AT" sz="1600" dirty="0"/>
+              <a:t>API </a:t>
+            </a:r>
+            <a:r>
+              <a:rPr lang="de-AT" sz="1600" dirty="0" err="1"/>
+              <a:t>Docs</a:t>
+            </a:r>
+            <a:endParaRPr lang="de-AT" sz="1600" dirty="0"/>
+          </a:p>
+          <a:p>
+            <a:pPr lvl="1"/>
+            <a:r>
+              <a:rPr lang="de-AT" sz="1200" dirty="0">
+                <a:hlinkClick r:id="rId2"/>
+              </a:rPr>
+              <a:t>Read Nodes</a:t>
+            </a:r>
+            <a:endParaRPr lang="de-AT" sz="1200" dirty="0">
+              <a:hlinkClick r:id="rId3"/>
+            </a:endParaRPr>
+          </a:p>
+          <a:p>
+            <a:pPr lvl="1"/>
+            <a:r>
+              <a:rPr lang="de-AT" sz="1200" dirty="0">
+                <a:hlinkClick r:id="rId3"/>
+              </a:rPr>
+              <a:t>Create </a:t>
+            </a:r>
+            <a:r>
+              <a:rPr lang="de-AT" sz="1200" dirty="0" err="1">
+                <a:hlinkClick r:id="rId3"/>
+              </a:rPr>
+              <a:t>Pod</a:t>
+            </a:r>
+            <a:endParaRPr lang="de-AT" sz="1200" dirty="0"/>
+          </a:p>
+          <a:p>
+            <a:pPr lvl="1"/>
+            <a:r>
+              <a:rPr lang="de-AT" sz="1200" dirty="0">
+                <a:hlinkClick r:id="rId4"/>
+              </a:rPr>
+              <a:t>Delete </a:t>
+            </a:r>
+            <a:r>
+              <a:rPr lang="de-AT" sz="1200" dirty="0" err="1">
+                <a:hlinkClick r:id="rId4"/>
+              </a:rPr>
+              <a:t>Pod</a:t>
+            </a:r>
+            <a:endParaRPr lang="de-AT" sz="1200" dirty="0"/>
+          </a:p>
+          <a:p>
+            <a:r>
+              <a:rPr lang="de-AT" sz="1600" dirty="0">
+                <a:hlinkClick r:id="rId5"/>
+              </a:rPr>
+              <a:t>Label </a:t>
+            </a:r>
+            <a:r>
+              <a:rPr lang="de-AT" sz="1600" dirty="0" err="1">
+                <a:hlinkClick r:id="rId5"/>
+              </a:rPr>
+              <a:t>Selectors</a:t>
+            </a:r>
+            <a:endParaRPr lang="de-AT" sz="1600" dirty="0">
+              <a:hlinkClick r:id="rId6"/>
+            </a:endParaRPr>
+          </a:p>
+          <a:p>
+            <a:r>
+              <a:rPr lang="de-AT" sz="1600" dirty="0">
+                <a:hlinkClick r:id="rId6"/>
+              </a:rPr>
+              <a:t>https://www.json2yaml.com</a:t>
+            </a:r>
+            <a:endParaRPr lang="de-AT" sz="1600" dirty="0"/>
+          </a:p>
+        </p:txBody>
+      </p:sp>
+      <p:sp>
+        <p:nvSpPr>
+          <p:cNvPr id="9" name="Text Placeholder 8">
+            <a:extLst>
+              <a:ext uri="{FF2B5EF4-FFF2-40B4-BE49-F238E27FC236}">
+                <a16:creationId xmlns:a16="http://schemas.microsoft.com/office/drawing/2014/main" id="{6B3649CD-17F0-48A9-A753-B36C867D096A}"/>
+              </a:ext>
+            </a:extLst>
+          </p:cNvPr>
+          <p:cNvSpPr>
+            <a:spLocks noGrp="1"/>
+          </p:cNvSpPr>
+          <p:nvPr>
+            <p:ph type="body" sz="quarter" idx="25"/>
+          </p:nvPr>
+        </p:nvSpPr>
+        <p:spPr/>
+        <p:txBody>
+          <a:bodyPr/>
+          <a:lstStyle/>
+          <a:p>
+            <a:r>
+              <a:rPr lang="de-AT" dirty="0">
+                <a:hlinkClick r:id="rId7"/>
+              </a:rPr>
+              <a:t>https://github.com/rstropek/DockerVS2015Intro/blob/master/dockerDemos/13-kube-intro/api-demo.http</a:t>
+            </a:r>
+            <a:endParaRPr lang="de-AT" dirty="0"/>
+          </a:p>
+        </p:txBody>
+      </p:sp>
     </p:spTree>
     <p:extLst>
       <p:ext uri="{BB962C8B-B14F-4D97-AF65-F5344CB8AC3E}">
-        <p14:creationId xmlns:p14="http://schemas.microsoft.com/office/powerpoint/2010/main" val="2529194463"/>
+        <p14:creationId xmlns:p14="http://schemas.microsoft.com/office/powerpoint/2010/main" val="814987998"/>
       </p:ext>
     </p:extLst>
   </p:cSld>
@@ -38966,10 +40279,10 @@
       </p:grpSpPr>
       <p:sp>
         <p:nvSpPr>
-          <p:cNvPr id="2" name="Title 1">
+          <p:cNvPr id="5" name="Title 4">
             <a:extLst>
               <a:ext uri="{FF2B5EF4-FFF2-40B4-BE49-F238E27FC236}">
-                <a16:creationId xmlns:a16="http://schemas.microsoft.com/office/drawing/2014/main" id="{CC659F86-2E60-49FE-9E3B-1E8976697893}"/>
+                <a16:creationId xmlns:a16="http://schemas.microsoft.com/office/drawing/2014/main" id="{37F5451F-7420-4A20-BAAF-EDF67E2B6FD3}"/>
               </a:ext>
             </a:extLst>
           </p:cNvPr>
@@ -38986,18 +40299,18 @@
           <a:lstStyle/>
           <a:p>
             <a:r>
-              <a:rPr lang="en-US"/>
-              <a:t>Kubernetes 101</a:t>
+              <a:rPr lang="de-AT" dirty="0"/>
+              <a:t>Demo: API</a:t>
             </a:r>
           </a:p>
         </p:txBody>
       </p:sp>
       <p:sp>
         <p:nvSpPr>
-          <p:cNvPr id="3" name="Content Placeholder 2">
+          <p:cNvPr id="6" name="Content Placeholder 5">
             <a:extLst>
               <a:ext uri="{FF2B5EF4-FFF2-40B4-BE49-F238E27FC236}">
-                <a16:creationId xmlns:a16="http://schemas.microsoft.com/office/drawing/2014/main" id="{D7EB6ABA-D7EB-40ED-9BDF-36F166D2A1FF}"/>
+                <a16:creationId xmlns:a16="http://schemas.microsoft.com/office/drawing/2014/main" id="{FD704B5B-76F3-4223-AF8D-2A4CE214C111}"/>
               </a:ext>
             </a:extLst>
           </p:cNvPr>
@@ -39005,7 +40318,7 @@
             <a:spLocks noGrp="1"/>
           </p:cNvSpPr>
           <p:nvPr>
-            <p:ph sz="quarter" idx="12"/>
+            <p:ph sz="quarter" idx="22"/>
           </p:nvPr>
         </p:nvSpPr>
         <p:spPr/>
@@ -39014,150 +40327,160 @@
           <a:lstStyle/>
           <a:p>
             <a:r>
-              <a:rPr lang="en-US">
+              <a:rPr lang="de-AT" sz="800" noProof="1"/>
+              <a:t>### DASHBOARD</a:t>
+            </a:r>
+          </a:p>
+          <a:p>
+            <a:r>
+              <a:rPr lang="de-AT" sz="800" noProof="1"/>
+              <a:t># Find out name of services</a:t>
+            </a:r>
+          </a:p>
+          <a:p>
+            <a:r>
+              <a:rPr lang="de-AT" sz="800" noProof="1"/>
+              <a:t>kubectl get service</a:t>
+            </a:r>
+          </a:p>
+          <a:p>
+            <a:endParaRPr lang="de-AT" sz="800" noProof="1"/>
+          </a:p>
+          <a:p>
+            <a:r>
+              <a:rPr lang="de-AT" sz="800" noProof="1"/>
+              <a:t># Start authenticated proxy</a:t>
+            </a:r>
+          </a:p>
+          <a:p>
+            <a:r>
+              <a:rPr lang="de-AT" sz="800" noProof="1"/>
+              <a:t>kubectl proxy</a:t>
+            </a:r>
+          </a:p>
+          <a:p>
+            <a:endParaRPr lang="de-AT" sz="800" noProof="1"/>
+          </a:p>
+          <a:p>
+            <a:r>
+              <a:rPr lang="de-AT" sz="800" noProof="1"/>
+              <a:t># Note: Change your namespace accordingly</a:t>
+            </a:r>
+          </a:p>
+          <a:p>
+            <a:r>
+              <a:rPr lang="de-AT" sz="800" noProof="1">
                 <a:hlinkClick r:id="rId2"/>
               </a:rPr>
-              <a:t>ReplicaSet</a:t>
-            </a:r>
-            <a:r>
-              <a:rPr lang="en-US"/>
-              <a:t> (aka </a:t>
-            </a:r>
-            <a:r>
-              <a:rPr lang="en-US">
-                <a:hlinkClick r:id="rId3"/>
-              </a:rPr>
-              <a:t>ReplicationController</a:t>
-            </a:r>
-            <a:r>
-              <a:rPr lang="en-US"/>
-              <a:t>)</a:t>
-            </a:r>
-          </a:p>
-          <a:p>
-            <a:pPr lvl="1"/>
-            <a:r>
-              <a:rPr lang="en-US"/>
-              <a:t>Number of replicas for a Pod</a:t>
-            </a:r>
-          </a:p>
-          <a:p>
-            <a:pPr lvl="1"/>
-            <a:r>
-              <a:rPr lang="en-US" i="1"/>
-              <a:t>Desired State</a:t>
-            </a:r>
-            <a:r>
-              <a:rPr lang="en-US"/>
-              <a:t> and </a:t>
-            </a:r>
-            <a:r>
-              <a:rPr lang="en-US" i="1"/>
-              <a:t>Current State</a:t>
-            </a:r>
-          </a:p>
-          <a:p>
-            <a:pPr lvl="1"/>
-            <a:r>
-              <a:rPr lang="en-US"/>
-              <a:t>Tip: Don’t create manually, use </a:t>
-            </a:r>
-            <a:r>
-              <a:rPr lang="en-US">
-                <a:sym typeface="Wingdings" panose="05000000000000000000" pitchFamily="2" charset="2"/>
-                <a:hlinkClick r:id="rId4"/>
-              </a:rPr>
-              <a:t>deployments</a:t>
-            </a:r>
-            <a:endParaRPr lang="en-US"/>
-          </a:p>
-          <a:p>
-            <a:r>
-              <a:rPr lang="en-US">
-                <a:hlinkClick r:id="rId4"/>
-              </a:rPr>
-              <a:t>Deployments</a:t>
-            </a:r>
-            <a:endParaRPr lang="en-US"/>
-          </a:p>
-          <a:p>
-            <a:pPr lvl="1"/>
-            <a:r>
-              <a:rPr lang="en-US"/>
-              <a:t>Replication controller + </a:t>
-            </a:r>
-            <a:r>
-              <a:rPr lang="en-US" i="1"/>
-              <a:t>rolling updates</a:t>
-            </a:r>
-          </a:p>
-          <a:p>
-            <a:r>
-              <a:rPr lang="en-US"/>
-              <a:t>Other Workload (not covered in detail here)</a:t>
-            </a:r>
-          </a:p>
-          <a:p>
-            <a:pPr lvl="1"/>
-            <a:r>
-              <a:rPr lang="en-US">
-                <a:hlinkClick r:id="rId5"/>
-              </a:rPr>
-              <a:t>CronJob</a:t>
-            </a:r>
-            <a:endParaRPr lang="en-US"/>
-          </a:p>
-          <a:p>
-            <a:pPr lvl="1"/>
-            <a:r>
-              <a:rPr lang="en-US">
-                <a:hlinkClick r:id="rId6"/>
-              </a:rPr>
-              <a:t>DaemonSet</a:t>
-            </a:r>
-            <a:r>
-              <a:rPr lang="en-US"/>
-              <a:t> (run copy of a pod on every node)</a:t>
-            </a:r>
-          </a:p>
-          <a:p>
-            <a:pPr lvl="1"/>
-            <a:r>
-              <a:rPr lang="en-US">
-                <a:hlinkClick r:id="rId7"/>
-              </a:rPr>
-              <a:t>Jobs</a:t>
-            </a:r>
-            <a:endParaRPr lang="en-US"/>
-          </a:p>
-          <a:p>
-            <a:pPr lvl="1"/>
-            <a:r>
-              <a:rPr lang="en-US">
-                <a:hlinkClick r:id="rId8"/>
-              </a:rPr>
-              <a:t>StatefulSets</a:t>
-            </a:r>
-            <a:r>
-              <a:rPr lang="en-US"/>
-              <a:t> (like deployments, but optimized for stateful applications)</a:t>
-            </a:r>
-          </a:p>
-          <a:p>
-            <a:pPr lvl="1"/>
-            <a:endParaRPr lang="en-US"/>
-          </a:p>
-          <a:p>
-            <a:endParaRPr lang="en-US"/>
+              <a:t>http://localhost:8001/api/v1/namespaces/student-r-stropek/services/https:kubernetes-dashboard:443/proxy/#/overview?namespace=student-r-stropek</a:t>
+            </a:r>
+            <a:endParaRPr lang="de-AT" sz="800" noProof="1"/>
+          </a:p>
+          <a:p>
+            <a:endParaRPr lang="de-AT" sz="800" noProof="1"/>
+          </a:p>
+          <a:p>
+            <a:endParaRPr lang="de-AT" sz="800" noProof="1"/>
+          </a:p>
+          <a:p>
+            <a:endParaRPr lang="de-AT" sz="800" noProof="1"/>
+          </a:p>
+          <a:p>
+            <a:endParaRPr lang="de-AT" sz="800" noProof="1"/>
+          </a:p>
+          <a:p>
+            <a:r>
+              <a:rPr lang="de-AT" sz="800" noProof="1"/>
+              <a:t>### Access created port</a:t>
+            </a:r>
+          </a:p>
+          <a:p>
+            <a:r>
+              <a:rPr lang="de-AT" sz="800" noProof="1"/>
+              <a:t># Create port forwarding for pod</a:t>
+            </a:r>
+          </a:p>
+          <a:p>
+            <a:r>
+              <a:rPr lang="de-AT" sz="800" noProof="1"/>
+              <a:t>kubectl port-forward api-demo-pod :80</a:t>
+            </a:r>
+          </a:p>
+          <a:p>
+            <a:endParaRPr lang="de-AT" sz="800" noProof="1"/>
+          </a:p>
+          <a:p>
+            <a:r>
+              <a:rPr lang="de-AT" sz="800" noProof="1"/>
+              <a:t># Note: Change port accordingly</a:t>
+            </a:r>
+          </a:p>
+          <a:p>
+            <a:r>
+              <a:rPr lang="de-AT" sz="800" noProof="1"/>
+              <a:t>GET http://127.0.0.1:42973</a:t>
+            </a:r>
+          </a:p>
+          <a:p>
+            <a:endParaRPr lang="de-AT" sz="800" noProof="1"/>
+          </a:p>
+          <a:p>
+            <a:endParaRPr lang="de-AT" sz="800" noProof="1"/>
+          </a:p>
+          <a:p>
+            <a:endParaRPr lang="de-AT" sz="800" noProof="1"/>
+          </a:p>
+          <a:p>
+            <a:endParaRPr lang="de-AT" sz="800" noProof="1"/>
+          </a:p>
+          <a:p>
+            <a:r>
+              <a:rPr lang="de-AT" sz="800" noProof="1"/>
+              <a:t>###</a:t>
+            </a:r>
+          </a:p>
+          <a:p>
+            <a:r>
+              <a:rPr lang="de-AT" sz="800" noProof="1"/>
+              <a:t>GET http://127.0.0.1:8001/api/v1/namespaces/default/pods?</a:t>
+            </a:r>
+            <a:br>
+              <a:rPr lang="de-AT" sz="800" noProof="1"/>
+            </a:br>
+            <a:r>
+              <a:rPr lang="de-AT" sz="800" noProof="1"/>
+              <a:t>		labelSelector=app%20in%20%28api-demo%29</a:t>
+            </a:r>
+          </a:p>
+          <a:p>
+            <a:endParaRPr lang="de-AT" sz="800" noProof="1"/>
+          </a:p>
+          <a:p>
+            <a:r>
+              <a:rPr lang="de-AT" sz="800" noProof="1"/>
+              <a:t>###</a:t>
+            </a:r>
+          </a:p>
+          <a:p>
+            <a:r>
+              <a:rPr lang="de-AT" sz="800" noProof="1"/>
+              <a:t>DELETE http://127.0.0.1:8001/api/v1/namespaces/default/pods/api-demo-pod</a:t>
+            </a:r>
+          </a:p>
+          <a:p>
+            <a:endParaRPr lang="de-AT" sz="800" noProof="1"/>
+          </a:p>
+          <a:p>
+            <a:endParaRPr lang="de-AT" sz="800" noProof="1"/>
           </a:p>
         </p:txBody>
       </p:sp>
       <p:sp>
         <p:nvSpPr>
-          <p:cNvPr id="4" name="Text Placeholder 3">
+          <p:cNvPr id="7" name="Text Placeholder 6">
             <a:extLst>
               <a:ext uri="{FF2B5EF4-FFF2-40B4-BE49-F238E27FC236}">
-                <a16:creationId xmlns:a16="http://schemas.microsoft.com/office/drawing/2014/main" id="{C9906BC3-DCC4-442B-BE01-BD84D2061076}"/>
+                <a16:creationId xmlns:a16="http://schemas.microsoft.com/office/drawing/2014/main" id="{13E87A12-5543-4EB3-9575-E5EAC19E5608}"/>
               </a:ext>
             </a:extLst>
           </p:cNvPr>
@@ -39173,14 +40496,144 @@
           <a:bodyPr/>
           <a:lstStyle/>
           <a:p>
-            <a:endParaRPr lang="en-US"/>
+            <a:endParaRPr lang="de-AT"/>
+          </a:p>
+        </p:txBody>
+      </p:sp>
+      <p:sp>
+        <p:nvSpPr>
+          <p:cNvPr id="8" name="Text Placeholder 7">
+            <a:extLst>
+              <a:ext uri="{FF2B5EF4-FFF2-40B4-BE49-F238E27FC236}">
+                <a16:creationId xmlns:a16="http://schemas.microsoft.com/office/drawing/2014/main" id="{F6AC8DC4-4401-4B38-B654-A6B815F1B12C}"/>
+              </a:ext>
+            </a:extLst>
+          </p:cNvPr>
+          <p:cNvSpPr>
+            <a:spLocks noGrp="1"/>
+          </p:cNvSpPr>
+          <p:nvPr>
+            <p:ph type="body" sz="quarter" idx="24"/>
+          </p:nvPr>
+        </p:nvSpPr>
+        <p:spPr/>
+        <p:txBody>
+          <a:bodyPr/>
+          <a:lstStyle/>
+          <a:p>
+            <a:r>
+              <a:rPr lang="de-AT" sz="1600" dirty="0"/>
+              <a:t>Find </a:t>
+            </a:r>
+            <a:r>
+              <a:rPr lang="de-AT" sz="1600" dirty="0" err="1"/>
+              <a:t>pod</a:t>
+            </a:r>
+            <a:r>
+              <a:rPr lang="de-AT" sz="1600" dirty="0"/>
+              <a:t> in </a:t>
+            </a:r>
+            <a:r>
+              <a:rPr lang="de-AT" sz="1600" dirty="0" err="1"/>
+              <a:t>dashboard</a:t>
+            </a:r>
+            <a:endParaRPr lang="de-AT" sz="1600" dirty="0"/>
+          </a:p>
+          <a:p>
+            <a:pPr lvl="1"/>
+            <a:r>
+              <a:rPr lang="de-AT" sz="1200" dirty="0">
+                <a:hlinkClick r:id="rId3"/>
+              </a:rPr>
+              <a:t>K8s </a:t>
+            </a:r>
+            <a:r>
+              <a:rPr lang="de-AT" sz="1200" dirty="0" err="1">
+                <a:hlinkClick r:id="rId3"/>
+              </a:rPr>
+              <a:t>dashboard</a:t>
+            </a:r>
+            <a:r>
+              <a:rPr lang="de-AT" sz="1200" dirty="0">
+                <a:hlinkClick r:id="rId3"/>
+              </a:rPr>
+              <a:t> </a:t>
+            </a:r>
+            <a:r>
+              <a:rPr lang="de-AT" sz="1200" dirty="0" err="1">
+                <a:hlinkClick r:id="rId3"/>
+              </a:rPr>
+              <a:t>with</a:t>
+            </a:r>
+            <a:r>
+              <a:rPr lang="de-AT" sz="1200" dirty="0">
+                <a:hlinkClick r:id="rId3"/>
+              </a:rPr>
+              <a:t> Docker Desktop</a:t>
+            </a:r>
+            <a:endParaRPr lang="de-AT" sz="1200" dirty="0"/>
+          </a:p>
+          <a:p>
+            <a:r>
+              <a:rPr lang="de-AT" sz="1600" dirty="0"/>
+              <a:t>Access </a:t>
+            </a:r>
+            <a:r>
+              <a:rPr lang="de-AT" sz="1600" dirty="0" err="1"/>
+              <a:t>created</a:t>
+            </a:r>
+            <a:r>
+              <a:rPr lang="de-AT" sz="1600" dirty="0"/>
+              <a:t> </a:t>
+            </a:r>
+            <a:r>
+              <a:rPr lang="de-AT" sz="1600" dirty="0" err="1"/>
+              <a:t>pod</a:t>
+            </a:r>
+            <a:endParaRPr lang="de-AT" sz="1600" dirty="0"/>
+          </a:p>
+          <a:p>
+            <a:r>
+              <a:rPr lang="de-AT" sz="1600" dirty="0"/>
+              <a:t>Remove </a:t>
+            </a:r>
+            <a:r>
+              <a:rPr lang="de-AT" sz="1600" dirty="0" err="1"/>
+              <a:t>pod</a:t>
+            </a:r>
+            <a:endParaRPr lang="de-AT" sz="1600" dirty="0"/>
+          </a:p>
+        </p:txBody>
+      </p:sp>
+      <p:sp>
+        <p:nvSpPr>
+          <p:cNvPr id="9" name="Text Placeholder 8">
+            <a:extLst>
+              <a:ext uri="{FF2B5EF4-FFF2-40B4-BE49-F238E27FC236}">
+                <a16:creationId xmlns:a16="http://schemas.microsoft.com/office/drawing/2014/main" id="{6B3649CD-17F0-48A9-A753-B36C867D096A}"/>
+              </a:ext>
+            </a:extLst>
+          </p:cNvPr>
+          <p:cNvSpPr>
+            <a:spLocks noGrp="1"/>
+          </p:cNvSpPr>
+          <p:nvPr>
+            <p:ph type="body" sz="quarter" idx="25"/>
+          </p:nvPr>
+        </p:nvSpPr>
+        <p:spPr/>
+        <p:txBody>
+          <a:bodyPr/>
+          <a:lstStyle/>
+          <a:p>
+            <a:endParaRPr lang="de-AT" dirty="0"/>
           </a:p>
         </p:txBody>
       </p:sp>
     </p:spTree>
     <p:extLst>
       <p:ext uri="{BB962C8B-B14F-4D97-AF65-F5344CB8AC3E}">
-        <p14:creationId xmlns:p14="http://schemas.microsoft.com/office/powerpoint/2010/main" val="3294490111"/>
+        <p14:creationId xmlns:p14="http://schemas.microsoft.com/office/powerpoint/2010/main" val="2076201573"/>
       </p:ext>
     </p:extLst>
   </p:cSld>
